--- a/daimyo_tucker/fig.pptx
+++ b/daimyo_tucker/fig.pptx
@@ -6,8 +6,9 @@
   </p:sldMasterIdLst>
   <p:sldIdLst>
     <p:sldId id="260" r:id="rId2"/>
-    <p:sldId id="259" r:id="rId3"/>
-    <p:sldId id="258" r:id="rId4"/>
+    <p:sldId id="261" r:id="rId3"/>
+    <p:sldId id="259" r:id="rId4"/>
+    <p:sldId id="258" r:id="rId5"/>
   </p:sldIdLst>
   <p:sldSz cx="9144000" cy="6858000" type="screen4x3"/>
   <p:notesSz cx="6858000" cy="9144000"/>
@@ -488,6 +489,1098 @@
           <a:chExt cx="0" cy="0"/>
         </a:xfrm>
       </p:grpSpPr>
+      <p:sp>
+        <p:nvSpPr>
+          <p:cNvPr id="2" name="正方形/長方形 1"/>
+          <p:cNvSpPr/>
+          <p:nvPr/>
+        </p:nvSpPr>
+        <p:spPr>
+          <a:xfrm>
+            <a:off x="971600" y="1268760"/>
+            <a:ext cx="720080" cy="720080"/>
+          </a:xfrm>
+          <a:prstGeom prst="rect">
+            <a:avLst/>
+          </a:prstGeom>
+          <a:solidFill>
+            <a:schemeClr val="accent1">
+              <a:lumMod val="20000"/>
+              <a:lumOff val="80000"/>
+            </a:schemeClr>
+          </a:solidFill>
+          <a:ln>
+            <a:solidFill>
+              <a:schemeClr val="tx1"/>
+            </a:solidFill>
+          </a:ln>
+        </p:spPr>
+        <p:style>
+          <a:lnRef idx="2">
+            <a:schemeClr val="accent1">
+              <a:shade val="50000"/>
+            </a:schemeClr>
+          </a:lnRef>
+          <a:fillRef idx="1">
+            <a:schemeClr val="accent1"/>
+          </a:fillRef>
+          <a:effectRef idx="0">
+            <a:schemeClr val="accent1"/>
+          </a:effectRef>
+          <a:fontRef idx="minor">
+            <a:schemeClr val="lt1"/>
+          </a:fontRef>
+        </p:style>
+        <p:txBody>
+          <a:bodyPr rtlCol="0" anchor="ctr"/>
+          <a:lstStyle/>
+          <a:p>
+            <a:pPr algn="ctr"/>
+            <a:r>
+              <a:rPr kumimoji="1" lang="en-US" altLang="ja-JP" sz="3600" dirty="0" smtClean="0">
+                <a:solidFill>
+                  <a:schemeClr val="tx1"/>
+                </a:solidFill>
+              </a:rPr>
+              <a:t>A</a:t>
+            </a:r>
+            <a:endParaRPr kumimoji="1" lang="ja-JP" altLang="en-US" sz="3600" dirty="0">
+              <a:solidFill>
+                <a:schemeClr val="tx1"/>
+              </a:solidFill>
+            </a:endParaRPr>
+          </a:p>
+        </p:txBody>
+      </p:sp>
+      <p:sp>
+        <p:nvSpPr>
+          <p:cNvPr id="3" name="正方形/長方形 2"/>
+          <p:cNvSpPr/>
+          <p:nvPr/>
+        </p:nvSpPr>
+        <p:spPr>
+          <a:xfrm>
+            <a:off x="2411760" y="1268760"/>
+            <a:ext cx="720080" cy="720080"/>
+          </a:xfrm>
+          <a:prstGeom prst="rect">
+            <a:avLst/>
+          </a:prstGeom>
+          <a:solidFill>
+            <a:schemeClr val="accent2">
+              <a:lumMod val="20000"/>
+              <a:lumOff val="80000"/>
+            </a:schemeClr>
+          </a:solidFill>
+          <a:ln>
+            <a:solidFill>
+              <a:schemeClr val="tx1"/>
+            </a:solidFill>
+          </a:ln>
+        </p:spPr>
+        <p:style>
+          <a:lnRef idx="2">
+            <a:schemeClr val="accent1">
+              <a:shade val="50000"/>
+            </a:schemeClr>
+          </a:lnRef>
+          <a:fillRef idx="1">
+            <a:schemeClr val="accent1"/>
+          </a:fillRef>
+          <a:effectRef idx="0">
+            <a:schemeClr val="accent1"/>
+          </a:effectRef>
+          <a:fontRef idx="minor">
+            <a:schemeClr val="lt1"/>
+          </a:fontRef>
+        </p:style>
+        <p:txBody>
+          <a:bodyPr rtlCol="0" anchor="ctr"/>
+          <a:lstStyle/>
+          <a:p>
+            <a:pPr algn="ctr"/>
+            <a:r>
+              <a:rPr kumimoji="1" lang="en-US" altLang="ja-JP" sz="3600" dirty="0" smtClean="0">
+                <a:solidFill>
+                  <a:schemeClr val="tx1"/>
+                </a:solidFill>
+              </a:rPr>
+              <a:t>B</a:t>
+            </a:r>
+            <a:endParaRPr kumimoji="1" lang="ja-JP" altLang="en-US" sz="3600" dirty="0">
+              <a:solidFill>
+                <a:schemeClr val="tx1"/>
+              </a:solidFill>
+            </a:endParaRPr>
+          </a:p>
+        </p:txBody>
+      </p:sp>
+      <p:cxnSp>
+        <p:nvCxnSpPr>
+          <p:cNvPr id="5" name="直線コネクタ 4"/>
+          <p:cNvCxnSpPr/>
+          <p:nvPr/>
+        </p:nvCxnSpPr>
+        <p:spPr>
+          <a:xfrm>
+            <a:off x="1115616" y="1988840"/>
+            <a:ext cx="0" cy="360040"/>
+          </a:xfrm>
+          <a:prstGeom prst="line">
+            <a:avLst/>
+          </a:prstGeom>
+          <a:ln w="12700">
+            <a:solidFill>
+              <a:schemeClr val="tx1"/>
+            </a:solidFill>
+          </a:ln>
+        </p:spPr>
+        <p:style>
+          <a:lnRef idx="1">
+            <a:schemeClr val="accent1"/>
+          </a:lnRef>
+          <a:fillRef idx="0">
+            <a:schemeClr val="accent1"/>
+          </a:fillRef>
+          <a:effectRef idx="0">
+            <a:schemeClr val="accent1"/>
+          </a:effectRef>
+          <a:fontRef idx="minor">
+            <a:schemeClr val="tx1"/>
+          </a:fontRef>
+        </p:style>
+      </p:cxnSp>
+      <p:cxnSp>
+        <p:nvCxnSpPr>
+          <p:cNvPr id="6" name="直線コネクタ 5"/>
+          <p:cNvCxnSpPr/>
+          <p:nvPr/>
+        </p:nvCxnSpPr>
+        <p:spPr>
+          <a:xfrm>
+            <a:off x="1547664" y="1988840"/>
+            <a:ext cx="0" cy="360040"/>
+          </a:xfrm>
+          <a:prstGeom prst="line">
+            <a:avLst/>
+          </a:prstGeom>
+          <a:ln w="12700">
+            <a:solidFill>
+              <a:schemeClr val="tx1"/>
+            </a:solidFill>
+          </a:ln>
+        </p:spPr>
+        <p:style>
+          <a:lnRef idx="1">
+            <a:schemeClr val="accent1"/>
+          </a:lnRef>
+          <a:fillRef idx="0">
+            <a:schemeClr val="accent1"/>
+          </a:fillRef>
+          <a:effectRef idx="0">
+            <a:schemeClr val="accent1"/>
+          </a:effectRef>
+          <a:fontRef idx="minor">
+            <a:schemeClr val="tx1"/>
+          </a:fontRef>
+        </p:style>
+      </p:cxnSp>
+      <p:cxnSp>
+        <p:nvCxnSpPr>
+          <p:cNvPr id="7" name="直線コネクタ 6"/>
+          <p:cNvCxnSpPr/>
+          <p:nvPr/>
+        </p:nvCxnSpPr>
+        <p:spPr>
+          <a:xfrm>
+            <a:off x="2555776" y="1988840"/>
+            <a:ext cx="0" cy="360040"/>
+          </a:xfrm>
+          <a:prstGeom prst="line">
+            <a:avLst/>
+          </a:prstGeom>
+          <a:ln w="12700">
+            <a:solidFill>
+              <a:schemeClr val="tx1"/>
+            </a:solidFill>
+          </a:ln>
+        </p:spPr>
+        <p:style>
+          <a:lnRef idx="1">
+            <a:schemeClr val="accent1"/>
+          </a:lnRef>
+          <a:fillRef idx="0">
+            <a:schemeClr val="accent1"/>
+          </a:fillRef>
+          <a:effectRef idx="0">
+            <a:schemeClr val="accent1"/>
+          </a:effectRef>
+          <a:fontRef idx="minor">
+            <a:schemeClr val="tx1"/>
+          </a:fontRef>
+        </p:style>
+      </p:cxnSp>
+      <p:cxnSp>
+        <p:nvCxnSpPr>
+          <p:cNvPr id="8" name="直線コネクタ 7"/>
+          <p:cNvCxnSpPr/>
+          <p:nvPr/>
+        </p:nvCxnSpPr>
+        <p:spPr>
+          <a:xfrm>
+            <a:off x="2987824" y="1988840"/>
+            <a:ext cx="0" cy="360040"/>
+          </a:xfrm>
+          <a:prstGeom prst="line">
+            <a:avLst/>
+          </a:prstGeom>
+          <a:ln w="12700">
+            <a:solidFill>
+              <a:schemeClr val="tx1"/>
+            </a:solidFill>
+          </a:ln>
+        </p:spPr>
+        <p:style>
+          <a:lnRef idx="1">
+            <a:schemeClr val="accent1"/>
+          </a:lnRef>
+          <a:fillRef idx="0">
+            <a:schemeClr val="accent1"/>
+          </a:fillRef>
+          <a:effectRef idx="0">
+            <a:schemeClr val="accent1"/>
+          </a:effectRef>
+          <a:fontRef idx="minor">
+            <a:schemeClr val="tx1"/>
+          </a:fontRef>
+        </p:style>
+      </p:cxnSp>
+      <p:sp>
+        <p:nvSpPr>
+          <p:cNvPr id="9" name="テキスト ボックス 8"/>
+          <p:cNvSpPr txBox="1"/>
+          <p:nvPr/>
+        </p:nvSpPr>
+        <p:spPr>
+          <a:xfrm>
+            <a:off x="955008" y="2267580"/>
+            <a:ext cx="369012" cy="369332"/>
+          </a:xfrm>
+          <a:prstGeom prst="rect">
+            <a:avLst/>
+          </a:prstGeom>
+          <a:noFill/>
+        </p:spPr>
+        <p:txBody>
+          <a:bodyPr wrap="none" rtlCol="0">
+            <a:spAutoFit/>
+          </a:bodyPr>
+          <a:lstStyle/>
+          <a:p>
+            <a:r>
+              <a:rPr kumimoji="1" lang="en-US" altLang="ja-JP" dirty="0" smtClean="0"/>
+              <a:t>m</a:t>
+            </a:r>
+            <a:endParaRPr kumimoji="1" lang="ja-JP" altLang="en-US" dirty="0"/>
+          </a:p>
+        </p:txBody>
+      </p:sp>
+      <p:sp>
+        <p:nvSpPr>
+          <p:cNvPr id="10" name="テキスト ボックス 9"/>
+          <p:cNvSpPr txBox="1"/>
+          <p:nvPr/>
+        </p:nvSpPr>
+        <p:spPr>
+          <a:xfrm>
+            <a:off x="1387056" y="2276872"/>
+            <a:ext cx="306494" cy="369332"/>
+          </a:xfrm>
+          <a:prstGeom prst="rect">
+            <a:avLst/>
+          </a:prstGeom>
+          <a:noFill/>
+        </p:spPr>
+        <p:txBody>
+          <a:bodyPr wrap="none" rtlCol="0">
+            <a:spAutoFit/>
+          </a:bodyPr>
+          <a:lstStyle/>
+          <a:p>
+            <a:r>
+              <a:rPr lang="en-US" altLang="ja-JP" dirty="0"/>
+              <a:t>n</a:t>
+            </a:r>
+            <a:endParaRPr kumimoji="1" lang="ja-JP" altLang="en-US" dirty="0"/>
+          </a:p>
+        </p:txBody>
+      </p:sp>
+      <p:sp>
+        <p:nvSpPr>
+          <p:cNvPr id="11" name="テキスト ボックス 10"/>
+          <p:cNvSpPr txBox="1"/>
+          <p:nvPr/>
+        </p:nvSpPr>
+        <p:spPr>
+          <a:xfrm>
+            <a:off x="2432112" y="2276872"/>
+            <a:ext cx="306494" cy="369332"/>
+          </a:xfrm>
+          <a:prstGeom prst="rect">
+            <a:avLst/>
+          </a:prstGeom>
+          <a:noFill/>
+        </p:spPr>
+        <p:txBody>
+          <a:bodyPr wrap="none" rtlCol="0">
+            <a:spAutoFit/>
+          </a:bodyPr>
+          <a:lstStyle/>
+          <a:p>
+            <a:r>
+              <a:rPr lang="en-US" altLang="ja-JP" dirty="0"/>
+              <a:t>n</a:t>
+            </a:r>
+            <a:endParaRPr kumimoji="1" lang="ja-JP" altLang="en-US" dirty="0"/>
+          </a:p>
+        </p:txBody>
+      </p:sp>
+      <p:sp>
+        <p:nvSpPr>
+          <p:cNvPr id="12" name="テキスト ボックス 11"/>
+          <p:cNvSpPr txBox="1"/>
+          <p:nvPr/>
+        </p:nvSpPr>
+        <p:spPr>
+          <a:xfrm>
+            <a:off x="2864160" y="2286164"/>
+            <a:ext cx="237566" cy="369332"/>
+          </a:xfrm>
+          <a:prstGeom prst="rect">
+            <a:avLst/>
+          </a:prstGeom>
+          <a:noFill/>
+        </p:spPr>
+        <p:txBody>
+          <a:bodyPr wrap="none" rtlCol="0">
+            <a:spAutoFit/>
+          </a:bodyPr>
+          <a:lstStyle/>
+          <a:p>
+            <a:r>
+              <a:rPr lang="en-US" altLang="ja-JP" dirty="0" smtClean="0"/>
+              <a:t>l</a:t>
+            </a:r>
+            <a:endParaRPr kumimoji="1" lang="ja-JP" altLang="en-US" dirty="0"/>
+          </a:p>
+        </p:txBody>
+      </p:sp>
+      <p:sp>
+        <p:nvSpPr>
+          <p:cNvPr id="20" name="正方形/長方形 19"/>
+          <p:cNvSpPr/>
+          <p:nvPr/>
+        </p:nvSpPr>
+        <p:spPr>
+          <a:xfrm>
+            <a:off x="5292080" y="1268760"/>
+            <a:ext cx="720080" cy="720080"/>
+          </a:xfrm>
+          <a:prstGeom prst="rect">
+            <a:avLst/>
+          </a:prstGeom>
+          <a:solidFill>
+            <a:schemeClr val="accent1">
+              <a:lumMod val="20000"/>
+              <a:lumOff val="80000"/>
+            </a:schemeClr>
+          </a:solidFill>
+          <a:ln>
+            <a:solidFill>
+              <a:schemeClr val="tx1"/>
+            </a:solidFill>
+          </a:ln>
+        </p:spPr>
+        <p:style>
+          <a:lnRef idx="2">
+            <a:schemeClr val="accent1">
+              <a:shade val="50000"/>
+            </a:schemeClr>
+          </a:lnRef>
+          <a:fillRef idx="1">
+            <a:schemeClr val="accent1"/>
+          </a:fillRef>
+          <a:effectRef idx="0">
+            <a:schemeClr val="accent1"/>
+          </a:effectRef>
+          <a:fontRef idx="minor">
+            <a:schemeClr val="lt1"/>
+          </a:fontRef>
+        </p:style>
+        <p:txBody>
+          <a:bodyPr rtlCol="0" anchor="ctr"/>
+          <a:lstStyle/>
+          <a:p>
+            <a:pPr algn="ctr"/>
+            <a:r>
+              <a:rPr kumimoji="1" lang="en-US" altLang="ja-JP" sz="3600" dirty="0" smtClean="0">
+                <a:solidFill>
+                  <a:schemeClr val="tx1"/>
+                </a:solidFill>
+              </a:rPr>
+              <a:t>A</a:t>
+            </a:r>
+            <a:endParaRPr kumimoji="1" lang="ja-JP" altLang="en-US" sz="3600" dirty="0">
+              <a:solidFill>
+                <a:schemeClr val="tx1"/>
+              </a:solidFill>
+            </a:endParaRPr>
+          </a:p>
+        </p:txBody>
+      </p:sp>
+      <p:sp>
+        <p:nvSpPr>
+          <p:cNvPr id="21" name="正方形/長方形 20"/>
+          <p:cNvSpPr/>
+          <p:nvPr/>
+        </p:nvSpPr>
+        <p:spPr>
+          <a:xfrm>
+            <a:off x="6444208" y="1268760"/>
+            <a:ext cx="720080" cy="720080"/>
+          </a:xfrm>
+          <a:prstGeom prst="rect">
+            <a:avLst/>
+          </a:prstGeom>
+          <a:solidFill>
+            <a:schemeClr val="accent2">
+              <a:lumMod val="20000"/>
+              <a:lumOff val="80000"/>
+            </a:schemeClr>
+          </a:solidFill>
+          <a:ln>
+            <a:solidFill>
+              <a:schemeClr val="tx1"/>
+            </a:solidFill>
+          </a:ln>
+        </p:spPr>
+        <p:style>
+          <a:lnRef idx="2">
+            <a:schemeClr val="accent1">
+              <a:shade val="50000"/>
+            </a:schemeClr>
+          </a:lnRef>
+          <a:fillRef idx="1">
+            <a:schemeClr val="accent1"/>
+          </a:fillRef>
+          <a:effectRef idx="0">
+            <a:schemeClr val="accent1"/>
+          </a:effectRef>
+          <a:fontRef idx="minor">
+            <a:schemeClr val="lt1"/>
+          </a:fontRef>
+        </p:style>
+        <p:txBody>
+          <a:bodyPr rtlCol="0" anchor="ctr"/>
+          <a:lstStyle/>
+          <a:p>
+            <a:pPr algn="ctr"/>
+            <a:r>
+              <a:rPr kumimoji="1" lang="en-US" altLang="ja-JP" sz="3600" dirty="0" smtClean="0">
+                <a:solidFill>
+                  <a:schemeClr val="tx1"/>
+                </a:solidFill>
+              </a:rPr>
+              <a:t>B</a:t>
+            </a:r>
+            <a:endParaRPr kumimoji="1" lang="ja-JP" altLang="en-US" sz="3600" dirty="0">
+              <a:solidFill>
+                <a:schemeClr val="tx1"/>
+              </a:solidFill>
+            </a:endParaRPr>
+          </a:p>
+        </p:txBody>
+      </p:sp>
+      <p:cxnSp>
+        <p:nvCxnSpPr>
+          <p:cNvPr id="22" name="直線コネクタ 21"/>
+          <p:cNvCxnSpPr/>
+          <p:nvPr/>
+        </p:nvCxnSpPr>
+        <p:spPr>
+          <a:xfrm>
+            <a:off x="5652120" y="1988840"/>
+            <a:ext cx="0" cy="360040"/>
+          </a:xfrm>
+          <a:prstGeom prst="line">
+            <a:avLst/>
+          </a:prstGeom>
+          <a:ln w="12700">
+            <a:solidFill>
+              <a:schemeClr val="tx1"/>
+            </a:solidFill>
+          </a:ln>
+        </p:spPr>
+        <p:style>
+          <a:lnRef idx="1">
+            <a:schemeClr val="accent1"/>
+          </a:lnRef>
+          <a:fillRef idx="0">
+            <a:schemeClr val="accent1"/>
+          </a:fillRef>
+          <a:effectRef idx="0">
+            <a:schemeClr val="accent1"/>
+          </a:effectRef>
+          <a:fontRef idx="minor">
+            <a:schemeClr val="tx1"/>
+          </a:fontRef>
+        </p:style>
+      </p:cxnSp>
+      <p:cxnSp>
+        <p:nvCxnSpPr>
+          <p:cNvPr id="23" name="直線コネクタ 22"/>
+          <p:cNvCxnSpPr>
+            <a:stCxn id="21" idx="1"/>
+            <a:endCxn id="20" idx="3"/>
+          </p:cNvCxnSpPr>
+          <p:nvPr/>
+        </p:nvCxnSpPr>
+        <p:spPr>
+          <a:xfrm flipH="1">
+            <a:off x="6012160" y="1628800"/>
+            <a:ext cx="432048" cy="0"/>
+          </a:xfrm>
+          <a:prstGeom prst="line">
+            <a:avLst/>
+          </a:prstGeom>
+          <a:ln w="12700">
+            <a:solidFill>
+              <a:schemeClr val="tx1"/>
+            </a:solidFill>
+          </a:ln>
+        </p:spPr>
+        <p:style>
+          <a:lnRef idx="1">
+            <a:schemeClr val="accent1"/>
+          </a:lnRef>
+          <a:fillRef idx="0">
+            <a:schemeClr val="accent1"/>
+          </a:fillRef>
+          <a:effectRef idx="0">
+            <a:schemeClr val="accent1"/>
+          </a:effectRef>
+          <a:fontRef idx="minor">
+            <a:schemeClr val="tx1"/>
+          </a:fontRef>
+        </p:style>
+      </p:cxnSp>
+      <p:cxnSp>
+        <p:nvCxnSpPr>
+          <p:cNvPr id="25" name="直線コネクタ 24"/>
+          <p:cNvCxnSpPr/>
+          <p:nvPr/>
+        </p:nvCxnSpPr>
+        <p:spPr>
+          <a:xfrm>
+            <a:off x="6804248" y="1988840"/>
+            <a:ext cx="0" cy="360040"/>
+          </a:xfrm>
+          <a:prstGeom prst="line">
+            <a:avLst/>
+          </a:prstGeom>
+          <a:ln w="12700">
+            <a:solidFill>
+              <a:schemeClr val="tx1"/>
+            </a:solidFill>
+          </a:ln>
+        </p:spPr>
+        <p:style>
+          <a:lnRef idx="1">
+            <a:schemeClr val="accent1"/>
+          </a:lnRef>
+          <a:fillRef idx="0">
+            <a:schemeClr val="accent1"/>
+          </a:fillRef>
+          <a:effectRef idx="0">
+            <a:schemeClr val="accent1"/>
+          </a:effectRef>
+          <a:fontRef idx="minor">
+            <a:schemeClr val="tx1"/>
+          </a:fontRef>
+        </p:style>
+      </p:cxnSp>
+      <p:sp>
+        <p:nvSpPr>
+          <p:cNvPr id="30" name="正方形/長方形 29"/>
+          <p:cNvSpPr/>
+          <p:nvPr/>
+        </p:nvSpPr>
+        <p:spPr>
+          <a:xfrm>
+            <a:off x="3851920" y="1268760"/>
+            <a:ext cx="720080" cy="720080"/>
+          </a:xfrm>
+          <a:prstGeom prst="rect">
+            <a:avLst/>
+          </a:prstGeom>
+          <a:solidFill>
+            <a:schemeClr val="accent6">
+              <a:lumMod val="20000"/>
+              <a:lumOff val="80000"/>
+            </a:schemeClr>
+          </a:solidFill>
+          <a:ln>
+            <a:solidFill>
+              <a:schemeClr val="tx1"/>
+            </a:solidFill>
+          </a:ln>
+        </p:spPr>
+        <p:style>
+          <a:lnRef idx="2">
+            <a:schemeClr val="accent1">
+              <a:shade val="50000"/>
+            </a:schemeClr>
+          </a:lnRef>
+          <a:fillRef idx="1">
+            <a:schemeClr val="accent1"/>
+          </a:fillRef>
+          <a:effectRef idx="0">
+            <a:schemeClr val="accent1"/>
+          </a:effectRef>
+          <a:fontRef idx="minor">
+            <a:schemeClr val="lt1"/>
+          </a:fontRef>
+        </p:style>
+        <p:txBody>
+          <a:bodyPr rtlCol="0" anchor="ctr"/>
+          <a:lstStyle/>
+          <a:p>
+            <a:pPr algn="ctr"/>
+            <a:r>
+              <a:rPr kumimoji="1" lang="en-US" altLang="ja-JP" sz="3600" dirty="0" smtClean="0">
+                <a:solidFill>
+                  <a:schemeClr val="tx1"/>
+                </a:solidFill>
+              </a:rPr>
+              <a:t>C</a:t>
+            </a:r>
+            <a:endParaRPr kumimoji="1" lang="ja-JP" altLang="en-US" sz="3600" dirty="0">
+              <a:solidFill>
+                <a:schemeClr val="tx1"/>
+              </a:solidFill>
+            </a:endParaRPr>
+          </a:p>
+        </p:txBody>
+      </p:sp>
+      <p:cxnSp>
+        <p:nvCxnSpPr>
+          <p:cNvPr id="31" name="直線コネクタ 30"/>
+          <p:cNvCxnSpPr/>
+          <p:nvPr/>
+        </p:nvCxnSpPr>
+        <p:spPr>
+          <a:xfrm>
+            <a:off x="3995936" y="1988840"/>
+            <a:ext cx="0" cy="360040"/>
+          </a:xfrm>
+          <a:prstGeom prst="line">
+            <a:avLst/>
+          </a:prstGeom>
+          <a:ln w="12700">
+            <a:solidFill>
+              <a:schemeClr val="tx1"/>
+            </a:solidFill>
+          </a:ln>
+        </p:spPr>
+        <p:style>
+          <a:lnRef idx="1">
+            <a:schemeClr val="accent1"/>
+          </a:lnRef>
+          <a:fillRef idx="0">
+            <a:schemeClr val="accent1"/>
+          </a:fillRef>
+          <a:effectRef idx="0">
+            <a:schemeClr val="accent1"/>
+          </a:effectRef>
+          <a:fontRef idx="minor">
+            <a:schemeClr val="tx1"/>
+          </a:fontRef>
+        </p:style>
+      </p:cxnSp>
+      <p:cxnSp>
+        <p:nvCxnSpPr>
+          <p:cNvPr id="32" name="直線コネクタ 31"/>
+          <p:cNvCxnSpPr/>
+          <p:nvPr/>
+        </p:nvCxnSpPr>
+        <p:spPr>
+          <a:xfrm>
+            <a:off x="4427984" y="1988840"/>
+            <a:ext cx="0" cy="360040"/>
+          </a:xfrm>
+          <a:prstGeom prst="line">
+            <a:avLst/>
+          </a:prstGeom>
+          <a:ln w="12700">
+            <a:solidFill>
+              <a:schemeClr val="tx1"/>
+            </a:solidFill>
+          </a:ln>
+        </p:spPr>
+        <p:style>
+          <a:lnRef idx="1">
+            <a:schemeClr val="accent1"/>
+          </a:lnRef>
+          <a:fillRef idx="0">
+            <a:schemeClr val="accent1"/>
+          </a:fillRef>
+          <a:effectRef idx="0">
+            <a:schemeClr val="accent1"/>
+          </a:effectRef>
+          <a:fontRef idx="minor">
+            <a:schemeClr val="tx1"/>
+          </a:fontRef>
+        </p:style>
+      </p:cxnSp>
+      <p:sp>
+        <p:nvSpPr>
+          <p:cNvPr id="33" name="テキスト ボックス 32"/>
+          <p:cNvSpPr txBox="1"/>
+          <p:nvPr/>
+        </p:nvSpPr>
+        <p:spPr>
+          <a:xfrm>
+            <a:off x="3844564" y="2276872"/>
+            <a:ext cx="369012" cy="369332"/>
+          </a:xfrm>
+          <a:prstGeom prst="rect">
+            <a:avLst/>
+          </a:prstGeom>
+          <a:noFill/>
+        </p:spPr>
+        <p:txBody>
+          <a:bodyPr wrap="none" rtlCol="0">
+            <a:spAutoFit/>
+          </a:bodyPr>
+          <a:lstStyle/>
+          <a:p>
+            <a:r>
+              <a:rPr lang="en-US" altLang="ja-JP" dirty="0" smtClean="0"/>
+              <a:t>m</a:t>
+            </a:r>
+            <a:endParaRPr kumimoji="1" lang="ja-JP" altLang="en-US" dirty="0"/>
+          </a:p>
+        </p:txBody>
+      </p:sp>
+      <p:sp>
+        <p:nvSpPr>
+          <p:cNvPr id="34" name="テキスト ボックス 33"/>
+          <p:cNvSpPr txBox="1"/>
+          <p:nvPr/>
+        </p:nvSpPr>
+        <p:spPr>
+          <a:xfrm>
+            <a:off x="4313556" y="2286164"/>
+            <a:ext cx="237566" cy="369332"/>
+          </a:xfrm>
+          <a:prstGeom prst="rect">
+            <a:avLst/>
+          </a:prstGeom>
+          <a:noFill/>
+        </p:spPr>
+        <p:txBody>
+          <a:bodyPr wrap="none" rtlCol="0">
+            <a:spAutoFit/>
+          </a:bodyPr>
+          <a:lstStyle/>
+          <a:p>
+            <a:r>
+              <a:rPr lang="en-US" altLang="ja-JP" dirty="0" smtClean="0"/>
+              <a:t>l</a:t>
+            </a:r>
+            <a:endParaRPr kumimoji="1" lang="ja-JP" altLang="en-US" dirty="0"/>
+          </a:p>
+        </p:txBody>
+      </p:sp>
+      <p:sp>
+        <p:nvSpPr>
+          <p:cNvPr id="35" name="テキスト ボックス 34"/>
+          <p:cNvSpPr txBox="1"/>
+          <p:nvPr/>
+        </p:nvSpPr>
+        <p:spPr>
+          <a:xfrm>
+            <a:off x="5473040" y="2267580"/>
+            <a:ext cx="369012" cy="369332"/>
+          </a:xfrm>
+          <a:prstGeom prst="rect">
+            <a:avLst/>
+          </a:prstGeom>
+          <a:noFill/>
+        </p:spPr>
+        <p:txBody>
+          <a:bodyPr wrap="none" rtlCol="0">
+            <a:spAutoFit/>
+          </a:bodyPr>
+          <a:lstStyle/>
+          <a:p>
+            <a:r>
+              <a:rPr kumimoji="1" lang="en-US" altLang="ja-JP" dirty="0" smtClean="0"/>
+              <a:t>m</a:t>
+            </a:r>
+            <a:endParaRPr kumimoji="1" lang="ja-JP" altLang="en-US" dirty="0"/>
+          </a:p>
+        </p:txBody>
+      </p:sp>
+      <p:sp>
+        <p:nvSpPr>
+          <p:cNvPr id="36" name="テキスト ボックス 35"/>
+          <p:cNvSpPr txBox="1"/>
+          <p:nvPr/>
+        </p:nvSpPr>
+        <p:spPr>
+          <a:xfrm>
+            <a:off x="6697176" y="2276872"/>
+            <a:ext cx="237566" cy="369332"/>
+          </a:xfrm>
+          <a:prstGeom prst="rect">
+            <a:avLst/>
+          </a:prstGeom>
+          <a:noFill/>
+        </p:spPr>
+        <p:txBody>
+          <a:bodyPr wrap="none" rtlCol="0">
+            <a:spAutoFit/>
+          </a:bodyPr>
+          <a:lstStyle/>
+          <a:p>
+            <a:r>
+              <a:rPr lang="en-US" altLang="ja-JP" dirty="0" smtClean="0"/>
+              <a:t>l</a:t>
+            </a:r>
+            <a:endParaRPr kumimoji="1" lang="ja-JP" altLang="en-US" dirty="0"/>
+          </a:p>
+        </p:txBody>
+      </p:sp>
+      <p:sp>
+        <p:nvSpPr>
+          <p:cNvPr id="37" name="テキスト ボックス 36"/>
+          <p:cNvSpPr txBox="1"/>
+          <p:nvPr/>
+        </p:nvSpPr>
+        <p:spPr>
+          <a:xfrm>
+            <a:off x="4716016" y="1342509"/>
+            <a:ext cx="413896" cy="646331"/>
+          </a:xfrm>
+          <a:prstGeom prst="rect">
+            <a:avLst/>
+          </a:prstGeom>
+          <a:noFill/>
+        </p:spPr>
+        <p:txBody>
+          <a:bodyPr wrap="none" rtlCol="0">
+            <a:spAutoFit/>
+          </a:bodyPr>
+          <a:lstStyle/>
+          <a:p>
+            <a:r>
+              <a:rPr kumimoji="1" lang="en-US" altLang="ja-JP" sz="3600" dirty="0" smtClean="0"/>
+              <a:t>=</a:t>
+            </a:r>
+            <a:endParaRPr kumimoji="1" lang="ja-JP" altLang="en-US" sz="3600" dirty="0"/>
+          </a:p>
+        </p:txBody>
+      </p:sp>
+      <mc:AlternateContent xmlns:mc="http://schemas.openxmlformats.org/markup-compatibility/2006">
+        <mc:Choice xmlns:a14="http://schemas.microsoft.com/office/drawing/2010/main" Requires="a14">
+          <p:sp>
+            <p:nvSpPr>
+              <p:cNvPr id="38" name="テキスト ボックス 37"/>
+              <p:cNvSpPr txBox="1"/>
+              <p:nvPr/>
+            </p:nvSpPr>
+            <p:spPr>
+              <a:xfrm>
+                <a:off x="4023645" y="2694034"/>
+                <a:ext cx="2870209" cy="1400063"/>
+              </a:xfrm>
+              <a:prstGeom prst="rect">
+                <a:avLst/>
+              </a:prstGeom>
+              <a:noFill/>
+            </p:spPr>
+            <p:txBody>
+              <a:bodyPr wrap="none" lIns="0" tIns="0" rIns="0" bIns="0" rtlCol="0">
+                <a:spAutoFit/>
+              </a:bodyPr>
+              <a:lstStyle/>
+              <a:p>
+                <a14:m>
+                  <m:oMathPara xmlns:m="http://schemas.openxmlformats.org/officeDocument/2006/math">
+                    <m:oMathParaPr>
+                      <m:jc m:val="centerGroup"/>
+                    </m:oMathParaPr>
+                    <m:oMath xmlns:m="http://schemas.openxmlformats.org/officeDocument/2006/math">
+                      <m:sSub>
+                        <m:sSubPr>
+                          <m:ctrlPr>
+                            <a:rPr kumimoji="1" lang="en-US" altLang="ja-JP" sz="3200" i="1" smtClean="0">
+                              <a:latin typeface="Cambria Math" panose="02040503050406030204" pitchFamily="18" charset="0"/>
+                            </a:rPr>
+                          </m:ctrlPr>
+                        </m:sSubPr>
+                        <m:e>
+                          <m:r>
+                            <a:rPr kumimoji="1" lang="en-US" altLang="ja-JP" sz="3200" b="0" i="1" smtClean="0">
+                              <a:latin typeface="Cambria Math" panose="02040503050406030204" pitchFamily="18" charset="0"/>
+                            </a:rPr>
+                            <m:t>𝐶</m:t>
+                          </m:r>
+                        </m:e>
+                        <m:sub>
+                          <m:r>
+                            <a:rPr kumimoji="1" lang="en-US" altLang="ja-JP" sz="3200" b="0" i="1" smtClean="0">
+                              <a:latin typeface="Cambria Math" panose="02040503050406030204" pitchFamily="18" charset="0"/>
+                            </a:rPr>
+                            <m:t>𝑖𝑘</m:t>
+                          </m:r>
+                        </m:sub>
+                      </m:sSub>
+                      <m:r>
+                        <a:rPr kumimoji="1" lang="en-US" altLang="ja-JP" sz="3200" b="0" i="1" smtClean="0">
+                          <a:latin typeface="Cambria Math" panose="02040503050406030204" pitchFamily="18" charset="0"/>
+                        </a:rPr>
+                        <m:t>=</m:t>
+                      </m:r>
+                      <m:nary>
+                        <m:naryPr>
+                          <m:chr m:val="∑"/>
+                          <m:ctrlPr>
+                            <a:rPr kumimoji="1" lang="en-US" altLang="ja-JP" sz="3200" b="0" i="1" smtClean="0">
+                              <a:latin typeface="Cambria Math" panose="02040503050406030204" pitchFamily="18" charset="0"/>
+                            </a:rPr>
+                          </m:ctrlPr>
+                        </m:naryPr>
+                        <m:sub>
+                          <m:r>
+                            <m:rPr>
+                              <m:brk m:alnAt="23"/>
+                            </m:rPr>
+                            <a:rPr kumimoji="1" lang="en-US" altLang="ja-JP" sz="3200" b="0" i="1" smtClean="0">
+                              <a:latin typeface="Cambria Math" panose="02040503050406030204" pitchFamily="18" charset="0"/>
+                            </a:rPr>
+                            <m:t>𝑗</m:t>
+                          </m:r>
+                        </m:sub>
+                        <m:sup>
+                          <m:r>
+                            <a:rPr kumimoji="1" lang="en-US" altLang="ja-JP" sz="3200" b="0" i="1" smtClean="0">
+                              <a:latin typeface="Cambria Math" panose="02040503050406030204" pitchFamily="18" charset="0"/>
+                            </a:rPr>
+                            <m:t>𝑚</m:t>
+                          </m:r>
+                        </m:sup>
+                        <m:e>
+                          <m:sSub>
+                            <m:sSubPr>
+                              <m:ctrlPr>
+                                <a:rPr kumimoji="1" lang="en-US" altLang="ja-JP" sz="3200" b="0" i="1" smtClean="0">
+                                  <a:latin typeface="Cambria Math" panose="02040503050406030204" pitchFamily="18" charset="0"/>
+                                </a:rPr>
+                              </m:ctrlPr>
+                            </m:sSubPr>
+                            <m:e>
+                              <m:r>
+                                <a:rPr kumimoji="1" lang="en-US" altLang="ja-JP" sz="3200" b="0" i="1" smtClean="0">
+                                  <a:latin typeface="Cambria Math" panose="02040503050406030204" pitchFamily="18" charset="0"/>
+                                </a:rPr>
+                                <m:t>𝐴</m:t>
+                              </m:r>
+                            </m:e>
+                            <m:sub>
+                              <m:r>
+                                <a:rPr kumimoji="1" lang="en-US" altLang="ja-JP" sz="3200" b="0" i="1" smtClean="0">
+                                  <a:latin typeface="Cambria Math" panose="02040503050406030204" pitchFamily="18" charset="0"/>
+                                </a:rPr>
+                                <m:t>𝑖𝑗</m:t>
+                              </m:r>
+                            </m:sub>
+                          </m:sSub>
+                          <m:sSub>
+                            <m:sSubPr>
+                              <m:ctrlPr>
+                                <a:rPr kumimoji="1" lang="en-US" altLang="ja-JP" sz="3200" b="0" i="1" smtClean="0">
+                                  <a:latin typeface="Cambria Math" panose="02040503050406030204" pitchFamily="18" charset="0"/>
+                                </a:rPr>
+                              </m:ctrlPr>
+                            </m:sSubPr>
+                            <m:e>
+                              <m:r>
+                                <a:rPr kumimoji="1" lang="en-US" altLang="ja-JP" sz="3200" b="0" i="1" smtClean="0">
+                                  <a:latin typeface="Cambria Math" panose="02040503050406030204" pitchFamily="18" charset="0"/>
+                                </a:rPr>
+                                <m:t>𝐵</m:t>
+                              </m:r>
+                            </m:e>
+                            <m:sub>
+                              <m:r>
+                                <a:rPr kumimoji="1" lang="en-US" altLang="ja-JP" sz="3200" b="0" i="1" smtClean="0">
+                                  <a:latin typeface="Cambria Math" panose="02040503050406030204" pitchFamily="18" charset="0"/>
+                                </a:rPr>
+                                <m:t>𝑗𝑘</m:t>
+                              </m:r>
+                            </m:sub>
+                          </m:sSub>
+                        </m:e>
+                      </m:nary>
+                    </m:oMath>
+                  </m:oMathPara>
+                </a14:m>
+                <a:endParaRPr kumimoji="1" lang="ja-JP" altLang="en-US" sz="3200" dirty="0"/>
+              </a:p>
+            </p:txBody>
+          </p:sp>
+        </mc:Choice>
+        <mc:Fallback>
+          <p:sp>
+            <p:nvSpPr>
+              <p:cNvPr id="38" name="テキスト ボックス 37"/>
+              <p:cNvSpPr txBox="1">
+                <a:spLocks noRot="1" noChangeAspect="1" noMove="1" noResize="1" noEditPoints="1" noAdjustHandles="1" noChangeArrowheads="1" noChangeShapeType="1" noTextEdit="1"/>
+              </p:cNvSpPr>
+              <p:nvPr/>
+            </p:nvSpPr>
+            <p:spPr>
+              <a:xfrm>
+                <a:off x="4023645" y="2694034"/>
+                <a:ext cx="2870209" cy="1400063"/>
+              </a:xfrm>
+              <a:prstGeom prst="rect">
+                <a:avLst/>
+              </a:prstGeom>
+              <a:blipFill>
+                <a:blip r:embed="rId2"/>
+                <a:stretch>
+                  <a:fillRect/>
+                </a:stretch>
+              </a:blipFill>
+            </p:spPr>
+            <p:txBody>
+              <a:bodyPr/>
+              <a:lstStyle/>
+              <a:p>
+                <a:r>
+                  <a:rPr lang="ja-JP" altLang="en-US">
+                    <a:noFill/>
+                  </a:rPr>
+                  <a:t> </a:t>
+                </a:r>
+              </a:p>
+            </p:txBody>
+          </p:sp>
+        </mc:Fallback>
+      </mc:AlternateContent>
     </p:spTree>
     <p:extLst>
       <p:ext uri="{BB962C8B-B14F-4D97-AF65-F5344CB8AC3E}">
@@ -502,6 +1595,844 @@
 </file>
 
 <file path=ppt/slides/slide2.xml><?xml version="1.0" encoding="utf-8"?>
+<p:sld xmlns:a="http://schemas.openxmlformats.org/drawingml/2006/main" xmlns:r="http://schemas.openxmlformats.org/officeDocument/2006/relationships" xmlns:p="http://schemas.openxmlformats.org/presentationml/2006/main">
+  <p:cSld>
+    <p:spTree>
+      <p:nvGrpSpPr>
+        <p:cNvPr id="1" name=""/>
+        <p:cNvGrpSpPr/>
+        <p:nvPr/>
+      </p:nvGrpSpPr>
+      <p:grpSpPr>
+        <a:xfrm>
+          <a:off x="0" y="0"/>
+          <a:ext cx="0" cy="0"/>
+          <a:chOff x="0" y="0"/>
+          <a:chExt cx="0" cy="0"/>
+        </a:xfrm>
+      </p:grpSpPr>
+      <p:sp>
+        <p:nvSpPr>
+          <p:cNvPr id="2" name="正方形/長方形 1"/>
+          <p:cNvSpPr/>
+          <p:nvPr/>
+        </p:nvSpPr>
+        <p:spPr>
+          <a:xfrm>
+            <a:off x="971600" y="1268760"/>
+            <a:ext cx="1440160" cy="720080"/>
+          </a:xfrm>
+          <a:prstGeom prst="rect">
+            <a:avLst/>
+          </a:prstGeom>
+          <a:solidFill>
+            <a:schemeClr val="accent1">
+              <a:lumMod val="20000"/>
+              <a:lumOff val="80000"/>
+            </a:schemeClr>
+          </a:solidFill>
+          <a:ln>
+            <a:solidFill>
+              <a:schemeClr val="tx1"/>
+            </a:solidFill>
+          </a:ln>
+        </p:spPr>
+        <p:style>
+          <a:lnRef idx="2">
+            <a:schemeClr val="accent1">
+              <a:shade val="50000"/>
+            </a:schemeClr>
+          </a:lnRef>
+          <a:fillRef idx="1">
+            <a:schemeClr val="accent1"/>
+          </a:fillRef>
+          <a:effectRef idx="0">
+            <a:schemeClr val="accent1"/>
+          </a:effectRef>
+          <a:fontRef idx="minor">
+            <a:schemeClr val="lt1"/>
+          </a:fontRef>
+        </p:style>
+        <p:txBody>
+          <a:bodyPr rtlCol="0" anchor="ctr"/>
+          <a:lstStyle/>
+          <a:p>
+            <a:pPr algn="ctr"/>
+            <a:r>
+              <a:rPr kumimoji="1" lang="en-US" altLang="ja-JP" sz="3600" dirty="0" smtClean="0">
+                <a:solidFill>
+                  <a:schemeClr val="tx1"/>
+                </a:solidFill>
+              </a:rPr>
+              <a:t>X</a:t>
+            </a:r>
+            <a:endParaRPr kumimoji="1" lang="ja-JP" altLang="en-US" sz="3600" dirty="0">
+              <a:solidFill>
+                <a:schemeClr val="tx1"/>
+              </a:solidFill>
+            </a:endParaRPr>
+          </a:p>
+        </p:txBody>
+      </p:sp>
+      <p:cxnSp>
+        <p:nvCxnSpPr>
+          <p:cNvPr id="3" name="直線コネクタ 2"/>
+          <p:cNvCxnSpPr/>
+          <p:nvPr/>
+        </p:nvCxnSpPr>
+        <p:spPr>
+          <a:xfrm>
+            <a:off x="1132208" y="1988840"/>
+            <a:ext cx="0" cy="360040"/>
+          </a:xfrm>
+          <a:prstGeom prst="line">
+            <a:avLst/>
+          </a:prstGeom>
+          <a:ln w="12700">
+            <a:solidFill>
+              <a:schemeClr val="tx1"/>
+            </a:solidFill>
+          </a:ln>
+        </p:spPr>
+        <p:style>
+          <a:lnRef idx="1">
+            <a:schemeClr val="accent1"/>
+          </a:lnRef>
+          <a:fillRef idx="0">
+            <a:schemeClr val="accent1"/>
+          </a:fillRef>
+          <a:effectRef idx="0">
+            <a:schemeClr val="accent1"/>
+          </a:effectRef>
+          <a:fontRef idx="minor">
+            <a:schemeClr val="tx1"/>
+          </a:fontRef>
+        </p:style>
+      </p:cxnSp>
+      <p:sp>
+        <p:nvSpPr>
+          <p:cNvPr id="4" name="テキスト ボックス 3"/>
+          <p:cNvSpPr txBox="1"/>
+          <p:nvPr/>
+        </p:nvSpPr>
+        <p:spPr>
+          <a:xfrm>
+            <a:off x="971600" y="2267580"/>
+            <a:ext cx="306494" cy="369332"/>
+          </a:xfrm>
+          <a:prstGeom prst="rect">
+            <a:avLst/>
+          </a:prstGeom>
+          <a:noFill/>
+        </p:spPr>
+        <p:txBody>
+          <a:bodyPr wrap="none" rtlCol="0">
+            <a:spAutoFit/>
+          </a:bodyPr>
+          <a:lstStyle/>
+          <a:p>
+            <a:r>
+              <a:rPr lang="en-US" altLang="ja-JP" dirty="0"/>
+              <a:t>h</a:t>
+            </a:r>
+            <a:endParaRPr kumimoji="1" lang="ja-JP" altLang="en-US" dirty="0"/>
+          </a:p>
+        </p:txBody>
+      </p:sp>
+      <p:cxnSp>
+        <p:nvCxnSpPr>
+          <p:cNvPr id="5" name="直線コネクタ 4"/>
+          <p:cNvCxnSpPr/>
+          <p:nvPr/>
+        </p:nvCxnSpPr>
+        <p:spPr>
+          <a:xfrm>
+            <a:off x="1699300" y="1988840"/>
+            <a:ext cx="0" cy="360040"/>
+          </a:xfrm>
+          <a:prstGeom prst="line">
+            <a:avLst/>
+          </a:prstGeom>
+          <a:ln w="12700">
+            <a:solidFill>
+              <a:schemeClr val="tx1"/>
+            </a:solidFill>
+          </a:ln>
+        </p:spPr>
+        <p:style>
+          <a:lnRef idx="1">
+            <a:schemeClr val="accent1"/>
+          </a:lnRef>
+          <a:fillRef idx="0">
+            <a:schemeClr val="accent1"/>
+          </a:fillRef>
+          <a:effectRef idx="0">
+            <a:schemeClr val="accent1"/>
+          </a:effectRef>
+          <a:fontRef idx="minor">
+            <a:schemeClr val="tx1"/>
+          </a:fontRef>
+        </p:style>
+      </p:cxnSp>
+      <p:sp>
+        <p:nvSpPr>
+          <p:cNvPr id="6" name="テキスト ボックス 5"/>
+          <p:cNvSpPr txBox="1"/>
+          <p:nvPr/>
+        </p:nvSpPr>
+        <p:spPr>
+          <a:xfrm>
+            <a:off x="1538692" y="2267580"/>
+            <a:ext cx="282450" cy="369332"/>
+          </a:xfrm>
+          <a:prstGeom prst="rect">
+            <a:avLst/>
+          </a:prstGeom>
+          <a:noFill/>
+        </p:spPr>
+        <p:txBody>
+          <a:bodyPr wrap="none" rtlCol="0">
+            <a:spAutoFit/>
+          </a:bodyPr>
+          <a:lstStyle/>
+          <a:p>
+            <a:r>
+              <a:rPr kumimoji="1" lang="en-US" altLang="ja-JP" dirty="0" smtClean="0"/>
+              <a:t>c</a:t>
+            </a:r>
+            <a:endParaRPr kumimoji="1" lang="ja-JP" altLang="en-US" dirty="0"/>
+          </a:p>
+        </p:txBody>
+      </p:sp>
+      <p:cxnSp>
+        <p:nvCxnSpPr>
+          <p:cNvPr id="7" name="直線コネクタ 6"/>
+          <p:cNvCxnSpPr/>
+          <p:nvPr/>
+        </p:nvCxnSpPr>
+        <p:spPr>
+          <a:xfrm>
+            <a:off x="2203356" y="1988840"/>
+            <a:ext cx="0" cy="360040"/>
+          </a:xfrm>
+          <a:prstGeom prst="line">
+            <a:avLst/>
+          </a:prstGeom>
+          <a:ln w="12700">
+            <a:solidFill>
+              <a:schemeClr val="tx1"/>
+            </a:solidFill>
+          </a:ln>
+        </p:spPr>
+        <p:style>
+          <a:lnRef idx="1">
+            <a:schemeClr val="accent1"/>
+          </a:lnRef>
+          <a:fillRef idx="0">
+            <a:schemeClr val="accent1"/>
+          </a:fillRef>
+          <a:effectRef idx="0">
+            <a:schemeClr val="accent1"/>
+          </a:effectRef>
+          <a:fontRef idx="minor">
+            <a:schemeClr val="tx1"/>
+          </a:fontRef>
+        </p:style>
+      </p:cxnSp>
+      <p:sp>
+        <p:nvSpPr>
+          <p:cNvPr id="8" name="テキスト ボックス 7"/>
+          <p:cNvSpPr txBox="1"/>
+          <p:nvPr/>
+        </p:nvSpPr>
+        <p:spPr>
+          <a:xfrm>
+            <a:off x="2042748" y="2267580"/>
+            <a:ext cx="349776" cy="369332"/>
+          </a:xfrm>
+          <a:prstGeom prst="rect">
+            <a:avLst/>
+          </a:prstGeom>
+          <a:noFill/>
+        </p:spPr>
+        <p:txBody>
+          <a:bodyPr wrap="none" rtlCol="0">
+            <a:spAutoFit/>
+          </a:bodyPr>
+          <a:lstStyle/>
+          <a:p>
+            <a:r>
+              <a:rPr kumimoji="1" lang="en-US" altLang="ja-JP" dirty="0" smtClean="0"/>
+              <a:t>w</a:t>
+            </a:r>
+            <a:endParaRPr kumimoji="1" lang="ja-JP" altLang="en-US" dirty="0"/>
+          </a:p>
+        </p:txBody>
+      </p:sp>
+      <p:sp>
+        <p:nvSpPr>
+          <p:cNvPr id="9" name="テキスト ボックス 8"/>
+          <p:cNvSpPr txBox="1"/>
+          <p:nvPr/>
+        </p:nvSpPr>
+        <p:spPr>
+          <a:xfrm>
+            <a:off x="2630034" y="1484784"/>
+            <a:ext cx="357790" cy="369332"/>
+          </a:xfrm>
+          <a:prstGeom prst="rect">
+            <a:avLst/>
+          </a:prstGeom>
+          <a:noFill/>
+        </p:spPr>
+        <p:txBody>
+          <a:bodyPr wrap="none" rtlCol="0">
+            <a:spAutoFit/>
+          </a:bodyPr>
+          <a:lstStyle/>
+          <a:p>
+            <a:r>
+              <a:rPr kumimoji="1" lang="ja-JP" altLang="en-US" dirty="0" smtClean="0"/>
+              <a:t>≃</a:t>
+            </a:r>
+            <a:endParaRPr kumimoji="1" lang="ja-JP" altLang="en-US" dirty="0"/>
+          </a:p>
+        </p:txBody>
+      </p:sp>
+      <p:sp>
+        <p:nvSpPr>
+          <p:cNvPr id="10" name="正方形/長方形 9"/>
+          <p:cNvSpPr/>
+          <p:nvPr/>
+        </p:nvSpPr>
+        <p:spPr>
+          <a:xfrm>
+            <a:off x="4572000" y="1268760"/>
+            <a:ext cx="720080" cy="720080"/>
+          </a:xfrm>
+          <a:prstGeom prst="rect">
+            <a:avLst/>
+          </a:prstGeom>
+          <a:solidFill>
+            <a:schemeClr val="accent6">
+              <a:lumMod val="20000"/>
+              <a:lumOff val="80000"/>
+            </a:schemeClr>
+          </a:solidFill>
+          <a:ln>
+            <a:solidFill>
+              <a:schemeClr val="tx1"/>
+            </a:solidFill>
+          </a:ln>
+        </p:spPr>
+        <p:style>
+          <a:lnRef idx="2">
+            <a:schemeClr val="accent1">
+              <a:shade val="50000"/>
+            </a:schemeClr>
+          </a:lnRef>
+          <a:fillRef idx="1">
+            <a:schemeClr val="accent1"/>
+          </a:fillRef>
+          <a:effectRef idx="0">
+            <a:schemeClr val="accent1"/>
+          </a:effectRef>
+          <a:fontRef idx="minor">
+            <a:schemeClr val="lt1"/>
+          </a:fontRef>
+        </p:style>
+        <p:txBody>
+          <a:bodyPr rtlCol="0" anchor="ctr"/>
+          <a:lstStyle/>
+          <a:p>
+            <a:pPr algn="ctr"/>
+            <a:r>
+              <a:rPr kumimoji="1" lang="en-US" altLang="ja-JP" sz="3600" dirty="0" smtClean="0">
+                <a:solidFill>
+                  <a:schemeClr val="tx1"/>
+                </a:solidFill>
+              </a:rPr>
+              <a:t>C</a:t>
+            </a:r>
+            <a:endParaRPr kumimoji="1" lang="ja-JP" altLang="en-US" sz="3600" dirty="0">
+              <a:solidFill>
+                <a:schemeClr val="tx1"/>
+              </a:solidFill>
+            </a:endParaRPr>
+          </a:p>
+        </p:txBody>
+      </p:sp>
+      <p:sp>
+        <p:nvSpPr>
+          <p:cNvPr id="11" name="正方形/長方形 10"/>
+          <p:cNvSpPr/>
+          <p:nvPr/>
+        </p:nvSpPr>
+        <p:spPr>
+          <a:xfrm>
+            <a:off x="3131840" y="1268760"/>
+            <a:ext cx="720080" cy="720080"/>
+          </a:xfrm>
+          <a:prstGeom prst="rect">
+            <a:avLst/>
+          </a:prstGeom>
+          <a:solidFill>
+            <a:schemeClr val="accent2">
+              <a:lumMod val="20000"/>
+              <a:lumOff val="80000"/>
+            </a:schemeClr>
+          </a:solidFill>
+          <a:ln>
+            <a:solidFill>
+              <a:schemeClr val="tx1"/>
+            </a:solidFill>
+          </a:ln>
+        </p:spPr>
+        <p:style>
+          <a:lnRef idx="2">
+            <a:schemeClr val="accent1">
+              <a:shade val="50000"/>
+            </a:schemeClr>
+          </a:lnRef>
+          <a:fillRef idx="1">
+            <a:schemeClr val="accent1"/>
+          </a:fillRef>
+          <a:effectRef idx="0">
+            <a:schemeClr val="accent1"/>
+          </a:effectRef>
+          <a:fontRef idx="minor">
+            <a:schemeClr val="lt1"/>
+          </a:fontRef>
+        </p:style>
+        <p:txBody>
+          <a:bodyPr rtlCol="0" anchor="ctr"/>
+          <a:lstStyle/>
+          <a:p>
+            <a:pPr algn="ctr"/>
+            <a:r>
+              <a:rPr kumimoji="1" lang="en-US" altLang="ja-JP" sz="3600" dirty="0" smtClean="0">
+                <a:solidFill>
+                  <a:schemeClr val="tx1"/>
+                </a:solidFill>
+              </a:rPr>
+              <a:t>U</a:t>
+            </a:r>
+            <a:endParaRPr kumimoji="1" lang="ja-JP" altLang="en-US" sz="3600" dirty="0">
+              <a:solidFill>
+                <a:schemeClr val="tx1"/>
+              </a:solidFill>
+            </a:endParaRPr>
+          </a:p>
+        </p:txBody>
+      </p:sp>
+      <p:sp>
+        <p:nvSpPr>
+          <p:cNvPr id="12" name="正方形/長方形 11"/>
+          <p:cNvSpPr/>
+          <p:nvPr/>
+        </p:nvSpPr>
+        <p:spPr>
+          <a:xfrm>
+            <a:off x="6012160" y="1268760"/>
+            <a:ext cx="720080" cy="720080"/>
+          </a:xfrm>
+          <a:prstGeom prst="rect">
+            <a:avLst/>
+          </a:prstGeom>
+          <a:solidFill>
+            <a:schemeClr val="accent4">
+              <a:lumMod val="20000"/>
+              <a:lumOff val="80000"/>
+            </a:schemeClr>
+          </a:solidFill>
+          <a:ln>
+            <a:solidFill>
+              <a:schemeClr val="tx1"/>
+            </a:solidFill>
+          </a:ln>
+        </p:spPr>
+        <p:style>
+          <a:lnRef idx="2">
+            <a:schemeClr val="accent1">
+              <a:shade val="50000"/>
+            </a:schemeClr>
+          </a:lnRef>
+          <a:fillRef idx="1">
+            <a:schemeClr val="accent1"/>
+          </a:fillRef>
+          <a:effectRef idx="0">
+            <a:schemeClr val="accent1"/>
+          </a:effectRef>
+          <a:fontRef idx="minor">
+            <a:schemeClr val="lt1"/>
+          </a:fontRef>
+        </p:style>
+        <p:txBody>
+          <a:bodyPr rtlCol="0" anchor="ctr"/>
+          <a:lstStyle/>
+          <a:p>
+            <a:pPr algn="ctr"/>
+            <a:r>
+              <a:rPr kumimoji="1" lang="en-US" altLang="ja-JP" sz="3600" dirty="0" smtClean="0">
+                <a:solidFill>
+                  <a:schemeClr val="tx1"/>
+                </a:solidFill>
+              </a:rPr>
+              <a:t>V</a:t>
+            </a:r>
+            <a:endParaRPr kumimoji="1" lang="ja-JP" altLang="en-US" sz="3600" dirty="0">
+              <a:solidFill>
+                <a:schemeClr val="tx1"/>
+              </a:solidFill>
+            </a:endParaRPr>
+          </a:p>
+        </p:txBody>
+      </p:sp>
+      <p:cxnSp>
+        <p:nvCxnSpPr>
+          <p:cNvPr id="14" name="直線コネクタ 13"/>
+          <p:cNvCxnSpPr>
+            <a:stCxn id="10" idx="1"/>
+            <a:endCxn id="11" idx="3"/>
+          </p:cNvCxnSpPr>
+          <p:nvPr/>
+        </p:nvCxnSpPr>
+        <p:spPr>
+          <a:xfrm flipH="1">
+            <a:off x="3851920" y="1628800"/>
+            <a:ext cx="720080" cy="0"/>
+          </a:xfrm>
+          <a:prstGeom prst="line">
+            <a:avLst/>
+          </a:prstGeom>
+          <a:ln w="12700">
+            <a:solidFill>
+              <a:schemeClr val="tx1"/>
+            </a:solidFill>
+          </a:ln>
+        </p:spPr>
+        <p:style>
+          <a:lnRef idx="1">
+            <a:schemeClr val="accent1"/>
+          </a:lnRef>
+          <a:fillRef idx="0">
+            <a:schemeClr val="accent1"/>
+          </a:fillRef>
+          <a:effectRef idx="0">
+            <a:schemeClr val="accent1"/>
+          </a:effectRef>
+          <a:fontRef idx="minor">
+            <a:schemeClr val="tx1"/>
+          </a:fontRef>
+        </p:style>
+      </p:cxnSp>
+      <p:cxnSp>
+        <p:nvCxnSpPr>
+          <p:cNvPr id="16" name="直線コネクタ 15"/>
+          <p:cNvCxnSpPr>
+            <a:stCxn id="12" idx="1"/>
+            <a:endCxn id="10" idx="3"/>
+          </p:cNvCxnSpPr>
+          <p:nvPr/>
+        </p:nvCxnSpPr>
+        <p:spPr>
+          <a:xfrm flipH="1">
+            <a:off x="5292080" y="1628800"/>
+            <a:ext cx="720080" cy="0"/>
+          </a:xfrm>
+          <a:prstGeom prst="line">
+            <a:avLst/>
+          </a:prstGeom>
+          <a:ln w="12700">
+            <a:solidFill>
+              <a:schemeClr val="tx1"/>
+            </a:solidFill>
+          </a:ln>
+        </p:spPr>
+        <p:style>
+          <a:lnRef idx="1">
+            <a:schemeClr val="accent1"/>
+          </a:lnRef>
+          <a:fillRef idx="0">
+            <a:schemeClr val="accent1"/>
+          </a:fillRef>
+          <a:effectRef idx="0">
+            <a:schemeClr val="accent1"/>
+          </a:effectRef>
+          <a:fontRef idx="minor">
+            <a:schemeClr val="tx1"/>
+          </a:fontRef>
+        </p:style>
+      </p:cxnSp>
+      <p:cxnSp>
+        <p:nvCxnSpPr>
+          <p:cNvPr id="18" name="直線コネクタ 17"/>
+          <p:cNvCxnSpPr/>
+          <p:nvPr/>
+        </p:nvCxnSpPr>
+        <p:spPr>
+          <a:xfrm>
+            <a:off x="4932040" y="1988840"/>
+            <a:ext cx="0" cy="360040"/>
+          </a:xfrm>
+          <a:prstGeom prst="line">
+            <a:avLst/>
+          </a:prstGeom>
+          <a:ln w="12700">
+            <a:solidFill>
+              <a:schemeClr val="tx1"/>
+            </a:solidFill>
+          </a:ln>
+        </p:spPr>
+        <p:style>
+          <a:lnRef idx="1">
+            <a:schemeClr val="accent1"/>
+          </a:lnRef>
+          <a:fillRef idx="0">
+            <a:schemeClr val="accent1"/>
+          </a:fillRef>
+          <a:effectRef idx="0">
+            <a:schemeClr val="accent1"/>
+          </a:effectRef>
+          <a:fontRef idx="minor">
+            <a:schemeClr val="tx1"/>
+          </a:fontRef>
+        </p:style>
+      </p:cxnSp>
+      <p:sp>
+        <p:nvSpPr>
+          <p:cNvPr id="19" name="テキスト ボックス 18"/>
+          <p:cNvSpPr txBox="1"/>
+          <p:nvPr/>
+        </p:nvSpPr>
+        <p:spPr>
+          <a:xfrm>
+            <a:off x="4771432" y="2267580"/>
+            <a:ext cx="282450" cy="369332"/>
+          </a:xfrm>
+          <a:prstGeom prst="rect">
+            <a:avLst/>
+          </a:prstGeom>
+          <a:noFill/>
+        </p:spPr>
+        <p:txBody>
+          <a:bodyPr wrap="none" rtlCol="0">
+            <a:spAutoFit/>
+          </a:bodyPr>
+          <a:lstStyle/>
+          <a:p>
+            <a:r>
+              <a:rPr kumimoji="1" lang="en-US" altLang="ja-JP" dirty="0" smtClean="0"/>
+              <a:t>c</a:t>
+            </a:r>
+            <a:endParaRPr kumimoji="1" lang="ja-JP" altLang="en-US" dirty="0"/>
+          </a:p>
+        </p:txBody>
+      </p:sp>
+      <p:cxnSp>
+        <p:nvCxnSpPr>
+          <p:cNvPr id="20" name="直線コネクタ 19"/>
+          <p:cNvCxnSpPr/>
+          <p:nvPr/>
+        </p:nvCxnSpPr>
+        <p:spPr>
+          <a:xfrm>
+            <a:off x="3490010" y="1988840"/>
+            <a:ext cx="0" cy="360040"/>
+          </a:xfrm>
+          <a:prstGeom prst="line">
+            <a:avLst/>
+          </a:prstGeom>
+          <a:ln w="12700">
+            <a:solidFill>
+              <a:schemeClr val="tx1"/>
+            </a:solidFill>
+          </a:ln>
+        </p:spPr>
+        <p:style>
+          <a:lnRef idx="1">
+            <a:schemeClr val="accent1"/>
+          </a:lnRef>
+          <a:fillRef idx="0">
+            <a:schemeClr val="accent1"/>
+          </a:fillRef>
+          <a:effectRef idx="0">
+            <a:schemeClr val="accent1"/>
+          </a:effectRef>
+          <a:fontRef idx="minor">
+            <a:schemeClr val="tx1"/>
+          </a:fontRef>
+        </p:style>
+      </p:cxnSp>
+      <p:sp>
+        <p:nvSpPr>
+          <p:cNvPr id="21" name="テキスト ボックス 20"/>
+          <p:cNvSpPr txBox="1"/>
+          <p:nvPr/>
+        </p:nvSpPr>
+        <p:spPr>
+          <a:xfrm>
+            <a:off x="3329402" y="2267580"/>
+            <a:ext cx="306494" cy="369332"/>
+          </a:xfrm>
+          <a:prstGeom prst="rect">
+            <a:avLst/>
+          </a:prstGeom>
+          <a:noFill/>
+        </p:spPr>
+        <p:txBody>
+          <a:bodyPr wrap="none" rtlCol="0">
+            <a:spAutoFit/>
+          </a:bodyPr>
+          <a:lstStyle/>
+          <a:p>
+            <a:r>
+              <a:rPr lang="en-US" altLang="ja-JP" dirty="0"/>
+              <a:t>h</a:t>
+            </a:r>
+            <a:endParaRPr kumimoji="1" lang="ja-JP" altLang="en-US" dirty="0"/>
+          </a:p>
+        </p:txBody>
+      </p:sp>
+      <p:cxnSp>
+        <p:nvCxnSpPr>
+          <p:cNvPr id="22" name="直線コネクタ 21"/>
+          <p:cNvCxnSpPr/>
+          <p:nvPr/>
+        </p:nvCxnSpPr>
+        <p:spPr>
+          <a:xfrm>
+            <a:off x="6372200" y="1988840"/>
+            <a:ext cx="0" cy="360040"/>
+          </a:xfrm>
+          <a:prstGeom prst="line">
+            <a:avLst/>
+          </a:prstGeom>
+          <a:ln w="12700">
+            <a:solidFill>
+              <a:schemeClr val="tx1"/>
+            </a:solidFill>
+          </a:ln>
+        </p:spPr>
+        <p:style>
+          <a:lnRef idx="1">
+            <a:schemeClr val="accent1"/>
+          </a:lnRef>
+          <a:fillRef idx="0">
+            <a:schemeClr val="accent1"/>
+          </a:fillRef>
+          <a:effectRef idx="0">
+            <a:schemeClr val="accent1"/>
+          </a:effectRef>
+          <a:fontRef idx="minor">
+            <a:schemeClr val="tx1"/>
+          </a:fontRef>
+        </p:style>
+      </p:cxnSp>
+      <p:sp>
+        <p:nvSpPr>
+          <p:cNvPr id="23" name="テキスト ボックス 22"/>
+          <p:cNvSpPr txBox="1"/>
+          <p:nvPr/>
+        </p:nvSpPr>
+        <p:spPr>
+          <a:xfrm>
+            <a:off x="6203384" y="2267580"/>
+            <a:ext cx="349776" cy="369332"/>
+          </a:xfrm>
+          <a:prstGeom prst="rect">
+            <a:avLst/>
+          </a:prstGeom>
+          <a:noFill/>
+        </p:spPr>
+        <p:txBody>
+          <a:bodyPr wrap="none" rtlCol="0">
+            <a:spAutoFit/>
+          </a:bodyPr>
+          <a:lstStyle/>
+          <a:p>
+            <a:r>
+              <a:rPr kumimoji="1" lang="en-US" altLang="ja-JP" dirty="0" smtClean="0"/>
+              <a:t>w</a:t>
+            </a:r>
+            <a:endParaRPr kumimoji="1" lang="ja-JP" altLang="en-US" dirty="0"/>
+          </a:p>
+        </p:txBody>
+      </p:sp>
+      <p:sp>
+        <p:nvSpPr>
+          <p:cNvPr id="24" name="テキスト ボックス 23"/>
+          <p:cNvSpPr txBox="1"/>
+          <p:nvPr/>
+        </p:nvSpPr>
+        <p:spPr>
+          <a:xfrm>
+            <a:off x="4049482" y="1268760"/>
+            <a:ext cx="264816" cy="369332"/>
+          </a:xfrm>
+          <a:prstGeom prst="rect">
+            <a:avLst/>
+          </a:prstGeom>
+          <a:noFill/>
+        </p:spPr>
+        <p:txBody>
+          <a:bodyPr wrap="none" rtlCol="0">
+            <a:spAutoFit/>
+          </a:bodyPr>
+          <a:lstStyle/>
+          <a:p>
+            <a:r>
+              <a:rPr lang="en-US" altLang="ja-JP" dirty="0" smtClean="0"/>
+              <a:t>r</a:t>
+            </a:r>
+            <a:endParaRPr kumimoji="1" lang="ja-JP" altLang="en-US" dirty="0"/>
+          </a:p>
+        </p:txBody>
+      </p:sp>
+      <p:sp>
+        <p:nvSpPr>
+          <p:cNvPr id="25" name="テキスト ボックス 24"/>
+          <p:cNvSpPr txBox="1"/>
+          <p:nvPr/>
+        </p:nvSpPr>
+        <p:spPr>
+          <a:xfrm>
+            <a:off x="5508104" y="1268760"/>
+            <a:ext cx="264816" cy="369332"/>
+          </a:xfrm>
+          <a:prstGeom prst="rect">
+            <a:avLst/>
+          </a:prstGeom>
+          <a:noFill/>
+        </p:spPr>
+        <p:txBody>
+          <a:bodyPr wrap="none" rtlCol="0">
+            <a:spAutoFit/>
+          </a:bodyPr>
+          <a:lstStyle/>
+          <a:p>
+            <a:r>
+              <a:rPr lang="en-US" altLang="ja-JP" dirty="0" smtClean="0"/>
+              <a:t>r</a:t>
+            </a:r>
+            <a:endParaRPr kumimoji="1" lang="ja-JP" altLang="en-US" dirty="0"/>
+          </a:p>
+        </p:txBody>
+      </p:sp>
+    </p:spTree>
+    <p:extLst>
+      <p:ext uri="{BB962C8B-B14F-4D97-AF65-F5344CB8AC3E}">
+        <p14:creationId xmlns:p14="http://schemas.microsoft.com/office/powerpoint/2010/main" val="3505761338"/>
+      </p:ext>
+    </p:extLst>
+  </p:cSld>
+  <p:clrMapOvr>
+    <a:masterClrMapping/>
+  </p:clrMapOvr>
+</p:sld>
+</file>
+
+<file path=ppt/slides/slide3.xml><?xml version="1.0" encoding="utf-8"?>
 <p:sld xmlns:a="http://schemas.openxmlformats.org/drawingml/2006/main" xmlns:r="http://schemas.openxmlformats.org/officeDocument/2006/relationships" xmlns:p="http://schemas.openxmlformats.org/presentationml/2006/main">
   <p:cSld>
     <p:spTree>
@@ -2218,7 +4149,7 @@
 </p:sld>
 </file>
 
-<file path=ppt/slides/slide3.xml><?xml version="1.0" encoding="utf-8"?>
+<file path=ppt/slides/slide4.xml><?xml version="1.0" encoding="utf-8"?>
 <p:sld xmlns:a="http://schemas.openxmlformats.org/drawingml/2006/main" xmlns:r="http://schemas.openxmlformats.org/officeDocument/2006/relationships" xmlns:p="http://schemas.openxmlformats.org/presentationml/2006/main">
   <p:cSld>
     <p:spTree>

--- a/daimyo_tucker/fig.pptx
+++ b/daimyo_tucker/fig.pptx
@@ -9,6 +9,9 @@
     <p:sldId id="261" r:id="rId3"/>
     <p:sldId id="259" r:id="rId4"/>
     <p:sldId id="258" r:id="rId5"/>
+    <p:sldId id="262" r:id="rId6"/>
+    <p:sldId id="263" r:id="rId7"/>
+    <p:sldId id="264" r:id="rId8"/>
   </p:sldIdLst>
   <p:sldSz cx="9144000" cy="6858000" type="screen4x3"/>
   <p:notesSz cx="6858000" cy="9144000"/>
@@ -1392,8 +1395,8 @@
           </a:p>
         </p:txBody>
       </p:sp>
-      <mc:AlternateContent xmlns:mc="http://schemas.openxmlformats.org/markup-compatibility/2006">
-        <mc:Choice xmlns:a14="http://schemas.microsoft.com/office/drawing/2010/main" Requires="a14">
+      <mc:AlternateContent xmlns:mc="http://schemas.openxmlformats.org/markup-compatibility/2006" xmlns:a14="http://schemas.microsoft.com/office/drawing/2010/main">
+        <mc:Choice Requires="a14">
           <p:sp>
             <p:nvSpPr>
               <p:cNvPr id="38" name="テキスト ボックス 37"/>
@@ -1416,6 +1419,7 @@
               </a:bodyPr>
               <a:lstStyle/>
               <a:p>
+                <a:pPr/>
                 <a14:m>
                   <m:oMathPara xmlns:m="http://schemas.openxmlformats.org/officeDocument/2006/math">
                     <m:oMathParaPr>
@@ -1542,7 +1546,7 @@
             </p:txBody>
           </p:sp>
         </mc:Choice>
-        <mc:Fallback>
+        <mc:Fallback xmlns="">
           <p:sp>
             <p:nvSpPr>
               <p:cNvPr id="38" name="テキスト ボックス 37"/>
@@ -6210,6 +6214,9765 @@
 </p:sld>
 </file>
 
+<file path=ppt/slides/slide5.xml><?xml version="1.0" encoding="utf-8"?>
+<p:sld xmlns:a="http://schemas.openxmlformats.org/drawingml/2006/main" xmlns:r="http://schemas.openxmlformats.org/officeDocument/2006/relationships" xmlns:p="http://schemas.openxmlformats.org/presentationml/2006/main">
+  <p:cSld>
+    <p:spTree>
+      <p:nvGrpSpPr>
+        <p:cNvPr id="1" name=""/>
+        <p:cNvGrpSpPr/>
+        <p:nvPr/>
+      </p:nvGrpSpPr>
+      <p:grpSpPr>
+        <a:xfrm>
+          <a:off x="0" y="0"/>
+          <a:ext cx="0" cy="0"/>
+          <a:chOff x="0" y="0"/>
+          <a:chExt cx="0" cy="0"/>
+        </a:xfrm>
+      </p:grpSpPr>
+      <p:sp>
+        <p:nvSpPr>
+          <p:cNvPr id="20" name="正方形/長方形 19"/>
+          <p:cNvSpPr/>
+          <p:nvPr/>
+        </p:nvSpPr>
+        <p:spPr>
+          <a:xfrm>
+            <a:off x="692540" y="875998"/>
+            <a:ext cx="1656184" cy="1052736"/>
+          </a:xfrm>
+          <a:prstGeom prst="rect">
+            <a:avLst/>
+          </a:prstGeom>
+          <a:solidFill>
+            <a:schemeClr val="accent1">
+              <a:lumMod val="20000"/>
+              <a:lumOff val="80000"/>
+            </a:schemeClr>
+          </a:solidFill>
+          <a:ln>
+            <a:solidFill>
+              <a:schemeClr val="tx1"/>
+            </a:solidFill>
+          </a:ln>
+        </p:spPr>
+        <p:style>
+          <a:lnRef idx="2">
+            <a:schemeClr val="accent1">
+              <a:shade val="50000"/>
+            </a:schemeClr>
+          </a:lnRef>
+          <a:fillRef idx="1">
+            <a:schemeClr val="accent1"/>
+          </a:fillRef>
+          <a:effectRef idx="0">
+            <a:schemeClr val="accent1"/>
+          </a:effectRef>
+          <a:fontRef idx="minor">
+            <a:schemeClr val="lt1"/>
+          </a:fontRef>
+        </p:style>
+        <p:txBody>
+          <a:bodyPr rtlCol="0" anchor="ctr"/>
+          <a:lstStyle/>
+          <a:p>
+            <a:pPr algn="ctr"/>
+            <a:endParaRPr kumimoji="1" lang="ja-JP" altLang="en-US" dirty="0"/>
+          </a:p>
+        </p:txBody>
+      </p:sp>
+      <p:sp>
+        <p:nvSpPr>
+          <p:cNvPr id="21" name="正方形/長方形 20"/>
+          <p:cNvSpPr/>
+          <p:nvPr/>
+        </p:nvSpPr>
+        <p:spPr>
+          <a:xfrm>
+            <a:off x="3203849" y="875999"/>
+            <a:ext cx="1080120" cy="1080120"/>
+          </a:xfrm>
+          <a:prstGeom prst="rect">
+            <a:avLst/>
+          </a:prstGeom>
+          <a:solidFill>
+            <a:schemeClr val="accent2">
+              <a:lumMod val="20000"/>
+              <a:lumOff val="80000"/>
+            </a:schemeClr>
+          </a:solidFill>
+          <a:ln>
+            <a:solidFill>
+              <a:schemeClr val="tx1"/>
+            </a:solidFill>
+          </a:ln>
+        </p:spPr>
+        <p:style>
+          <a:lnRef idx="2">
+            <a:schemeClr val="accent1">
+              <a:shade val="50000"/>
+            </a:schemeClr>
+          </a:lnRef>
+          <a:fillRef idx="1">
+            <a:schemeClr val="accent1"/>
+          </a:fillRef>
+          <a:effectRef idx="0">
+            <a:schemeClr val="accent1"/>
+          </a:effectRef>
+          <a:fontRef idx="minor">
+            <a:schemeClr val="lt1"/>
+          </a:fontRef>
+        </p:style>
+        <p:txBody>
+          <a:bodyPr rtlCol="0" anchor="ctr"/>
+          <a:lstStyle/>
+          <a:p>
+            <a:pPr algn="ctr"/>
+            <a:endParaRPr kumimoji="1" lang="ja-JP" altLang="en-US"/>
+          </a:p>
+        </p:txBody>
+      </p:sp>
+      <p:sp>
+        <p:nvSpPr>
+          <p:cNvPr id="22" name="正方形/長方形 21"/>
+          <p:cNvSpPr/>
+          <p:nvPr/>
+        </p:nvSpPr>
+        <p:spPr>
+          <a:xfrm>
+            <a:off x="4716016" y="875998"/>
+            <a:ext cx="1656184" cy="1080120"/>
+          </a:xfrm>
+          <a:prstGeom prst="rect">
+            <a:avLst/>
+          </a:prstGeom>
+          <a:solidFill>
+            <a:schemeClr val="accent6">
+              <a:lumMod val="20000"/>
+              <a:lumOff val="80000"/>
+            </a:schemeClr>
+          </a:solidFill>
+          <a:ln>
+            <a:solidFill>
+              <a:schemeClr val="tx1"/>
+            </a:solidFill>
+          </a:ln>
+        </p:spPr>
+        <p:style>
+          <a:lnRef idx="2">
+            <a:schemeClr val="accent1">
+              <a:shade val="50000"/>
+            </a:schemeClr>
+          </a:lnRef>
+          <a:fillRef idx="1">
+            <a:schemeClr val="accent1"/>
+          </a:fillRef>
+          <a:effectRef idx="0">
+            <a:schemeClr val="accent1"/>
+          </a:effectRef>
+          <a:fontRef idx="minor">
+            <a:schemeClr val="lt1"/>
+          </a:fontRef>
+        </p:style>
+        <p:txBody>
+          <a:bodyPr rtlCol="0" anchor="ctr"/>
+          <a:lstStyle/>
+          <a:p>
+            <a:pPr algn="ctr"/>
+            <a:endParaRPr kumimoji="1" lang="ja-JP" altLang="en-US"/>
+          </a:p>
+        </p:txBody>
+      </p:sp>
+      <p:sp>
+        <p:nvSpPr>
+          <p:cNvPr id="23" name="正方形/長方形 22"/>
+          <p:cNvSpPr/>
+          <p:nvPr/>
+        </p:nvSpPr>
+        <p:spPr>
+          <a:xfrm>
+            <a:off x="6898698" y="590493"/>
+            <a:ext cx="1656184" cy="1653657"/>
+          </a:xfrm>
+          <a:prstGeom prst="rect">
+            <a:avLst/>
+          </a:prstGeom>
+          <a:solidFill>
+            <a:schemeClr val="accent4">
+              <a:lumMod val="20000"/>
+              <a:lumOff val="80000"/>
+            </a:schemeClr>
+          </a:solidFill>
+          <a:ln>
+            <a:solidFill>
+              <a:schemeClr val="tx1"/>
+            </a:solidFill>
+          </a:ln>
+        </p:spPr>
+        <p:style>
+          <a:lnRef idx="2">
+            <a:schemeClr val="accent1">
+              <a:shade val="50000"/>
+            </a:schemeClr>
+          </a:lnRef>
+          <a:fillRef idx="1">
+            <a:schemeClr val="accent1"/>
+          </a:fillRef>
+          <a:effectRef idx="0">
+            <a:schemeClr val="accent1"/>
+          </a:effectRef>
+          <a:fontRef idx="minor">
+            <a:schemeClr val="lt1"/>
+          </a:fontRef>
+        </p:style>
+        <p:txBody>
+          <a:bodyPr rtlCol="0" anchor="ctr"/>
+          <a:lstStyle/>
+          <a:p>
+            <a:pPr algn="ctr"/>
+            <a:endParaRPr kumimoji="1" lang="ja-JP" altLang="en-US"/>
+          </a:p>
+        </p:txBody>
+      </p:sp>
+      <p:sp>
+        <p:nvSpPr>
+          <p:cNvPr id="24" name="テキスト ボックス 23"/>
+          <p:cNvSpPr txBox="1"/>
+          <p:nvPr/>
+        </p:nvSpPr>
+        <p:spPr>
+          <a:xfrm>
+            <a:off x="4317862" y="1099425"/>
+            <a:ext cx="362600" cy="584775"/>
+          </a:xfrm>
+          <a:prstGeom prst="rect">
+            <a:avLst/>
+          </a:prstGeom>
+          <a:noFill/>
+        </p:spPr>
+        <p:txBody>
+          <a:bodyPr wrap="none" rtlCol="0">
+            <a:spAutoFit/>
+          </a:bodyPr>
+          <a:lstStyle/>
+          <a:p>
+            <a:r>
+              <a:rPr kumimoji="1" lang="en-US" altLang="ja-JP" sz="3200" dirty="0"/>
+              <a:t>x</a:t>
+            </a:r>
+            <a:endParaRPr kumimoji="1" lang="ja-JP" altLang="en-US" sz="3200" dirty="0"/>
+          </a:p>
+        </p:txBody>
+      </p:sp>
+      <p:sp>
+        <p:nvSpPr>
+          <p:cNvPr id="25" name="テキスト ボックス 24"/>
+          <p:cNvSpPr txBox="1"/>
+          <p:nvPr/>
+        </p:nvSpPr>
+        <p:spPr>
+          <a:xfrm>
+            <a:off x="6467796" y="1099425"/>
+            <a:ext cx="408460" cy="584775"/>
+          </a:xfrm>
+          <a:prstGeom prst="rect">
+            <a:avLst/>
+          </a:prstGeom>
+          <a:noFill/>
+        </p:spPr>
+        <p:txBody>
+          <a:bodyPr wrap="square" rtlCol="0">
+            <a:spAutoFit/>
+          </a:bodyPr>
+          <a:lstStyle/>
+          <a:p>
+            <a:r>
+              <a:rPr kumimoji="1" lang="en-US" altLang="ja-JP" sz="3200" dirty="0"/>
+              <a:t>x</a:t>
+            </a:r>
+            <a:endParaRPr kumimoji="1" lang="ja-JP" altLang="en-US" sz="3200" dirty="0"/>
+          </a:p>
+        </p:txBody>
+      </p:sp>
+      <p:sp>
+        <p:nvSpPr>
+          <p:cNvPr id="26" name="テキスト ボックス 25"/>
+          <p:cNvSpPr txBox="1"/>
+          <p:nvPr/>
+        </p:nvSpPr>
+        <p:spPr>
+          <a:xfrm>
+            <a:off x="2411760" y="1099425"/>
+            <a:ext cx="389850" cy="584775"/>
+          </a:xfrm>
+          <a:prstGeom prst="rect">
+            <a:avLst/>
+          </a:prstGeom>
+          <a:noFill/>
+        </p:spPr>
+        <p:txBody>
+          <a:bodyPr wrap="none" rtlCol="0">
+            <a:spAutoFit/>
+          </a:bodyPr>
+          <a:lstStyle/>
+          <a:p>
+            <a:r>
+              <a:rPr lang="en-US" altLang="ja-JP" sz="3200" dirty="0"/>
+              <a:t>=</a:t>
+            </a:r>
+            <a:endParaRPr kumimoji="1" lang="ja-JP" altLang="en-US" sz="3200" dirty="0"/>
+          </a:p>
+        </p:txBody>
+      </p:sp>
+      <mc:AlternateContent xmlns:mc="http://schemas.openxmlformats.org/markup-compatibility/2006">
+        <mc:Choice xmlns:a14="http://schemas.microsoft.com/office/drawing/2010/main" Requires="a14">
+          <p:sp>
+            <p:nvSpPr>
+              <p:cNvPr id="27" name="テキスト ボックス 26"/>
+              <p:cNvSpPr txBox="1"/>
+              <p:nvPr/>
+            </p:nvSpPr>
+            <p:spPr>
+              <a:xfrm>
+                <a:off x="1277669" y="1084036"/>
+                <a:ext cx="458139" cy="615553"/>
+              </a:xfrm>
+              <a:prstGeom prst="rect">
+                <a:avLst/>
+              </a:prstGeom>
+              <a:noFill/>
+            </p:spPr>
+            <p:txBody>
+              <a:bodyPr wrap="none" lIns="0" tIns="0" rIns="0" bIns="0" rtlCol="0">
+                <a:spAutoFit/>
+              </a:bodyPr>
+              <a:lstStyle/>
+              <a:p>
+                <a:pPr/>
+                <a14:m>
+                  <m:oMathPara xmlns:m="http://schemas.openxmlformats.org/officeDocument/2006/math">
+                    <m:oMathParaPr>
+                      <m:jc m:val="centerGroup"/>
+                    </m:oMathParaPr>
+                    <m:oMath xmlns:m="http://schemas.openxmlformats.org/officeDocument/2006/math">
+                      <m:r>
+                        <a:rPr kumimoji="1" lang="en-US" altLang="ja-JP" sz="4000" b="0" i="1" smtClean="0">
+                          <a:latin typeface="Cambria Math" panose="02040503050406030204" pitchFamily="18" charset="0"/>
+                        </a:rPr>
+                        <m:t>𝑋</m:t>
+                      </m:r>
+                    </m:oMath>
+                  </m:oMathPara>
+                </a14:m>
+                <a:endParaRPr kumimoji="1" lang="ja-JP" altLang="en-US" sz="4000" dirty="0"/>
+              </a:p>
+            </p:txBody>
+          </p:sp>
+        </mc:Choice>
+        <mc:Fallback>
+          <p:sp>
+            <p:nvSpPr>
+              <p:cNvPr id="27" name="テキスト ボックス 26"/>
+              <p:cNvSpPr txBox="1">
+                <a:spLocks noRot="1" noChangeAspect="1" noMove="1" noResize="1" noEditPoints="1" noAdjustHandles="1" noChangeArrowheads="1" noChangeShapeType="1" noTextEdit="1"/>
+              </p:cNvSpPr>
+              <p:nvPr/>
+            </p:nvSpPr>
+            <p:spPr>
+              <a:xfrm>
+                <a:off x="1277669" y="1084036"/>
+                <a:ext cx="458139" cy="615553"/>
+              </a:xfrm>
+              <a:prstGeom prst="rect">
+                <a:avLst/>
+              </a:prstGeom>
+              <a:blipFill>
+                <a:blip r:embed="rId2"/>
+                <a:stretch>
+                  <a:fillRect/>
+                </a:stretch>
+              </a:blipFill>
+            </p:spPr>
+            <p:txBody>
+              <a:bodyPr/>
+              <a:lstStyle/>
+              <a:p>
+                <a:r>
+                  <a:rPr lang="ja-JP" altLang="en-US">
+                    <a:noFill/>
+                  </a:rPr>
+                  <a:t> </a:t>
+                </a:r>
+              </a:p>
+            </p:txBody>
+          </p:sp>
+        </mc:Fallback>
+      </mc:AlternateContent>
+      <mc:AlternateContent xmlns:mc="http://schemas.openxmlformats.org/markup-compatibility/2006">
+        <mc:Choice xmlns:a14="http://schemas.microsoft.com/office/drawing/2010/main" Requires="a14">
+          <p:sp>
+            <p:nvSpPr>
+              <p:cNvPr id="28" name="テキスト ボックス 27"/>
+              <p:cNvSpPr txBox="1"/>
+              <p:nvPr/>
+            </p:nvSpPr>
+            <p:spPr>
+              <a:xfrm>
+                <a:off x="3517856" y="1084036"/>
+                <a:ext cx="478080" cy="615553"/>
+              </a:xfrm>
+              <a:prstGeom prst="rect">
+                <a:avLst/>
+              </a:prstGeom>
+              <a:noFill/>
+            </p:spPr>
+            <p:txBody>
+              <a:bodyPr wrap="none" lIns="0" tIns="0" rIns="0" bIns="0" rtlCol="0">
+                <a:spAutoFit/>
+              </a:bodyPr>
+              <a:lstStyle/>
+              <a:p>
+                <a:pPr/>
+                <a14:m>
+                  <m:oMathPara xmlns:m="http://schemas.openxmlformats.org/officeDocument/2006/math">
+                    <m:oMathParaPr>
+                      <m:jc m:val="centerGroup"/>
+                    </m:oMathParaPr>
+                    <m:oMath xmlns:m="http://schemas.openxmlformats.org/officeDocument/2006/math">
+                      <m:r>
+                        <a:rPr kumimoji="1" lang="en-US" altLang="ja-JP" sz="4000" b="0" i="1" smtClean="0">
+                          <a:latin typeface="Cambria Math" panose="02040503050406030204" pitchFamily="18" charset="0"/>
+                        </a:rPr>
+                        <m:t>𝑈</m:t>
+                      </m:r>
+                    </m:oMath>
+                  </m:oMathPara>
+                </a14:m>
+                <a:endParaRPr kumimoji="1" lang="ja-JP" altLang="en-US" sz="4000" dirty="0"/>
+              </a:p>
+            </p:txBody>
+          </p:sp>
+        </mc:Choice>
+        <mc:Fallback>
+          <p:sp>
+            <p:nvSpPr>
+              <p:cNvPr id="28" name="テキスト ボックス 27"/>
+              <p:cNvSpPr txBox="1">
+                <a:spLocks noRot="1" noChangeAspect="1" noMove="1" noResize="1" noEditPoints="1" noAdjustHandles="1" noChangeArrowheads="1" noChangeShapeType="1" noTextEdit="1"/>
+              </p:cNvSpPr>
+              <p:nvPr/>
+            </p:nvSpPr>
+            <p:spPr>
+              <a:xfrm>
+                <a:off x="3517856" y="1084036"/>
+                <a:ext cx="478080" cy="615553"/>
+              </a:xfrm>
+              <a:prstGeom prst="rect">
+                <a:avLst/>
+              </a:prstGeom>
+              <a:blipFill>
+                <a:blip r:embed="rId3"/>
+                <a:stretch>
+                  <a:fillRect/>
+                </a:stretch>
+              </a:blipFill>
+            </p:spPr>
+            <p:txBody>
+              <a:bodyPr/>
+              <a:lstStyle/>
+              <a:p>
+                <a:r>
+                  <a:rPr lang="ja-JP" altLang="en-US">
+                    <a:noFill/>
+                  </a:rPr>
+                  <a:t> </a:t>
+                </a:r>
+              </a:p>
+            </p:txBody>
+          </p:sp>
+        </mc:Fallback>
+      </mc:AlternateContent>
+      <mc:AlternateContent xmlns:mc="http://schemas.openxmlformats.org/markup-compatibility/2006">
+        <mc:Choice xmlns:a14="http://schemas.microsoft.com/office/drawing/2010/main" Requires="a14">
+          <p:sp>
+            <p:nvSpPr>
+              <p:cNvPr id="29" name="テキスト ボックス 28"/>
+              <p:cNvSpPr txBox="1"/>
+              <p:nvPr/>
+            </p:nvSpPr>
+            <p:spPr>
+              <a:xfrm>
+                <a:off x="7402754" y="1076085"/>
+                <a:ext cx="703654" cy="631455"/>
+              </a:xfrm>
+              <a:prstGeom prst="rect">
+                <a:avLst/>
+              </a:prstGeom>
+              <a:noFill/>
+            </p:spPr>
+            <p:txBody>
+              <a:bodyPr wrap="none" lIns="0" tIns="0" rIns="0" bIns="0" rtlCol="0">
+                <a:spAutoFit/>
+              </a:bodyPr>
+              <a:lstStyle/>
+              <a:p>
+                <a:pPr/>
+                <a14:m>
+                  <m:oMathPara xmlns:m="http://schemas.openxmlformats.org/officeDocument/2006/math">
+                    <m:oMathParaPr>
+                      <m:jc m:val="centerGroup"/>
+                    </m:oMathParaPr>
+                    <m:oMath xmlns:m="http://schemas.openxmlformats.org/officeDocument/2006/math">
+                      <m:sSup>
+                        <m:sSupPr>
+                          <m:ctrlPr>
+                            <a:rPr kumimoji="1" lang="el-GR" altLang="ja-JP" sz="4000" b="0" i="1" smtClean="0">
+                              <a:latin typeface="Cambria Math" panose="02040503050406030204" pitchFamily="18" charset="0"/>
+                              <a:ea typeface="Cambria Math" panose="02040503050406030204" pitchFamily="18" charset="0"/>
+                            </a:rPr>
+                          </m:ctrlPr>
+                        </m:sSupPr>
+                        <m:e>
+                          <m:r>
+                            <a:rPr kumimoji="1" lang="en-US" altLang="ja-JP" sz="4000" b="0" i="1" smtClean="0">
+                              <a:latin typeface="Cambria Math" panose="02040503050406030204" pitchFamily="18" charset="0"/>
+                              <a:ea typeface="Cambria Math" panose="02040503050406030204" pitchFamily="18" charset="0"/>
+                            </a:rPr>
+                            <m:t>𝑉</m:t>
+                          </m:r>
+                        </m:e>
+                        <m:sup>
+                          <m:r>
+                            <a:rPr kumimoji="1" lang="el-GR" altLang="ja-JP" sz="4000" b="0" i="1" smtClean="0">
+                              <a:latin typeface="Cambria Math" panose="02040503050406030204" pitchFamily="18" charset="0"/>
+                              <a:ea typeface="Cambria Math" panose="02040503050406030204" pitchFamily="18" charset="0"/>
+                            </a:rPr>
+                            <m:t>†</m:t>
+                          </m:r>
+                        </m:sup>
+                      </m:sSup>
+                    </m:oMath>
+                  </m:oMathPara>
+                </a14:m>
+                <a:endParaRPr kumimoji="1" lang="ja-JP" altLang="en-US" sz="4000" dirty="0"/>
+              </a:p>
+            </p:txBody>
+          </p:sp>
+        </mc:Choice>
+        <mc:Fallback>
+          <p:sp>
+            <p:nvSpPr>
+              <p:cNvPr id="29" name="テキスト ボックス 28"/>
+              <p:cNvSpPr txBox="1">
+                <a:spLocks noRot="1" noChangeAspect="1" noMove="1" noResize="1" noEditPoints="1" noAdjustHandles="1" noChangeArrowheads="1" noChangeShapeType="1" noTextEdit="1"/>
+              </p:cNvSpPr>
+              <p:nvPr/>
+            </p:nvSpPr>
+            <p:spPr>
+              <a:xfrm>
+                <a:off x="7402754" y="1076085"/>
+                <a:ext cx="703654" cy="631455"/>
+              </a:xfrm>
+              <a:prstGeom prst="rect">
+                <a:avLst/>
+              </a:prstGeom>
+              <a:blipFill>
+                <a:blip r:embed="rId4"/>
+                <a:stretch>
+                  <a:fillRect/>
+                </a:stretch>
+              </a:blipFill>
+            </p:spPr>
+            <p:txBody>
+              <a:bodyPr/>
+              <a:lstStyle/>
+              <a:p>
+                <a:r>
+                  <a:rPr lang="ja-JP" altLang="en-US">
+                    <a:noFill/>
+                  </a:rPr>
+                  <a:t> </a:t>
+                </a:r>
+              </a:p>
+            </p:txBody>
+          </p:sp>
+        </mc:Fallback>
+      </mc:AlternateContent>
+      <mc:AlternateContent xmlns:mc="http://schemas.openxmlformats.org/markup-compatibility/2006">
+        <mc:Choice xmlns:a14="http://schemas.microsoft.com/office/drawing/2010/main" Requires="a14">
+          <p:sp>
+            <p:nvSpPr>
+              <p:cNvPr id="30" name="テキスト ボックス 29"/>
+              <p:cNvSpPr txBox="1"/>
+              <p:nvPr/>
+            </p:nvSpPr>
+            <p:spPr>
+              <a:xfrm>
+                <a:off x="5364088" y="1084036"/>
+                <a:ext cx="395942" cy="615553"/>
+              </a:xfrm>
+              <a:prstGeom prst="rect">
+                <a:avLst/>
+              </a:prstGeom>
+              <a:noFill/>
+            </p:spPr>
+            <p:txBody>
+              <a:bodyPr wrap="none" lIns="0" tIns="0" rIns="0" bIns="0" rtlCol="0">
+                <a:spAutoFit/>
+              </a:bodyPr>
+              <a:lstStyle/>
+              <a:p>
+                <a:pPr/>
+                <a14:m>
+                  <m:oMathPara xmlns:m="http://schemas.openxmlformats.org/officeDocument/2006/math">
+                    <m:oMathParaPr>
+                      <m:jc m:val="centerGroup"/>
+                    </m:oMathParaPr>
+                    <m:oMath xmlns:m="http://schemas.openxmlformats.org/officeDocument/2006/math">
+                      <m:r>
+                        <m:rPr>
+                          <m:sty m:val="p"/>
+                        </m:rPr>
+                        <a:rPr kumimoji="1" lang="el-GR" altLang="ja-JP" sz="4000" b="0" i="1" smtClean="0">
+                          <a:latin typeface="Cambria Math" panose="02040503050406030204" pitchFamily="18" charset="0"/>
+                          <a:ea typeface="Cambria Math" panose="02040503050406030204" pitchFamily="18" charset="0"/>
+                        </a:rPr>
+                        <m:t>Σ</m:t>
+                      </m:r>
+                    </m:oMath>
+                  </m:oMathPara>
+                </a14:m>
+                <a:endParaRPr kumimoji="1" lang="ja-JP" altLang="en-US" sz="4000" dirty="0"/>
+              </a:p>
+            </p:txBody>
+          </p:sp>
+        </mc:Choice>
+        <mc:Fallback>
+          <p:sp>
+            <p:nvSpPr>
+              <p:cNvPr id="30" name="テキスト ボックス 29"/>
+              <p:cNvSpPr txBox="1">
+                <a:spLocks noRot="1" noChangeAspect="1" noMove="1" noResize="1" noEditPoints="1" noAdjustHandles="1" noChangeArrowheads="1" noChangeShapeType="1" noTextEdit="1"/>
+              </p:cNvSpPr>
+              <p:nvPr/>
+            </p:nvSpPr>
+            <p:spPr>
+              <a:xfrm>
+                <a:off x="5364088" y="1084036"/>
+                <a:ext cx="395942" cy="615553"/>
+              </a:xfrm>
+              <a:prstGeom prst="rect">
+                <a:avLst/>
+              </a:prstGeom>
+              <a:blipFill>
+                <a:blip r:embed="rId5"/>
+                <a:stretch>
+                  <a:fillRect/>
+                </a:stretch>
+              </a:blipFill>
+            </p:spPr>
+            <p:txBody>
+              <a:bodyPr/>
+              <a:lstStyle/>
+              <a:p>
+                <a:r>
+                  <a:rPr lang="ja-JP" altLang="en-US">
+                    <a:noFill/>
+                  </a:rPr>
+                  <a:t> </a:t>
+                </a:r>
+              </a:p>
+            </p:txBody>
+          </p:sp>
+        </mc:Fallback>
+      </mc:AlternateContent>
+      <p:sp>
+        <p:nvSpPr>
+          <p:cNvPr id="31" name="テキスト ボックス 30"/>
+          <p:cNvSpPr txBox="1"/>
+          <p:nvPr/>
+        </p:nvSpPr>
+        <p:spPr>
+          <a:xfrm>
+            <a:off x="107504" y="1160980"/>
+            <a:ext cx="429926" cy="461665"/>
+          </a:xfrm>
+          <a:prstGeom prst="rect">
+            <a:avLst/>
+          </a:prstGeom>
+          <a:noFill/>
+        </p:spPr>
+        <p:txBody>
+          <a:bodyPr wrap="none" rtlCol="0">
+            <a:spAutoFit/>
+          </a:bodyPr>
+          <a:lstStyle/>
+          <a:p>
+            <a:r>
+              <a:rPr lang="en-US" altLang="ja-JP" sz="2400" dirty="0"/>
+              <a:t>m</a:t>
+            </a:r>
+            <a:endParaRPr kumimoji="1" lang="ja-JP" altLang="en-US" sz="2400" dirty="0"/>
+          </a:p>
+        </p:txBody>
+      </p:sp>
+      <p:cxnSp>
+        <p:nvCxnSpPr>
+          <p:cNvPr id="32" name="直線矢印コネクタ 31"/>
+          <p:cNvCxnSpPr/>
+          <p:nvPr/>
+        </p:nvCxnSpPr>
+        <p:spPr>
+          <a:xfrm>
+            <a:off x="548524" y="875998"/>
+            <a:ext cx="0" cy="1080120"/>
+          </a:xfrm>
+          <a:prstGeom prst="straightConnector1">
+            <a:avLst/>
+          </a:prstGeom>
+          <a:ln w="12700">
+            <a:solidFill>
+              <a:schemeClr val="tx1"/>
+            </a:solidFill>
+            <a:headEnd type="triangle"/>
+            <a:tailEnd type="triangle"/>
+          </a:ln>
+        </p:spPr>
+        <p:style>
+          <a:lnRef idx="1">
+            <a:schemeClr val="accent1"/>
+          </a:lnRef>
+          <a:fillRef idx="0">
+            <a:schemeClr val="accent1"/>
+          </a:fillRef>
+          <a:effectRef idx="0">
+            <a:schemeClr val="accent1"/>
+          </a:effectRef>
+          <a:fontRef idx="minor">
+            <a:schemeClr val="tx1"/>
+          </a:fontRef>
+        </p:style>
+      </p:cxnSp>
+      <p:cxnSp>
+        <p:nvCxnSpPr>
+          <p:cNvPr id="33" name="直線矢印コネクタ 32"/>
+          <p:cNvCxnSpPr/>
+          <p:nvPr/>
+        </p:nvCxnSpPr>
+        <p:spPr>
+          <a:xfrm>
+            <a:off x="692540" y="731982"/>
+            <a:ext cx="1656184" cy="0"/>
+          </a:xfrm>
+          <a:prstGeom prst="straightConnector1">
+            <a:avLst/>
+          </a:prstGeom>
+          <a:ln w="12700">
+            <a:solidFill>
+              <a:schemeClr val="tx1"/>
+            </a:solidFill>
+            <a:headEnd type="triangle"/>
+            <a:tailEnd type="triangle"/>
+          </a:ln>
+        </p:spPr>
+        <p:style>
+          <a:lnRef idx="1">
+            <a:schemeClr val="accent1"/>
+          </a:lnRef>
+          <a:fillRef idx="0">
+            <a:schemeClr val="accent1"/>
+          </a:fillRef>
+          <a:effectRef idx="0">
+            <a:schemeClr val="accent1"/>
+          </a:effectRef>
+          <a:fontRef idx="minor">
+            <a:schemeClr val="tx1"/>
+          </a:fontRef>
+        </p:style>
+      </p:cxnSp>
+      <p:sp>
+        <p:nvSpPr>
+          <p:cNvPr id="34" name="テキスト ボックス 33"/>
+          <p:cNvSpPr txBox="1"/>
+          <p:nvPr/>
+        </p:nvSpPr>
+        <p:spPr>
+          <a:xfrm>
+            <a:off x="1331640" y="303039"/>
+            <a:ext cx="346570" cy="461665"/>
+          </a:xfrm>
+          <a:prstGeom prst="rect">
+            <a:avLst/>
+          </a:prstGeom>
+          <a:noFill/>
+        </p:spPr>
+        <p:txBody>
+          <a:bodyPr wrap="none" rtlCol="0">
+            <a:spAutoFit/>
+          </a:bodyPr>
+          <a:lstStyle/>
+          <a:p>
+            <a:r>
+              <a:rPr lang="en-US" altLang="ja-JP" sz="2400" dirty="0" smtClean="0"/>
+              <a:t>n</a:t>
+            </a:r>
+            <a:endParaRPr kumimoji="1" lang="ja-JP" altLang="en-US" sz="2400" dirty="0"/>
+          </a:p>
+        </p:txBody>
+      </p:sp>
+      <p:sp>
+        <p:nvSpPr>
+          <p:cNvPr id="35" name="テキスト ボックス 34"/>
+          <p:cNvSpPr txBox="1"/>
+          <p:nvPr/>
+        </p:nvSpPr>
+        <p:spPr>
+          <a:xfrm>
+            <a:off x="2690820" y="1160980"/>
+            <a:ext cx="429926" cy="461665"/>
+          </a:xfrm>
+          <a:prstGeom prst="rect">
+            <a:avLst/>
+          </a:prstGeom>
+          <a:noFill/>
+        </p:spPr>
+        <p:txBody>
+          <a:bodyPr wrap="none" rtlCol="0">
+            <a:spAutoFit/>
+          </a:bodyPr>
+          <a:lstStyle/>
+          <a:p>
+            <a:r>
+              <a:rPr lang="en-US" altLang="ja-JP" sz="2400" dirty="0"/>
+              <a:t>m</a:t>
+            </a:r>
+            <a:endParaRPr kumimoji="1" lang="ja-JP" altLang="en-US" sz="2400" dirty="0"/>
+          </a:p>
+        </p:txBody>
+      </p:sp>
+      <p:cxnSp>
+        <p:nvCxnSpPr>
+          <p:cNvPr id="36" name="直線矢印コネクタ 35"/>
+          <p:cNvCxnSpPr/>
+          <p:nvPr/>
+        </p:nvCxnSpPr>
+        <p:spPr>
+          <a:xfrm>
+            <a:off x="3131840" y="875998"/>
+            <a:ext cx="0" cy="1080120"/>
+          </a:xfrm>
+          <a:prstGeom prst="straightConnector1">
+            <a:avLst/>
+          </a:prstGeom>
+          <a:ln w="12700">
+            <a:solidFill>
+              <a:schemeClr val="tx1"/>
+            </a:solidFill>
+            <a:headEnd type="triangle"/>
+            <a:tailEnd type="triangle"/>
+          </a:ln>
+        </p:spPr>
+        <p:style>
+          <a:lnRef idx="1">
+            <a:schemeClr val="accent1"/>
+          </a:lnRef>
+          <a:fillRef idx="0">
+            <a:schemeClr val="accent1"/>
+          </a:fillRef>
+          <a:effectRef idx="0">
+            <a:schemeClr val="accent1"/>
+          </a:effectRef>
+          <a:fontRef idx="minor">
+            <a:schemeClr val="tx1"/>
+          </a:fontRef>
+        </p:style>
+      </p:cxnSp>
+      <p:cxnSp>
+        <p:nvCxnSpPr>
+          <p:cNvPr id="37" name="直線矢印コネクタ 36"/>
+          <p:cNvCxnSpPr/>
+          <p:nvPr/>
+        </p:nvCxnSpPr>
+        <p:spPr>
+          <a:xfrm>
+            <a:off x="3203848" y="731982"/>
+            <a:ext cx="1080120" cy="0"/>
+          </a:xfrm>
+          <a:prstGeom prst="straightConnector1">
+            <a:avLst/>
+          </a:prstGeom>
+          <a:ln w="12700">
+            <a:solidFill>
+              <a:schemeClr val="tx1"/>
+            </a:solidFill>
+            <a:headEnd type="triangle"/>
+            <a:tailEnd type="triangle"/>
+          </a:ln>
+        </p:spPr>
+        <p:style>
+          <a:lnRef idx="1">
+            <a:schemeClr val="accent1"/>
+          </a:lnRef>
+          <a:fillRef idx="0">
+            <a:schemeClr val="accent1"/>
+          </a:fillRef>
+          <a:effectRef idx="0">
+            <a:schemeClr val="accent1"/>
+          </a:effectRef>
+          <a:fontRef idx="minor">
+            <a:schemeClr val="tx1"/>
+          </a:fontRef>
+        </p:style>
+      </p:cxnSp>
+      <p:sp>
+        <p:nvSpPr>
+          <p:cNvPr id="38" name="テキスト ボックス 37"/>
+          <p:cNvSpPr txBox="1"/>
+          <p:nvPr/>
+        </p:nvSpPr>
+        <p:spPr>
+          <a:xfrm>
+            <a:off x="3629046" y="299934"/>
+            <a:ext cx="429926" cy="461665"/>
+          </a:xfrm>
+          <a:prstGeom prst="rect">
+            <a:avLst/>
+          </a:prstGeom>
+          <a:noFill/>
+        </p:spPr>
+        <p:txBody>
+          <a:bodyPr wrap="none" rtlCol="0">
+            <a:spAutoFit/>
+          </a:bodyPr>
+          <a:lstStyle/>
+          <a:p>
+            <a:r>
+              <a:rPr kumimoji="1" lang="en-US" altLang="ja-JP" sz="2400" dirty="0"/>
+              <a:t>m</a:t>
+            </a:r>
+            <a:endParaRPr kumimoji="1" lang="ja-JP" altLang="en-US" sz="2400" dirty="0"/>
+          </a:p>
+        </p:txBody>
+      </p:sp>
+      <p:cxnSp>
+        <p:nvCxnSpPr>
+          <p:cNvPr id="39" name="直線矢印コネクタ 38"/>
+          <p:cNvCxnSpPr/>
+          <p:nvPr/>
+        </p:nvCxnSpPr>
+        <p:spPr>
+          <a:xfrm>
+            <a:off x="4716016" y="731982"/>
+            <a:ext cx="1656184" cy="0"/>
+          </a:xfrm>
+          <a:prstGeom prst="straightConnector1">
+            <a:avLst/>
+          </a:prstGeom>
+          <a:ln w="12700">
+            <a:solidFill>
+              <a:schemeClr val="tx1"/>
+            </a:solidFill>
+            <a:headEnd type="triangle"/>
+            <a:tailEnd type="triangle"/>
+          </a:ln>
+        </p:spPr>
+        <p:style>
+          <a:lnRef idx="1">
+            <a:schemeClr val="accent1"/>
+          </a:lnRef>
+          <a:fillRef idx="0">
+            <a:schemeClr val="accent1"/>
+          </a:fillRef>
+          <a:effectRef idx="0">
+            <a:schemeClr val="accent1"/>
+          </a:effectRef>
+          <a:fontRef idx="minor">
+            <a:schemeClr val="tx1"/>
+          </a:fontRef>
+        </p:style>
+      </p:cxnSp>
+      <p:sp>
+        <p:nvSpPr>
+          <p:cNvPr id="40" name="テキスト ボックス 39"/>
+          <p:cNvSpPr txBox="1"/>
+          <p:nvPr/>
+        </p:nvSpPr>
+        <p:spPr>
+          <a:xfrm>
+            <a:off x="5440594" y="270317"/>
+            <a:ext cx="346570" cy="461665"/>
+          </a:xfrm>
+          <a:prstGeom prst="rect">
+            <a:avLst/>
+          </a:prstGeom>
+          <a:noFill/>
+        </p:spPr>
+        <p:txBody>
+          <a:bodyPr wrap="none" rtlCol="0">
+            <a:spAutoFit/>
+          </a:bodyPr>
+          <a:lstStyle/>
+          <a:p>
+            <a:r>
+              <a:rPr kumimoji="1" lang="en-US" altLang="ja-JP" sz="2400" dirty="0"/>
+              <a:t>n</a:t>
+            </a:r>
+            <a:endParaRPr kumimoji="1" lang="ja-JP" altLang="en-US" sz="2400" dirty="0"/>
+          </a:p>
+        </p:txBody>
+      </p:sp>
+      <p:cxnSp>
+        <p:nvCxnSpPr>
+          <p:cNvPr id="41" name="直線矢印コネクタ 40"/>
+          <p:cNvCxnSpPr/>
+          <p:nvPr/>
+        </p:nvCxnSpPr>
+        <p:spPr>
+          <a:xfrm>
+            <a:off x="6889726" y="473567"/>
+            <a:ext cx="1656184" cy="0"/>
+          </a:xfrm>
+          <a:prstGeom prst="straightConnector1">
+            <a:avLst/>
+          </a:prstGeom>
+          <a:ln w="12700">
+            <a:solidFill>
+              <a:schemeClr val="tx1"/>
+            </a:solidFill>
+            <a:headEnd type="triangle"/>
+            <a:tailEnd type="triangle"/>
+          </a:ln>
+        </p:spPr>
+        <p:style>
+          <a:lnRef idx="1">
+            <a:schemeClr val="accent1"/>
+          </a:lnRef>
+          <a:fillRef idx="0">
+            <a:schemeClr val="accent1"/>
+          </a:fillRef>
+          <a:effectRef idx="0">
+            <a:schemeClr val="accent1"/>
+          </a:effectRef>
+          <a:fontRef idx="minor">
+            <a:schemeClr val="tx1"/>
+          </a:fontRef>
+        </p:style>
+      </p:cxnSp>
+      <p:sp>
+        <p:nvSpPr>
+          <p:cNvPr id="42" name="テキスト ボックス 41"/>
+          <p:cNvSpPr txBox="1"/>
+          <p:nvPr/>
+        </p:nvSpPr>
+        <p:spPr>
+          <a:xfrm>
+            <a:off x="7614304" y="11902"/>
+            <a:ext cx="346570" cy="461665"/>
+          </a:xfrm>
+          <a:prstGeom prst="rect">
+            <a:avLst/>
+          </a:prstGeom>
+          <a:noFill/>
+        </p:spPr>
+        <p:txBody>
+          <a:bodyPr wrap="none" rtlCol="0">
+            <a:spAutoFit/>
+          </a:bodyPr>
+          <a:lstStyle/>
+          <a:p>
+            <a:r>
+              <a:rPr kumimoji="1" lang="en-US" altLang="ja-JP" sz="2400" dirty="0"/>
+              <a:t>n</a:t>
+            </a:r>
+            <a:endParaRPr kumimoji="1" lang="ja-JP" altLang="en-US" sz="2400" dirty="0"/>
+          </a:p>
+        </p:txBody>
+      </p:sp>
+      <p:cxnSp>
+        <p:nvCxnSpPr>
+          <p:cNvPr id="43" name="直線矢印コネクタ 42"/>
+          <p:cNvCxnSpPr/>
+          <p:nvPr/>
+        </p:nvCxnSpPr>
+        <p:spPr>
+          <a:xfrm>
+            <a:off x="8689926" y="587966"/>
+            <a:ext cx="0" cy="1656184"/>
+          </a:xfrm>
+          <a:prstGeom prst="straightConnector1">
+            <a:avLst/>
+          </a:prstGeom>
+          <a:ln w="12700">
+            <a:solidFill>
+              <a:schemeClr val="tx1"/>
+            </a:solidFill>
+            <a:headEnd type="triangle"/>
+            <a:tailEnd type="triangle"/>
+          </a:ln>
+        </p:spPr>
+        <p:style>
+          <a:lnRef idx="1">
+            <a:schemeClr val="accent1"/>
+          </a:lnRef>
+          <a:fillRef idx="0">
+            <a:schemeClr val="accent1"/>
+          </a:fillRef>
+          <a:effectRef idx="0">
+            <a:schemeClr val="accent1"/>
+          </a:effectRef>
+          <a:fontRef idx="minor">
+            <a:schemeClr val="tx1"/>
+          </a:fontRef>
+        </p:style>
+      </p:cxnSp>
+      <p:sp>
+        <p:nvSpPr>
+          <p:cNvPr id="44" name="テキスト ボックス 43"/>
+          <p:cNvSpPr txBox="1"/>
+          <p:nvPr/>
+        </p:nvSpPr>
+        <p:spPr>
+          <a:xfrm>
+            <a:off x="8689926" y="1160980"/>
+            <a:ext cx="346570" cy="461665"/>
+          </a:xfrm>
+          <a:prstGeom prst="rect">
+            <a:avLst/>
+          </a:prstGeom>
+          <a:noFill/>
+        </p:spPr>
+        <p:txBody>
+          <a:bodyPr wrap="none" rtlCol="0">
+            <a:spAutoFit/>
+          </a:bodyPr>
+          <a:lstStyle/>
+          <a:p>
+            <a:r>
+              <a:rPr kumimoji="1" lang="en-US" altLang="ja-JP" sz="2400" dirty="0"/>
+              <a:t>n</a:t>
+            </a:r>
+            <a:endParaRPr kumimoji="1" lang="ja-JP" altLang="en-US" sz="2400" dirty="0"/>
+          </a:p>
+        </p:txBody>
+      </p:sp>
+      <p:sp>
+        <p:nvSpPr>
+          <p:cNvPr id="45" name="テキスト ボックス 44"/>
+          <p:cNvSpPr txBox="1"/>
+          <p:nvPr/>
+        </p:nvSpPr>
+        <p:spPr>
+          <a:xfrm>
+            <a:off x="2411760" y="2780928"/>
+            <a:ext cx="389850" cy="584775"/>
+          </a:xfrm>
+          <a:prstGeom prst="rect">
+            <a:avLst/>
+          </a:prstGeom>
+          <a:noFill/>
+        </p:spPr>
+        <p:txBody>
+          <a:bodyPr wrap="none" rtlCol="0">
+            <a:spAutoFit/>
+          </a:bodyPr>
+          <a:lstStyle/>
+          <a:p>
+            <a:r>
+              <a:rPr lang="en-US" altLang="ja-JP" sz="3200" dirty="0"/>
+              <a:t>=</a:t>
+            </a:r>
+            <a:endParaRPr kumimoji="1" lang="ja-JP" altLang="en-US" sz="3200" dirty="0"/>
+          </a:p>
+        </p:txBody>
+      </p:sp>
+      <p:sp>
+        <p:nvSpPr>
+          <p:cNvPr id="46" name="正方形/長方形 45"/>
+          <p:cNvSpPr/>
+          <p:nvPr/>
+        </p:nvSpPr>
+        <p:spPr>
+          <a:xfrm>
+            <a:off x="3131840" y="2564904"/>
+            <a:ext cx="1656184" cy="1052736"/>
+          </a:xfrm>
+          <a:prstGeom prst="rect">
+            <a:avLst/>
+          </a:prstGeom>
+          <a:solidFill>
+            <a:schemeClr val="accent6">
+              <a:lumMod val="20000"/>
+              <a:lumOff val="80000"/>
+            </a:schemeClr>
+          </a:solidFill>
+          <a:ln>
+            <a:solidFill>
+              <a:schemeClr val="tx1"/>
+            </a:solidFill>
+          </a:ln>
+        </p:spPr>
+        <p:style>
+          <a:lnRef idx="2">
+            <a:schemeClr val="accent1">
+              <a:shade val="50000"/>
+            </a:schemeClr>
+          </a:lnRef>
+          <a:fillRef idx="1">
+            <a:schemeClr val="accent1"/>
+          </a:fillRef>
+          <a:effectRef idx="0">
+            <a:schemeClr val="accent1"/>
+          </a:effectRef>
+          <a:fontRef idx="minor">
+            <a:schemeClr val="lt1"/>
+          </a:fontRef>
+        </p:style>
+        <p:txBody>
+          <a:bodyPr rtlCol="0" anchor="ctr"/>
+          <a:lstStyle/>
+          <a:p>
+            <a:pPr algn="ctr"/>
+            <a:endParaRPr kumimoji="1" lang="ja-JP" altLang="en-US" dirty="0"/>
+          </a:p>
+        </p:txBody>
+      </p:sp>
+      <p:sp>
+        <p:nvSpPr>
+          <p:cNvPr id="47" name="正方形/長方形 46"/>
+          <p:cNvSpPr/>
+          <p:nvPr/>
+        </p:nvSpPr>
+        <p:spPr>
+          <a:xfrm>
+            <a:off x="5292080" y="2348880"/>
+            <a:ext cx="1656184" cy="1653657"/>
+          </a:xfrm>
+          <a:prstGeom prst="rect">
+            <a:avLst/>
+          </a:prstGeom>
+          <a:solidFill>
+            <a:schemeClr val="accent4">
+              <a:lumMod val="20000"/>
+              <a:lumOff val="80000"/>
+            </a:schemeClr>
+          </a:solidFill>
+          <a:ln>
+            <a:solidFill>
+              <a:schemeClr val="tx1"/>
+            </a:solidFill>
+          </a:ln>
+        </p:spPr>
+        <p:style>
+          <a:lnRef idx="2">
+            <a:schemeClr val="accent1">
+              <a:shade val="50000"/>
+            </a:schemeClr>
+          </a:lnRef>
+          <a:fillRef idx="1">
+            <a:schemeClr val="accent1"/>
+          </a:fillRef>
+          <a:effectRef idx="0">
+            <a:schemeClr val="accent1"/>
+          </a:effectRef>
+          <a:fontRef idx="minor">
+            <a:schemeClr val="lt1"/>
+          </a:fontRef>
+        </p:style>
+        <p:txBody>
+          <a:bodyPr rtlCol="0" anchor="ctr"/>
+          <a:lstStyle/>
+          <a:p>
+            <a:pPr algn="ctr"/>
+            <a:endParaRPr kumimoji="1" lang="ja-JP" altLang="en-US"/>
+          </a:p>
+        </p:txBody>
+      </p:sp>
+      <p:sp>
+        <p:nvSpPr>
+          <p:cNvPr id="48" name="テキスト ボックス 47"/>
+          <p:cNvSpPr txBox="1"/>
+          <p:nvPr/>
+        </p:nvSpPr>
+        <p:spPr>
+          <a:xfrm>
+            <a:off x="4860032" y="2780928"/>
+            <a:ext cx="408460" cy="584775"/>
+          </a:xfrm>
+          <a:prstGeom prst="rect">
+            <a:avLst/>
+          </a:prstGeom>
+          <a:noFill/>
+        </p:spPr>
+        <p:txBody>
+          <a:bodyPr wrap="square" rtlCol="0">
+            <a:spAutoFit/>
+          </a:bodyPr>
+          <a:lstStyle/>
+          <a:p>
+            <a:r>
+              <a:rPr kumimoji="1" lang="en-US" altLang="ja-JP" sz="3200" dirty="0"/>
+              <a:t>x</a:t>
+            </a:r>
+            <a:endParaRPr kumimoji="1" lang="ja-JP" altLang="en-US" sz="3200" dirty="0"/>
+          </a:p>
+        </p:txBody>
+      </p:sp>
+      <mc:AlternateContent xmlns:mc="http://schemas.openxmlformats.org/markup-compatibility/2006">
+        <mc:Choice xmlns:a14="http://schemas.microsoft.com/office/drawing/2010/main" Requires="a14">
+          <p:sp>
+            <p:nvSpPr>
+              <p:cNvPr id="49" name="テキスト ボックス 48"/>
+              <p:cNvSpPr txBox="1"/>
+              <p:nvPr/>
+            </p:nvSpPr>
+            <p:spPr>
+              <a:xfrm>
+                <a:off x="5812562" y="2852936"/>
+                <a:ext cx="703654" cy="631455"/>
+              </a:xfrm>
+              <a:prstGeom prst="rect">
+                <a:avLst/>
+              </a:prstGeom>
+              <a:noFill/>
+            </p:spPr>
+            <p:txBody>
+              <a:bodyPr wrap="none" lIns="0" tIns="0" rIns="0" bIns="0" rtlCol="0">
+                <a:spAutoFit/>
+              </a:bodyPr>
+              <a:lstStyle/>
+              <a:p>
+                <a:pPr/>
+                <a14:m>
+                  <m:oMathPara xmlns:m="http://schemas.openxmlformats.org/officeDocument/2006/math">
+                    <m:oMathParaPr>
+                      <m:jc m:val="centerGroup"/>
+                    </m:oMathParaPr>
+                    <m:oMath xmlns:m="http://schemas.openxmlformats.org/officeDocument/2006/math">
+                      <m:sSup>
+                        <m:sSupPr>
+                          <m:ctrlPr>
+                            <a:rPr kumimoji="1" lang="el-GR" altLang="ja-JP" sz="4000" b="0" i="1" smtClean="0">
+                              <a:latin typeface="Cambria Math" panose="02040503050406030204" pitchFamily="18" charset="0"/>
+                              <a:ea typeface="Cambria Math" panose="02040503050406030204" pitchFamily="18" charset="0"/>
+                            </a:rPr>
+                          </m:ctrlPr>
+                        </m:sSupPr>
+                        <m:e>
+                          <m:r>
+                            <a:rPr kumimoji="1" lang="en-US" altLang="ja-JP" sz="4000" b="0" i="1" smtClean="0">
+                              <a:latin typeface="Cambria Math" panose="02040503050406030204" pitchFamily="18" charset="0"/>
+                              <a:ea typeface="Cambria Math" panose="02040503050406030204" pitchFamily="18" charset="0"/>
+                            </a:rPr>
+                            <m:t>𝑉</m:t>
+                          </m:r>
+                        </m:e>
+                        <m:sup>
+                          <m:r>
+                            <a:rPr kumimoji="1" lang="el-GR" altLang="ja-JP" sz="4000" b="0" i="1" smtClean="0">
+                              <a:latin typeface="Cambria Math" panose="02040503050406030204" pitchFamily="18" charset="0"/>
+                              <a:ea typeface="Cambria Math" panose="02040503050406030204" pitchFamily="18" charset="0"/>
+                            </a:rPr>
+                            <m:t>†</m:t>
+                          </m:r>
+                        </m:sup>
+                      </m:sSup>
+                    </m:oMath>
+                  </m:oMathPara>
+                </a14:m>
+                <a:endParaRPr kumimoji="1" lang="ja-JP" altLang="en-US" sz="4000" dirty="0"/>
+              </a:p>
+            </p:txBody>
+          </p:sp>
+        </mc:Choice>
+        <mc:Fallback>
+          <p:sp>
+            <p:nvSpPr>
+              <p:cNvPr id="49" name="テキスト ボックス 48"/>
+              <p:cNvSpPr txBox="1">
+                <a:spLocks noRot="1" noChangeAspect="1" noMove="1" noResize="1" noEditPoints="1" noAdjustHandles="1" noChangeArrowheads="1" noChangeShapeType="1" noTextEdit="1"/>
+              </p:cNvSpPr>
+              <p:nvPr/>
+            </p:nvSpPr>
+            <p:spPr>
+              <a:xfrm>
+                <a:off x="5812562" y="2852936"/>
+                <a:ext cx="703654" cy="631455"/>
+              </a:xfrm>
+              <a:prstGeom prst="rect">
+                <a:avLst/>
+              </a:prstGeom>
+              <a:blipFill>
+                <a:blip r:embed="rId6"/>
+                <a:stretch>
+                  <a:fillRect/>
+                </a:stretch>
+              </a:blipFill>
+            </p:spPr>
+            <p:txBody>
+              <a:bodyPr/>
+              <a:lstStyle/>
+              <a:p>
+                <a:r>
+                  <a:rPr lang="ja-JP" altLang="en-US">
+                    <a:noFill/>
+                  </a:rPr>
+                  <a:t> </a:t>
+                </a:r>
+              </a:p>
+            </p:txBody>
+          </p:sp>
+        </mc:Fallback>
+      </mc:AlternateContent>
+      <mc:AlternateContent xmlns:mc="http://schemas.openxmlformats.org/markup-compatibility/2006">
+        <mc:Choice xmlns:a14="http://schemas.microsoft.com/office/drawing/2010/main" Requires="a14">
+          <p:sp>
+            <p:nvSpPr>
+              <p:cNvPr id="50" name="テキスト ボックス 49"/>
+              <p:cNvSpPr txBox="1"/>
+              <p:nvPr/>
+            </p:nvSpPr>
+            <p:spPr>
+              <a:xfrm>
+                <a:off x="3707904" y="2780928"/>
+                <a:ext cx="398442" cy="615553"/>
+              </a:xfrm>
+              <a:prstGeom prst="rect">
+                <a:avLst/>
+              </a:prstGeom>
+              <a:noFill/>
+            </p:spPr>
+            <p:txBody>
+              <a:bodyPr wrap="none" lIns="0" tIns="0" rIns="0" bIns="0" rtlCol="0">
+                <a:spAutoFit/>
+              </a:bodyPr>
+              <a:lstStyle/>
+              <a:p>
+                <a:pPr/>
+                <a14:m>
+                  <m:oMathPara xmlns:m="http://schemas.openxmlformats.org/officeDocument/2006/math">
+                    <m:oMathParaPr>
+                      <m:jc m:val="centerGroup"/>
+                    </m:oMathParaPr>
+                    <m:oMath xmlns:m="http://schemas.openxmlformats.org/officeDocument/2006/math">
+                      <m:r>
+                        <a:rPr kumimoji="1" lang="en-US" altLang="ja-JP" sz="4000" b="0" i="1" smtClean="0">
+                          <a:latin typeface="Cambria Math" panose="02040503050406030204" pitchFamily="18" charset="0"/>
+                        </a:rPr>
+                        <m:t>𝐿</m:t>
+                      </m:r>
+                    </m:oMath>
+                  </m:oMathPara>
+                </a14:m>
+                <a:endParaRPr kumimoji="1" lang="ja-JP" altLang="en-US" sz="4000" dirty="0"/>
+              </a:p>
+            </p:txBody>
+          </p:sp>
+        </mc:Choice>
+        <mc:Fallback>
+          <p:sp>
+            <p:nvSpPr>
+              <p:cNvPr id="50" name="テキスト ボックス 49"/>
+              <p:cNvSpPr txBox="1">
+                <a:spLocks noRot="1" noChangeAspect="1" noMove="1" noResize="1" noEditPoints="1" noAdjustHandles="1" noChangeArrowheads="1" noChangeShapeType="1" noTextEdit="1"/>
+              </p:cNvSpPr>
+              <p:nvPr/>
+            </p:nvSpPr>
+            <p:spPr>
+              <a:xfrm>
+                <a:off x="3707904" y="2780928"/>
+                <a:ext cx="398442" cy="615553"/>
+              </a:xfrm>
+              <a:prstGeom prst="rect">
+                <a:avLst/>
+              </a:prstGeom>
+              <a:blipFill>
+                <a:blip r:embed="rId7"/>
+                <a:stretch>
+                  <a:fillRect/>
+                </a:stretch>
+              </a:blipFill>
+            </p:spPr>
+            <p:txBody>
+              <a:bodyPr/>
+              <a:lstStyle/>
+              <a:p>
+                <a:r>
+                  <a:rPr lang="ja-JP" altLang="en-US">
+                    <a:noFill/>
+                  </a:rPr>
+                  <a:t> </a:t>
+                </a:r>
+              </a:p>
+            </p:txBody>
+          </p:sp>
+        </mc:Fallback>
+      </mc:AlternateContent>
+      <p:cxnSp>
+        <p:nvCxnSpPr>
+          <p:cNvPr id="52" name="直線矢印コネクタ 51"/>
+          <p:cNvCxnSpPr>
+            <a:stCxn id="22" idx="2"/>
+          </p:cNvCxnSpPr>
+          <p:nvPr/>
+        </p:nvCxnSpPr>
+        <p:spPr>
+          <a:xfrm flipH="1">
+            <a:off x="4499992" y="1956118"/>
+            <a:ext cx="1044116" cy="536778"/>
+          </a:xfrm>
+          <a:prstGeom prst="straightConnector1">
+            <a:avLst/>
+          </a:prstGeom>
+          <a:ln w="12700">
+            <a:solidFill>
+              <a:schemeClr val="tx1"/>
+            </a:solidFill>
+            <a:tailEnd type="triangle"/>
+          </a:ln>
+        </p:spPr>
+        <p:style>
+          <a:lnRef idx="1">
+            <a:schemeClr val="accent1"/>
+          </a:lnRef>
+          <a:fillRef idx="0">
+            <a:schemeClr val="accent1"/>
+          </a:fillRef>
+          <a:effectRef idx="0">
+            <a:schemeClr val="accent1"/>
+          </a:effectRef>
+          <a:fontRef idx="minor">
+            <a:schemeClr val="tx1"/>
+          </a:fontRef>
+        </p:style>
+      </p:cxnSp>
+      <p:cxnSp>
+        <p:nvCxnSpPr>
+          <p:cNvPr id="54" name="直線矢印コネクタ 53"/>
+          <p:cNvCxnSpPr/>
+          <p:nvPr/>
+        </p:nvCxnSpPr>
+        <p:spPr>
+          <a:xfrm>
+            <a:off x="3779912" y="1988840"/>
+            <a:ext cx="1" cy="432048"/>
+          </a:xfrm>
+          <a:prstGeom prst="straightConnector1">
+            <a:avLst/>
+          </a:prstGeom>
+          <a:ln w="12700">
+            <a:solidFill>
+              <a:schemeClr val="tx1"/>
+            </a:solidFill>
+            <a:tailEnd type="triangle"/>
+          </a:ln>
+        </p:spPr>
+        <p:style>
+          <a:lnRef idx="1">
+            <a:schemeClr val="accent1"/>
+          </a:lnRef>
+          <a:fillRef idx="0">
+            <a:schemeClr val="accent1"/>
+          </a:fillRef>
+          <a:effectRef idx="0">
+            <a:schemeClr val="accent1"/>
+          </a:effectRef>
+          <a:fontRef idx="minor">
+            <a:schemeClr val="tx1"/>
+          </a:fontRef>
+        </p:style>
+      </p:cxnSp>
+      <p:sp>
+        <p:nvSpPr>
+          <p:cNvPr id="59" name="正方形/長方形 58"/>
+          <p:cNvSpPr/>
+          <p:nvPr/>
+        </p:nvSpPr>
+        <p:spPr>
+          <a:xfrm>
+            <a:off x="3131840" y="4727671"/>
+            <a:ext cx="1656184" cy="1052736"/>
+          </a:xfrm>
+          <a:prstGeom prst="rect">
+            <a:avLst/>
+          </a:prstGeom>
+          <a:solidFill>
+            <a:schemeClr val="accent1">
+              <a:lumMod val="20000"/>
+              <a:lumOff val="80000"/>
+            </a:schemeClr>
+          </a:solidFill>
+          <a:ln>
+            <a:solidFill>
+              <a:schemeClr val="tx1"/>
+            </a:solidFill>
+          </a:ln>
+        </p:spPr>
+        <p:style>
+          <a:lnRef idx="2">
+            <a:schemeClr val="accent1">
+              <a:shade val="50000"/>
+            </a:schemeClr>
+          </a:lnRef>
+          <a:fillRef idx="1">
+            <a:schemeClr val="accent1"/>
+          </a:fillRef>
+          <a:effectRef idx="0">
+            <a:schemeClr val="accent1"/>
+          </a:effectRef>
+          <a:fontRef idx="minor">
+            <a:schemeClr val="lt1"/>
+          </a:fontRef>
+        </p:style>
+        <p:txBody>
+          <a:bodyPr rtlCol="0" anchor="ctr"/>
+          <a:lstStyle/>
+          <a:p>
+            <a:pPr algn="ctr"/>
+            <a:endParaRPr kumimoji="1" lang="ja-JP" altLang="en-US" dirty="0"/>
+          </a:p>
+        </p:txBody>
+      </p:sp>
+      <mc:AlternateContent xmlns:mc="http://schemas.openxmlformats.org/markup-compatibility/2006">
+        <mc:Choice xmlns:a14="http://schemas.microsoft.com/office/drawing/2010/main" Requires="a14">
+          <p:sp>
+            <p:nvSpPr>
+              <p:cNvPr id="60" name="テキスト ボックス 59"/>
+              <p:cNvSpPr txBox="1"/>
+              <p:nvPr/>
+            </p:nvSpPr>
+            <p:spPr>
+              <a:xfrm>
+                <a:off x="3716969" y="4935709"/>
+                <a:ext cx="458139" cy="615553"/>
+              </a:xfrm>
+              <a:prstGeom prst="rect">
+                <a:avLst/>
+              </a:prstGeom>
+              <a:noFill/>
+            </p:spPr>
+            <p:txBody>
+              <a:bodyPr wrap="none" lIns="0" tIns="0" rIns="0" bIns="0" rtlCol="0">
+                <a:spAutoFit/>
+              </a:bodyPr>
+              <a:lstStyle/>
+              <a:p>
+                <a:pPr/>
+                <a14:m>
+                  <m:oMathPara xmlns:m="http://schemas.openxmlformats.org/officeDocument/2006/math">
+                    <m:oMathParaPr>
+                      <m:jc m:val="centerGroup"/>
+                    </m:oMathParaPr>
+                    <m:oMath xmlns:m="http://schemas.openxmlformats.org/officeDocument/2006/math">
+                      <m:r>
+                        <a:rPr kumimoji="1" lang="en-US" altLang="ja-JP" sz="4000" b="0" i="1" smtClean="0">
+                          <a:latin typeface="Cambria Math" panose="02040503050406030204" pitchFamily="18" charset="0"/>
+                        </a:rPr>
+                        <m:t>𝑋</m:t>
+                      </m:r>
+                    </m:oMath>
+                  </m:oMathPara>
+                </a14:m>
+                <a:endParaRPr kumimoji="1" lang="ja-JP" altLang="en-US" sz="4000" dirty="0"/>
+              </a:p>
+            </p:txBody>
+          </p:sp>
+        </mc:Choice>
+        <mc:Fallback>
+          <p:sp>
+            <p:nvSpPr>
+              <p:cNvPr id="60" name="テキスト ボックス 59"/>
+              <p:cNvSpPr txBox="1">
+                <a:spLocks noRot="1" noChangeAspect="1" noMove="1" noResize="1" noEditPoints="1" noAdjustHandles="1" noChangeArrowheads="1" noChangeShapeType="1" noTextEdit="1"/>
+              </p:cNvSpPr>
+              <p:nvPr/>
+            </p:nvSpPr>
+            <p:spPr>
+              <a:xfrm>
+                <a:off x="3716969" y="4935709"/>
+                <a:ext cx="458139" cy="615553"/>
+              </a:xfrm>
+              <a:prstGeom prst="rect">
+                <a:avLst/>
+              </a:prstGeom>
+              <a:blipFill>
+                <a:blip r:embed="rId8"/>
+                <a:stretch>
+                  <a:fillRect/>
+                </a:stretch>
+              </a:blipFill>
+            </p:spPr>
+            <p:txBody>
+              <a:bodyPr/>
+              <a:lstStyle/>
+              <a:p>
+                <a:r>
+                  <a:rPr lang="ja-JP" altLang="en-US">
+                    <a:noFill/>
+                  </a:rPr>
+                  <a:t> </a:t>
+                </a:r>
+              </a:p>
+            </p:txBody>
+          </p:sp>
+        </mc:Fallback>
+      </mc:AlternateContent>
+      <p:sp>
+        <p:nvSpPr>
+          <p:cNvPr id="61" name="テキスト ボックス 60"/>
+          <p:cNvSpPr txBox="1"/>
+          <p:nvPr/>
+        </p:nvSpPr>
+        <p:spPr>
+          <a:xfrm>
+            <a:off x="4860032" y="4943695"/>
+            <a:ext cx="408460" cy="584775"/>
+          </a:xfrm>
+          <a:prstGeom prst="rect">
+            <a:avLst/>
+          </a:prstGeom>
+          <a:noFill/>
+        </p:spPr>
+        <p:txBody>
+          <a:bodyPr wrap="square" rtlCol="0">
+            <a:spAutoFit/>
+          </a:bodyPr>
+          <a:lstStyle/>
+          <a:p>
+            <a:r>
+              <a:rPr kumimoji="1" lang="en-US" altLang="ja-JP" sz="3200" dirty="0"/>
+              <a:t>x</a:t>
+            </a:r>
+            <a:endParaRPr kumimoji="1" lang="ja-JP" altLang="en-US" sz="3200" dirty="0"/>
+          </a:p>
+        </p:txBody>
+      </p:sp>
+      <p:sp>
+        <p:nvSpPr>
+          <p:cNvPr id="62" name="正方形/長方形 61"/>
+          <p:cNvSpPr/>
+          <p:nvPr/>
+        </p:nvSpPr>
+        <p:spPr>
+          <a:xfrm>
+            <a:off x="5292080" y="4439639"/>
+            <a:ext cx="1656184" cy="1653657"/>
+          </a:xfrm>
+          <a:prstGeom prst="rect">
+            <a:avLst/>
+          </a:prstGeom>
+          <a:solidFill>
+            <a:schemeClr val="accent4">
+              <a:lumMod val="20000"/>
+              <a:lumOff val="80000"/>
+            </a:schemeClr>
+          </a:solidFill>
+          <a:ln>
+            <a:solidFill>
+              <a:schemeClr val="tx1"/>
+            </a:solidFill>
+          </a:ln>
+        </p:spPr>
+        <p:style>
+          <a:lnRef idx="2">
+            <a:schemeClr val="accent1">
+              <a:shade val="50000"/>
+            </a:schemeClr>
+          </a:lnRef>
+          <a:fillRef idx="1">
+            <a:schemeClr val="accent1"/>
+          </a:fillRef>
+          <a:effectRef idx="0">
+            <a:schemeClr val="accent1"/>
+          </a:effectRef>
+          <a:fontRef idx="minor">
+            <a:schemeClr val="lt1"/>
+          </a:fontRef>
+        </p:style>
+        <p:txBody>
+          <a:bodyPr rtlCol="0" anchor="ctr"/>
+          <a:lstStyle/>
+          <a:p>
+            <a:pPr algn="ctr"/>
+            <a:endParaRPr kumimoji="1" lang="ja-JP" altLang="en-US"/>
+          </a:p>
+        </p:txBody>
+      </p:sp>
+      <mc:AlternateContent xmlns:mc="http://schemas.openxmlformats.org/markup-compatibility/2006">
+        <mc:Choice xmlns:a14="http://schemas.microsoft.com/office/drawing/2010/main" Requires="a14">
+          <p:sp>
+            <p:nvSpPr>
+              <p:cNvPr id="64" name="テキスト ボックス 63"/>
+              <p:cNvSpPr txBox="1"/>
+              <p:nvPr/>
+            </p:nvSpPr>
+            <p:spPr>
+              <a:xfrm>
+                <a:off x="5868144" y="4943695"/>
+                <a:ext cx="452303" cy="615553"/>
+              </a:xfrm>
+              <a:prstGeom prst="rect">
+                <a:avLst/>
+              </a:prstGeom>
+              <a:noFill/>
+            </p:spPr>
+            <p:txBody>
+              <a:bodyPr wrap="none" lIns="0" tIns="0" rIns="0" bIns="0" rtlCol="0">
+                <a:spAutoFit/>
+              </a:bodyPr>
+              <a:lstStyle/>
+              <a:p>
+                <a:pPr/>
+                <a14:m>
+                  <m:oMathPara xmlns:m="http://schemas.openxmlformats.org/officeDocument/2006/math">
+                    <m:oMathParaPr>
+                      <m:jc m:val="centerGroup"/>
+                    </m:oMathParaPr>
+                    <m:oMath xmlns:m="http://schemas.openxmlformats.org/officeDocument/2006/math">
+                      <m:r>
+                        <a:rPr kumimoji="1" lang="en-US" altLang="ja-JP" sz="4000" b="0" i="1" smtClean="0">
+                          <a:latin typeface="Cambria Math" panose="02040503050406030204" pitchFamily="18" charset="0"/>
+                        </a:rPr>
+                        <m:t>𝑉</m:t>
+                      </m:r>
+                    </m:oMath>
+                  </m:oMathPara>
+                </a14:m>
+                <a:endParaRPr kumimoji="1" lang="ja-JP" altLang="en-US" sz="4000" dirty="0"/>
+              </a:p>
+            </p:txBody>
+          </p:sp>
+        </mc:Choice>
+        <mc:Fallback>
+          <p:sp>
+            <p:nvSpPr>
+              <p:cNvPr id="64" name="テキスト ボックス 63"/>
+              <p:cNvSpPr txBox="1">
+                <a:spLocks noRot="1" noChangeAspect="1" noMove="1" noResize="1" noEditPoints="1" noAdjustHandles="1" noChangeArrowheads="1" noChangeShapeType="1" noTextEdit="1"/>
+              </p:cNvSpPr>
+              <p:nvPr/>
+            </p:nvSpPr>
+            <p:spPr>
+              <a:xfrm>
+                <a:off x="5868144" y="4943695"/>
+                <a:ext cx="452303" cy="615553"/>
+              </a:xfrm>
+              <a:prstGeom prst="rect">
+                <a:avLst/>
+              </a:prstGeom>
+              <a:blipFill>
+                <a:blip r:embed="rId9"/>
+                <a:stretch>
+                  <a:fillRect/>
+                </a:stretch>
+              </a:blipFill>
+            </p:spPr>
+            <p:txBody>
+              <a:bodyPr/>
+              <a:lstStyle/>
+              <a:p>
+                <a:r>
+                  <a:rPr lang="ja-JP" altLang="en-US">
+                    <a:noFill/>
+                  </a:rPr>
+                  <a:t> </a:t>
+                </a:r>
+              </a:p>
+            </p:txBody>
+          </p:sp>
+        </mc:Fallback>
+      </mc:AlternateContent>
+      <p:sp>
+        <p:nvSpPr>
+          <p:cNvPr id="65" name="テキスト ボックス 64"/>
+          <p:cNvSpPr txBox="1"/>
+          <p:nvPr/>
+        </p:nvSpPr>
+        <p:spPr>
+          <a:xfrm>
+            <a:off x="2411760" y="4941168"/>
+            <a:ext cx="389850" cy="584775"/>
+          </a:xfrm>
+          <a:prstGeom prst="rect">
+            <a:avLst/>
+          </a:prstGeom>
+          <a:noFill/>
+        </p:spPr>
+        <p:txBody>
+          <a:bodyPr wrap="none" rtlCol="0">
+            <a:spAutoFit/>
+          </a:bodyPr>
+          <a:lstStyle/>
+          <a:p>
+            <a:r>
+              <a:rPr lang="en-US" altLang="ja-JP" sz="3200" dirty="0"/>
+              <a:t>=</a:t>
+            </a:r>
+            <a:endParaRPr kumimoji="1" lang="ja-JP" altLang="en-US" sz="3200" dirty="0"/>
+          </a:p>
+        </p:txBody>
+      </p:sp>
+      <p:sp>
+        <p:nvSpPr>
+          <p:cNvPr id="66" name="正方形/長方形 65"/>
+          <p:cNvSpPr/>
+          <p:nvPr/>
+        </p:nvSpPr>
+        <p:spPr>
+          <a:xfrm>
+            <a:off x="683568" y="4725144"/>
+            <a:ext cx="1656184" cy="1052736"/>
+          </a:xfrm>
+          <a:prstGeom prst="rect">
+            <a:avLst/>
+          </a:prstGeom>
+          <a:solidFill>
+            <a:schemeClr val="accent6">
+              <a:lumMod val="20000"/>
+              <a:lumOff val="80000"/>
+            </a:schemeClr>
+          </a:solidFill>
+          <a:ln>
+            <a:solidFill>
+              <a:schemeClr val="tx1"/>
+            </a:solidFill>
+          </a:ln>
+        </p:spPr>
+        <p:style>
+          <a:lnRef idx="2">
+            <a:schemeClr val="accent1">
+              <a:shade val="50000"/>
+            </a:schemeClr>
+          </a:lnRef>
+          <a:fillRef idx="1">
+            <a:schemeClr val="accent1"/>
+          </a:fillRef>
+          <a:effectRef idx="0">
+            <a:schemeClr val="accent1"/>
+          </a:effectRef>
+          <a:fontRef idx="minor">
+            <a:schemeClr val="lt1"/>
+          </a:fontRef>
+        </p:style>
+        <p:txBody>
+          <a:bodyPr rtlCol="0" anchor="ctr"/>
+          <a:lstStyle/>
+          <a:p>
+            <a:pPr algn="ctr"/>
+            <a:endParaRPr kumimoji="1" lang="ja-JP" altLang="en-US" dirty="0"/>
+          </a:p>
+        </p:txBody>
+      </p:sp>
+      <mc:AlternateContent xmlns:mc="http://schemas.openxmlformats.org/markup-compatibility/2006">
+        <mc:Choice xmlns:a14="http://schemas.microsoft.com/office/drawing/2010/main" Requires="a14">
+          <p:sp>
+            <p:nvSpPr>
+              <p:cNvPr id="67" name="テキスト ボックス 66"/>
+              <p:cNvSpPr txBox="1"/>
+              <p:nvPr/>
+            </p:nvSpPr>
+            <p:spPr>
+              <a:xfrm>
+                <a:off x="1259632" y="4941168"/>
+                <a:ext cx="398442" cy="615553"/>
+              </a:xfrm>
+              <a:prstGeom prst="rect">
+                <a:avLst/>
+              </a:prstGeom>
+              <a:noFill/>
+            </p:spPr>
+            <p:txBody>
+              <a:bodyPr wrap="none" lIns="0" tIns="0" rIns="0" bIns="0" rtlCol="0">
+                <a:spAutoFit/>
+              </a:bodyPr>
+              <a:lstStyle/>
+              <a:p>
+                <a:pPr/>
+                <a14:m>
+                  <m:oMathPara xmlns:m="http://schemas.openxmlformats.org/officeDocument/2006/math">
+                    <m:oMathParaPr>
+                      <m:jc m:val="centerGroup"/>
+                    </m:oMathParaPr>
+                    <m:oMath xmlns:m="http://schemas.openxmlformats.org/officeDocument/2006/math">
+                      <m:r>
+                        <a:rPr kumimoji="1" lang="en-US" altLang="ja-JP" sz="4000" b="0" i="1" smtClean="0">
+                          <a:latin typeface="Cambria Math" panose="02040503050406030204" pitchFamily="18" charset="0"/>
+                        </a:rPr>
+                        <m:t>𝐿</m:t>
+                      </m:r>
+                    </m:oMath>
+                  </m:oMathPara>
+                </a14:m>
+                <a:endParaRPr kumimoji="1" lang="ja-JP" altLang="en-US" sz="4000" dirty="0"/>
+              </a:p>
+            </p:txBody>
+          </p:sp>
+        </mc:Choice>
+        <mc:Fallback>
+          <p:sp>
+            <p:nvSpPr>
+              <p:cNvPr id="67" name="テキスト ボックス 66"/>
+              <p:cNvSpPr txBox="1">
+                <a:spLocks noRot="1" noChangeAspect="1" noMove="1" noResize="1" noEditPoints="1" noAdjustHandles="1" noChangeArrowheads="1" noChangeShapeType="1" noTextEdit="1"/>
+              </p:cNvSpPr>
+              <p:nvPr/>
+            </p:nvSpPr>
+            <p:spPr>
+              <a:xfrm>
+                <a:off x="1259632" y="4941168"/>
+                <a:ext cx="398442" cy="615553"/>
+              </a:xfrm>
+              <a:prstGeom prst="rect">
+                <a:avLst/>
+              </a:prstGeom>
+              <a:blipFill>
+                <a:blip r:embed="rId10"/>
+                <a:stretch>
+                  <a:fillRect/>
+                </a:stretch>
+              </a:blipFill>
+            </p:spPr>
+            <p:txBody>
+              <a:bodyPr/>
+              <a:lstStyle/>
+              <a:p>
+                <a:r>
+                  <a:rPr lang="ja-JP" altLang="en-US">
+                    <a:noFill/>
+                  </a:rPr>
+                  <a:t> </a:t>
+                </a:r>
+              </a:p>
+            </p:txBody>
+          </p:sp>
+        </mc:Fallback>
+      </mc:AlternateContent>
+      <mc:AlternateContent xmlns:mc="http://schemas.openxmlformats.org/markup-compatibility/2006">
+        <mc:Choice xmlns:a14="http://schemas.microsoft.com/office/drawing/2010/main" Requires="a14">
+          <p:sp>
+            <p:nvSpPr>
+              <p:cNvPr id="69" name="テキスト ボックス 68"/>
+              <p:cNvSpPr txBox="1"/>
+              <p:nvPr/>
+            </p:nvSpPr>
+            <p:spPr>
+              <a:xfrm>
+                <a:off x="7236296" y="5013176"/>
+                <a:ext cx="1648848" cy="442044"/>
+              </a:xfrm>
+              <a:prstGeom prst="rect">
+                <a:avLst/>
+              </a:prstGeom>
+              <a:noFill/>
+            </p:spPr>
+            <p:txBody>
+              <a:bodyPr wrap="none" lIns="0" tIns="0" rIns="0" bIns="0" rtlCol="0">
+                <a:spAutoFit/>
+              </a:bodyPr>
+              <a:lstStyle/>
+              <a:p>
+                <a:pPr/>
+                <a14:m>
+                  <m:oMathPara xmlns:m="http://schemas.openxmlformats.org/officeDocument/2006/math">
+                    <m:oMathParaPr>
+                      <m:jc m:val="centerGroup"/>
+                    </m:oMathParaPr>
+                    <m:oMath xmlns:m="http://schemas.openxmlformats.org/officeDocument/2006/math">
+                      <m:r>
+                        <a:rPr kumimoji="1" lang="el-GR" altLang="ja-JP" sz="2800" b="0" i="1" smtClean="0">
+                          <a:latin typeface="Cambria Math" panose="02040503050406030204" pitchFamily="18" charset="0"/>
+                          <a:ea typeface="Cambria Math" panose="02040503050406030204" pitchFamily="18" charset="0"/>
+                        </a:rPr>
+                        <m:t>∵</m:t>
+                      </m:r>
+                      <m:sSup>
+                        <m:sSupPr>
+                          <m:ctrlPr>
+                            <a:rPr kumimoji="1" lang="el-GR" altLang="ja-JP" sz="2800" b="0" i="1" smtClean="0">
+                              <a:latin typeface="Cambria Math" panose="02040503050406030204" pitchFamily="18" charset="0"/>
+                              <a:ea typeface="Cambria Math" panose="02040503050406030204" pitchFamily="18" charset="0"/>
+                            </a:rPr>
+                          </m:ctrlPr>
+                        </m:sSupPr>
+                        <m:e>
+                          <m:r>
+                            <a:rPr kumimoji="1" lang="en-US" altLang="ja-JP" sz="2800" b="0" i="1" smtClean="0">
+                              <a:latin typeface="Cambria Math" panose="02040503050406030204" pitchFamily="18" charset="0"/>
+                              <a:ea typeface="Cambria Math" panose="02040503050406030204" pitchFamily="18" charset="0"/>
+                            </a:rPr>
+                            <m:t>𝑉</m:t>
+                          </m:r>
+                        </m:e>
+                        <m:sup>
+                          <m:r>
+                            <a:rPr kumimoji="1" lang="el-GR" altLang="ja-JP" sz="2800" b="0" i="1" smtClean="0">
+                              <a:latin typeface="Cambria Math" panose="02040503050406030204" pitchFamily="18" charset="0"/>
+                              <a:ea typeface="Cambria Math" panose="02040503050406030204" pitchFamily="18" charset="0"/>
+                            </a:rPr>
+                            <m:t>†</m:t>
+                          </m:r>
+                        </m:sup>
+                      </m:sSup>
+                      <m:r>
+                        <a:rPr kumimoji="1" lang="en-US" altLang="ja-JP" sz="2800" b="0" i="1" smtClean="0">
+                          <a:latin typeface="Cambria Math" panose="02040503050406030204" pitchFamily="18" charset="0"/>
+                          <a:ea typeface="Cambria Math" panose="02040503050406030204" pitchFamily="18" charset="0"/>
+                        </a:rPr>
+                        <m:t>𝑉</m:t>
+                      </m:r>
+                      <m:r>
+                        <a:rPr kumimoji="1" lang="en-US" altLang="ja-JP" sz="2800" b="0" i="1" smtClean="0">
+                          <a:latin typeface="Cambria Math" panose="02040503050406030204" pitchFamily="18" charset="0"/>
+                          <a:ea typeface="Cambria Math" panose="02040503050406030204" pitchFamily="18" charset="0"/>
+                        </a:rPr>
+                        <m:t>=</m:t>
+                      </m:r>
+                      <m:r>
+                        <a:rPr kumimoji="1" lang="en-US" altLang="ja-JP" sz="2800" b="0" i="1" smtClean="0">
+                          <a:latin typeface="Cambria Math" panose="02040503050406030204" pitchFamily="18" charset="0"/>
+                          <a:ea typeface="Cambria Math" panose="02040503050406030204" pitchFamily="18" charset="0"/>
+                        </a:rPr>
+                        <m:t>𝐼</m:t>
+                      </m:r>
+                    </m:oMath>
+                  </m:oMathPara>
+                </a14:m>
+                <a:endParaRPr kumimoji="1" lang="ja-JP" altLang="en-US" sz="2800" dirty="0"/>
+              </a:p>
+            </p:txBody>
+          </p:sp>
+        </mc:Choice>
+        <mc:Fallback>
+          <p:sp>
+            <p:nvSpPr>
+              <p:cNvPr id="69" name="テキスト ボックス 68"/>
+              <p:cNvSpPr txBox="1">
+                <a:spLocks noRot="1" noChangeAspect="1" noMove="1" noResize="1" noEditPoints="1" noAdjustHandles="1" noChangeArrowheads="1" noChangeShapeType="1" noTextEdit="1"/>
+              </p:cNvSpPr>
+              <p:nvPr/>
+            </p:nvSpPr>
+            <p:spPr>
+              <a:xfrm>
+                <a:off x="7236296" y="5013176"/>
+                <a:ext cx="1648848" cy="442044"/>
+              </a:xfrm>
+              <a:prstGeom prst="rect">
+                <a:avLst/>
+              </a:prstGeom>
+              <a:blipFill>
+                <a:blip r:embed="rId11"/>
+                <a:stretch>
+                  <a:fillRect/>
+                </a:stretch>
+              </a:blipFill>
+            </p:spPr>
+            <p:txBody>
+              <a:bodyPr/>
+              <a:lstStyle/>
+              <a:p>
+                <a:r>
+                  <a:rPr lang="ja-JP" altLang="en-US">
+                    <a:noFill/>
+                  </a:rPr>
+                  <a:t> </a:t>
+                </a:r>
+              </a:p>
+            </p:txBody>
+          </p:sp>
+        </mc:Fallback>
+      </mc:AlternateContent>
+    </p:spTree>
+    <p:extLst>
+      <p:ext uri="{BB962C8B-B14F-4D97-AF65-F5344CB8AC3E}">
+        <p14:creationId xmlns:p14="http://schemas.microsoft.com/office/powerpoint/2010/main" val="3729332743"/>
+      </p:ext>
+    </p:extLst>
+  </p:cSld>
+  <p:clrMapOvr>
+    <a:masterClrMapping/>
+  </p:clrMapOvr>
+</p:sld>
+</file>
+
+<file path=ppt/slides/slide6.xml><?xml version="1.0" encoding="utf-8"?>
+<p:sld xmlns:a="http://schemas.openxmlformats.org/drawingml/2006/main" xmlns:r="http://schemas.openxmlformats.org/officeDocument/2006/relationships" xmlns:p="http://schemas.openxmlformats.org/presentationml/2006/main">
+  <p:cSld>
+    <p:spTree>
+      <p:nvGrpSpPr>
+        <p:cNvPr id="1" name=""/>
+        <p:cNvGrpSpPr/>
+        <p:nvPr/>
+      </p:nvGrpSpPr>
+      <p:grpSpPr>
+        <a:xfrm>
+          <a:off x="0" y="0"/>
+          <a:ext cx="0" cy="0"/>
+          <a:chOff x="0" y="0"/>
+          <a:chExt cx="0" cy="0"/>
+        </a:xfrm>
+      </p:grpSpPr>
+      <p:sp>
+        <p:nvSpPr>
+          <p:cNvPr id="17" name="正方形/長方形 16"/>
+          <p:cNvSpPr/>
+          <p:nvPr/>
+        </p:nvSpPr>
+        <p:spPr>
+          <a:xfrm>
+            <a:off x="755576" y="2564904"/>
+            <a:ext cx="1656184" cy="1052736"/>
+          </a:xfrm>
+          <a:prstGeom prst="rect">
+            <a:avLst/>
+          </a:prstGeom>
+          <a:solidFill>
+            <a:schemeClr val="accent1">
+              <a:lumMod val="20000"/>
+              <a:lumOff val="80000"/>
+            </a:schemeClr>
+          </a:solidFill>
+          <a:ln>
+            <a:solidFill>
+              <a:schemeClr val="tx1"/>
+            </a:solidFill>
+          </a:ln>
+        </p:spPr>
+        <p:style>
+          <a:lnRef idx="2">
+            <a:schemeClr val="accent1">
+              <a:shade val="50000"/>
+            </a:schemeClr>
+          </a:lnRef>
+          <a:fillRef idx="1">
+            <a:schemeClr val="accent1"/>
+          </a:fillRef>
+          <a:effectRef idx="0">
+            <a:schemeClr val="accent1"/>
+          </a:effectRef>
+          <a:fontRef idx="minor">
+            <a:schemeClr val="lt1"/>
+          </a:fontRef>
+        </p:style>
+        <p:txBody>
+          <a:bodyPr rtlCol="0" anchor="ctr"/>
+          <a:lstStyle/>
+          <a:p>
+            <a:pPr algn="ctr"/>
+            <a:endParaRPr kumimoji="1" lang="ja-JP" altLang="en-US" dirty="0"/>
+          </a:p>
+        </p:txBody>
+      </p:sp>
+      <p:sp>
+        <p:nvSpPr>
+          <p:cNvPr id="3" name="正方形/長方形 2"/>
+          <p:cNvSpPr/>
+          <p:nvPr/>
+        </p:nvSpPr>
+        <p:spPr>
+          <a:xfrm>
+            <a:off x="755576" y="692696"/>
+            <a:ext cx="1656184" cy="1052736"/>
+          </a:xfrm>
+          <a:prstGeom prst="rect">
+            <a:avLst/>
+          </a:prstGeom>
+          <a:solidFill>
+            <a:schemeClr val="accent1">
+              <a:lumMod val="20000"/>
+              <a:lumOff val="80000"/>
+            </a:schemeClr>
+          </a:solidFill>
+          <a:ln>
+            <a:solidFill>
+              <a:schemeClr val="tx1"/>
+            </a:solidFill>
+          </a:ln>
+        </p:spPr>
+        <p:style>
+          <a:lnRef idx="2">
+            <a:schemeClr val="accent1">
+              <a:shade val="50000"/>
+            </a:schemeClr>
+          </a:lnRef>
+          <a:fillRef idx="1">
+            <a:schemeClr val="accent1"/>
+          </a:fillRef>
+          <a:effectRef idx="0">
+            <a:schemeClr val="accent1"/>
+          </a:effectRef>
+          <a:fontRef idx="minor">
+            <a:schemeClr val="lt1"/>
+          </a:fontRef>
+        </p:style>
+        <p:txBody>
+          <a:bodyPr rtlCol="0" anchor="ctr"/>
+          <a:lstStyle/>
+          <a:p>
+            <a:pPr algn="ctr"/>
+            <a:endParaRPr kumimoji="1" lang="ja-JP" altLang="en-US" dirty="0"/>
+          </a:p>
+        </p:txBody>
+      </p:sp>
+      <mc:AlternateContent xmlns:mc="http://schemas.openxmlformats.org/markup-compatibility/2006">
+        <mc:Choice xmlns:a14="http://schemas.microsoft.com/office/drawing/2010/main" Requires="a14">
+          <p:sp>
+            <p:nvSpPr>
+              <p:cNvPr id="4" name="テキスト ボックス 3"/>
+              <p:cNvSpPr txBox="1"/>
+              <p:nvPr/>
+            </p:nvSpPr>
+            <p:spPr>
+              <a:xfrm>
+                <a:off x="1340705" y="900734"/>
+                <a:ext cx="458139" cy="615553"/>
+              </a:xfrm>
+              <a:prstGeom prst="rect">
+                <a:avLst/>
+              </a:prstGeom>
+              <a:noFill/>
+            </p:spPr>
+            <p:txBody>
+              <a:bodyPr wrap="none" lIns="0" tIns="0" rIns="0" bIns="0" rtlCol="0">
+                <a:spAutoFit/>
+              </a:bodyPr>
+              <a:lstStyle/>
+              <a:p>
+                <a:pPr/>
+                <a14:m>
+                  <m:oMathPara xmlns:m="http://schemas.openxmlformats.org/officeDocument/2006/math">
+                    <m:oMathParaPr>
+                      <m:jc m:val="centerGroup"/>
+                    </m:oMathParaPr>
+                    <m:oMath xmlns:m="http://schemas.openxmlformats.org/officeDocument/2006/math">
+                      <m:r>
+                        <a:rPr kumimoji="1" lang="en-US" altLang="ja-JP" sz="4000" b="0" i="1" smtClean="0">
+                          <a:latin typeface="Cambria Math" panose="02040503050406030204" pitchFamily="18" charset="0"/>
+                        </a:rPr>
+                        <m:t>𝑋</m:t>
+                      </m:r>
+                    </m:oMath>
+                  </m:oMathPara>
+                </a14:m>
+                <a:endParaRPr kumimoji="1" lang="ja-JP" altLang="en-US" sz="4000" dirty="0"/>
+              </a:p>
+            </p:txBody>
+          </p:sp>
+        </mc:Choice>
+        <mc:Fallback>
+          <p:sp>
+            <p:nvSpPr>
+              <p:cNvPr id="4" name="テキスト ボックス 3"/>
+              <p:cNvSpPr txBox="1">
+                <a:spLocks noRot="1" noChangeAspect="1" noMove="1" noResize="1" noEditPoints="1" noAdjustHandles="1" noChangeArrowheads="1" noChangeShapeType="1" noTextEdit="1"/>
+              </p:cNvSpPr>
+              <p:nvPr/>
+            </p:nvSpPr>
+            <p:spPr>
+              <a:xfrm>
+                <a:off x="1340705" y="900734"/>
+                <a:ext cx="458139" cy="615553"/>
+              </a:xfrm>
+              <a:prstGeom prst="rect">
+                <a:avLst/>
+              </a:prstGeom>
+              <a:blipFill>
+                <a:blip r:embed="rId2"/>
+                <a:stretch>
+                  <a:fillRect/>
+                </a:stretch>
+              </a:blipFill>
+            </p:spPr>
+            <p:txBody>
+              <a:bodyPr/>
+              <a:lstStyle/>
+              <a:p>
+                <a:r>
+                  <a:rPr lang="ja-JP" altLang="en-US">
+                    <a:noFill/>
+                  </a:rPr>
+                  <a:t> </a:t>
+                </a:r>
+              </a:p>
+            </p:txBody>
+          </p:sp>
+        </mc:Fallback>
+      </mc:AlternateContent>
+      <p:sp>
+        <p:nvSpPr>
+          <p:cNvPr id="5" name="テキスト ボックス 4"/>
+          <p:cNvSpPr txBox="1"/>
+          <p:nvPr/>
+        </p:nvSpPr>
+        <p:spPr>
+          <a:xfrm>
+            <a:off x="170540" y="977678"/>
+            <a:ext cx="429926" cy="461665"/>
+          </a:xfrm>
+          <a:prstGeom prst="rect">
+            <a:avLst/>
+          </a:prstGeom>
+          <a:noFill/>
+        </p:spPr>
+        <p:txBody>
+          <a:bodyPr wrap="none" rtlCol="0">
+            <a:spAutoFit/>
+          </a:bodyPr>
+          <a:lstStyle/>
+          <a:p>
+            <a:r>
+              <a:rPr lang="en-US" altLang="ja-JP" sz="2400" dirty="0"/>
+              <a:t>m</a:t>
+            </a:r>
+            <a:endParaRPr kumimoji="1" lang="ja-JP" altLang="en-US" sz="2400" dirty="0"/>
+          </a:p>
+        </p:txBody>
+      </p:sp>
+      <p:cxnSp>
+        <p:nvCxnSpPr>
+          <p:cNvPr id="6" name="直線矢印コネクタ 5"/>
+          <p:cNvCxnSpPr/>
+          <p:nvPr/>
+        </p:nvCxnSpPr>
+        <p:spPr>
+          <a:xfrm>
+            <a:off x="611560" y="692696"/>
+            <a:ext cx="0" cy="1080120"/>
+          </a:xfrm>
+          <a:prstGeom prst="straightConnector1">
+            <a:avLst/>
+          </a:prstGeom>
+          <a:ln w="12700">
+            <a:solidFill>
+              <a:schemeClr val="tx1"/>
+            </a:solidFill>
+            <a:headEnd type="triangle"/>
+            <a:tailEnd type="triangle"/>
+          </a:ln>
+        </p:spPr>
+        <p:style>
+          <a:lnRef idx="1">
+            <a:schemeClr val="accent1"/>
+          </a:lnRef>
+          <a:fillRef idx="0">
+            <a:schemeClr val="accent1"/>
+          </a:fillRef>
+          <a:effectRef idx="0">
+            <a:schemeClr val="accent1"/>
+          </a:effectRef>
+          <a:fontRef idx="minor">
+            <a:schemeClr val="tx1"/>
+          </a:fontRef>
+        </p:style>
+      </p:cxnSp>
+      <p:cxnSp>
+        <p:nvCxnSpPr>
+          <p:cNvPr id="7" name="直線矢印コネクタ 6"/>
+          <p:cNvCxnSpPr/>
+          <p:nvPr/>
+        </p:nvCxnSpPr>
+        <p:spPr>
+          <a:xfrm>
+            <a:off x="755576" y="548680"/>
+            <a:ext cx="1656184" cy="0"/>
+          </a:xfrm>
+          <a:prstGeom prst="straightConnector1">
+            <a:avLst/>
+          </a:prstGeom>
+          <a:ln w="12700">
+            <a:solidFill>
+              <a:schemeClr val="tx1"/>
+            </a:solidFill>
+            <a:headEnd type="triangle"/>
+            <a:tailEnd type="triangle"/>
+          </a:ln>
+        </p:spPr>
+        <p:style>
+          <a:lnRef idx="1">
+            <a:schemeClr val="accent1"/>
+          </a:lnRef>
+          <a:fillRef idx="0">
+            <a:schemeClr val="accent1"/>
+          </a:fillRef>
+          <a:effectRef idx="0">
+            <a:schemeClr val="accent1"/>
+          </a:effectRef>
+          <a:fontRef idx="minor">
+            <a:schemeClr val="tx1"/>
+          </a:fontRef>
+        </p:style>
+      </p:cxnSp>
+      <p:sp>
+        <p:nvSpPr>
+          <p:cNvPr id="8" name="テキスト ボックス 7"/>
+          <p:cNvSpPr txBox="1"/>
+          <p:nvPr/>
+        </p:nvSpPr>
+        <p:spPr>
+          <a:xfrm>
+            <a:off x="1403648" y="159023"/>
+            <a:ext cx="346570" cy="461665"/>
+          </a:xfrm>
+          <a:prstGeom prst="rect">
+            <a:avLst/>
+          </a:prstGeom>
+          <a:noFill/>
+        </p:spPr>
+        <p:txBody>
+          <a:bodyPr wrap="none" rtlCol="0">
+            <a:spAutoFit/>
+          </a:bodyPr>
+          <a:lstStyle/>
+          <a:p>
+            <a:r>
+              <a:rPr lang="en-US" altLang="ja-JP" sz="2400" dirty="0" smtClean="0"/>
+              <a:t>n</a:t>
+            </a:r>
+            <a:endParaRPr kumimoji="1" lang="ja-JP" altLang="en-US" sz="2400" dirty="0"/>
+          </a:p>
+        </p:txBody>
+      </p:sp>
+      <p:sp>
+        <p:nvSpPr>
+          <p:cNvPr id="9" name="正方形/長方形 8"/>
+          <p:cNvSpPr/>
+          <p:nvPr/>
+        </p:nvSpPr>
+        <p:spPr>
+          <a:xfrm>
+            <a:off x="3418013" y="692696"/>
+            <a:ext cx="1656184" cy="1052736"/>
+          </a:xfrm>
+          <a:prstGeom prst="rect">
+            <a:avLst/>
+          </a:prstGeom>
+          <a:solidFill>
+            <a:schemeClr val="accent6">
+              <a:lumMod val="20000"/>
+              <a:lumOff val="80000"/>
+            </a:schemeClr>
+          </a:solidFill>
+          <a:ln>
+            <a:solidFill>
+              <a:schemeClr val="tx1"/>
+            </a:solidFill>
+          </a:ln>
+        </p:spPr>
+        <p:style>
+          <a:lnRef idx="2">
+            <a:schemeClr val="accent1">
+              <a:shade val="50000"/>
+            </a:schemeClr>
+          </a:lnRef>
+          <a:fillRef idx="1">
+            <a:schemeClr val="accent1"/>
+          </a:fillRef>
+          <a:effectRef idx="0">
+            <a:schemeClr val="accent1"/>
+          </a:effectRef>
+          <a:fontRef idx="minor">
+            <a:schemeClr val="lt1"/>
+          </a:fontRef>
+        </p:style>
+        <p:txBody>
+          <a:bodyPr rtlCol="0" anchor="ctr"/>
+          <a:lstStyle/>
+          <a:p>
+            <a:pPr algn="ctr"/>
+            <a:endParaRPr kumimoji="1" lang="ja-JP" altLang="en-US" dirty="0"/>
+          </a:p>
+        </p:txBody>
+      </p:sp>
+      <p:sp>
+        <p:nvSpPr>
+          <p:cNvPr id="10" name="正方形/長方形 9"/>
+          <p:cNvSpPr/>
+          <p:nvPr/>
+        </p:nvSpPr>
+        <p:spPr>
+          <a:xfrm>
+            <a:off x="5578253" y="476672"/>
+            <a:ext cx="1656184" cy="1653657"/>
+          </a:xfrm>
+          <a:prstGeom prst="rect">
+            <a:avLst/>
+          </a:prstGeom>
+          <a:solidFill>
+            <a:schemeClr val="accent4">
+              <a:lumMod val="20000"/>
+              <a:lumOff val="80000"/>
+            </a:schemeClr>
+          </a:solidFill>
+          <a:ln>
+            <a:solidFill>
+              <a:schemeClr val="tx1"/>
+            </a:solidFill>
+          </a:ln>
+        </p:spPr>
+        <p:style>
+          <a:lnRef idx="2">
+            <a:schemeClr val="accent1">
+              <a:shade val="50000"/>
+            </a:schemeClr>
+          </a:lnRef>
+          <a:fillRef idx="1">
+            <a:schemeClr val="accent1"/>
+          </a:fillRef>
+          <a:effectRef idx="0">
+            <a:schemeClr val="accent1"/>
+          </a:effectRef>
+          <a:fontRef idx="minor">
+            <a:schemeClr val="lt1"/>
+          </a:fontRef>
+        </p:style>
+        <p:txBody>
+          <a:bodyPr rtlCol="0" anchor="ctr"/>
+          <a:lstStyle/>
+          <a:p>
+            <a:pPr algn="ctr"/>
+            <a:endParaRPr kumimoji="1" lang="ja-JP" altLang="en-US"/>
+          </a:p>
+        </p:txBody>
+      </p:sp>
+      <p:sp>
+        <p:nvSpPr>
+          <p:cNvPr id="11" name="テキスト ボックス 10"/>
+          <p:cNvSpPr txBox="1"/>
+          <p:nvPr/>
+        </p:nvSpPr>
+        <p:spPr>
+          <a:xfrm>
+            <a:off x="5146205" y="908720"/>
+            <a:ext cx="408460" cy="584775"/>
+          </a:xfrm>
+          <a:prstGeom prst="rect">
+            <a:avLst/>
+          </a:prstGeom>
+          <a:noFill/>
+        </p:spPr>
+        <p:txBody>
+          <a:bodyPr wrap="square" rtlCol="0">
+            <a:spAutoFit/>
+          </a:bodyPr>
+          <a:lstStyle/>
+          <a:p>
+            <a:r>
+              <a:rPr kumimoji="1" lang="en-US" altLang="ja-JP" sz="3200" dirty="0"/>
+              <a:t>x</a:t>
+            </a:r>
+            <a:endParaRPr kumimoji="1" lang="ja-JP" altLang="en-US" sz="3200" dirty="0"/>
+          </a:p>
+        </p:txBody>
+      </p:sp>
+      <mc:AlternateContent xmlns:mc="http://schemas.openxmlformats.org/markup-compatibility/2006">
+        <mc:Choice xmlns:a14="http://schemas.microsoft.com/office/drawing/2010/main" Requires="a14">
+          <p:sp>
+            <p:nvSpPr>
+              <p:cNvPr id="12" name="テキスト ボックス 11"/>
+              <p:cNvSpPr txBox="1"/>
+              <p:nvPr/>
+            </p:nvSpPr>
+            <p:spPr>
+              <a:xfrm>
+                <a:off x="6098735" y="980728"/>
+                <a:ext cx="703654" cy="631455"/>
+              </a:xfrm>
+              <a:prstGeom prst="rect">
+                <a:avLst/>
+              </a:prstGeom>
+              <a:noFill/>
+            </p:spPr>
+            <p:txBody>
+              <a:bodyPr wrap="none" lIns="0" tIns="0" rIns="0" bIns="0" rtlCol="0">
+                <a:spAutoFit/>
+              </a:bodyPr>
+              <a:lstStyle/>
+              <a:p>
+                <a:pPr/>
+                <a14:m>
+                  <m:oMathPara xmlns:m="http://schemas.openxmlformats.org/officeDocument/2006/math">
+                    <m:oMathParaPr>
+                      <m:jc m:val="centerGroup"/>
+                    </m:oMathParaPr>
+                    <m:oMath xmlns:m="http://schemas.openxmlformats.org/officeDocument/2006/math">
+                      <m:sSup>
+                        <m:sSupPr>
+                          <m:ctrlPr>
+                            <a:rPr kumimoji="1" lang="el-GR" altLang="ja-JP" sz="4000" b="0" i="1" smtClean="0">
+                              <a:latin typeface="Cambria Math" panose="02040503050406030204" pitchFamily="18" charset="0"/>
+                              <a:ea typeface="Cambria Math" panose="02040503050406030204" pitchFamily="18" charset="0"/>
+                            </a:rPr>
+                          </m:ctrlPr>
+                        </m:sSupPr>
+                        <m:e>
+                          <m:r>
+                            <a:rPr kumimoji="1" lang="en-US" altLang="ja-JP" sz="4000" b="0" i="1" smtClean="0">
+                              <a:latin typeface="Cambria Math" panose="02040503050406030204" pitchFamily="18" charset="0"/>
+                              <a:ea typeface="Cambria Math" panose="02040503050406030204" pitchFamily="18" charset="0"/>
+                            </a:rPr>
+                            <m:t>𝑉</m:t>
+                          </m:r>
+                        </m:e>
+                        <m:sup>
+                          <m:r>
+                            <a:rPr kumimoji="1" lang="el-GR" altLang="ja-JP" sz="4000" b="0" i="1" smtClean="0">
+                              <a:latin typeface="Cambria Math" panose="02040503050406030204" pitchFamily="18" charset="0"/>
+                              <a:ea typeface="Cambria Math" panose="02040503050406030204" pitchFamily="18" charset="0"/>
+                            </a:rPr>
+                            <m:t>†</m:t>
+                          </m:r>
+                        </m:sup>
+                      </m:sSup>
+                    </m:oMath>
+                  </m:oMathPara>
+                </a14:m>
+                <a:endParaRPr kumimoji="1" lang="ja-JP" altLang="en-US" sz="4000" dirty="0"/>
+              </a:p>
+            </p:txBody>
+          </p:sp>
+        </mc:Choice>
+        <mc:Fallback>
+          <p:sp>
+            <p:nvSpPr>
+              <p:cNvPr id="12" name="テキスト ボックス 11"/>
+              <p:cNvSpPr txBox="1">
+                <a:spLocks noRot="1" noChangeAspect="1" noMove="1" noResize="1" noEditPoints="1" noAdjustHandles="1" noChangeArrowheads="1" noChangeShapeType="1" noTextEdit="1"/>
+              </p:cNvSpPr>
+              <p:nvPr/>
+            </p:nvSpPr>
+            <p:spPr>
+              <a:xfrm>
+                <a:off x="6098735" y="980728"/>
+                <a:ext cx="703654" cy="631455"/>
+              </a:xfrm>
+              <a:prstGeom prst="rect">
+                <a:avLst/>
+              </a:prstGeom>
+              <a:blipFill>
+                <a:blip r:embed="rId3"/>
+                <a:stretch>
+                  <a:fillRect/>
+                </a:stretch>
+              </a:blipFill>
+            </p:spPr>
+            <p:txBody>
+              <a:bodyPr/>
+              <a:lstStyle/>
+              <a:p>
+                <a:r>
+                  <a:rPr lang="ja-JP" altLang="en-US">
+                    <a:noFill/>
+                  </a:rPr>
+                  <a:t> </a:t>
+                </a:r>
+              </a:p>
+            </p:txBody>
+          </p:sp>
+        </mc:Fallback>
+      </mc:AlternateContent>
+      <mc:AlternateContent xmlns:mc="http://schemas.openxmlformats.org/markup-compatibility/2006">
+        <mc:Choice xmlns:a14="http://schemas.microsoft.com/office/drawing/2010/main" Requires="a14">
+          <p:sp>
+            <p:nvSpPr>
+              <p:cNvPr id="13" name="テキスト ボックス 12"/>
+              <p:cNvSpPr txBox="1"/>
+              <p:nvPr/>
+            </p:nvSpPr>
+            <p:spPr>
+              <a:xfrm>
+                <a:off x="3994077" y="908720"/>
+                <a:ext cx="398442" cy="615553"/>
+              </a:xfrm>
+              <a:prstGeom prst="rect">
+                <a:avLst/>
+              </a:prstGeom>
+              <a:noFill/>
+            </p:spPr>
+            <p:txBody>
+              <a:bodyPr wrap="none" lIns="0" tIns="0" rIns="0" bIns="0" rtlCol="0">
+                <a:spAutoFit/>
+              </a:bodyPr>
+              <a:lstStyle/>
+              <a:p>
+                <a:pPr/>
+                <a14:m>
+                  <m:oMathPara xmlns:m="http://schemas.openxmlformats.org/officeDocument/2006/math">
+                    <m:oMathParaPr>
+                      <m:jc m:val="centerGroup"/>
+                    </m:oMathParaPr>
+                    <m:oMath xmlns:m="http://schemas.openxmlformats.org/officeDocument/2006/math">
+                      <m:r>
+                        <a:rPr kumimoji="1" lang="en-US" altLang="ja-JP" sz="4000" b="0" i="1" smtClean="0">
+                          <a:latin typeface="Cambria Math" panose="02040503050406030204" pitchFamily="18" charset="0"/>
+                        </a:rPr>
+                        <m:t>𝐿</m:t>
+                      </m:r>
+                    </m:oMath>
+                  </m:oMathPara>
+                </a14:m>
+                <a:endParaRPr kumimoji="1" lang="ja-JP" altLang="en-US" sz="4000" dirty="0"/>
+              </a:p>
+            </p:txBody>
+          </p:sp>
+        </mc:Choice>
+        <mc:Fallback>
+          <p:sp>
+            <p:nvSpPr>
+              <p:cNvPr id="13" name="テキスト ボックス 12"/>
+              <p:cNvSpPr txBox="1">
+                <a:spLocks noRot="1" noChangeAspect="1" noMove="1" noResize="1" noEditPoints="1" noAdjustHandles="1" noChangeArrowheads="1" noChangeShapeType="1" noTextEdit="1"/>
+              </p:cNvSpPr>
+              <p:nvPr/>
+            </p:nvSpPr>
+            <p:spPr>
+              <a:xfrm>
+                <a:off x="3994077" y="908720"/>
+                <a:ext cx="398442" cy="615553"/>
+              </a:xfrm>
+              <a:prstGeom prst="rect">
+                <a:avLst/>
+              </a:prstGeom>
+              <a:blipFill>
+                <a:blip r:embed="rId4"/>
+                <a:stretch>
+                  <a:fillRect/>
+                </a:stretch>
+              </a:blipFill>
+            </p:spPr>
+            <p:txBody>
+              <a:bodyPr/>
+              <a:lstStyle/>
+              <a:p>
+                <a:r>
+                  <a:rPr lang="ja-JP" altLang="en-US">
+                    <a:noFill/>
+                  </a:rPr>
+                  <a:t> </a:t>
+                </a:r>
+              </a:p>
+            </p:txBody>
+          </p:sp>
+        </mc:Fallback>
+      </mc:AlternateContent>
+      <p:sp>
+        <p:nvSpPr>
+          <p:cNvPr id="14" name="テキスト ボックス 13"/>
+          <p:cNvSpPr txBox="1"/>
+          <p:nvPr/>
+        </p:nvSpPr>
+        <p:spPr>
+          <a:xfrm>
+            <a:off x="2540871" y="900009"/>
+            <a:ext cx="389850" cy="584775"/>
+          </a:xfrm>
+          <a:prstGeom prst="rect">
+            <a:avLst/>
+          </a:prstGeom>
+          <a:noFill/>
+        </p:spPr>
+        <p:txBody>
+          <a:bodyPr wrap="none" rtlCol="0">
+            <a:spAutoFit/>
+          </a:bodyPr>
+          <a:lstStyle/>
+          <a:p>
+            <a:r>
+              <a:rPr lang="en-US" altLang="ja-JP" sz="3200" dirty="0"/>
+              <a:t>=</a:t>
+            </a:r>
+            <a:endParaRPr kumimoji="1" lang="ja-JP" altLang="en-US" sz="3200" dirty="0"/>
+          </a:p>
+        </p:txBody>
+      </p:sp>
+      <mc:AlternateContent xmlns:mc="http://schemas.openxmlformats.org/markup-compatibility/2006">
+        <mc:Choice xmlns:a14="http://schemas.microsoft.com/office/drawing/2010/main" Requires="a14">
+          <p:sp>
+            <p:nvSpPr>
+              <p:cNvPr id="16" name="テキスト ボックス 15"/>
+              <p:cNvSpPr txBox="1"/>
+              <p:nvPr/>
+            </p:nvSpPr>
+            <p:spPr>
+              <a:xfrm>
+                <a:off x="1331640" y="2802354"/>
+                <a:ext cx="458138" cy="626646"/>
+              </a:xfrm>
+              <a:prstGeom prst="rect">
+                <a:avLst/>
+              </a:prstGeom>
+              <a:noFill/>
+            </p:spPr>
+            <p:txBody>
+              <a:bodyPr wrap="none" lIns="0" tIns="0" rIns="0" bIns="0" rtlCol="0">
+                <a:spAutoFit/>
+              </a:bodyPr>
+              <a:lstStyle/>
+              <a:p>
+                <a:pPr/>
+                <a14:m>
+                  <m:oMathPara xmlns:m="http://schemas.openxmlformats.org/officeDocument/2006/math">
+                    <m:oMathParaPr>
+                      <m:jc m:val="centerGroup"/>
+                    </m:oMathParaPr>
+                    <m:oMath xmlns:m="http://schemas.openxmlformats.org/officeDocument/2006/math">
+                      <m:acc>
+                        <m:accPr>
+                          <m:chr m:val="̃"/>
+                          <m:ctrlPr>
+                            <a:rPr kumimoji="1" lang="en-US" altLang="ja-JP" sz="4000" b="0" i="1" smtClean="0">
+                              <a:latin typeface="Cambria Math" panose="02040503050406030204" pitchFamily="18" charset="0"/>
+                            </a:rPr>
+                          </m:ctrlPr>
+                        </m:accPr>
+                        <m:e>
+                          <m:r>
+                            <a:rPr kumimoji="1" lang="en-US" altLang="ja-JP" sz="4000" b="0" i="1" smtClean="0">
+                              <a:latin typeface="Cambria Math" panose="02040503050406030204" pitchFamily="18" charset="0"/>
+                            </a:rPr>
+                            <m:t>𝑋</m:t>
+                          </m:r>
+                        </m:e>
+                      </m:acc>
+                    </m:oMath>
+                  </m:oMathPara>
+                </a14:m>
+                <a:endParaRPr kumimoji="1" lang="ja-JP" altLang="en-US" sz="4000" dirty="0"/>
+              </a:p>
+            </p:txBody>
+          </p:sp>
+        </mc:Choice>
+        <mc:Fallback>
+          <p:sp>
+            <p:nvSpPr>
+              <p:cNvPr id="16" name="テキスト ボックス 15"/>
+              <p:cNvSpPr txBox="1">
+                <a:spLocks noRot="1" noChangeAspect="1" noMove="1" noResize="1" noEditPoints="1" noAdjustHandles="1" noChangeArrowheads="1" noChangeShapeType="1" noTextEdit="1"/>
+              </p:cNvSpPr>
+              <p:nvPr/>
+            </p:nvSpPr>
+            <p:spPr>
+              <a:xfrm>
+                <a:off x="1331640" y="2802354"/>
+                <a:ext cx="458138" cy="626646"/>
+              </a:xfrm>
+              <a:prstGeom prst="rect">
+                <a:avLst/>
+              </a:prstGeom>
+              <a:blipFill>
+                <a:blip r:embed="rId5"/>
+                <a:stretch>
+                  <a:fillRect/>
+                </a:stretch>
+              </a:blipFill>
+            </p:spPr>
+            <p:txBody>
+              <a:bodyPr/>
+              <a:lstStyle/>
+              <a:p>
+                <a:r>
+                  <a:rPr lang="ja-JP" altLang="en-US">
+                    <a:noFill/>
+                  </a:rPr>
+                  <a:t> </a:t>
+                </a:r>
+              </a:p>
+            </p:txBody>
+          </p:sp>
+        </mc:Fallback>
+      </mc:AlternateContent>
+      <p:sp>
+        <p:nvSpPr>
+          <p:cNvPr id="19" name="テキスト ボックス 18"/>
+          <p:cNvSpPr txBox="1"/>
+          <p:nvPr/>
+        </p:nvSpPr>
+        <p:spPr>
+          <a:xfrm>
+            <a:off x="170540" y="2849886"/>
+            <a:ext cx="429926" cy="461665"/>
+          </a:xfrm>
+          <a:prstGeom prst="rect">
+            <a:avLst/>
+          </a:prstGeom>
+          <a:noFill/>
+        </p:spPr>
+        <p:txBody>
+          <a:bodyPr wrap="none" rtlCol="0">
+            <a:spAutoFit/>
+          </a:bodyPr>
+          <a:lstStyle/>
+          <a:p>
+            <a:r>
+              <a:rPr lang="en-US" altLang="ja-JP" sz="2400" dirty="0"/>
+              <a:t>m</a:t>
+            </a:r>
+            <a:endParaRPr kumimoji="1" lang="ja-JP" altLang="en-US" sz="2400" dirty="0"/>
+          </a:p>
+        </p:txBody>
+      </p:sp>
+      <p:cxnSp>
+        <p:nvCxnSpPr>
+          <p:cNvPr id="20" name="直線矢印コネクタ 19"/>
+          <p:cNvCxnSpPr/>
+          <p:nvPr/>
+        </p:nvCxnSpPr>
+        <p:spPr>
+          <a:xfrm>
+            <a:off x="611560" y="2564904"/>
+            <a:ext cx="0" cy="1080120"/>
+          </a:xfrm>
+          <a:prstGeom prst="straightConnector1">
+            <a:avLst/>
+          </a:prstGeom>
+          <a:ln w="12700">
+            <a:solidFill>
+              <a:schemeClr val="tx1"/>
+            </a:solidFill>
+            <a:headEnd type="triangle"/>
+            <a:tailEnd type="triangle"/>
+          </a:ln>
+        </p:spPr>
+        <p:style>
+          <a:lnRef idx="1">
+            <a:schemeClr val="accent1"/>
+          </a:lnRef>
+          <a:fillRef idx="0">
+            <a:schemeClr val="accent1"/>
+          </a:fillRef>
+          <a:effectRef idx="0">
+            <a:schemeClr val="accent1"/>
+          </a:effectRef>
+          <a:fontRef idx="minor">
+            <a:schemeClr val="tx1"/>
+          </a:fontRef>
+        </p:style>
+      </p:cxnSp>
+      <p:cxnSp>
+        <p:nvCxnSpPr>
+          <p:cNvPr id="21" name="直線矢印コネクタ 20"/>
+          <p:cNvCxnSpPr/>
+          <p:nvPr/>
+        </p:nvCxnSpPr>
+        <p:spPr>
+          <a:xfrm>
+            <a:off x="755576" y="2420888"/>
+            <a:ext cx="1656184" cy="0"/>
+          </a:xfrm>
+          <a:prstGeom prst="straightConnector1">
+            <a:avLst/>
+          </a:prstGeom>
+          <a:ln w="12700">
+            <a:solidFill>
+              <a:schemeClr val="tx1"/>
+            </a:solidFill>
+            <a:headEnd type="triangle"/>
+            <a:tailEnd type="triangle"/>
+          </a:ln>
+        </p:spPr>
+        <p:style>
+          <a:lnRef idx="1">
+            <a:schemeClr val="accent1"/>
+          </a:lnRef>
+          <a:fillRef idx="0">
+            <a:schemeClr val="accent1"/>
+          </a:fillRef>
+          <a:effectRef idx="0">
+            <a:schemeClr val="accent1"/>
+          </a:effectRef>
+          <a:fontRef idx="minor">
+            <a:schemeClr val="tx1"/>
+          </a:fontRef>
+        </p:style>
+      </p:cxnSp>
+      <p:sp>
+        <p:nvSpPr>
+          <p:cNvPr id="22" name="テキスト ボックス 21"/>
+          <p:cNvSpPr txBox="1"/>
+          <p:nvPr/>
+        </p:nvSpPr>
+        <p:spPr>
+          <a:xfrm>
+            <a:off x="1403648" y="2031231"/>
+            <a:ext cx="346570" cy="461665"/>
+          </a:xfrm>
+          <a:prstGeom prst="rect">
+            <a:avLst/>
+          </a:prstGeom>
+          <a:noFill/>
+        </p:spPr>
+        <p:txBody>
+          <a:bodyPr wrap="none" rtlCol="0">
+            <a:spAutoFit/>
+          </a:bodyPr>
+          <a:lstStyle/>
+          <a:p>
+            <a:r>
+              <a:rPr lang="en-US" altLang="ja-JP" sz="2400" dirty="0" smtClean="0"/>
+              <a:t>n</a:t>
+            </a:r>
+            <a:endParaRPr kumimoji="1" lang="ja-JP" altLang="en-US" sz="2400" dirty="0"/>
+          </a:p>
+        </p:txBody>
+      </p:sp>
+      <p:sp>
+        <p:nvSpPr>
+          <p:cNvPr id="23" name="正方形/長方形 22"/>
+          <p:cNvSpPr/>
+          <p:nvPr/>
+        </p:nvSpPr>
+        <p:spPr>
+          <a:xfrm>
+            <a:off x="3418013" y="2564904"/>
+            <a:ext cx="1656184" cy="1052736"/>
+          </a:xfrm>
+          <a:prstGeom prst="rect">
+            <a:avLst/>
+          </a:prstGeom>
+          <a:solidFill>
+            <a:schemeClr val="bg1"/>
+          </a:solidFill>
+          <a:ln>
+            <a:solidFill>
+              <a:schemeClr val="tx1"/>
+            </a:solidFill>
+            <a:prstDash val="dash"/>
+          </a:ln>
+        </p:spPr>
+        <p:style>
+          <a:lnRef idx="2">
+            <a:schemeClr val="accent1">
+              <a:shade val="50000"/>
+            </a:schemeClr>
+          </a:lnRef>
+          <a:fillRef idx="1">
+            <a:schemeClr val="accent1"/>
+          </a:fillRef>
+          <a:effectRef idx="0">
+            <a:schemeClr val="accent1"/>
+          </a:effectRef>
+          <a:fontRef idx="minor">
+            <a:schemeClr val="lt1"/>
+          </a:fontRef>
+        </p:style>
+        <p:txBody>
+          <a:bodyPr rtlCol="0" anchor="ctr"/>
+          <a:lstStyle/>
+          <a:p>
+            <a:pPr algn="ctr"/>
+            <a:endParaRPr kumimoji="1" lang="ja-JP" altLang="en-US" dirty="0"/>
+          </a:p>
+        </p:txBody>
+      </p:sp>
+      <p:sp>
+        <p:nvSpPr>
+          <p:cNvPr id="24" name="正方形/長方形 23"/>
+          <p:cNvSpPr/>
+          <p:nvPr/>
+        </p:nvSpPr>
+        <p:spPr>
+          <a:xfrm>
+            <a:off x="5578253" y="2348880"/>
+            <a:ext cx="1656184" cy="1653657"/>
+          </a:xfrm>
+          <a:prstGeom prst="rect">
+            <a:avLst/>
+          </a:prstGeom>
+          <a:solidFill>
+            <a:schemeClr val="bg1"/>
+          </a:solidFill>
+          <a:ln>
+            <a:solidFill>
+              <a:schemeClr val="tx1"/>
+            </a:solidFill>
+            <a:prstDash val="dash"/>
+          </a:ln>
+        </p:spPr>
+        <p:style>
+          <a:lnRef idx="2">
+            <a:schemeClr val="accent1">
+              <a:shade val="50000"/>
+            </a:schemeClr>
+          </a:lnRef>
+          <a:fillRef idx="1">
+            <a:schemeClr val="accent1"/>
+          </a:fillRef>
+          <a:effectRef idx="0">
+            <a:schemeClr val="accent1"/>
+          </a:effectRef>
+          <a:fontRef idx="minor">
+            <a:schemeClr val="lt1"/>
+          </a:fontRef>
+        </p:style>
+        <p:txBody>
+          <a:bodyPr rtlCol="0" anchor="ctr"/>
+          <a:lstStyle/>
+          <a:p>
+            <a:pPr algn="ctr"/>
+            <a:endParaRPr kumimoji="1" lang="ja-JP" altLang="en-US"/>
+          </a:p>
+        </p:txBody>
+      </p:sp>
+      <p:sp>
+        <p:nvSpPr>
+          <p:cNvPr id="25" name="テキスト ボックス 24"/>
+          <p:cNvSpPr txBox="1"/>
+          <p:nvPr/>
+        </p:nvSpPr>
+        <p:spPr>
+          <a:xfrm>
+            <a:off x="5146205" y="2780928"/>
+            <a:ext cx="408460" cy="584775"/>
+          </a:xfrm>
+          <a:prstGeom prst="rect">
+            <a:avLst/>
+          </a:prstGeom>
+          <a:noFill/>
+        </p:spPr>
+        <p:txBody>
+          <a:bodyPr wrap="square" rtlCol="0">
+            <a:spAutoFit/>
+          </a:bodyPr>
+          <a:lstStyle/>
+          <a:p>
+            <a:r>
+              <a:rPr kumimoji="1" lang="en-US" altLang="ja-JP" sz="3200" dirty="0"/>
+              <a:t>x</a:t>
+            </a:r>
+            <a:endParaRPr kumimoji="1" lang="ja-JP" altLang="en-US" sz="3200" dirty="0"/>
+          </a:p>
+        </p:txBody>
+      </p:sp>
+      <mc:AlternateContent xmlns:mc="http://schemas.openxmlformats.org/markup-compatibility/2006">
+        <mc:Choice xmlns:a14="http://schemas.microsoft.com/office/drawing/2010/main" Requires="a14">
+          <p:sp>
+            <p:nvSpPr>
+              <p:cNvPr id="26" name="テキスト ボックス 25"/>
+              <p:cNvSpPr txBox="1"/>
+              <p:nvPr/>
+            </p:nvSpPr>
+            <p:spPr>
+              <a:xfrm>
+                <a:off x="6098735" y="2852936"/>
+                <a:ext cx="703654" cy="631455"/>
+              </a:xfrm>
+              <a:prstGeom prst="rect">
+                <a:avLst/>
+              </a:prstGeom>
+              <a:noFill/>
+            </p:spPr>
+            <p:txBody>
+              <a:bodyPr wrap="none" lIns="0" tIns="0" rIns="0" bIns="0" rtlCol="0">
+                <a:spAutoFit/>
+              </a:bodyPr>
+              <a:lstStyle/>
+              <a:p>
+                <a:pPr/>
+                <a14:m>
+                  <m:oMathPara xmlns:m="http://schemas.openxmlformats.org/officeDocument/2006/math">
+                    <m:oMathParaPr>
+                      <m:jc m:val="centerGroup"/>
+                    </m:oMathParaPr>
+                    <m:oMath xmlns:m="http://schemas.openxmlformats.org/officeDocument/2006/math">
+                      <m:sSup>
+                        <m:sSupPr>
+                          <m:ctrlPr>
+                            <a:rPr kumimoji="1" lang="el-GR" altLang="ja-JP" sz="4000" b="0" i="1" smtClean="0">
+                              <a:latin typeface="Cambria Math" panose="02040503050406030204" pitchFamily="18" charset="0"/>
+                              <a:ea typeface="Cambria Math" panose="02040503050406030204" pitchFamily="18" charset="0"/>
+                            </a:rPr>
+                          </m:ctrlPr>
+                        </m:sSupPr>
+                        <m:e>
+                          <m:acc>
+                            <m:accPr>
+                              <m:chr m:val="̃"/>
+                              <m:ctrlPr>
+                                <a:rPr kumimoji="1" lang="el-GR" altLang="ja-JP" sz="4000" b="0" i="1" smtClean="0">
+                                  <a:latin typeface="Cambria Math" panose="02040503050406030204" pitchFamily="18" charset="0"/>
+                                  <a:ea typeface="Cambria Math" panose="02040503050406030204" pitchFamily="18" charset="0"/>
+                                </a:rPr>
+                              </m:ctrlPr>
+                            </m:accPr>
+                            <m:e>
+                              <m:r>
+                                <a:rPr kumimoji="1" lang="en-US" altLang="ja-JP" sz="4000" b="0" i="1" smtClean="0">
+                                  <a:latin typeface="Cambria Math" panose="02040503050406030204" pitchFamily="18" charset="0"/>
+                                  <a:ea typeface="Cambria Math" panose="02040503050406030204" pitchFamily="18" charset="0"/>
+                                </a:rPr>
+                                <m:t>𝑉</m:t>
+                              </m:r>
+                            </m:e>
+                          </m:acc>
+                        </m:e>
+                        <m:sup>
+                          <m:r>
+                            <a:rPr kumimoji="1" lang="el-GR" altLang="ja-JP" sz="4000" b="0" i="1" smtClean="0">
+                              <a:latin typeface="Cambria Math" panose="02040503050406030204" pitchFamily="18" charset="0"/>
+                              <a:ea typeface="Cambria Math" panose="02040503050406030204" pitchFamily="18" charset="0"/>
+                            </a:rPr>
+                            <m:t>†</m:t>
+                          </m:r>
+                        </m:sup>
+                      </m:sSup>
+                    </m:oMath>
+                  </m:oMathPara>
+                </a14:m>
+                <a:endParaRPr kumimoji="1" lang="ja-JP" altLang="en-US" sz="4000" dirty="0"/>
+              </a:p>
+            </p:txBody>
+          </p:sp>
+        </mc:Choice>
+        <mc:Fallback>
+          <p:sp>
+            <p:nvSpPr>
+              <p:cNvPr id="26" name="テキスト ボックス 25"/>
+              <p:cNvSpPr txBox="1">
+                <a:spLocks noRot="1" noChangeAspect="1" noMove="1" noResize="1" noEditPoints="1" noAdjustHandles="1" noChangeArrowheads="1" noChangeShapeType="1" noTextEdit="1"/>
+              </p:cNvSpPr>
+              <p:nvPr/>
+            </p:nvSpPr>
+            <p:spPr>
+              <a:xfrm>
+                <a:off x="6098735" y="2852936"/>
+                <a:ext cx="703654" cy="631455"/>
+              </a:xfrm>
+              <a:prstGeom prst="rect">
+                <a:avLst/>
+              </a:prstGeom>
+              <a:blipFill>
+                <a:blip r:embed="rId6"/>
+                <a:stretch>
+                  <a:fillRect/>
+                </a:stretch>
+              </a:blipFill>
+            </p:spPr>
+            <p:txBody>
+              <a:bodyPr/>
+              <a:lstStyle/>
+              <a:p>
+                <a:r>
+                  <a:rPr lang="ja-JP" altLang="en-US">
+                    <a:noFill/>
+                  </a:rPr>
+                  <a:t> </a:t>
+                </a:r>
+              </a:p>
+            </p:txBody>
+          </p:sp>
+        </mc:Fallback>
+      </mc:AlternateContent>
+      <mc:AlternateContent xmlns:mc="http://schemas.openxmlformats.org/markup-compatibility/2006">
+        <mc:Choice xmlns:a14="http://schemas.microsoft.com/office/drawing/2010/main" Requires="a14">
+          <p:sp>
+            <p:nvSpPr>
+              <p:cNvPr id="27" name="テキスト ボックス 26"/>
+              <p:cNvSpPr txBox="1"/>
+              <p:nvPr/>
+            </p:nvSpPr>
+            <p:spPr>
+              <a:xfrm>
+                <a:off x="3994077" y="2780928"/>
+                <a:ext cx="398442" cy="626646"/>
+              </a:xfrm>
+              <a:prstGeom prst="rect">
+                <a:avLst/>
+              </a:prstGeom>
+              <a:noFill/>
+            </p:spPr>
+            <p:txBody>
+              <a:bodyPr wrap="none" lIns="0" tIns="0" rIns="0" bIns="0" rtlCol="0">
+                <a:spAutoFit/>
+              </a:bodyPr>
+              <a:lstStyle/>
+              <a:p>
+                <a:pPr/>
+                <a14:m>
+                  <m:oMathPara xmlns:m="http://schemas.openxmlformats.org/officeDocument/2006/math">
+                    <m:oMathParaPr>
+                      <m:jc m:val="centerGroup"/>
+                    </m:oMathParaPr>
+                    <m:oMath xmlns:m="http://schemas.openxmlformats.org/officeDocument/2006/math">
+                      <m:acc>
+                        <m:accPr>
+                          <m:chr m:val="̃"/>
+                          <m:ctrlPr>
+                            <a:rPr kumimoji="1" lang="en-US" altLang="ja-JP" sz="4000" b="0" i="1" smtClean="0">
+                              <a:latin typeface="Cambria Math" panose="02040503050406030204" pitchFamily="18" charset="0"/>
+                            </a:rPr>
+                          </m:ctrlPr>
+                        </m:accPr>
+                        <m:e>
+                          <m:r>
+                            <a:rPr kumimoji="1" lang="en-US" altLang="ja-JP" sz="4000" b="0" i="1" smtClean="0">
+                              <a:latin typeface="Cambria Math" panose="02040503050406030204" pitchFamily="18" charset="0"/>
+                            </a:rPr>
+                            <m:t>𝐿</m:t>
+                          </m:r>
+                        </m:e>
+                      </m:acc>
+                    </m:oMath>
+                  </m:oMathPara>
+                </a14:m>
+                <a:endParaRPr kumimoji="1" lang="ja-JP" altLang="en-US" sz="4000" dirty="0"/>
+              </a:p>
+            </p:txBody>
+          </p:sp>
+        </mc:Choice>
+        <mc:Fallback>
+          <p:sp>
+            <p:nvSpPr>
+              <p:cNvPr id="27" name="テキスト ボックス 26"/>
+              <p:cNvSpPr txBox="1">
+                <a:spLocks noRot="1" noChangeAspect="1" noMove="1" noResize="1" noEditPoints="1" noAdjustHandles="1" noChangeArrowheads="1" noChangeShapeType="1" noTextEdit="1"/>
+              </p:cNvSpPr>
+              <p:nvPr/>
+            </p:nvSpPr>
+            <p:spPr>
+              <a:xfrm>
+                <a:off x="3994077" y="2780928"/>
+                <a:ext cx="398442" cy="626646"/>
+              </a:xfrm>
+              <a:prstGeom prst="rect">
+                <a:avLst/>
+              </a:prstGeom>
+              <a:blipFill>
+                <a:blip r:embed="rId7"/>
+                <a:stretch>
+                  <a:fillRect/>
+                </a:stretch>
+              </a:blipFill>
+            </p:spPr>
+            <p:txBody>
+              <a:bodyPr/>
+              <a:lstStyle/>
+              <a:p>
+                <a:r>
+                  <a:rPr lang="ja-JP" altLang="en-US">
+                    <a:noFill/>
+                  </a:rPr>
+                  <a:t> </a:t>
+                </a:r>
+              </a:p>
+            </p:txBody>
+          </p:sp>
+        </mc:Fallback>
+      </mc:AlternateContent>
+      <p:sp>
+        <p:nvSpPr>
+          <p:cNvPr id="28" name="テキスト ボックス 27"/>
+          <p:cNvSpPr txBox="1"/>
+          <p:nvPr/>
+        </p:nvSpPr>
+        <p:spPr>
+          <a:xfrm>
+            <a:off x="2540871" y="2780928"/>
+            <a:ext cx="389850" cy="584775"/>
+          </a:xfrm>
+          <a:prstGeom prst="rect">
+            <a:avLst/>
+          </a:prstGeom>
+          <a:noFill/>
+        </p:spPr>
+        <p:txBody>
+          <a:bodyPr wrap="none" rtlCol="0">
+            <a:spAutoFit/>
+          </a:bodyPr>
+          <a:lstStyle/>
+          <a:p>
+            <a:r>
+              <a:rPr lang="en-US" altLang="ja-JP" sz="3200" dirty="0"/>
+              <a:t>=</a:t>
+            </a:r>
+            <a:endParaRPr kumimoji="1" lang="ja-JP" altLang="en-US" sz="3200" dirty="0"/>
+          </a:p>
+        </p:txBody>
+      </p:sp>
+      <p:sp>
+        <p:nvSpPr>
+          <p:cNvPr id="29" name="正方形/長方形 28">
+            <a:extLst>
+              <a:ext uri="{FF2B5EF4-FFF2-40B4-BE49-F238E27FC236}">
+                <a16:creationId xmlns:a16="http://schemas.microsoft.com/office/drawing/2014/main" id="{1D76626F-41A7-7A48-A8A4-851E727E627E}"/>
+              </a:ext>
+            </a:extLst>
+          </p:cNvPr>
+          <p:cNvSpPr/>
+          <p:nvPr/>
+        </p:nvSpPr>
+        <p:spPr>
+          <a:xfrm>
+            <a:off x="3418012" y="2564903"/>
+            <a:ext cx="248669" cy="1055751"/>
+          </a:xfrm>
+          <a:prstGeom prst="rect">
+            <a:avLst/>
+          </a:prstGeom>
+          <a:solidFill>
+            <a:schemeClr val="accent6">
+              <a:lumMod val="20000"/>
+              <a:lumOff val="80000"/>
+            </a:schemeClr>
+          </a:solidFill>
+          <a:ln>
+            <a:solidFill>
+              <a:schemeClr val="tx1"/>
+            </a:solidFill>
+          </a:ln>
+        </p:spPr>
+        <p:style>
+          <a:lnRef idx="2">
+            <a:schemeClr val="accent1">
+              <a:shade val="50000"/>
+            </a:schemeClr>
+          </a:lnRef>
+          <a:fillRef idx="1">
+            <a:schemeClr val="accent1"/>
+          </a:fillRef>
+          <a:effectRef idx="0">
+            <a:schemeClr val="accent1"/>
+          </a:effectRef>
+          <a:fontRef idx="minor">
+            <a:schemeClr val="lt1"/>
+          </a:fontRef>
+        </p:style>
+        <p:txBody>
+          <a:bodyPr rtlCol="0" anchor="ctr"/>
+          <a:lstStyle/>
+          <a:p>
+            <a:pPr algn="ctr"/>
+            <a:endParaRPr kumimoji="1" lang="ja-JP" altLang="en-US"/>
+          </a:p>
+        </p:txBody>
+      </p:sp>
+      <p:sp>
+        <p:nvSpPr>
+          <p:cNvPr id="30" name="正方形/長方形 29">
+            <a:extLst>
+              <a:ext uri="{FF2B5EF4-FFF2-40B4-BE49-F238E27FC236}">
+                <a16:creationId xmlns:a16="http://schemas.microsoft.com/office/drawing/2014/main" id="{C2F44B91-E17F-D94B-8864-2C83DB5AE16B}"/>
+              </a:ext>
+            </a:extLst>
+          </p:cNvPr>
+          <p:cNvSpPr/>
+          <p:nvPr/>
+        </p:nvSpPr>
+        <p:spPr>
+          <a:xfrm>
+            <a:off x="5577362" y="2348880"/>
+            <a:ext cx="1658934" cy="245984"/>
+          </a:xfrm>
+          <a:prstGeom prst="rect">
+            <a:avLst/>
+          </a:prstGeom>
+          <a:solidFill>
+            <a:schemeClr val="accent4">
+              <a:lumMod val="20000"/>
+              <a:lumOff val="80000"/>
+            </a:schemeClr>
+          </a:solidFill>
+          <a:ln>
+            <a:solidFill>
+              <a:schemeClr val="tx1"/>
+            </a:solidFill>
+          </a:ln>
+        </p:spPr>
+        <p:style>
+          <a:lnRef idx="2">
+            <a:schemeClr val="accent1">
+              <a:shade val="50000"/>
+            </a:schemeClr>
+          </a:lnRef>
+          <a:fillRef idx="1">
+            <a:schemeClr val="accent1"/>
+          </a:fillRef>
+          <a:effectRef idx="0">
+            <a:schemeClr val="accent1"/>
+          </a:effectRef>
+          <a:fontRef idx="minor">
+            <a:schemeClr val="lt1"/>
+          </a:fontRef>
+        </p:style>
+        <p:txBody>
+          <a:bodyPr rtlCol="0" anchor="ctr"/>
+          <a:lstStyle/>
+          <a:p>
+            <a:pPr algn="ctr"/>
+            <a:endParaRPr kumimoji="1" lang="ja-JP" altLang="en-US"/>
+          </a:p>
+        </p:txBody>
+      </p:sp>
+      <p:sp>
+        <p:nvSpPr>
+          <p:cNvPr id="31" name="正方形/長方形 30"/>
+          <p:cNvSpPr/>
+          <p:nvPr/>
+        </p:nvSpPr>
+        <p:spPr>
+          <a:xfrm>
+            <a:off x="3418013" y="4727671"/>
+            <a:ext cx="1656184" cy="1052736"/>
+          </a:xfrm>
+          <a:prstGeom prst="rect">
+            <a:avLst/>
+          </a:prstGeom>
+          <a:solidFill>
+            <a:schemeClr val="accent1">
+              <a:lumMod val="20000"/>
+              <a:lumOff val="80000"/>
+            </a:schemeClr>
+          </a:solidFill>
+          <a:ln>
+            <a:solidFill>
+              <a:schemeClr val="tx1"/>
+            </a:solidFill>
+          </a:ln>
+        </p:spPr>
+        <p:style>
+          <a:lnRef idx="2">
+            <a:schemeClr val="accent1">
+              <a:shade val="50000"/>
+            </a:schemeClr>
+          </a:lnRef>
+          <a:fillRef idx="1">
+            <a:schemeClr val="accent1"/>
+          </a:fillRef>
+          <a:effectRef idx="0">
+            <a:schemeClr val="accent1"/>
+          </a:effectRef>
+          <a:fontRef idx="minor">
+            <a:schemeClr val="lt1"/>
+          </a:fontRef>
+        </p:style>
+        <p:txBody>
+          <a:bodyPr rtlCol="0" anchor="ctr"/>
+          <a:lstStyle/>
+          <a:p>
+            <a:pPr algn="ctr"/>
+            <a:endParaRPr kumimoji="1" lang="ja-JP" altLang="en-US" dirty="0"/>
+          </a:p>
+        </p:txBody>
+      </p:sp>
+      <mc:AlternateContent xmlns:mc="http://schemas.openxmlformats.org/markup-compatibility/2006">
+        <mc:Choice xmlns:a14="http://schemas.microsoft.com/office/drawing/2010/main" Requires="a14">
+          <p:sp>
+            <p:nvSpPr>
+              <p:cNvPr id="32" name="テキスト ボックス 31"/>
+              <p:cNvSpPr txBox="1"/>
+              <p:nvPr/>
+            </p:nvSpPr>
+            <p:spPr>
+              <a:xfrm>
+                <a:off x="4003142" y="4935709"/>
+                <a:ext cx="458139" cy="615553"/>
+              </a:xfrm>
+              <a:prstGeom prst="rect">
+                <a:avLst/>
+              </a:prstGeom>
+              <a:noFill/>
+            </p:spPr>
+            <p:txBody>
+              <a:bodyPr wrap="none" lIns="0" tIns="0" rIns="0" bIns="0" rtlCol="0">
+                <a:spAutoFit/>
+              </a:bodyPr>
+              <a:lstStyle/>
+              <a:p>
+                <a:pPr/>
+                <a14:m>
+                  <m:oMathPara xmlns:m="http://schemas.openxmlformats.org/officeDocument/2006/math">
+                    <m:oMathParaPr>
+                      <m:jc m:val="centerGroup"/>
+                    </m:oMathParaPr>
+                    <m:oMath xmlns:m="http://schemas.openxmlformats.org/officeDocument/2006/math">
+                      <m:r>
+                        <a:rPr kumimoji="1" lang="en-US" altLang="ja-JP" sz="4000" b="0" i="1" smtClean="0">
+                          <a:latin typeface="Cambria Math" panose="02040503050406030204" pitchFamily="18" charset="0"/>
+                        </a:rPr>
+                        <m:t>𝑋</m:t>
+                      </m:r>
+                    </m:oMath>
+                  </m:oMathPara>
+                </a14:m>
+                <a:endParaRPr kumimoji="1" lang="ja-JP" altLang="en-US" sz="4000" dirty="0"/>
+              </a:p>
+            </p:txBody>
+          </p:sp>
+        </mc:Choice>
+        <mc:Fallback>
+          <p:sp>
+            <p:nvSpPr>
+              <p:cNvPr id="32" name="テキスト ボックス 31"/>
+              <p:cNvSpPr txBox="1">
+                <a:spLocks noRot="1" noChangeAspect="1" noMove="1" noResize="1" noEditPoints="1" noAdjustHandles="1" noChangeArrowheads="1" noChangeShapeType="1" noTextEdit="1"/>
+              </p:cNvSpPr>
+              <p:nvPr/>
+            </p:nvSpPr>
+            <p:spPr>
+              <a:xfrm>
+                <a:off x="4003142" y="4935709"/>
+                <a:ext cx="458139" cy="615553"/>
+              </a:xfrm>
+              <a:prstGeom prst="rect">
+                <a:avLst/>
+              </a:prstGeom>
+              <a:blipFill>
+                <a:blip r:embed="rId8"/>
+                <a:stretch>
+                  <a:fillRect/>
+                </a:stretch>
+              </a:blipFill>
+            </p:spPr>
+            <p:txBody>
+              <a:bodyPr/>
+              <a:lstStyle/>
+              <a:p>
+                <a:r>
+                  <a:rPr lang="ja-JP" altLang="en-US">
+                    <a:noFill/>
+                  </a:rPr>
+                  <a:t> </a:t>
+                </a:r>
+              </a:p>
+            </p:txBody>
+          </p:sp>
+        </mc:Fallback>
+      </mc:AlternateContent>
+      <p:sp>
+        <p:nvSpPr>
+          <p:cNvPr id="33" name="テキスト ボックス 32"/>
+          <p:cNvSpPr txBox="1"/>
+          <p:nvPr/>
+        </p:nvSpPr>
+        <p:spPr>
+          <a:xfrm>
+            <a:off x="5146205" y="4943695"/>
+            <a:ext cx="408460" cy="584775"/>
+          </a:xfrm>
+          <a:prstGeom prst="rect">
+            <a:avLst/>
+          </a:prstGeom>
+          <a:noFill/>
+        </p:spPr>
+        <p:txBody>
+          <a:bodyPr wrap="square" rtlCol="0">
+            <a:spAutoFit/>
+          </a:bodyPr>
+          <a:lstStyle/>
+          <a:p>
+            <a:r>
+              <a:rPr kumimoji="1" lang="en-US" altLang="ja-JP" sz="3200" dirty="0"/>
+              <a:t>x</a:t>
+            </a:r>
+            <a:endParaRPr kumimoji="1" lang="ja-JP" altLang="en-US" sz="3200" dirty="0"/>
+          </a:p>
+        </p:txBody>
+      </p:sp>
+      <p:sp>
+        <p:nvSpPr>
+          <p:cNvPr id="34" name="正方形/長方形 33"/>
+          <p:cNvSpPr/>
+          <p:nvPr/>
+        </p:nvSpPr>
+        <p:spPr>
+          <a:xfrm>
+            <a:off x="5578253" y="4439639"/>
+            <a:ext cx="1656184" cy="1653657"/>
+          </a:xfrm>
+          <a:prstGeom prst="rect">
+            <a:avLst/>
+          </a:prstGeom>
+          <a:solidFill>
+            <a:schemeClr val="bg1"/>
+          </a:solidFill>
+          <a:ln>
+            <a:solidFill>
+              <a:schemeClr val="tx1"/>
+            </a:solidFill>
+            <a:prstDash val="dash"/>
+          </a:ln>
+        </p:spPr>
+        <p:style>
+          <a:lnRef idx="2">
+            <a:schemeClr val="accent1">
+              <a:shade val="50000"/>
+            </a:schemeClr>
+          </a:lnRef>
+          <a:fillRef idx="1">
+            <a:schemeClr val="accent1"/>
+          </a:fillRef>
+          <a:effectRef idx="0">
+            <a:schemeClr val="accent1"/>
+          </a:effectRef>
+          <a:fontRef idx="minor">
+            <a:schemeClr val="lt1"/>
+          </a:fontRef>
+        </p:style>
+        <p:txBody>
+          <a:bodyPr rtlCol="0" anchor="ctr"/>
+          <a:lstStyle/>
+          <a:p>
+            <a:pPr algn="ctr"/>
+            <a:endParaRPr kumimoji="1" lang="ja-JP" altLang="en-US"/>
+          </a:p>
+        </p:txBody>
+      </p:sp>
+      <mc:AlternateContent xmlns:mc="http://schemas.openxmlformats.org/markup-compatibility/2006">
+        <mc:Choice xmlns:a14="http://schemas.microsoft.com/office/drawing/2010/main" Requires="a14">
+          <p:sp>
+            <p:nvSpPr>
+              <p:cNvPr id="35" name="テキスト ボックス 34"/>
+              <p:cNvSpPr txBox="1"/>
+              <p:nvPr/>
+            </p:nvSpPr>
+            <p:spPr>
+              <a:xfrm>
+                <a:off x="6154317" y="4943695"/>
+                <a:ext cx="452303" cy="626646"/>
+              </a:xfrm>
+              <a:prstGeom prst="rect">
+                <a:avLst/>
+              </a:prstGeom>
+              <a:noFill/>
+            </p:spPr>
+            <p:txBody>
+              <a:bodyPr wrap="none" lIns="0" tIns="0" rIns="0" bIns="0" rtlCol="0">
+                <a:spAutoFit/>
+              </a:bodyPr>
+              <a:lstStyle/>
+              <a:p>
+                <a:pPr/>
+                <a14:m>
+                  <m:oMathPara xmlns:m="http://schemas.openxmlformats.org/officeDocument/2006/math">
+                    <m:oMathParaPr>
+                      <m:jc m:val="centerGroup"/>
+                    </m:oMathParaPr>
+                    <m:oMath xmlns:m="http://schemas.openxmlformats.org/officeDocument/2006/math">
+                      <m:acc>
+                        <m:accPr>
+                          <m:chr m:val="̃"/>
+                          <m:ctrlPr>
+                            <a:rPr kumimoji="1" lang="en-US" altLang="ja-JP" sz="4000" b="0" i="1" smtClean="0">
+                              <a:latin typeface="Cambria Math" panose="02040503050406030204" pitchFamily="18" charset="0"/>
+                            </a:rPr>
+                          </m:ctrlPr>
+                        </m:accPr>
+                        <m:e>
+                          <m:r>
+                            <a:rPr kumimoji="1" lang="en-US" altLang="ja-JP" sz="4000" b="0" i="1" smtClean="0">
+                              <a:latin typeface="Cambria Math" panose="02040503050406030204" pitchFamily="18" charset="0"/>
+                            </a:rPr>
+                            <m:t>𝑉</m:t>
+                          </m:r>
+                        </m:e>
+                      </m:acc>
+                    </m:oMath>
+                  </m:oMathPara>
+                </a14:m>
+                <a:endParaRPr kumimoji="1" lang="ja-JP" altLang="en-US" sz="4000" dirty="0"/>
+              </a:p>
+            </p:txBody>
+          </p:sp>
+        </mc:Choice>
+        <mc:Fallback>
+          <p:sp>
+            <p:nvSpPr>
+              <p:cNvPr id="35" name="テキスト ボックス 34"/>
+              <p:cNvSpPr txBox="1">
+                <a:spLocks noRot="1" noChangeAspect="1" noMove="1" noResize="1" noEditPoints="1" noAdjustHandles="1" noChangeArrowheads="1" noChangeShapeType="1" noTextEdit="1"/>
+              </p:cNvSpPr>
+              <p:nvPr/>
+            </p:nvSpPr>
+            <p:spPr>
+              <a:xfrm>
+                <a:off x="6154317" y="4943695"/>
+                <a:ext cx="452303" cy="626646"/>
+              </a:xfrm>
+              <a:prstGeom prst="rect">
+                <a:avLst/>
+              </a:prstGeom>
+              <a:blipFill>
+                <a:blip r:embed="rId9"/>
+                <a:stretch>
+                  <a:fillRect/>
+                </a:stretch>
+              </a:blipFill>
+            </p:spPr>
+            <p:txBody>
+              <a:bodyPr/>
+              <a:lstStyle/>
+              <a:p>
+                <a:r>
+                  <a:rPr lang="ja-JP" altLang="en-US">
+                    <a:noFill/>
+                  </a:rPr>
+                  <a:t> </a:t>
+                </a:r>
+              </a:p>
+            </p:txBody>
+          </p:sp>
+        </mc:Fallback>
+      </mc:AlternateContent>
+      <p:sp>
+        <p:nvSpPr>
+          <p:cNvPr id="36" name="テキスト ボックス 35"/>
+          <p:cNvSpPr txBox="1"/>
+          <p:nvPr/>
+        </p:nvSpPr>
+        <p:spPr>
+          <a:xfrm>
+            <a:off x="2540871" y="4949879"/>
+            <a:ext cx="389850" cy="584775"/>
+          </a:xfrm>
+          <a:prstGeom prst="rect">
+            <a:avLst/>
+          </a:prstGeom>
+          <a:noFill/>
+        </p:spPr>
+        <p:txBody>
+          <a:bodyPr wrap="none" rtlCol="0">
+            <a:spAutoFit/>
+          </a:bodyPr>
+          <a:lstStyle/>
+          <a:p>
+            <a:r>
+              <a:rPr lang="en-US" altLang="ja-JP" sz="3200" dirty="0"/>
+              <a:t>=</a:t>
+            </a:r>
+            <a:endParaRPr kumimoji="1" lang="ja-JP" altLang="en-US" sz="3200" dirty="0"/>
+          </a:p>
+        </p:txBody>
+      </p:sp>
+      <p:cxnSp>
+        <p:nvCxnSpPr>
+          <p:cNvPr id="39" name="直線矢印コネクタ 38"/>
+          <p:cNvCxnSpPr/>
+          <p:nvPr/>
+        </p:nvCxnSpPr>
+        <p:spPr>
+          <a:xfrm>
+            <a:off x="3410877" y="553300"/>
+            <a:ext cx="1656184" cy="0"/>
+          </a:xfrm>
+          <a:prstGeom prst="straightConnector1">
+            <a:avLst/>
+          </a:prstGeom>
+          <a:ln w="12700">
+            <a:solidFill>
+              <a:schemeClr val="tx1"/>
+            </a:solidFill>
+            <a:headEnd type="triangle"/>
+            <a:tailEnd type="triangle"/>
+          </a:ln>
+        </p:spPr>
+        <p:style>
+          <a:lnRef idx="1">
+            <a:schemeClr val="accent1"/>
+          </a:lnRef>
+          <a:fillRef idx="0">
+            <a:schemeClr val="accent1"/>
+          </a:fillRef>
+          <a:effectRef idx="0">
+            <a:schemeClr val="accent1"/>
+          </a:effectRef>
+          <a:fontRef idx="minor">
+            <a:schemeClr val="tx1"/>
+          </a:fontRef>
+        </p:style>
+      </p:cxnSp>
+      <p:sp>
+        <p:nvSpPr>
+          <p:cNvPr id="40" name="テキスト ボックス 39"/>
+          <p:cNvSpPr txBox="1"/>
+          <p:nvPr/>
+        </p:nvSpPr>
+        <p:spPr>
+          <a:xfrm>
+            <a:off x="4058949" y="163643"/>
+            <a:ext cx="346570" cy="461665"/>
+          </a:xfrm>
+          <a:prstGeom prst="rect">
+            <a:avLst/>
+          </a:prstGeom>
+          <a:noFill/>
+        </p:spPr>
+        <p:txBody>
+          <a:bodyPr wrap="none" rtlCol="0">
+            <a:spAutoFit/>
+          </a:bodyPr>
+          <a:lstStyle/>
+          <a:p>
+            <a:r>
+              <a:rPr lang="en-US" altLang="ja-JP" sz="2400" dirty="0" smtClean="0"/>
+              <a:t>n</a:t>
+            </a:r>
+            <a:endParaRPr kumimoji="1" lang="ja-JP" altLang="en-US" sz="2400" dirty="0"/>
+          </a:p>
+        </p:txBody>
+      </p:sp>
+      <p:sp>
+        <p:nvSpPr>
+          <p:cNvPr id="41" name="テキスト ボックス 40"/>
+          <p:cNvSpPr txBox="1"/>
+          <p:nvPr/>
+        </p:nvSpPr>
+        <p:spPr>
+          <a:xfrm>
+            <a:off x="2899737" y="945354"/>
+            <a:ext cx="429926" cy="461665"/>
+          </a:xfrm>
+          <a:prstGeom prst="rect">
+            <a:avLst/>
+          </a:prstGeom>
+          <a:noFill/>
+        </p:spPr>
+        <p:txBody>
+          <a:bodyPr wrap="none" rtlCol="0">
+            <a:spAutoFit/>
+          </a:bodyPr>
+          <a:lstStyle/>
+          <a:p>
+            <a:r>
+              <a:rPr lang="en-US" altLang="ja-JP" sz="2400" dirty="0"/>
+              <a:t>m</a:t>
+            </a:r>
+            <a:endParaRPr kumimoji="1" lang="ja-JP" altLang="en-US" sz="2400" dirty="0"/>
+          </a:p>
+        </p:txBody>
+      </p:sp>
+      <p:cxnSp>
+        <p:nvCxnSpPr>
+          <p:cNvPr id="42" name="直線矢印コネクタ 41"/>
+          <p:cNvCxnSpPr/>
+          <p:nvPr/>
+        </p:nvCxnSpPr>
+        <p:spPr>
+          <a:xfrm>
+            <a:off x="3340757" y="678844"/>
+            <a:ext cx="0" cy="1080120"/>
+          </a:xfrm>
+          <a:prstGeom prst="straightConnector1">
+            <a:avLst/>
+          </a:prstGeom>
+          <a:ln w="12700">
+            <a:solidFill>
+              <a:schemeClr val="tx1"/>
+            </a:solidFill>
+            <a:headEnd type="triangle"/>
+            <a:tailEnd type="triangle"/>
+          </a:ln>
+        </p:spPr>
+        <p:style>
+          <a:lnRef idx="1">
+            <a:schemeClr val="accent1"/>
+          </a:lnRef>
+          <a:fillRef idx="0">
+            <a:schemeClr val="accent1"/>
+          </a:fillRef>
+          <a:effectRef idx="0">
+            <a:schemeClr val="accent1"/>
+          </a:effectRef>
+          <a:fontRef idx="minor">
+            <a:schemeClr val="tx1"/>
+          </a:fontRef>
+        </p:style>
+      </p:cxnSp>
+      <p:cxnSp>
+        <p:nvCxnSpPr>
+          <p:cNvPr id="43" name="直線矢印コネクタ 42"/>
+          <p:cNvCxnSpPr/>
+          <p:nvPr/>
+        </p:nvCxnSpPr>
+        <p:spPr>
+          <a:xfrm>
+            <a:off x="5580112" y="389626"/>
+            <a:ext cx="1656184" cy="0"/>
+          </a:xfrm>
+          <a:prstGeom prst="straightConnector1">
+            <a:avLst/>
+          </a:prstGeom>
+          <a:ln w="12700">
+            <a:solidFill>
+              <a:schemeClr val="tx1"/>
+            </a:solidFill>
+            <a:headEnd type="triangle"/>
+            <a:tailEnd type="triangle"/>
+          </a:ln>
+        </p:spPr>
+        <p:style>
+          <a:lnRef idx="1">
+            <a:schemeClr val="accent1"/>
+          </a:lnRef>
+          <a:fillRef idx="0">
+            <a:schemeClr val="accent1"/>
+          </a:fillRef>
+          <a:effectRef idx="0">
+            <a:schemeClr val="accent1"/>
+          </a:effectRef>
+          <a:fontRef idx="minor">
+            <a:schemeClr val="tx1"/>
+          </a:fontRef>
+        </p:style>
+      </p:cxnSp>
+      <p:sp>
+        <p:nvSpPr>
+          <p:cNvPr id="44" name="テキスト ボックス 43"/>
+          <p:cNvSpPr txBox="1"/>
+          <p:nvPr/>
+        </p:nvSpPr>
+        <p:spPr>
+          <a:xfrm>
+            <a:off x="6228184" y="-31"/>
+            <a:ext cx="346570" cy="461665"/>
+          </a:xfrm>
+          <a:prstGeom prst="rect">
+            <a:avLst/>
+          </a:prstGeom>
+          <a:noFill/>
+        </p:spPr>
+        <p:txBody>
+          <a:bodyPr wrap="none" rtlCol="0">
+            <a:spAutoFit/>
+          </a:bodyPr>
+          <a:lstStyle/>
+          <a:p>
+            <a:r>
+              <a:rPr lang="en-US" altLang="ja-JP" sz="2400" dirty="0" smtClean="0"/>
+              <a:t>n</a:t>
+            </a:r>
+            <a:endParaRPr kumimoji="1" lang="ja-JP" altLang="en-US" sz="2400" dirty="0"/>
+          </a:p>
+        </p:txBody>
+      </p:sp>
+      <p:cxnSp>
+        <p:nvCxnSpPr>
+          <p:cNvPr id="45" name="直線矢印コネクタ 44"/>
+          <p:cNvCxnSpPr/>
+          <p:nvPr/>
+        </p:nvCxnSpPr>
+        <p:spPr>
+          <a:xfrm>
+            <a:off x="7321774" y="476672"/>
+            <a:ext cx="0" cy="1656184"/>
+          </a:xfrm>
+          <a:prstGeom prst="straightConnector1">
+            <a:avLst/>
+          </a:prstGeom>
+          <a:ln w="12700">
+            <a:solidFill>
+              <a:schemeClr val="tx1"/>
+            </a:solidFill>
+            <a:headEnd type="triangle"/>
+            <a:tailEnd type="triangle"/>
+          </a:ln>
+        </p:spPr>
+        <p:style>
+          <a:lnRef idx="1">
+            <a:schemeClr val="accent1"/>
+          </a:lnRef>
+          <a:fillRef idx="0">
+            <a:schemeClr val="accent1"/>
+          </a:fillRef>
+          <a:effectRef idx="0">
+            <a:schemeClr val="accent1"/>
+          </a:effectRef>
+          <a:fontRef idx="minor">
+            <a:schemeClr val="tx1"/>
+          </a:fontRef>
+        </p:style>
+      </p:cxnSp>
+      <p:sp>
+        <p:nvSpPr>
+          <p:cNvPr id="46" name="テキスト ボックス 45"/>
+          <p:cNvSpPr txBox="1"/>
+          <p:nvPr/>
+        </p:nvSpPr>
+        <p:spPr>
+          <a:xfrm>
+            <a:off x="7321774" y="1049686"/>
+            <a:ext cx="346570" cy="461665"/>
+          </a:xfrm>
+          <a:prstGeom prst="rect">
+            <a:avLst/>
+          </a:prstGeom>
+          <a:noFill/>
+        </p:spPr>
+        <p:txBody>
+          <a:bodyPr wrap="none" rtlCol="0">
+            <a:spAutoFit/>
+          </a:bodyPr>
+          <a:lstStyle/>
+          <a:p>
+            <a:r>
+              <a:rPr kumimoji="1" lang="en-US" altLang="ja-JP" sz="2400" dirty="0"/>
+              <a:t>n</a:t>
+            </a:r>
+            <a:endParaRPr kumimoji="1" lang="ja-JP" altLang="en-US" sz="2400" dirty="0"/>
+          </a:p>
+        </p:txBody>
+      </p:sp>
+      <p:cxnSp>
+        <p:nvCxnSpPr>
+          <p:cNvPr id="47" name="直線矢印コネクタ 46"/>
+          <p:cNvCxnSpPr/>
+          <p:nvPr/>
+        </p:nvCxnSpPr>
+        <p:spPr>
+          <a:xfrm>
+            <a:off x="3419872" y="2492896"/>
+            <a:ext cx="288032" cy="0"/>
+          </a:xfrm>
+          <a:prstGeom prst="straightConnector1">
+            <a:avLst/>
+          </a:prstGeom>
+          <a:ln w="12700">
+            <a:solidFill>
+              <a:schemeClr val="tx1"/>
+            </a:solidFill>
+            <a:headEnd type="triangle"/>
+            <a:tailEnd type="triangle"/>
+          </a:ln>
+        </p:spPr>
+        <p:style>
+          <a:lnRef idx="1">
+            <a:schemeClr val="accent1"/>
+          </a:lnRef>
+          <a:fillRef idx="0">
+            <a:schemeClr val="accent1"/>
+          </a:fillRef>
+          <a:effectRef idx="0">
+            <a:schemeClr val="accent1"/>
+          </a:effectRef>
+          <a:fontRef idx="minor">
+            <a:schemeClr val="tx1"/>
+          </a:fontRef>
+        </p:style>
+      </p:cxnSp>
+      <p:sp>
+        <p:nvSpPr>
+          <p:cNvPr id="49" name="テキスト ボックス 48"/>
+          <p:cNvSpPr txBox="1"/>
+          <p:nvPr/>
+        </p:nvSpPr>
+        <p:spPr>
+          <a:xfrm>
+            <a:off x="3414869" y="2058940"/>
+            <a:ext cx="292068" cy="461665"/>
+          </a:xfrm>
+          <a:prstGeom prst="rect">
+            <a:avLst/>
+          </a:prstGeom>
+          <a:noFill/>
+        </p:spPr>
+        <p:txBody>
+          <a:bodyPr wrap="none" rtlCol="0">
+            <a:spAutoFit/>
+          </a:bodyPr>
+          <a:lstStyle/>
+          <a:p>
+            <a:r>
+              <a:rPr lang="en-US" altLang="ja-JP" sz="2400" dirty="0" smtClean="0"/>
+              <a:t>r</a:t>
+            </a:r>
+            <a:endParaRPr kumimoji="1" lang="ja-JP" altLang="en-US" sz="2400" dirty="0"/>
+          </a:p>
+        </p:txBody>
+      </p:sp>
+      <p:cxnSp>
+        <p:nvCxnSpPr>
+          <p:cNvPr id="50" name="直線矢印コネクタ 49"/>
+          <p:cNvCxnSpPr/>
+          <p:nvPr/>
+        </p:nvCxnSpPr>
+        <p:spPr>
+          <a:xfrm>
+            <a:off x="7308304" y="2348880"/>
+            <a:ext cx="0" cy="288032"/>
+          </a:xfrm>
+          <a:prstGeom prst="straightConnector1">
+            <a:avLst/>
+          </a:prstGeom>
+          <a:ln w="12700">
+            <a:solidFill>
+              <a:schemeClr val="tx1"/>
+            </a:solidFill>
+            <a:headEnd type="triangle"/>
+            <a:tailEnd type="triangle"/>
+          </a:ln>
+        </p:spPr>
+        <p:style>
+          <a:lnRef idx="1">
+            <a:schemeClr val="accent1"/>
+          </a:lnRef>
+          <a:fillRef idx="0">
+            <a:schemeClr val="accent1"/>
+          </a:fillRef>
+          <a:effectRef idx="0">
+            <a:schemeClr val="accent1"/>
+          </a:effectRef>
+          <a:fontRef idx="minor">
+            <a:schemeClr val="tx1"/>
+          </a:fontRef>
+        </p:style>
+      </p:cxnSp>
+      <p:sp>
+        <p:nvSpPr>
+          <p:cNvPr id="52" name="テキスト ボックス 51"/>
+          <p:cNvSpPr txBox="1"/>
+          <p:nvPr/>
+        </p:nvSpPr>
+        <p:spPr>
+          <a:xfrm>
+            <a:off x="7308304" y="2204864"/>
+            <a:ext cx="292068" cy="461665"/>
+          </a:xfrm>
+          <a:prstGeom prst="rect">
+            <a:avLst/>
+          </a:prstGeom>
+          <a:noFill/>
+        </p:spPr>
+        <p:txBody>
+          <a:bodyPr wrap="none" rtlCol="0">
+            <a:spAutoFit/>
+          </a:bodyPr>
+          <a:lstStyle/>
+          <a:p>
+            <a:r>
+              <a:rPr lang="en-US" altLang="ja-JP" sz="2400" dirty="0" smtClean="0"/>
+              <a:t>r</a:t>
+            </a:r>
+            <a:endParaRPr kumimoji="1" lang="ja-JP" altLang="en-US" sz="2400" dirty="0"/>
+          </a:p>
+        </p:txBody>
+      </p:sp>
+      <p:sp>
+        <p:nvSpPr>
+          <p:cNvPr id="53" name="正方形/長方形 52"/>
+          <p:cNvSpPr/>
+          <p:nvPr/>
+        </p:nvSpPr>
+        <p:spPr>
+          <a:xfrm>
+            <a:off x="758720" y="4727052"/>
+            <a:ext cx="1656184" cy="1052736"/>
+          </a:xfrm>
+          <a:prstGeom prst="rect">
+            <a:avLst/>
+          </a:prstGeom>
+          <a:solidFill>
+            <a:schemeClr val="bg1"/>
+          </a:solidFill>
+          <a:ln>
+            <a:solidFill>
+              <a:schemeClr val="tx1"/>
+            </a:solidFill>
+            <a:prstDash val="dash"/>
+          </a:ln>
+        </p:spPr>
+        <p:style>
+          <a:lnRef idx="2">
+            <a:schemeClr val="accent1">
+              <a:shade val="50000"/>
+            </a:schemeClr>
+          </a:lnRef>
+          <a:fillRef idx="1">
+            <a:schemeClr val="accent1"/>
+          </a:fillRef>
+          <a:effectRef idx="0">
+            <a:schemeClr val="accent1"/>
+          </a:effectRef>
+          <a:fontRef idx="minor">
+            <a:schemeClr val="lt1"/>
+          </a:fontRef>
+        </p:style>
+        <p:txBody>
+          <a:bodyPr rtlCol="0" anchor="ctr"/>
+          <a:lstStyle/>
+          <a:p>
+            <a:pPr algn="ctr"/>
+            <a:endParaRPr kumimoji="1" lang="ja-JP" altLang="en-US" dirty="0"/>
+          </a:p>
+        </p:txBody>
+      </p:sp>
+      <mc:AlternateContent xmlns:mc="http://schemas.openxmlformats.org/markup-compatibility/2006">
+        <mc:Choice xmlns:a14="http://schemas.microsoft.com/office/drawing/2010/main" Requires="a14">
+          <p:sp>
+            <p:nvSpPr>
+              <p:cNvPr id="54" name="テキスト ボックス 53"/>
+              <p:cNvSpPr txBox="1"/>
+              <p:nvPr/>
+            </p:nvSpPr>
+            <p:spPr>
+              <a:xfrm>
+                <a:off x="1334784" y="4943076"/>
+                <a:ext cx="398442" cy="626646"/>
+              </a:xfrm>
+              <a:prstGeom prst="rect">
+                <a:avLst/>
+              </a:prstGeom>
+              <a:noFill/>
+            </p:spPr>
+            <p:txBody>
+              <a:bodyPr wrap="none" lIns="0" tIns="0" rIns="0" bIns="0" rtlCol="0">
+                <a:spAutoFit/>
+              </a:bodyPr>
+              <a:lstStyle/>
+              <a:p>
+                <a:pPr/>
+                <a14:m>
+                  <m:oMathPara xmlns:m="http://schemas.openxmlformats.org/officeDocument/2006/math">
+                    <m:oMathParaPr>
+                      <m:jc m:val="centerGroup"/>
+                    </m:oMathParaPr>
+                    <m:oMath xmlns:m="http://schemas.openxmlformats.org/officeDocument/2006/math">
+                      <m:acc>
+                        <m:accPr>
+                          <m:chr m:val="̃"/>
+                          <m:ctrlPr>
+                            <a:rPr kumimoji="1" lang="en-US" altLang="ja-JP" sz="4000" b="0" i="1" smtClean="0">
+                              <a:latin typeface="Cambria Math" panose="02040503050406030204" pitchFamily="18" charset="0"/>
+                            </a:rPr>
+                          </m:ctrlPr>
+                        </m:accPr>
+                        <m:e>
+                          <m:r>
+                            <a:rPr kumimoji="1" lang="en-US" altLang="ja-JP" sz="4000" b="0" i="1" smtClean="0">
+                              <a:latin typeface="Cambria Math" panose="02040503050406030204" pitchFamily="18" charset="0"/>
+                            </a:rPr>
+                            <m:t>𝐿</m:t>
+                          </m:r>
+                        </m:e>
+                      </m:acc>
+                    </m:oMath>
+                  </m:oMathPara>
+                </a14:m>
+                <a:endParaRPr kumimoji="1" lang="ja-JP" altLang="en-US" sz="4000" dirty="0"/>
+              </a:p>
+            </p:txBody>
+          </p:sp>
+        </mc:Choice>
+        <mc:Fallback>
+          <p:sp>
+            <p:nvSpPr>
+              <p:cNvPr id="54" name="テキスト ボックス 53"/>
+              <p:cNvSpPr txBox="1">
+                <a:spLocks noRot="1" noChangeAspect="1" noMove="1" noResize="1" noEditPoints="1" noAdjustHandles="1" noChangeArrowheads="1" noChangeShapeType="1" noTextEdit="1"/>
+              </p:cNvSpPr>
+              <p:nvPr/>
+            </p:nvSpPr>
+            <p:spPr>
+              <a:xfrm>
+                <a:off x="1334784" y="4943076"/>
+                <a:ext cx="398442" cy="626646"/>
+              </a:xfrm>
+              <a:prstGeom prst="rect">
+                <a:avLst/>
+              </a:prstGeom>
+              <a:blipFill>
+                <a:blip r:embed="rId10"/>
+                <a:stretch>
+                  <a:fillRect/>
+                </a:stretch>
+              </a:blipFill>
+            </p:spPr>
+            <p:txBody>
+              <a:bodyPr/>
+              <a:lstStyle/>
+              <a:p>
+                <a:r>
+                  <a:rPr lang="ja-JP" altLang="en-US">
+                    <a:noFill/>
+                  </a:rPr>
+                  <a:t> </a:t>
+                </a:r>
+              </a:p>
+            </p:txBody>
+          </p:sp>
+        </mc:Fallback>
+      </mc:AlternateContent>
+      <p:sp>
+        <p:nvSpPr>
+          <p:cNvPr id="55" name="正方形/長方形 54">
+            <a:extLst>
+              <a:ext uri="{FF2B5EF4-FFF2-40B4-BE49-F238E27FC236}">
+                <a16:creationId xmlns:a16="http://schemas.microsoft.com/office/drawing/2014/main" id="{1D76626F-41A7-7A48-A8A4-851E727E627E}"/>
+              </a:ext>
+            </a:extLst>
+          </p:cNvPr>
+          <p:cNvSpPr/>
+          <p:nvPr/>
+        </p:nvSpPr>
+        <p:spPr>
+          <a:xfrm>
+            <a:off x="758719" y="4727051"/>
+            <a:ext cx="248669" cy="1055751"/>
+          </a:xfrm>
+          <a:prstGeom prst="rect">
+            <a:avLst/>
+          </a:prstGeom>
+          <a:solidFill>
+            <a:schemeClr val="accent6">
+              <a:lumMod val="20000"/>
+              <a:lumOff val="80000"/>
+            </a:schemeClr>
+          </a:solidFill>
+          <a:ln>
+            <a:solidFill>
+              <a:schemeClr val="tx1"/>
+            </a:solidFill>
+          </a:ln>
+        </p:spPr>
+        <p:style>
+          <a:lnRef idx="2">
+            <a:schemeClr val="accent1">
+              <a:shade val="50000"/>
+            </a:schemeClr>
+          </a:lnRef>
+          <a:fillRef idx="1">
+            <a:schemeClr val="accent1"/>
+          </a:fillRef>
+          <a:effectRef idx="0">
+            <a:schemeClr val="accent1"/>
+          </a:effectRef>
+          <a:fontRef idx="minor">
+            <a:schemeClr val="lt1"/>
+          </a:fontRef>
+        </p:style>
+        <p:txBody>
+          <a:bodyPr rtlCol="0" anchor="ctr"/>
+          <a:lstStyle/>
+          <a:p>
+            <a:pPr algn="ctr"/>
+            <a:endParaRPr kumimoji="1" lang="ja-JP" altLang="en-US"/>
+          </a:p>
+        </p:txBody>
+      </p:sp>
+      <p:cxnSp>
+        <p:nvCxnSpPr>
+          <p:cNvPr id="56" name="直線矢印コネクタ 55"/>
+          <p:cNvCxnSpPr/>
+          <p:nvPr/>
+        </p:nvCxnSpPr>
+        <p:spPr>
+          <a:xfrm>
+            <a:off x="760579" y="4655044"/>
+            <a:ext cx="288032" cy="0"/>
+          </a:xfrm>
+          <a:prstGeom prst="straightConnector1">
+            <a:avLst/>
+          </a:prstGeom>
+          <a:ln w="12700">
+            <a:solidFill>
+              <a:schemeClr val="tx1"/>
+            </a:solidFill>
+            <a:headEnd type="triangle"/>
+            <a:tailEnd type="triangle"/>
+          </a:ln>
+        </p:spPr>
+        <p:style>
+          <a:lnRef idx="1">
+            <a:schemeClr val="accent1"/>
+          </a:lnRef>
+          <a:fillRef idx="0">
+            <a:schemeClr val="accent1"/>
+          </a:fillRef>
+          <a:effectRef idx="0">
+            <a:schemeClr val="accent1"/>
+          </a:effectRef>
+          <a:fontRef idx="minor">
+            <a:schemeClr val="tx1"/>
+          </a:fontRef>
+        </p:style>
+      </p:cxnSp>
+      <p:sp>
+        <p:nvSpPr>
+          <p:cNvPr id="57" name="テキスト ボックス 56"/>
+          <p:cNvSpPr txBox="1"/>
+          <p:nvPr/>
+        </p:nvSpPr>
+        <p:spPr>
+          <a:xfrm>
+            <a:off x="755576" y="4221088"/>
+            <a:ext cx="292068" cy="461665"/>
+          </a:xfrm>
+          <a:prstGeom prst="rect">
+            <a:avLst/>
+          </a:prstGeom>
+          <a:noFill/>
+        </p:spPr>
+        <p:txBody>
+          <a:bodyPr wrap="none" rtlCol="0">
+            <a:spAutoFit/>
+          </a:bodyPr>
+          <a:lstStyle/>
+          <a:p>
+            <a:r>
+              <a:rPr lang="en-US" altLang="ja-JP" sz="2400" dirty="0" smtClean="0"/>
+              <a:t>r</a:t>
+            </a:r>
+            <a:endParaRPr kumimoji="1" lang="ja-JP" altLang="en-US" sz="2400" dirty="0"/>
+          </a:p>
+        </p:txBody>
+      </p:sp>
+      <p:sp>
+        <p:nvSpPr>
+          <p:cNvPr id="58" name="正方形/長方形 57">
+            <a:extLst>
+              <a:ext uri="{FF2B5EF4-FFF2-40B4-BE49-F238E27FC236}">
+                <a16:creationId xmlns:a16="http://schemas.microsoft.com/office/drawing/2014/main" id="{1D76626F-41A7-7A48-A8A4-851E727E627E}"/>
+              </a:ext>
+            </a:extLst>
+          </p:cNvPr>
+          <p:cNvSpPr/>
+          <p:nvPr/>
+        </p:nvSpPr>
+        <p:spPr>
+          <a:xfrm>
+            <a:off x="5580113" y="4437112"/>
+            <a:ext cx="216023" cy="1656184"/>
+          </a:xfrm>
+          <a:prstGeom prst="rect">
+            <a:avLst/>
+          </a:prstGeom>
+          <a:solidFill>
+            <a:schemeClr val="accent6">
+              <a:lumMod val="20000"/>
+              <a:lumOff val="80000"/>
+            </a:schemeClr>
+          </a:solidFill>
+          <a:ln>
+            <a:solidFill>
+              <a:schemeClr val="tx1"/>
+            </a:solidFill>
+          </a:ln>
+        </p:spPr>
+        <p:style>
+          <a:lnRef idx="2">
+            <a:schemeClr val="accent1">
+              <a:shade val="50000"/>
+            </a:schemeClr>
+          </a:lnRef>
+          <a:fillRef idx="1">
+            <a:schemeClr val="accent1"/>
+          </a:fillRef>
+          <a:effectRef idx="0">
+            <a:schemeClr val="accent1"/>
+          </a:effectRef>
+          <a:fontRef idx="minor">
+            <a:schemeClr val="lt1"/>
+          </a:fontRef>
+        </p:style>
+        <p:txBody>
+          <a:bodyPr rtlCol="0" anchor="ctr"/>
+          <a:lstStyle/>
+          <a:p>
+            <a:pPr algn="ctr"/>
+            <a:endParaRPr kumimoji="1" lang="ja-JP" altLang="en-US"/>
+          </a:p>
+        </p:txBody>
+      </p:sp>
+      <p:sp>
+        <p:nvSpPr>
+          <p:cNvPr id="59" name="テキスト ボックス 58"/>
+          <p:cNvSpPr txBox="1"/>
+          <p:nvPr/>
+        </p:nvSpPr>
+        <p:spPr>
+          <a:xfrm>
+            <a:off x="7524328" y="2924944"/>
+            <a:ext cx="800219" cy="461665"/>
+          </a:xfrm>
+          <a:prstGeom prst="rect">
+            <a:avLst/>
+          </a:prstGeom>
+          <a:noFill/>
+        </p:spPr>
+        <p:txBody>
+          <a:bodyPr wrap="none" rtlCol="0">
+            <a:spAutoFit/>
+          </a:bodyPr>
+          <a:lstStyle/>
+          <a:p>
+            <a:r>
+              <a:rPr kumimoji="1" lang="ja-JP" altLang="en-US" sz="2400" dirty="0" smtClean="0"/>
+              <a:t>復元</a:t>
+            </a:r>
+            <a:endParaRPr kumimoji="1" lang="ja-JP" altLang="en-US" sz="2400" dirty="0"/>
+          </a:p>
+        </p:txBody>
+      </p:sp>
+      <p:cxnSp>
+        <p:nvCxnSpPr>
+          <p:cNvPr id="64" name="直線矢印コネクタ 63"/>
+          <p:cNvCxnSpPr>
+            <a:stCxn id="59" idx="1"/>
+            <a:endCxn id="26" idx="3"/>
+          </p:cNvCxnSpPr>
+          <p:nvPr/>
+        </p:nvCxnSpPr>
+        <p:spPr>
+          <a:xfrm flipH="1">
+            <a:off x="6802389" y="3155777"/>
+            <a:ext cx="721939" cy="12887"/>
+          </a:xfrm>
+          <a:prstGeom prst="straightConnector1">
+            <a:avLst/>
+          </a:prstGeom>
+          <a:ln w="12700">
+            <a:solidFill>
+              <a:schemeClr val="tx1"/>
+            </a:solidFill>
+            <a:tailEnd type="triangle"/>
+          </a:ln>
+        </p:spPr>
+        <p:style>
+          <a:lnRef idx="1">
+            <a:schemeClr val="accent1"/>
+          </a:lnRef>
+          <a:fillRef idx="0">
+            <a:schemeClr val="accent1"/>
+          </a:fillRef>
+          <a:effectRef idx="0">
+            <a:schemeClr val="accent1"/>
+          </a:effectRef>
+          <a:fontRef idx="minor">
+            <a:schemeClr val="tx1"/>
+          </a:fontRef>
+        </p:style>
+      </p:cxnSp>
+      <p:sp>
+        <p:nvSpPr>
+          <p:cNvPr id="65" name="テキスト ボックス 64"/>
+          <p:cNvSpPr txBox="1"/>
+          <p:nvPr/>
+        </p:nvSpPr>
+        <p:spPr>
+          <a:xfrm>
+            <a:off x="7380312" y="5013176"/>
+            <a:ext cx="800219" cy="461665"/>
+          </a:xfrm>
+          <a:prstGeom prst="rect">
+            <a:avLst/>
+          </a:prstGeom>
+          <a:noFill/>
+        </p:spPr>
+        <p:txBody>
+          <a:bodyPr wrap="none" rtlCol="0">
+            <a:spAutoFit/>
+          </a:bodyPr>
+          <a:lstStyle/>
+          <a:p>
+            <a:r>
+              <a:rPr lang="ja-JP" altLang="en-US" sz="2400" dirty="0" smtClean="0"/>
+              <a:t>圧縮</a:t>
+            </a:r>
+            <a:endParaRPr kumimoji="1" lang="ja-JP" altLang="en-US" sz="2400" dirty="0"/>
+          </a:p>
+        </p:txBody>
+      </p:sp>
+      <p:cxnSp>
+        <p:nvCxnSpPr>
+          <p:cNvPr id="66" name="直線矢印コネクタ 65"/>
+          <p:cNvCxnSpPr>
+            <a:stCxn id="65" idx="1"/>
+          </p:cNvCxnSpPr>
+          <p:nvPr/>
+        </p:nvCxnSpPr>
+        <p:spPr>
+          <a:xfrm flipH="1">
+            <a:off x="6658374" y="5244009"/>
+            <a:ext cx="721938" cy="12887"/>
+          </a:xfrm>
+          <a:prstGeom prst="straightConnector1">
+            <a:avLst/>
+          </a:prstGeom>
+          <a:ln w="12700">
+            <a:solidFill>
+              <a:schemeClr val="tx1"/>
+            </a:solidFill>
+            <a:tailEnd type="triangle"/>
+          </a:ln>
+        </p:spPr>
+        <p:style>
+          <a:lnRef idx="1">
+            <a:schemeClr val="accent1"/>
+          </a:lnRef>
+          <a:fillRef idx="0">
+            <a:schemeClr val="accent1"/>
+          </a:fillRef>
+          <a:effectRef idx="0">
+            <a:schemeClr val="accent1"/>
+          </a:effectRef>
+          <a:fontRef idx="minor">
+            <a:schemeClr val="tx1"/>
+          </a:fontRef>
+        </p:style>
+      </p:cxnSp>
+      <p:sp>
+        <p:nvSpPr>
+          <p:cNvPr id="67" name="テキスト ボックス 66"/>
+          <p:cNvSpPr txBox="1"/>
+          <p:nvPr/>
+        </p:nvSpPr>
+        <p:spPr>
+          <a:xfrm>
+            <a:off x="3419872" y="5877272"/>
+            <a:ext cx="1569660" cy="369332"/>
+          </a:xfrm>
+          <a:prstGeom prst="rect">
+            <a:avLst/>
+          </a:prstGeom>
+          <a:noFill/>
+        </p:spPr>
+        <p:txBody>
+          <a:bodyPr wrap="none" rtlCol="0">
+            <a:spAutoFit/>
+          </a:bodyPr>
+          <a:lstStyle/>
+          <a:p>
+            <a:r>
+              <a:rPr lang="ja-JP" altLang="en-US" dirty="0" smtClean="0"/>
+              <a:t>元の</a:t>
+            </a:r>
+            <a:r>
+              <a:rPr lang="ja-JP" altLang="en-US" dirty="0"/>
+              <a:t>テンソル</a:t>
+            </a:r>
+            <a:endParaRPr kumimoji="1" lang="ja-JP" altLang="en-US" dirty="0"/>
+          </a:p>
+        </p:txBody>
+      </p:sp>
+      <p:sp>
+        <p:nvSpPr>
+          <p:cNvPr id="68" name="テキスト ボックス 67"/>
+          <p:cNvSpPr txBox="1"/>
+          <p:nvPr/>
+        </p:nvSpPr>
+        <p:spPr>
+          <a:xfrm>
+            <a:off x="755576" y="3717032"/>
+            <a:ext cx="1569660" cy="369332"/>
+          </a:xfrm>
+          <a:prstGeom prst="rect">
+            <a:avLst/>
+          </a:prstGeom>
+          <a:noFill/>
+        </p:spPr>
+        <p:txBody>
+          <a:bodyPr wrap="none" rtlCol="0">
+            <a:spAutoFit/>
+          </a:bodyPr>
+          <a:lstStyle/>
+          <a:p>
+            <a:r>
+              <a:rPr lang="ja-JP" altLang="en-US" dirty="0" smtClean="0"/>
+              <a:t>近似テンソル</a:t>
+            </a:r>
+            <a:endParaRPr kumimoji="1" lang="ja-JP" altLang="en-US" dirty="0"/>
+          </a:p>
+        </p:txBody>
+      </p:sp>
+    </p:spTree>
+    <p:extLst>
+      <p:ext uri="{BB962C8B-B14F-4D97-AF65-F5344CB8AC3E}">
+        <p14:creationId xmlns:p14="http://schemas.microsoft.com/office/powerpoint/2010/main" val="2185970997"/>
+      </p:ext>
+    </p:extLst>
+  </p:cSld>
+  <p:clrMapOvr>
+    <a:masterClrMapping/>
+  </p:clrMapOvr>
+</p:sld>
+</file>
+
+<file path=ppt/slides/slide7.xml><?xml version="1.0" encoding="utf-8"?>
+<p:sld xmlns:a="http://schemas.openxmlformats.org/drawingml/2006/main" xmlns:r="http://schemas.openxmlformats.org/officeDocument/2006/relationships" xmlns:p="http://schemas.openxmlformats.org/presentationml/2006/main">
+  <p:cSld>
+    <p:spTree>
+      <p:nvGrpSpPr>
+        <p:cNvPr id="1" name=""/>
+        <p:cNvGrpSpPr/>
+        <p:nvPr/>
+      </p:nvGrpSpPr>
+      <p:grpSpPr>
+        <a:xfrm>
+          <a:off x="0" y="0"/>
+          <a:ext cx="0" cy="0"/>
+          <a:chOff x="0" y="0"/>
+          <a:chExt cx="0" cy="0"/>
+        </a:xfrm>
+      </p:grpSpPr>
+      <p:sp>
+        <p:nvSpPr>
+          <p:cNvPr id="2" name="正方形/長方形 1"/>
+          <p:cNvSpPr/>
+          <p:nvPr/>
+        </p:nvSpPr>
+        <p:spPr>
+          <a:xfrm>
+            <a:off x="2411760" y="767231"/>
+            <a:ext cx="1656184" cy="1052736"/>
+          </a:xfrm>
+          <a:prstGeom prst="rect">
+            <a:avLst/>
+          </a:prstGeom>
+          <a:solidFill>
+            <a:schemeClr val="accent1">
+              <a:lumMod val="20000"/>
+              <a:lumOff val="80000"/>
+            </a:schemeClr>
+          </a:solidFill>
+          <a:ln>
+            <a:solidFill>
+              <a:schemeClr val="tx1"/>
+            </a:solidFill>
+          </a:ln>
+        </p:spPr>
+        <p:style>
+          <a:lnRef idx="2">
+            <a:schemeClr val="accent1">
+              <a:shade val="50000"/>
+            </a:schemeClr>
+          </a:lnRef>
+          <a:fillRef idx="1">
+            <a:schemeClr val="accent1"/>
+          </a:fillRef>
+          <a:effectRef idx="0">
+            <a:schemeClr val="accent1"/>
+          </a:effectRef>
+          <a:fontRef idx="minor">
+            <a:schemeClr val="lt1"/>
+          </a:fontRef>
+        </p:style>
+        <p:txBody>
+          <a:bodyPr rtlCol="0" anchor="ctr"/>
+          <a:lstStyle/>
+          <a:p>
+            <a:pPr algn="ctr"/>
+            <a:endParaRPr kumimoji="1" lang="ja-JP" altLang="en-US" dirty="0"/>
+          </a:p>
+        </p:txBody>
+      </p:sp>
+      <mc:AlternateContent xmlns:mc="http://schemas.openxmlformats.org/markup-compatibility/2006">
+        <mc:Choice xmlns:a14="http://schemas.microsoft.com/office/drawing/2010/main" Requires="a14">
+          <p:sp>
+            <p:nvSpPr>
+              <p:cNvPr id="3" name="テキスト ボックス 2"/>
+              <p:cNvSpPr txBox="1"/>
+              <p:nvPr/>
+            </p:nvSpPr>
+            <p:spPr>
+              <a:xfrm>
+                <a:off x="2996889" y="975269"/>
+                <a:ext cx="458139" cy="615553"/>
+              </a:xfrm>
+              <a:prstGeom prst="rect">
+                <a:avLst/>
+              </a:prstGeom>
+              <a:noFill/>
+            </p:spPr>
+            <p:txBody>
+              <a:bodyPr wrap="none" lIns="0" tIns="0" rIns="0" bIns="0" rtlCol="0">
+                <a:spAutoFit/>
+              </a:bodyPr>
+              <a:lstStyle/>
+              <a:p>
+                <a:pPr/>
+                <a14:m>
+                  <m:oMathPara xmlns:m="http://schemas.openxmlformats.org/officeDocument/2006/math">
+                    <m:oMathParaPr>
+                      <m:jc m:val="centerGroup"/>
+                    </m:oMathParaPr>
+                    <m:oMath xmlns:m="http://schemas.openxmlformats.org/officeDocument/2006/math">
+                      <m:r>
+                        <a:rPr kumimoji="1" lang="en-US" altLang="ja-JP" sz="4000" b="0" i="1" smtClean="0">
+                          <a:latin typeface="Cambria Math" panose="02040503050406030204" pitchFamily="18" charset="0"/>
+                        </a:rPr>
+                        <m:t>𝑋</m:t>
+                      </m:r>
+                    </m:oMath>
+                  </m:oMathPara>
+                </a14:m>
+                <a:endParaRPr kumimoji="1" lang="ja-JP" altLang="en-US" sz="4000" dirty="0"/>
+              </a:p>
+            </p:txBody>
+          </p:sp>
+        </mc:Choice>
+        <mc:Fallback>
+          <p:sp>
+            <p:nvSpPr>
+              <p:cNvPr id="3" name="テキスト ボックス 2"/>
+              <p:cNvSpPr txBox="1">
+                <a:spLocks noRot="1" noChangeAspect="1" noMove="1" noResize="1" noEditPoints="1" noAdjustHandles="1" noChangeArrowheads="1" noChangeShapeType="1" noTextEdit="1"/>
+              </p:cNvSpPr>
+              <p:nvPr/>
+            </p:nvSpPr>
+            <p:spPr>
+              <a:xfrm>
+                <a:off x="2996889" y="975269"/>
+                <a:ext cx="458139" cy="615553"/>
+              </a:xfrm>
+              <a:prstGeom prst="rect">
+                <a:avLst/>
+              </a:prstGeom>
+              <a:blipFill>
+                <a:blip r:embed="rId2"/>
+                <a:stretch>
+                  <a:fillRect/>
+                </a:stretch>
+              </a:blipFill>
+            </p:spPr>
+            <p:txBody>
+              <a:bodyPr/>
+              <a:lstStyle/>
+              <a:p>
+                <a:r>
+                  <a:rPr lang="ja-JP" altLang="en-US">
+                    <a:noFill/>
+                  </a:rPr>
+                  <a:t> </a:t>
+                </a:r>
+              </a:p>
+            </p:txBody>
+          </p:sp>
+        </mc:Fallback>
+      </mc:AlternateContent>
+      <p:sp>
+        <p:nvSpPr>
+          <p:cNvPr id="4" name="テキスト ボックス 3"/>
+          <p:cNvSpPr txBox="1"/>
+          <p:nvPr/>
+        </p:nvSpPr>
+        <p:spPr>
+          <a:xfrm>
+            <a:off x="4067944" y="983255"/>
+            <a:ext cx="408460" cy="584775"/>
+          </a:xfrm>
+          <a:prstGeom prst="rect">
+            <a:avLst/>
+          </a:prstGeom>
+          <a:noFill/>
+        </p:spPr>
+        <p:txBody>
+          <a:bodyPr wrap="square" rtlCol="0">
+            <a:spAutoFit/>
+          </a:bodyPr>
+          <a:lstStyle/>
+          <a:p>
+            <a:r>
+              <a:rPr kumimoji="1" lang="en-US" altLang="ja-JP" sz="3200" dirty="0"/>
+              <a:t>x</a:t>
+            </a:r>
+            <a:endParaRPr kumimoji="1" lang="ja-JP" altLang="en-US" sz="3200" dirty="0"/>
+          </a:p>
+        </p:txBody>
+      </p:sp>
+      <p:sp>
+        <p:nvSpPr>
+          <p:cNvPr id="5" name="正方形/長方形 4"/>
+          <p:cNvSpPr/>
+          <p:nvPr/>
+        </p:nvSpPr>
+        <p:spPr>
+          <a:xfrm>
+            <a:off x="4499992" y="479199"/>
+            <a:ext cx="1656184" cy="1653657"/>
+          </a:xfrm>
+          <a:prstGeom prst="rect">
+            <a:avLst/>
+          </a:prstGeom>
+          <a:solidFill>
+            <a:schemeClr val="bg1"/>
+          </a:solidFill>
+          <a:ln>
+            <a:solidFill>
+              <a:schemeClr val="tx1"/>
+            </a:solidFill>
+            <a:prstDash val="dash"/>
+          </a:ln>
+        </p:spPr>
+        <p:style>
+          <a:lnRef idx="2">
+            <a:schemeClr val="accent1">
+              <a:shade val="50000"/>
+            </a:schemeClr>
+          </a:lnRef>
+          <a:fillRef idx="1">
+            <a:schemeClr val="accent1"/>
+          </a:fillRef>
+          <a:effectRef idx="0">
+            <a:schemeClr val="accent1"/>
+          </a:effectRef>
+          <a:fontRef idx="minor">
+            <a:schemeClr val="lt1"/>
+          </a:fontRef>
+        </p:style>
+        <p:txBody>
+          <a:bodyPr rtlCol="0" anchor="ctr"/>
+          <a:lstStyle/>
+          <a:p>
+            <a:pPr algn="ctr"/>
+            <a:endParaRPr kumimoji="1" lang="ja-JP" altLang="en-US"/>
+          </a:p>
+        </p:txBody>
+      </p:sp>
+      <mc:AlternateContent xmlns:mc="http://schemas.openxmlformats.org/markup-compatibility/2006">
+        <mc:Choice xmlns:a14="http://schemas.microsoft.com/office/drawing/2010/main" Requires="a14">
+          <p:sp>
+            <p:nvSpPr>
+              <p:cNvPr id="6" name="テキスト ボックス 5"/>
+              <p:cNvSpPr txBox="1"/>
+              <p:nvPr/>
+            </p:nvSpPr>
+            <p:spPr>
+              <a:xfrm>
+                <a:off x="5076056" y="983255"/>
+                <a:ext cx="452303" cy="626646"/>
+              </a:xfrm>
+              <a:prstGeom prst="rect">
+                <a:avLst/>
+              </a:prstGeom>
+              <a:noFill/>
+            </p:spPr>
+            <p:txBody>
+              <a:bodyPr wrap="none" lIns="0" tIns="0" rIns="0" bIns="0" rtlCol="0">
+                <a:spAutoFit/>
+              </a:bodyPr>
+              <a:lstStyle/>
+              <a:p>
+                <a:pPr/>
+                <a14:m>
+                  <m:oMathPara xmlns:m="http://schemas.openxmlformats.org/officeDocument/2006/math">
+                    <m:oMathParaPr>
+                      <m:jc m:val="centerGroup"/>
+                    </m:oMathParaPr>
+                    <m:oMath xmlns:m="http://schemas.openxmlformats.org/officeDocument/2006/math">
+                      <m:acc>
+                        <m:accPr>
+                          <m:chr m:val="̃"/>
+                          <m:ctrlPr>
+                            <a:rPr kumimoji="1" lang="en-US" altLang="ja-JP" sz="4000" b="0" i="1" smtClean="0">
+                              <a:latin typeface="Cambria Math" panose="02040503050406030204" pitchFamily="18" charset="0"/>
+                            </a:rPr>
+                          </m:ctrlPr>
+                        </m:accPr>
+                        <m:e>
+                          <m:r>
+                            <a:rPr kumimoji="1" lang="en-US" altLang="ja-JP" sz="4000" b="0" i="1" smtClean="0">
+                              <a:latin typeface="Cambria Math" panose="02040503050406030204" pitchFamily="18" charset="0"/>
+                            </a:rPr>
+                            <m:t>𝑉</m:t>
+                          </m:r>
+                        </m:e>
+                      </m:acc>
+                    </m:oMath>
+                  </m:oMathPara>
+                </a14:m>
+                <a:endParaRPr kumimoji="1" lang="ja-JP" altLang="en-US" sz="4000" dirty="0"/>
+              </a:p>
+            </p:txBody>
+          </p:sp>
+        </mc:Choice>
+        <mc:Fallback>
+          <p:sp>
+            <p:nvSpPr>
+              <p:cNvPr id="6" name="テキスト ボックス 5"/>
+              <p:cNvSpPr txBox="1">
+                <a:spLocks noRot="1" noChangeAspect="1" noMove="1" noResize="1" noEditPoints="1" noAdjustHandles="1" noChangeArrowheads="1" noChangeShapeType="1" noTextEdit="1"/>
+              </p:cNvSpPr>
+              <p:nvPr/>
+            </p:nvSpPr>
+            <p:spPr>
+              <a:xfrm>
+                <a:off x="5076056" y="983255"/>
+                <a:ext cx="452303" cy="626646"/>
+              </a:xfrm>
+              <a:prstGeom prst="rect">
+                <a:avLst/>
+              </a:prstGeom>
+              <a:blipFill>
+                <a:blip r:embed="rId3"/>
+                <a:stretch>
+                  <a:fillRect/>
+                </a:stretch>
+              </a:blipFill>
+            </p:spPr>
+            <p:txBody>
+              <a:bodyPr/>
+              <a:lstStyle/>
+              <a:p>
+                <a:r>
+                  <a:rPr lang="ja-JP" altLang="en-US">
+                    <a:noFill/>
+                  </a:rPr>
+                  <a:t> </a:t>
+                </a:r>
+              </a:p>
+            </p:txBody>
+          </p:sp>
+        </mc:Fallback>
+      </mc:AlternateContent>
+      <p:sp>
+        <p:nvSpPr>
+          <p:cNvPr id="7" name="正方形/長方形 6">
+            <a:extLst>
+              <a:ext uri="{FF2B5EF4-FFF2-40B4-BE49-F238E27FC236}">
+                <a16:creationId xmlns:a16="http://schemas.microsoft.com/office/drawing/2014/main" id="{1D76626F-41A7-7A48-A8A4-851E727E627E}"/>
+              </a:ext>
+            </a:extLst>
+          </p:cNvPr>
+          <p:cNvSpPr/>
+          <p:nvPr/>
+        </p:nvSpPr>
+        <p:spPr>
+          <a:xfrm>
+            <a:off x="4501852" y="476672"/>
+            <a:ext cx="216023" cy="1656184"/>
+          </a:xfrm>
+          <a:prstGeom prst="rect">
+            <a:avLst/>
+          </a:prstGeom>
+          <a:solidFill>
+            <a:schemeClr val="accent6">
+              <a:lumMod val="20000"/>
+              <a:lumOff val="80000"/>
+            </a:schemeClr>
+          </a:solidFill>
+          <a:ln>
+            <a:solidFill>
+              <a:schemeClr val="tx1"/>
+            </a:solidFill>
+          </a:ln>
+        </p:spPr>
+        <p:style>
+          <a:lnRef idx="2">
+            <a:schemeClr val="accent1">
+              <a:shade val="50000"/>
+            </a:schemeClr>
+          </a:lnRef>
+          <a:fillRef idx="1">
+            <a:schemeClr val="accent1"/>
+          </a:fillRef>
+          <a:effectRef idx="0">
+            <a:schemeClr val="accent1"/>
+          </a:effectRef>
+          <a:fontRef idx="minor">
+            <a:schemeClr val="lt1"/>
+          </a:fontRef>
+        </p:style>
+        <p:txBody>
+          <a:bodyPr rtlCol="0" anchor="ctr"/>
+          <a:lstStyle/>
+          <a:p>
+            <a:pPr algn="ctr"/>
+            <a:endParaRPr kumimoji="1" lang="ja-JP" altLang="en-US"/>
+          </a:p>
+        </p:txBody>
+      </p:sp>
+      <p:sp>
+        <p:nvSpPr>
+          <p:cNvPr id="9" name="正方形/長方形 8"/>
+          <p:cNvSpPr/>
+          <p:nvPr/>
+        </p:nvSpPr>
+        <p:spPr>
+          <a:xfrm>
+            <a:off x="827584" y="767231"/>
+            <a:ext cx="1080120" cy="1080120"/>
+          </a:xfrm>
+          <a:prstGeom prst="rect">
+            <a:avLst/>
+          </a:prstGeom>
+          <a:solidFill>
+            <a:schemeClr val="bg1"/>
+          </a:solidFill>
+          <a:ln>
+            <a:solidFill>
+              <a:schemeClr val="tx1"/>
+            </a:solidFill>
+            <a:prstDash val="dash"/>
+          </a:ln>
+        </p:spPr>
+        <p:style>
+          <a:lnRef idx="2">
+            <a:schemeClr val="accent1">
+              <a:shade val="50000"/>
+            </a:schemeClr>
+          </a:lnRef>
+          <a:fillRef idx="1">
+            <a:schemeClr val="accent1"/>
+          </a:fillRef>
+          <a:effectRef idx="0">
+            <a:schemeClr val="accent1"/>
+          </a:effectRef>
+          <a:fontRef idx="minor">
+            <a:schemeClr val="lt1"/>
+          </a:fontRef>
+        </p:style>
+        <p:txBody>
+          <a:bodyPr rtlCol="0" anchor="ctr"/>
+          <a:lstStyle/>
+          <a:p>
+            <a:pPr algn="ctr"/>
+            <a:endParaRPr kumimoji="1" lang="ja-JP" altLang="en-US"/>
+          </a:p>
+        </p:txBody>
+      </p:sp>
+      <mc:AlternateContent xmlns:mc="http://schemas.openxmlformats.org/markup-compatibility/2006">
+        <mc:Choice xmlns:a14="http://schemas.microsoft.com/office/drawing/2010/main" Requires="a14">
+          <p:sp>
+            <p:nvSpPr>
+              <p:cNvPr id="11" name="テキスト ボックス 10"/>
+              <p:cNvSpPr txBox="1"/>
+              <p:nvPr/>
+            </p:nvSpPr>
+            <p:spPr>
+              <a:xfrm>
+                <a:off x="1115616" y="983255"/>
+                <a:ext cx="726160" cy="631455"/>
+              </a:xfrm>
+              <a:prstGeom prst="rect">
+                <a:avLst/>
+              </a:prstGeom>
+              <a:noFill/>
+            </p:spPr>
+            <p:txBody>
+              <a:bodyPr wrap="none" lIns="0" tIns="0" rIns="0" bIns="0" rtlCol="0">
+                <a:spAutoFit/>
+              </a:bodyPr>
+              <a:lstStyle/>
+              <a:p>
+                <a:pPr/>
+                <a14:m>
+                  <m:oMathPara xmlns:m="http://schemas.openxmlformats.org/officeDocument/2006/math">
+                    <m:oMathParaPr>
+                      <m:jc m:val="centerGroup"/>
+                    </m:oMathParaPr>
+                    <m:oMath xmlns:m="http://schemas.openxmlformats.org/officeDocument/2006/math">
+                      <m:sSup>
+                        <m:sSupPr>
+                          <m:ctrlPr>
+                            <a:rPr kumimoji="1" lang="el-GR" altLang="ja-JP" sz="4000" b="0" i="1" smtClean="0">
+                              <a:latin typeface="Cambria Math" panose="02040503050406030204" pitchFamily="18" charset="0"/>
+                              <a:ea typeface="Cambria Math" panose="02040503050406030204" pitchFamily="18" charset="0"/>
+                            </a:rPr>
+                          </m:ctrlPr>
+                        </m:sSupPr>
+                        <m:e>
+                          <m:acc>
+                            <m:accPr>
+                              <m:chr m:val="̃"/>
+                              <m:ctrlPr>
+                                <a:rPr kumimoji="1" lang="el-GR" altLang="ja-JP" sz="4000" b="0" i="1" smtClean="0">
+                                  <a:latin typeface="Cambria Math" panose="02040503050406030204" pitchFamily="18" charset="0"/>
+                                  <a:ea typeface="Cambria Math" panose="02040503050406030204" pitchFamily="18" charset="0"/>
+                                </a:rPr>
+                              </m:ctrlPr>
+                            </m:accPr>
+                            <m:e>
+                              <m:r>
+                                <a:rPr kumimoji="1" lang="en-US" altLang="ja-JP" sz="4000" b="0" i="1" smtClean="0">
+                                  <a:latin typeface="Cambria Math" panose="02040503050406030204" pitchFamily="18" charset="0"/>
+                                  <a:ea typeface="Cambria Math" panose="02040503050406030204" pitchFamily="18" charset="0"/>
+                                </a:rPr>
+                                <m:t>𝑈</m:t>
+                              </m:r>
+                            </m:e>
+                          </m:acc>
+                        </m:e>
+                        <m:sup>
+                          <m:r>
+                            <a:rPr kumimoji="1" lang="el-GR" altLang="ja-JP" sz="4000" b="0" i="1" smtClean="0">
+                              <a:latin typeface="Cambria Math" panose="02040503050406030204" pitchFamily="18" charset="0"/>
+                              <a:ea typeface="Cambria Math" panose="02040503050406030204" pitchFamily="18" charset="0"/>
+                            </a:rPr>
+                            <m:t>†</m:t>
+                          </m:r>
+                        </m:sup>
+                      </m:sSup>
+                    </m:oMath>
+                  </m:oMathPara>
+                </a14:m>
+                <a:endParaRPr kumimoji="1" lang="ja-JP" altLang="en-US" sz="4000" dirty="0"/>
+              </a:p>
+            </p:txBody>
+          </p:sp>
+        </mc:Choice>
+        <mc:Fallback>
+          <p:sp>
+            <p:nvSpPr>
+              <p:cNvPr id="11" name="テキスト ボックス 10"/>
+              <p:cNvSpPr txBox="1">
+                <a:spLocks noRot="1" noChangeAspect="1" noMove="1" noResize="1" noEditPoints="1" noAdjustHandles="1" noChangeArrowheads="1" noChangeShapeType="1" noTextEdit="1"/>
+              </p:cNvSpPr>
+              <p:nvPr/>
+            </p:nvSpPr>
+            <p:spPr>
+              <a:xfrm>
+                <a:off x="1115616" y="983255"/>
+                <a:ext cx="726160" cy="631455"/>
+              </a:xfrm>
+              <a:prstGeom prst="rect">
+                <a:avLst/>
+              </a:prstGeom>
+              <a:blipFill>
+                <a:blip r:embed="rId4"/>
+                <a:stretch>
+                  <a:fillRect/>
+                </a:stretch>
+              </a:blipFill>
+            </p:spPr>
+            <p:txBody>
+              <a:bodyPr/>
+              <a:lstStyle/>
+              <a:p>
+                <a:r>
+                  <a:rPr lang="ja-JP" altLang="en-US">
+                    <a:noFill/>
+                  </a:rPr>
+                  <a:t> </a:t>
+                </a:r>
+              </a:p>
+            </p:txBody>
+          </p:sp>
+        </mc:Fallback>
+      </mc:AlternateContent>
+      <p:sp>
+        <p:nvSpPr>
+          <p:cNvPr id="12" name="正方形/長方形 11"/>
+          <p:cNvSpPr/>
+          <p:nvPr/>
+        </p:nvSpPr>
+        <p:spPr>
+          <a:xfrm>
+            <a:off x="827584" y="767231"/>
+            <a:ext cx="1080120" cy="216024"/>
+          </a:xfrm>
+          <a:prstGeom prst="rect">
+            <a:avLst/>
+          </a:prstGeom>
+          <a:solidFill>
+            <a:schemeClr val="accent2">
+              <a:lumMod val="20000"/>
+              <a:lumOff val="80000"/>
+            </a:schemeClr>
+          </a:solidFill>
+          <a:ln>
+            <a:solidFill>
+              <a:schemeClr val="tx1"/>
+            </a:solidFill>
+          </a:ln>
+        </p:spPr>
+        <p:style>
+          <a:lnRef idx="2">
+            <a:schemeClr val="accent1">
+              <a:shade val="50000"/>
+            </a:schemeClr>
+          </a:lnRef>
+          <a:fillRef idx="1">
+            <a:schemeClr val="accent1"/>
+          </a:fillRef>
+          <a:effectRef idx="0">
+            <a:schemeClr val="accent1"/>
+          </a:effectRef>
+          <a:fontRef idx="minor">
+            <a:schemeClr val="lt1"/>
+          </a:fontRef>
+        </p:style>
+        <p:txBody>
+          <a:bodyPr rtlCol="0" anchor="ctr"/>
+          <a:lstStyle/>
+          <a:p>
+            <a:pPr algn="ctr"/>
+            <a:endParaRPr kumimoji="1" lang="ja-JP" altLang="en-US"/>
+          </a:p>
+        </p:txBody>
+      </p:sp>
+      <p:sp>
+        <p:nvSpPr>
+          <p:cNvPr id="13" name="テキスト ボックス 12"/>
+          <p:cNvSpPr txBox="1"/>
+          <p:nvPr/>
+        </p:nvSpPr>
+        <p:spPr>
+          <a:xfrm>
+            <a:off x="1931292" y="911247"/>
+            <a:ext cx="408460" cy="584775"/>
+          </a:xfrm>
+          <a:prstGeom prst="rect">
+            <a:avLst/>
+          </a:prstGeom>
+          <a:noFill/>
+        </p:spPr>
+        <p:txBody>
+          <a:bodyPr wrap="square" rtlCol="0">
+            <a:spAutoFit/>
+          </a:bodyPr>
+          <a:lstStyle/>
+          <a:p>
+            <a:r>
+              <a:rPr kumimoji="1" lang="en-US" altLang="ja-JP" sz="3200" dirty="0"/>
+              <a:t>x</a:t>
+            </a:r>
+            <a:endParaRPr kumimoji="1" lang="ja-JP" altLang="en-US" sz="3200" dirty="0"/>
+          </a:p>
+        </p:txBody>
+      </p:sp>
+      <p:sp>
+        <p:nvSpPr>
+          <p:cNvPr id="14" name="テキスト ボックス 13"/>
+          <p:cNvSpPr txBox="1"/>
+          <p:nvPr/>
+        </p:nvSpPr>
+        <p:spPr>
+          <a:xfrm>
+            <a:off x="2411760" y="188640"/>
+            <a:ext cx="1569660" cy="369332"/>
+          </a:xfrm>
+          <a:prstGeom prst="rect">
+            <a:avLst/>
+          </a:prstGeom>
+          <a:noFill/>
+        </p:spPr>
+        <p:txBody>
+          <a:bodyPr wrap="none" rtlCol="0">
+            <a:spAutoFit/>
+          </a:bodyPr>
+          <a:lstStyle/>
+          <a:p>
+            <a:r>
+              <a:rPr kumimoji="1" lang="ja-JP" altLang="en-US" dirty="0" smtClean="0"/>
+              <a:t>元のテンソル</a:t>
+            </a:r>
+            <a:endParaRPr kumimoji="1" lang="ja-JP" altLang="en-US" dirty="0"/>
+          </a:p>
+        </p:txBody>
+      </p:sp>
+      <p:sp>
+        <p:nvSpPr>
+          <p:cNvPr id="15" name="テキスト ボックス 14"/>
+          <p:cNvSpPr txBox="1"/>
+          <p:nvPr/>
+        </p:nvSpPr>
+        <p:spPr>
+          <a:xfrm>
+            <a:off x="4572000" y="116632"/>
+            <a:ext cx="2031325" cy="369332"/>
+          </a:xfrm>
+          <a:prstGeom prst="rect">
+            <a:avLst/>
+          </a:prstGeom>
+          <a:noFill/>
+        </p:spPr>
+        <p:txBody>
+          <a:bodyPr wrap="none" rtlCol="0">
+            <a:spAutoFit/>
+          </a:bodyPr>
+          <a:lstStyle/>
+          <a:p>
+            <a:r>
+              <a:rPr lang="ja-JP" altLang="en-US" dirty="0" smtClean="0"/>
+              <a:t>右の圧縮</a:t>
+            </a:r>
+            <a:r>
+              <a:rPr kumimoji="1" lang="ja-JP" altLang="en-US" dirty="0" smtClean="0"/>
+              <a:t>テンソル</a:t>
+            </a:r>
+            <a:endParaRPr kumimoji="1" lang="ja-JP" altLang="en-US" dirty="0"/>
+          </a:p>
+        </p:txBody>
+      </p:sp>
+      <p:sp>
+        <p:nvSpPr>
+          <p:cNvPr id="16" name="テキスト ボックス 15"/>
+          <p:cNvSpPr txBox="1"/>
+          <p:nvPr/>
+        </p:nvSpPr>
+        <p:spPr>
+          <a:xfrm>
+            <a:off x="179512" y="188640"/>
+            <a:ext cx="2031325" cy="369332"/>
+          </a:xfrm>
+          <a:prstGeom prst="rect">
+            <a:avLst/>
+          </a:prstGeom>
+          <a:noFill/>
+        </p:spPr>
+        <p:txBody>
+          <a:bodyPr wrap="none" rtlCol="0">
+            <a:spAutoFit/>
+          </a:bodyPr>
+          <a:lstStyle/>
+          <a:p>
+            <a:r>
+              <a:rPr lang="ja-JP" altLang="en-US" dirty="0" smtClean="0"/>
+              <a:t>左の圧縮</a:t>
+            </a:r>
+            <a:r>
+              <a:rPr kumimoji="1" lang="ja-JP" altLang="en-US" dirty="0" smtClean="0"/>
+              <a:t>テンソル</a:t>
+            </a:r>
+            <a:endParaRPr kumimoji="1" lang="ja-JP" altLang="en-US" dirty="0"/>
+          </a:p>
+        </p:txBody>
+      </p:sp>
+      <p:sp>
+        <p:nvSpPr>
+          <p:cNvPr id="17" name="テキスト ボックス 16"/>
+          <p:cNvSpPr txBox="1"/>
+          <p:nvPr/>
+        </p:nvSpPr>
+        <p:spPr>
+          <a:xfrm>
+            <a:off x="6300192" y="980728"/>
+            <a:ext cx="389850" cy="584775"/>
+          </a:xfrm>
+          <a:prstGeom prst="rect">
+            <a:avLst/>
+          </a:prstGeom>
+          <a:noFill/>
+        </p:spPr>
+        <p:txBody>
+          <a:bodyPr wrap="none" rtlCol="0">
+            <a:spAutoFit/>
+          </a:bodyPr>
+          <a:lstStyle/>
+          <a:p>
+            <a:r>
+              <a:rPr lang="en-US" altLang="ja-JP" sz="3200" dirty="0"/>
+              <a:t>=</a:t>
+            </a:r>
+            <a:endParaRPr kumimoji="1" lang="ja-JP" altLang="en-US" sz="3200" dirty="0"/>
+          </a:p>
+        </p:txBody>
+      </p:sp>
+      <p:sp>
+        <p:nvSpPr>
+          <p:cNvPr id="18" name="正方形/長方形 17"/>
+          <p:cNvSpPr/>
+          <p:nvPr/>
+        </p:nvSpPr>
+        <p:spPr>
+          <a:xfrm>
+            <a:off x="6876256" y="836712"/>
+            <a:ext cx="1656184" cy="1052736"/>
+          </a:xfrm>
+          <a:prstGeom prst="rect">
+            <a:avLst/>
+          </a:prstGeom>
+          <a:solidFill>
+            <a:schemeClr val="bg1"/>
+          </a:solidFill>
+          <a:ln>
+            <a:solidFill>
+              <a:schemeClr val="tx1"/>
+            </a:solidFill>
+            <a:prstDash val="dash"/>
+          </a:ln>
+        </p:spPr>
+        <p:style>
+          <a:lnRef idx="2">
+            <a:schemeClr val="accent1">
+              <a:shade val="50000"/>
+            </a:schemeClr>
+          </a:lnRef>
+          <a:fillRef idx="1">
+            <a:schemeClr val="accent1"/>
+          </a:fillRef>
+          <a:effectRef idx="0">
+            <a:schemeClr val="accent1"/>
+          </a:effectRef>
+          <a:fontRef idx="minor">
+            <a:schemeClr val="lt1"/>
+          </a:fontRef>
+        </p:style>
+        <p:txBody>
+          <a:bodyPr rtlCol="0" anchor="ctr"/>
+          <a:lstStyle/>
+          <a:p>
+            <a:pPr algn="ctr"/>
+            <a:endParaRPr kumimoji="1" lang="ja-JP" altLang="en-US" dirty="0"/>
+          </a:p>
+        </p:txBody>
+      </p:sp>
+      <p:sp>
+        <p:nvSpPr>
+          <p:cNvPr id="19" name="正方形/長方形 18">
+            <a:extLst>
+              <a:ext uri="{FF2B5EF4-FFF2-40B4-BE49-F238E27FC236}">
+                <a16:creationId xmlns:a16="http://schemas.microsoft.com/office/drawing/2014/main" id="{1D76626F-41A7-7A48-A8A4-851E727E627E}"/>
+              </a:ext>
+            </a:extLst>
+          </p:cNvPr>
+          <p:cNvSpPr/>
+          <p:nvPr/>
+        </p:nvSpPr>
+        <p:spPr>
+          <a:xfrm>
+            <a:off x="6876256" y="836712"/>
+            <a:ext cx="216024" cy="216024"/>
+          </a:xfrm>
+          <a:prstGeom prst="rect">
+            <a:avLst/>
+          </a:prstGeom>
+          <a:solidFill>
+            <a:srgbClr val="FF0000"/>
+          </a:solidFill>
+          <a:ln>
+            <a:solidFill>
+              <a:schemeClr val="tx1"/>
+            </a:solidFill>
+          </a:ln>
+        </p:spPr>
+        <p:style>
+          <a:lnRef idx="2">
+            <a:schemeClr val="accent1">
+              <a:shade val="50000"/>
+            </a:schemeClr>
+          </a:lnRef>
+          <a:fillRef idx="1">
+            <a:schemeClr val="accent1"/>
+          </a:fillRef>
+          <a:effectRef idx="0">
+            <a:schemeClr val="accent1"/>
+          </a:effectRef>
+          <a:fontRef idx="minor">
+            <a:schemeClr val="lt1"/>
+          </a:fontRef>
+        </p:style>
+        <p:txBody>
+          <a:bodyPr rtlCol="0" anchor="ctr"/>
+          <a:lstStyle/>
+          <a:p>
+            <a:pPr algn="ctr"/>
+            <a:endParaRPr kumimoji="1" lang="ja-JP" altLang="en-US"/>
+          </a:p>
+        </p:txBody>
+      </p:sp>
+      <mc:AlternateContent xmlns:mc="http://schemas.openxmlformats.org/markup-compatibility/2006">
+        <mc:Choice xmlns:a14="http://schemas.microsoft.com/office/drawing/2010/main" Requires="a14">
+          <p:sp>
+            <p:nvSpPr>
+              <p:cNvPr id="21" name="テキスト ボックス 20"/>
+              <p:cNvSpPr txBox="1"/>
+              <p:nvPr/>
+            </p:nvSpPr>
+            <p:spPr>
+              <a:xfrm>
+                <a:off x="7452320" y="1052736"/>
+                <a:ext cx="444160" cy="615553"/>
+              </a:xfrm>
+              <a:prstGeom prst="rect">
+                <a:avLst/>
+              </a:prstGeom>
+              <a:noFill/>
+            </p:spPr>
+            <p:txBody>
+              <a:bodyPr wrap="none" lIns="0" tIns="0" rIns="0" bIns="0" rtlCol="0">
+                <a:spAutoFit/>
+              </a:bodyPr>
+              <a:lstStyle/>
+              <a:p>
+                <a:pPr/>
+                <a14:m>
+                  <m:oMathPara xmlns:m="http://schemas.openxmlformats.org/officeDocument/2006/math">
+                    <m:oMathParaPr>
+                      <m:jc m:val="centerGroup"/>
+                    </m:oMathParaPr>
+                    <m:oMath xmlns:m="http://schemas.openxmlformats.org/officeDocument/2006/math">
+                      <m:r>
+                        <a:rPr kumimoji="1" lang="en-US" altLang="ja-JP" sz="4000" b="0" i="1" smtClean="0">
+                          <a:latin typeface="Cambria Math" panose="02040503050406030204" pitchFamily="18" charset="0"/>
+                        </a:rPr>
+                        <m:t>𝐶</m:t>
+                      </m:r>
+                    </m:oMath>
+                  </m:oMathPara>
+                </a14:m>
+                <a:endParaRPr kumimoji="1" lang="ja-JP" altLang="en-US" sz="4000" dirty="0"/>
+              </a:p>
+            </p:txBody>
+          </p:sp>
+        </mc:Choice>
+        <mc:Fallback>
+          <p:sp>
+            <p:nvSpPr>
+              <p:cNvPr id="21" name="テキスト ボックス 20"/>
+              <p:cNvSpPr txBox="1">
+                <a:spLocks noRot="1" noChangeAspect="1" noMove="1" noResize="1" noEditPoints="1" noAdjustHandles="1" noChangeArrowheads="1" noChangeShapeType="1" noTextEdit="1"/>
+              </p:cNvSpPr>
+              <p:nvPr/>
+            </p:nvSpPr>
+            <p:spPr>
+              <a:xfrm>
+                <a:off x="7452320" y="1052736"/>
+                <a:ext cx="444160" cy="615553"/>
+              </a:xfrm>
+              <a:prstGeom prst="rect">
+                <a:avLst/>
+              </a:prstGeom>
+              <a:blipFill>
+                <a:blip r:embed="rId5"/>
+                <a:stretch>
+                  <a:fillRect/>
+                </a:stretch>
+              </a:blipFill>
+            </p:spPr>
+            <p:txBody>
+              <a:bodyPr/>
+              <a:lstStyle/>
+              <a:p>
+                <a:r>
+                  <a:rPr lang="ja-JP" altLang="en-US">
+                    <a:noFill/>
+                  </a:rPr>
+                  <a:t> </a:t>
+                </a:r>
+              </a:p>
+            </p:txBody>
+          </p:sp>
+        </mc:Fallback>
+      </mc:AlternateContent>
+      <p:sp>
+        <p:nvSpPr>
+          <p:cNvPr id="22" name="テキスト ボックス 21"/>
+          <p:cNvSpPr txBox="1"/>
+          <p:nvPr/>
+        </p:nvSpPr>
+        <p:spPr>
+          <a:xfrm>
+            <a:off x="6876256" y="260648"/>
+            <a:ext cx="1569660" cy="369332"/>
+          </a:xfrm>
+          <a:prstGeom prst="rect">
+            <a:avLst/>
+          </a:prstGeom>
+          <a:noFill/>
+        </p:spPr>
+        <p:txBody>
+          <a:bodyPr wrap="none" rtlCol="0">
+            <a:spAutoFit/>
+          </a:bodyPr>
+          <a:lstStyle/>
+          <a:p>
+            <a:r>
+              <a:rPr kumimoji="1" lang="ja-JP" altLang="en-US" dirty="0" smtClean="0"/>
+              <a:t>コアテンソル</a:t>
+            </a:r>
+            <a:endParaRPr kumimoji="1" lang="ja-JP" altLang="en-US" dirty="0"/>
+          </a:p>
+        </p:txBody>
+      </p:sp>
+      <p:sp>
+        <p:nvSpPr>
+          <p:cNvPr id="23" name="正方形/長方形 22"/>
+          <p:cNvSpPr/>
+          <p:nvPr/>
+        </p:nvSpPr>
+        <p:spPr>
+          <a:xfrm>
+            <a:off x="971600" y="3112050"/>
+            <a:ext cx="720080" cy="720080"/>
+          </a:xfrm>
+          <a:prstGeom prst="rect">
+            <a:avLst/>
+          </a:prstGeom>
+          <a:solidFill>
+            <a:schemeClr val="bg1"/>
+          </a:solidFill>
+          <a:ln>
+            <a:solidFill>
+              <a:schemeClr val="tx1"/>
+            </a:solidFill>
+          </a:ln>
+        </p:spPr>
+        <p:style>
+          <a:lnRef idx="2">
+            <a:schemeClr val="accent1">
+              <a:shade val="50000"/>
+            </a:schemeClr>
+          </a:lnRef>
+          <a:fillRef idx="1">
+            <a:schemeClr val="accent1"/>
+          </a:fillRef>
+          <a:effectRef idx="0">
+            <a:schemeClr val="accent1"/>
+          </a:effectRef>
+          <a:fontRef idx="minor">
+            <a:schemeClr val="lt1"/>
+          </a:fontRef>
+        </p:style>
+        <p:txBody>
+          <a:bodyPr rtlCol="0" anchor="ctr"/>
+          <a:lstStyle/>
+          <a:p>
+            <a:pPr algn="ctr"/>
+            <a:endParaRPr kumimoji="1" lang="ja-JP" altLang="en-US" dirty="0"/>
+          </a:p>
+        </p:txBody>
+      </p:sp>
+      <p:cxnSp>
+        <p:nvCxnSpPr>
+          <p:cNvPr id="25" name="直線コネクタ 24"/>
+          <p:cNvCxnSpPr/>
+          <p:nvPr/>
+        </p:nvCxnSpPr>
+        <p:spPr>
+          <a:xfrm flipH="1">
+            <a:off x="611560" y="3472090"/>
+            <a:ext cx="360040" cy="0"/>
+          </a:xfrm>
+          <a:prstGeom prst="line">
+            <a:avLst/>
+          </a:prstGeom>
+          <a:ln w="38100">
+            <a:solidFill>
+              <a:schemeClr val="tx1"/>
+            </a:solidFill>
+          </a:ln>
+        </p:spPr>
+        <p:style>
+          <a:lnRef idx="1">
+            <a:schemeClr val="accent1"/>
+          </a:lnRef>
+          <a:fillRef idx="0">
+            <a:schemeClr val="accent1"/>
+          </a:fillRef>
+          <a:effectRef idx="0">
+            <a:schemeClr val="accent1"/>
+          </a:effectRef>
+          <a:fontRef idx="minor">
+            <a:schemeClr val="tx1"/>
+          </a:fontRef>
+        </p:style>
+      </p:cxnSp>
+      <p:cxnSp>
+        <p:nvCxnSpPr>
+          <p:cNvPr id="28" name="直線コネクタ 27"/>
+          <p:cNvCxnSpPr/>
+          <p:nvPr/>
+        </p:nvCxnSpPr>
+        <p:spPr>
+          <a:xfrm flipH="1">
+            <a:off x="1691680" y="3472090"/>
+            <a:ext cx="360040" cy="0"/>
+          </a:xfrm>
+          <a:prstGeom prst="line">
+            <a:avLst/>
+          </a:prstGeom>
+          <a:ln w="38100">
+            <a:solidFill>
+              <a:schemeClr val="tx1"/>
+            </a:solidFill>
+          </a:ln>
+        </p:spPr>
+        <p:style>
+          <a:lnRef idx="1">
+            <a:schemeClr val="accent1"/>
+          </a:lnRef>
+          <a:fillRef idx="0">
+            <a:schemeClr val="accent1"/>
+          </a:fillRef>
+          <a:effectRef idx="0">
+            <a:schemeClr val="accent1"/>
+          </a:effectRef>
+          <a:fontRef idx="minor">
+            <a:schemeClr val="tx1"/>
+          </a:fontRef>
+        </p:style>
+      </p:cxnSp>
+      <p:sp>
+        <p:nvSpPr>
+          <p:cNvPr id="29" name="テキスト ボックス 28"/>
+          <p:cNvSpPr txBox="1"/>
+          <p:nvPr/>
+        </p:nvSpPr>
+        <p:spPr>
+          <a:xfrm>
+            <a:off x="2237934" y="3175347"/>
+            <a:ext cx="389850" cy="584775"/>
+          </a:xfrm>
+          <a:prstGeom prst="rect">
+            <a:avLst/>
+          </a:prstGeom>
+          <a:noFill/>
+        </p:spPr>
+        <p:txBody>
+          <a:bodyPr wrap="none" rtlCol="0">
+            <a:spAutoFit/>
+          </a:bodyPr>
+          <a:lstStyle/>
+          <a:p>
+            <a:r>
+              <a:rPr lang="en-US" altLang="ja-JP" sz="3200" dirty="0"/>
+              <a:t>=</a:t>
+            </a:r>
+            <a:endParaRPr kumimoji="1" lang="ja-JP" altLang="en-US" sz="3200" dirty="0"/>
+          </a:p>
+        </p:txBody>
+      </p:sp>
+      <p:sp>
+        <p:nvSpPr>
+          <p:cNvPr id="32" name="正方形/長方形 31"/>
+          <p:cNvSpPr/>
+          <p:nvPr/>
+        </p:nvSpPr>
+        <p:spPr>
+          <a:xfrm>
+            <a:off x="5292080" y="3112050"/>
+            <a:ext cx="720080" cy="720080"/>
+          </a:xfrm>
+          <a:prstGeom prst="rect">
+            <a:avLst/>
+          </a:prstGeom>
+          <a:solidFill>
+            <a:schemeClr val="bg1"/>
+          </a:solidFill>
+          <a:ln>
+            <a:solidFill>
+              <a:schemeClr val="tx1"/>
+            </a:solidFill>
+          </a:ln>
+        </p:spPr>
+        <p:style>
+          <a:lnRef idx="2">
+            <a:schemeClr val="accent1">
+              <a:shade val="50000"/>
+            </a:schemeClr>
+          </a:lnRef>
+          <a:fillRef idx="1">
+            <a:schemeClr val="accent1"/>
+          </a:fillRef>
+          <a:effectRef idx="0">
+            <a:schemeClr val="accent1"/>
+          </a:effectRef>
+          <a:fontRef idx="minor">
+            <a:schemeClr val="lt1"/>
+          </a:fontRef>
+        </p:style>
+        <p:txBody>
+          <a:bodyPr rtlCol="0" anchor="ctr"/>
+          <a:lstStyle/>
+          <a:p>
+            <a:pPr algn="ctr"/>
+            <a:endParaRPr kumimoji="1" lang="ja-JP" altLang="en-US" dirty="0"/>
+          </a:p>
+        </p:txBody>
+      </p:sp>
+      <p:cxnSp>
+        <p:nvCxnSpPr>
+          <p:cNvPr id="33" name="直線コネクタ 32"/>
+          <p:cNvCxnSpPr/>
+          <p:nvPr/>
+        </p:nvCxnSpPr>
+        <p:spPr>
+          <a:xfrm flipH="1">
+            <a:off x="4932040" y="3472090"/>
+            <a:ext cx="360040" cy="0"/>
+          </a:xfrm>
+          <a:prstGeom prst="line">
+            <a:avLst/>
+          </a:prstGeom>
+          <a:ln w="38100">
+            <a:solidFill>
+              <a:schemeClr val="tx1"/>
+            </a:solidFill>
+          </a:ln>
+        </p:spPr>
+        <p:style>
+          <a:lnRef idx="1">
+            <a:schemeClr val="accent1"/>
+          </a:lnRef>
+          <a:fillRef idx="0">
+            <a:schemeClr val="accent1"/>
+          </a:fillRef>
+          <a:effectRef idx="0">
+            <a:schemeClr val="accent1"/>
+          </a:effectRef>
+          <a:fontRef idx="minor">
+            <a:schemeClr val="tx1"/>
+          </a:fontRef>
+        </p:style>
+      </p:cxnSp>
+      <p:cxnSp>
+        <p:nvCxnSpPr>
+          <p:cNvPr id="34" name="直線コネクタ 33"/>
+          <p:cNvCxnSpPr/>
+          <p:nvPr/>
+        </p:nvCxnSpPr>
+        <p:spPr>
+          <a:xfrm flipH="1">
+            <a:off x="6012160" y="3472090"/>
+            <a:ext cx="360040" cy="0"/>
+          </a:xfrm>
+          <a:prstGeom prst="line">
+            <a:avLst/>
+          </a:prstGeom>
+          <a:ln w="38100">
+            <a:solidFill>
+              <a:schemeClr val="tx1"/>
+            </a:solidFill>
+          </a:ln>
+        </p:spPr>
+        <p:style>
+          <a:lnRef idx="1">
+            <a:schemeClr val="accent1"/>
+          </a:lnRef>
+          <a:fillRef idx="0">
+            <a:schemeClr val="accent1"/>
+          </a:fillRef>
+          <a:effectRef idx="0">
+            <a:schemeClr val="accent1"/>
+          </a:effectRef>
+          <a:fontRef idx="minor">
+            <a:schemeClr val="tx1"/>
+          </a:fontRef>
+        </p:style>
+      </p:cxnSp>
+      <p:sp>
+        <p:nvSpPr>
+          <p:cNvPr id="35" name="正方形/長方形 34"/>
+          <p:cNvSpPr/>
+          <p:nvPr/>
+        </p:nvSpPr>
+        <p:spPr>
+          <a:xfrm>
+            <a:off x="4211960" y="3112050"/>
+            <a:ext cx="720080" cy="720080"/>
+          </a:xfrm>
+          <a:prstGeom prst="rect">
+            <a:avLst/>
+          </a:prstGeom>
+          <a:solidFill>
+            <a:schemeClr val="bg1"/>
+          </a:solidFill>
+          <a:ln>
+            <a:solidFill>
+              <a:schemeClr val="tx1"/>
+            </a:solidFill>
+          </a:ln>
+        </p:spPr>
+        <p:style>
+          <a:lnRef idx="2">
+            <a:schemeClr val="accent1">
+              <a:shade val="50000"/>
+            </a:schemeClr>
+          </a:lnRef>
+          <a:fillRef idx="1">
+            <a:schemeClr val="accent1"/>
+          </a:fillRef>
+          <a:effectRef idx="0">
+            <a:schemeClr val="accent1"/>
+          </a:effectRef>
+          <a:fontRef idx="minor">
+            <a:schemeClr val="lt1"/>
+          </a:fontRef>
+        </p:style>
+        <p:txBody>
+          <a:bodyPr rtlCol="0" anchor="ctr"/>
+          <a:lstStyle/>
+          <a:p>
+            <a:pPr algn="ctr"/>
+            <a:endParaRPr kumimoji="1" lang="ja-JP" altLang="en-US" dirty="0"/>
+          </a:p>
+        </p:txBody>
+      </p:sp>
+      <mc:AlternateContent xmlns:mc="http://schemas.openxmlformats.org/markup-compatibility/2006">
+        <mc:Choice xmlns:a14="http://schemas.microsoft.com/office/drawing/2010/main" Requires="a14">
+          <p:sp>
+            <p:nvSpPr>
+              <p:cNvPr id="36" name="テキスト ボックス 35"/>
+              <p:cNvSpPr txBox="1"/>
+              <p:nvPr/>
+            </p:nvSpPr>
+            <p:spPr>
+              <a:xfrm>
+                <a:off x="5436096" y="3184058"/>
+                <a:ext cx="458139" cy="615553"/>
+              </a:xfrm>
+              <a:prstGeom prst="rect">
+                <a:avLst/>
+              </a:prstGeom>
+              <a:noFill/>
+            </p:spPr>
+            <p:txBody>
+              <a:bodyPr wrap="none" lIns="0" tIns="0" rIns="0" bIns="0" rtlCol="0">
+                <a:spAutoFit/>
+              </a:bodyPr>
+              <a:lstStyle/>
+              <a:p>
+                <a:pPr/>
+                <a14:m>
+                  <m:oMathPara xmlns:m="http://schemas.openxmlformats.org/officeDocument/2006/math">
+                    <m:oMathParaPr>
+                      <m:jc m:val="centerGroup"/>
+                    </m:oMathParaPr>
+                    <m:oMath xmlns:m="http://schemas.openxmlformats.org/officeDocument/2006/math">
+                      <m:r>
+                        <a:rPr kumimoji="1" lang="en-US" altLang="ja-JP" sz="4000" b="0" i="1" smtClean="0">
+                          <a:latin typeface="Cambria Math" panose="02040503050406030204" pitchFamily="18" charset="0"/>
+                        </a:rPr>
+                        <m:t>𝑋</m:t>
+                      </m:r>
+                    </m:oMath>
+                  </m:oMathPara>
+                </a14:m>
+                <a:endParaRPr kumimoji="1" lang="ja-JP" altLang="en-US" sz="4000" dirty="0"/>
+              </a:p>
+            </p:txBody>
+          </p:sp>
+        </mc:Choice>
+        <mc:Fallback>
+          <p:sp>
+            <p:nvSpPr>
+              <p:cNvPr id="36" name="テキスト ボックス 35"/>
+              <p:cNvSpPr txBox="1">
+                <a:spLocks noRot="1" noChangeAspect="1" noMove="1" noResize="1" noEditPoints="1" noAdjustHandles="1" noChangeArrowheads="1" noChangeShapeType="1" noTextEdit="1"/>
+              </p:cNvSpPr>
+              <p:nvPr/>
+            </p:nvSpPr>
+            <p:spPr>
+              <a:xfrm>
+                <a:off x="5436096" y="3184058"/>
+                <a:ext cx="458139" cy="615553"/>
+              </a:xfrm>
+              <a:prstGeom prst="rect">
+                <a:avLst/>
+              </a:prstGeom>
+              <a:blipFill>
+                <a:blip r:embed="rId6"/>
+                <a:stretch>
+                  <a:fillRect/>
+                </a:stretch>
+              </a:blipFill>
+            </p:spPr>
+            <p:txBody>
+              <a:bodyPr/>
+              <a:lstStyle/>
+              <a:p>
+                <a:r>
+                  <a:rPr lang="ja-JP" altLang="en-US">
+                    <a:noFill/>
+                  </a:rPr>
+                  <a:t> </a:t>
+                </a:r>
+              </a:p>
+            </p:txBody>
+          </p:sp>
+        </mc:Fallback>
+      </mc:AlternateContent>
+      <p:cxnSp>
+        <p:nvCxnSpPr>
+          <p:cNvPr id="37" name="直線コネクタ 36"/>
+          <p:cNvCxnSpPr/>
+          <p:nvPr/>
+        </p:nvCxnSpPr>
+        <p:spPr>
+          <a:xfrm flipH="1">
+            <a:off x="3851920" y="3472090"/>
+            <a:ext cx="360040" cy="0"/>
+          </a:xfrm>
+          <a:prstGeom prst="line">
+            <a:avLst/>
+          </a:prstGeom>
+          <a:ln w="38100">
+            <a:solidFill>
+              <a:schemeClr val="tx1"/>
+            </a:solidFill>
+          </a:ln>
+        </p:spPr>
+        <p:style>
+          <a:lnRef idx="1">
+            <a:schemeClr val="accent1"/>
+          </a:lnRef>
+          <a:fillRef idx="0">
+            <a:schemeClr val="accent1"/>
+          </a:fillRef>
+          <a:effectRef idx="0">
+            <a:schemeClr val="accent1"/>
+          </a:effectRef>
+          <a:fontRef idx="minor">
+            <a:schemeClr val="tx1"/>
+          </a:fontRef>
+        </p:style>
+      </p:cxnSp>
+      <p:sp>
+        <p:nvSpPr>
+          <p:cNvPr id="38" name="正方形/長方形 37"/>
+          <p:cNvSpPr/>
+          <p:nvPr/>
+        </p:nvSpPr>
+        <p:spPr>
+          <a:xfrm>
+            <a:off x="3131840" y="3112050"/>
+            <a:ext cx="720080" cy="720080"/>
+          </a:xfrm>
+          <a:prstGeom prst="rect">
+            <a:avLst/>
+          </a:prstGeom>
+          <a:solidFill>
+            <a:schemeClr val="bg1"/>
+          </a:solidFill>
+          <a:ln>
+            <a:solidFill>
+              <a:schemeClr val="tx1"/>
+            </a:solidFill>
+          </a:ln>
+        </p:spPr>
+        <p:style>
+          <a:lnRef idx="2">
+            <a:schemeClr val="accent1">
+              <a:shade val="50000"/>
+            </a:schemeClr>
+          </a:lnRef>
+          <a:fillRef idx="1">
+            <a:schemeClr val="accent1"/>
+          </a:fillRef>
+          <a:effectRef idx="0">
+            <a:schemeClr val="accent1"/>
+          </a:effectRef>
+          <a:fontRef idx="minor">
+            <a:schemeClr val="lt1"/>
+          </a:fontRef>
+        </p:style>
+        <p:txBody>
+          <a:bodyPr rtlCol="0" anchor="ctr"/>
+          <a:lstStyle/>
+          <a:p>
+            <a:pPr algn="ctr"/>
+            <a:endParaRPr kumimoji="1" lang="ja-JP" altLang="en-US" dirty="0"/>
+          </a:p>
+        </p:txBody>
+      </p:sp>
+      <p:cxnSp>
+        <p:nvCxnSpPr>
+          <p:cNvPr id="39" name="直線コネクタ 38"/>
+          <p:cNvCxnSpPr/>
+          <p:nvPr/>
+        </p:nvCxnSpPr>
+        <p:spPr>
+          <a:xfrm flipH="1">
+            <a:off x="2771800" y="3472090"/>
+            <a:ext cx="360040" cy="0"/>
+          </a:xfrm>
+          <a:prstGeom prst="line">
+            <a:avLst/>
+          </a:prstGeom>
+          <a:ln w="38100">
+            <a:solidFill>
+              <a:schemeClr val="tx1"/>
+            </a:solidFill>
+          </a:ln>
+        </p:spPr>
+        <p:style>
+          <a:lnRef idx="1">
+            <a:schemeClr val="accent1"/>
+          </a:lnRef>
+          <a:fillRef idx="0">
+            <a:schemeClr val="accent1"/>
+          </a:fillRef>
+          <a:effectRef idx="0">
+            <a:schemeClr val="accent1"/>
+          </a:effectRef>
+          <a:fontRef idx="minor">
+            <a:schemeClr val="tx1"/>
+          </a:fontRef>
+        </p:style>
+      </p:cxnSp>
+      <p:cxnSp>
+        <p:nvCxnSpPr>
+          <p:cNvPr id="40" name="直線コネクタ 39"/>
+          <p:cNvCxnSpPr/>
+          <p:nvPr/>
+        </p:nvCxnSpPr>
+        <p:spPr>
+          <a:xfrm flipH="1">
+            <a:off x="7092280" y="3472090"/>
+            <a:ext cx="360040" cy="0"/>
+          </a:xfrm>
+          <a:prstGeom prst="line">
+            <a:avLst/>
+          </a:prstGeom>
+          <a:ln w="38100">
+            <a:solidFill>
+              <a:schemeClr val="tx1"/>
+            </a:solidFill>
+          </a:ln>
+        </p:spPr>
+        <p:style>
+          <a:lnRef idx="1">
+            <a:schemeClr val="accent1"/>
+          </a:lnRef>
+          <a:fillRef idx="0">
+            <a:schemeClr val="accent1"/>
+          </a:fillRef>
+          <a:effectRef idx="0">
+            <a:schemeClr val="accent1"/>
+          </a:effectRef>
+          <a:fontRef idx="minor">
+            <a:schemeClr val="tx1"/>
+          </a:fontRef>
+        </p:style>
+      </p:cxnSp>
+      <p:sp>
+        <p:nvSpPr>
+          <p:cNvPr id="41" name="正方形/長方形 40"/>
+          <p:cNvSpPr/>
+          <p:nvPr/>
+        </p:nvSpPr>
+        <p:spPr>
+          <a:xfrm>
+            <a:off x="6372200" y="3112050"/>
+            <a:ext cx="720080" cy="720080"/>
+          </a:xfrm>
+          <a:prstGeom prst="rect">
+            <a:avLst/>
+          </a:prstGeom>
+          <a:solidFill>
+            <a:schemeClr val="bg1"/>
+          </a:solidFill>
+          <a:ln>
+            <a:solidFill>
+              <a:schemeClr val="tx1"/>
+            </a:solidFill>
+          </a:ln>
+        </p:spPr>
+        <p:style>
+          <a:lnRef idx="2">
+            <a:schemeClr val="accent1">
+              <a:shade val="50000"/>
+            </a:schemeClr>
+          </a:lnRef>
+          <a:fillRef idx="1">
+            <a:schemeClr val="accent1"/>
+          </a:fillRef>
+          <a:effectRef idx="0">
+            <a:schemeClr val="accent1"/>
+          </a:effectRef>
+          <a:fontRef idx="minor">
+            <a:schemeClr val="lt1"/>
+          </a:fontRef>
+        </p:style>
+        <p:txBody>
+          <a:bodyPr rtlCol="0" anchor="ctr"/>
+          <a:lstStyle/>
+          <a:p>
+            <a:pPr algn="ctr"/>
+            <a:endParaRPr kumimoji="1" lang="ja-JP" altLang="en-US" dirty="0"/>
+          </a:p>
+        </p:txBody>
+      </p:sp>
+      <p:cxnSp>
+        <p:nvCxnSpPr>
+          <p:cNvPr id="42" name="直線コネクタ 41"/>
+          <p:cNvCxnSpPr/>
+          <p:nvPr/>
+        </p:nvCxnSpPr>
+        <p:spPr>
+          <a:xfrm flipH="1">
+            <a:off x="8172400" y="3472090"/>
+            <a:ext cx="360040" cy="0"/>
+          </a:xfrm>
+          <a:prstGeom prst="line">
+            <a:avLst/>
+          </a:prstGeom>
+          <a:ln w="38100">
+            <a:solidFill>
+              <a:schemeClr val="tx1"/>
+            </a:solidFill>
+          </a:ln>
+        </p:spPr>
+        <p:style>
+          <a:lnRef idx="1">
+            <a:schemeClr val="accent1"/>
+          </a:lnRef>
+          <a:fillRef idx="0">
+            <a:schemeClr val="accent1"/>
+          </a:fillRef>
+          <a:effectRef idx="0">
+            <a:schemeClr val="accent1"/>
+          </a:effectRef>
+          <a:fontRef idx="minor">
+            <a:schemeClr val="tx1"/>
+          </a:fontRef>
+        </p:style>
+      </p:cxnSp>
+      <p:sp>
+        <p:nvSpPr>
+          <p:cNvPr id="43" name="正方形/長方形 42"/>
+          <p:cNvSpPr/>
+          <p:nvPr/>
+        </p:nvSpPr>
+        <p:spPr>
+          <a:xfrm>
+            <a:off x="7452320" y="3112050"/>
+            <a:ext cx="720080" cy="720080"/>
+          </a:xfrm>
+          <a:prstGeom prst="rect">
+            <a:avLst/>
+          </a:prstGeom>
+          <a:solidFill>
+            <a:schemeClr val="bg1"/>
+          </a:solidFill>
+          <a:ln>
+            <a:solidFill>
+              <a:schemeClr val="tx1"/>
+            </a:solidFill>
+          </a:ln>
+        </p:spPr>
+        <p:style>
+          <a:lnRef idx="2">
+            <a:schemeClr val="accent1">
+              <a:shade val="50000"/>
+            </a:schemeClr>
+          </a:lnRef>
+          <a:fillRef idx="1">
+            <a:schemeClr val="accent1"/>
+          </a:fillRef>
+          <a:effectRef idx="0">
+            <a:schemeClr val="accent1"/>
+          </a:effectRef>
+          <a:fontRef idx="minor">
+            <a:schemeClr val="lt1"/>
+          </a:fontRef>
+        </p:style>
+        <p:txBody>
+          <a:bodyPr rtlCol="0" anchor="ctr"/>
+          <a:lstStyle/>
+          <a:p>
+            <a:pPr algn="ctr"/>
+            <a:endParaRPr kumimoji="1" lang="ja-JP" altLang="en-US" dirty="0"/>
+          </a:p>
+        </p:txBody>
+      </p:sp>
+      <mc:AlternateContent xmlns:mc="http://schemas.openxmlformats.org/markup-compatibility/2006">
+        <mc:Choice xmlns:a14="http://schemas.microsoft.com/office/drawing/2010/main" Requires="a14">
+          <p:sp>
+            <p:nvSpPr>
+              <p:cNvPr id="44" name="テキスト ボックス 43"/>
+              <p:cNvSpPr txBox="1"/>
+              <p:nvPr/>
+            </p:nvSpPr>
+            <p:spPr>
+              <a:xfrm>
+                <a:off x="6516216" y="3184058"/>
+                <a:ext cx="452303" cy="615553"/>
+              </a:xfrm>
+              <a:prstGeom prst="rect">
+                <a:avLst/>
+              </a:prstGeom>
+              <a:noFill/>
+            </p:spPr>
+            <p:txBody>
+              <a:bodyPr wrap="none" lIns="0" tIns="0" rIns="0" bIns="0" rtlCol="0">
+                <a:spAutoFit/>
+              </a:bodyPr>
+              <a:lstStyle/>
+              <a:p>
+                <a:pPr/>
+                <a14:m>
+                  <m:oMathPara xmlns:m="http://schemas.openxmlformats.org/officeDocument/2006/math">
+                    <m:oMathParaPr>
+                      <m:jc m:val="centerGroup"/>
+                    </m:oMathParaPr>
+                    <m:oMath xmlns:m="http://schemas.openxmlformats.org/officeDocument/2006/math">
+                      <m:r>
+                        <a:rPr kumimoji="1" lang="en-US" altLang="ja-JP" sz="4000" b="0" i="1" smtClean="0">
+                          <a:latin typeface="Cambria Math" panose="02040503050406030204" pitchFamily="18" charset="0"/>
+                        </a:rPr>
+                        <m:t>𝑉</m:t>
+                      </m:r>
+                    </m:oMath>
+                  </m:oMathPara>
+                </a14:m>
+                <a:endParaRPr kumimoji="1" lang="ja-JP" altLang="en-US" sz="4000" dirty="0"/>
+              </a:p>
+            </p:txBody>
+          </p:sp>
+        </mc:Choice>
+        <mc:Fallback>
+          <p:sp>
+            <p:nvSpPr>
+              <p:cNvPr id="44" name="テキスト ボックス 43"/>
+              <p:cNvSpPr txBox="1">
+                <a:spLocks noRot="1" noChangeAspect="1" noMove="1" noResize="1" noEditPoints="1" noAdjustHandles="1" noChangeArrowheads="1" noChangeShapeType="1" noTextEdit="1"/>
+              </p:cNvSpPr>
+              <p:nvPr/>
+            </p:nvSpPr>
+            <p:spPr>
+              <a:xfrm>
+                <a:off x="6516216" y="3184058"/>
+                <a:ext cx="452303" cy="615553"/>
+              </a:xfrm>
+              <a:prstGeom prst="rect">
+                <a:avLst/>
+              </a:prstGeom>
+              <a:blipFill>
+                <a:blip r:embed="rId7"/>
+                <a:stretch>
+                  <a:fillRect/>
+                </a:stretch>
+              </a:blipFill>
+            </p:spPr>
+            <p:txBody>
+              <a:bodyPr/>
+              <a:lstStyle/>
+              <a:p>
+                <a:r>
+                  <a:rPr lang="ja-JP" altLang="en-US">
+                    <a:noFill/>
+                  </a:rPr>
+                  <a:t> </a:t>
+                </a:r>
+              </a:p>
+            </p:txBody>
+          </p:sp>
+        </mc:Fallback>
+      </mc:AlternateContent>
+      <mc:AlternateContent xmlns:mc="http://schemas.openxmlformats.org/markup-compatibility/2006">
+        <mc:Choice xmlns:a14="http://schemas.microsoft.com/office/drawing/2010/main" Requires="a14">
+          <p:sp>
+            <p:nvSpPr>
+              <p:cNvPr id="45" name="テキスト ボックス 44"/>
+              <p:cNvSpPr txBox="1"/>
+              <p:nvPr/>
+            </p:nvSpPr>
+            <p:spPr>
+              <a:xfrm>
+                <a:off x="7524328" y="3184058"/>
+                <a:ext cx="703654" cy="631455"/>
+              </a:xfrm>
+              <a:prstGeom prst="rect">
+                <a:avLst/>
+              </a:prstGeom>
+              <a:noFill/>
+            </p:spPr>
+            <p:txBody>
+              <a:bodyPr wrap="none" lIns="0" tIns="0" rIns="0" bIns="0" rtlCol="0">
+                <a:spAutoFit/>
+              </a:bodyPr>
+              <a:lstStyle/>
+              <a:p>
+                <a:pPr/>
+                <a14:m>
+                  <m:oMathPara xmlns:m="http://schemas.openxmlformats.org/officeDocument/2006/math">
+                    <m:oMathParaPr>
+                      <m:jc m:val="centerGroup"/>
+                    </m:oMathParaPr>
+                    <m:oMath xmlns:m="http://schemas.openxmlformats.org/officeDocument/2006/math">
+                      <m:sSup>
+                        <m:sSupPr>
+                          <m:ctrlPr>
+                            <a:rPr kumimoji="1" lang="el-GR" altLang="ja-JP" sz="4000" b="0" i="1" smtClean="0">
+                              <a:latin typeface="Cambria Math" panose="02040503050406030204" pitchFamily="18" charset="0"/>
+                              <a:ea typeface="Cambria Math" panose="02040503050406030204" pitchFamily="18" charset="0"/>
+                            </a:rPr>
+                          </m:ctrlPr>
+                        </m:sSupPr>
+                        <m:e>
+                          <m:r>
+                            <a:rPr kumimoji="1" lang="en-US" altLang="ja-JP" sz="4000" b="0" i="1" smtClean="0">
+                              <a:latin typeface="Cambria Math" panose="02040503050406030204" pitchFamily="18" charset="0"/>
+                              <a:ea typeface="Cambria Math" panose="02040503050406030204" pitchFamily="18" charset="0"/>
+                            </a:rPr>
+                            <m:t>𝑉</m:t>
+                          </m:r>
+                        </m:e>
+                        <m:sup>
+                          <m:r>
+                            <a:rPr kumimoji="1" lang="el-GR" altLang="ja-JP" sz="4000" b="0" i="1" smtClean="0">
+                              <a:latin typeface="Cambria Math" panose="02040503050406030204" pitchFamily="18" charset="0"/>
+                              <a:ea typeface="Cambria Math" panose="02040503050406030204" pitchFamily="18" charset="0"/>
+                            </a:rPr>
+                            <m:t>†</m:t>
+                          </m:r>
+                        </m:sup>
+                      </m:sSup>
+                    </m:oMath>
+                  </m:oMathPara>
+                </a14:m>
+                <a:endParaRPr kumimoji="1" lang="ja-JP" altLang="en-US" sz="4000" dirty="0"/>
+              </a:p>
+            </p:txBody>
+          </p:sp>
+        </mc:Choice>
+        <mc:Fallback>
+          <p:sp>
+            <p:nvSpPr>
+              <p:cNvPr id="45" name="テキスト ボックス 44"/>
+              <p:cNvSpPr txBox="1">
+                <a:spLocks noRot="1" noChangeAspect="1" noMove="1" noResize="1" noEditPoints="1" noAdjustHandles="1" noChangeArrowheads="1" noChangeShapeType="1" noTextEdit="1"/>
+              </p:cNvSpPr>
+              <p:nvPr/>
+            </p:nvSpPr>
+            <p:spPr>
+              <a:xfrm>
+                <a:off x="7524328" y="3184058"/>
+                <a:ext cx="703654" cy="631455"/>
+              </a:xfrm>
+              <a:prstGeom prst="rect">
+                <a:avLst/>
+              </a:prstGeom>
+              <a:blipFill>
+                <a:blip r:embed="rId8"/>
+                <a:stretch>
+                  <a:fillRect/>
+                </a:stretch>
+              </a:blipFill>
+            </p:spPr>
+            <p:txBody>
+              <a:bodyPr/>
+              <a:lstStyle/>
+              <a:p>
+                <a:r>
+                  <a:rPr lang="ja-JP" altLang="en-US">
+                    <a:noFill/>
+                  </a:rPr>
+                  <a:t> </a:t>
+                </a:r>
+              </a:p>
+            </p:txBody>
+          </p:sp>
+        </mc:Fallback>
+      </mc:AlternateContent>
+      <mc:AlternateContent xmlns:mc="http://schemas.openxmlformats.org/markup-compatibility/2006">
+        <mc:Choice xmlns:a14="http://schemas.microsoft.com/office/drawing/2010/main" Requires="a14">
+          <p:sp>
+            <p:nvSpPr>
+              <p:cNvPr id="46" name="テキスト ボックス 45"/>
+              <p:cNvSpPr txBox="1"/>
+              <p:nvPr/>
+            </p:nvSpPr>
+            <p:spPr>
+              <a:xfrm>
+                <a:off x="3275856" y="3184058"/>
+                <a:ext cx="478080" cy="615553"/>
+              </a:xfrm>
+              <a:prstGeom prst="rect">
+                <a:avLst/>
+              </a:prstGeom>
+              <a:noFill/>
+            </p:spPr>
+            <p:txBody>
+              <a:bodyPr wrap="none" lIns="0" tIns="0" rIns="0" bIns="0" rtlCol="0">
+                <a:spAutoFit/>
+              </a:bodyPr>
+              <a:lstStyle/>
+              <a:p>
+                <a:pPr/>
+                <a14:m>
+                  <m:oMathPara xmlns:m="http://schemas.openxmlformats.org/officeDocument/2006/math">
+                    <m:oMathParaPr>
+                      <m:jc m:val="centerGroup"/>
+                    </m:oMathParaPr>
+                    <m:oMath xmlns:m="http://schemas.openxmlformats.org/officeDocument/2006/math">
+                      <m:r>
+                        <a:rPr kumimoji="1" lang="en-US" altLang="ja-JP" sz="4000" b="0" i="1" smtClean="0">
+                          <a:latin typeface="Cambria Math" panose="02040503050406030204" pitchFamily="18" charset="0"/>
+                        </a:rPr>
+                        <m:t>𝑈</m:t>
+                      </m:r>
+                    </m:oMath>
+                  </m:oMathPara>
+                </a14:m>
+                <a:endParaRPr kumimoji="1" lang="ja-JP" altLang="en-US" sz="4000" dirty="0"/>
+              </a:p>
+            </p:txBody>
+          </p:sp>
+        </mc:Choice>
+        <mc:Fallback>
+          <p:sp>
+            <p:nvSpPr>
+              <p:cNvPr id="46" name="テキスト ボックス 45"/>
+              <p:cNvSpPr txBox="1">
+                <a:spLocks noRot="1" noChangeAspect="1" noMove="1" noResize="1" noEditPoints="1" noAdjustHandles="1" noChangeArrowheads="1" noChangeShapeType="1" noTextEdit="1"/>
+              </p:cNvSpPr>
+              <p:nvPr/>
+            </p:nvSpPr>
+            <p:spPr>
+              <a:xfrm>
+                <a:off x="3275856" y="3184058"/>
+                <a:ext cx="478080" cy="615553"/>
+              </a:xfrm>
+              <a:prstGeom prst="rect">
+                <a:avLst/>
+              </a:prstGeom>
+              <a:blipFill>
+                <a:blip r:embed="rId9"/>
+                <a:stretch>
+                  <a:fillRect/>
+                </a:stretch>
+              </a:blipFill>
+            </p:spPr>
+            <p:txBody>
+              <a:bodyPr/>
+              <a:lstStyle/>
+              <a:p>
+                <a:r>
+                  <a:rPr lang="ja-JP" altLang="en-US">
+                    <a:noFill/>
+                  </a:rPr>
+                  <a:t> </a:t>
+                </a:r>
+              </a:p>
+            </p:txBody>
+          </p:sp>
+        </mc:Fallback>
+      </mc:AlternateContent>
+      <mc:AlternateContent xmlns:mc="http://schemas.openxmlformats.org/markup-compatibility/2006">
+        <mc:Choice xmlns:a14="http://schemas.microsoft.com/office/drawing/2010/main" Requires="a14">
+          <p:sp>
+            <p:nvSpPr>
+              <p:cNvPr id="47" name="テキスト ボックス 46"/>
+              <p:cNvSpPr txBox="1"/>
+              <p:nvPr/>
+            </p:nvSpPr>
+            <p:spPr>
+              <a:xfrm>
+                <a:off x="4283968" y="3184058"/>
+                <a:ext cx="726160" cy="631455"/>
+              </a:xfrm>
+              <a:prstGeom prst="rect">
+                <a:avLst/>
+              </a:prstGeom>
+              <a:noFill/>
+            </p:spPr>
+            <p:txBody>
+              <a:bodyPr wrap="none" lIns="0" tIns="0" rIns="0" bIns="0" rtlCol="0">
+                <a:spAutoFit/>
+              </a:bodyPr>
+              <a:lstStyle/>
+              <a:p>
+                <a:pPr/>
+                <a14:m>
+                  <m:oMathPara xmlns:m="http://schemas.openxmlformats.org/officeDocument/2006/math">
+                    <m:oMathParaPr>
+                      <m:jc m:val="centerGroup"/>
+                    </m:oMathParaPr>
+                    <m:oMath xmlns:m="http://schemas.openxmlformats.org/officeDocument/2006/math">
+                      <m:sSup>
+                        <m:sSupPr>
+                          <m:ctrlPr>
+                            <a:rPr kumimoji="1" lang="el-GR" altLang="ja-JP" sz="4000" b="0" i="1" smtClean="0">
+                              <a:latin typeface="Cambria Math" panose="02040503050406030204" pitchFamily="18" charset="0"/>
+                              <a:ea typeface="Cambria Math" panose="02040503050406030204" pitchFamily="18" charset="0"/>
+                            </a:rPr>
+                          </m:ctrlPr>
+                        </m:sSupPr>
+                        <m:e>
+                          <m:r>
+                            <a:rPr kumimoji="1" lang="en-US" altLang="ja-JP" sz="4000" b="0" i="1" smtClean="0">
+                              <a:latin typeface="Cambria Math" panose="02040503050406030204" pitchFamily="18" charset="0"/>
+                              <a:ea typeface="Cambria Math" panose="02040503050406030204" pitchFamily="18" charset="0"/>
+                            </a:rPr>
+                            <m:t>𝑈</m:t>
+                          </m:r>
+                        </m:e>
+                        <m:sup>
+                          <m:r>
+                            <a:rPr kumimoji="1" lang="el-GR" altLang="ja-JP" sz="4000" b="0" i="1" smtClean="0">
+                              <a:latin typeface="Cambria Math" panose="02040503050406030204" pitchFamily="18" charset="0"/>
+                              <a:ea typeface="Cambria Math" panose="02040503050406030204" pitchFamily="18" charset="0"/>
+                            </a:rPr>
+                            <m:t>†</m:t>
+                          </m:r>
+                        </m:sup>
+                      </m:sSup>
+                    </m:oMath>
+                  </m:oMathPara>
+                </a14:m>
+                <a:endParaRPr kumimoji="1" lang="ja-JP" altLang="en-US" sz="4000" dirty="0"/>
+              </a:p>
+            </p:txBody>
+          </p:sp>
+        </mc:Choice>
+        <mc:Fallback>
+          <p:sp>
+            <p:nvSpPr>
+              <p:cNvPr id="47" name="テキスト ボックス 46"/>
+              <p:cNvSpPr txBox="1">
+                <a:spLocks noRot="1" noChangeAspect="1" noMove="1" noResize="1" noEditPoints="1" noAdjustHandles="1" noChangeArrowheads="1" noChangeShapeType="1" noTextEdit="1"/>
+              </p:cNvSpPr>
+              <p:nvPr/>
+            </p:nvSpPr>
+            <p:spPr>
+              <a:xfrm>
+                <a:off x="4283968" y="3184058"/>
+                <a:ext cx="726160" cy="631455"/>
+              </a:xfrm>
+              <a:prstGeom prst="rect">
+                <a:avLst/>
+              </a:prstGeom>
+              <a:blipFill>
+                <a:blip r:embed="rId10"/>
+                <a:stretch>
+                  <a:fillRect/>
+                </a:stretch>
+              </a:blipFill>
+            </p:spPr>
+            <p:txBody>
+              <a:bodyPr/>
+              <a:lstStyle/>
+              <a:p>
+                <a:r>
+                  <a:rPr lang="ja-JP" altLang="en-US">
+                    <a:noFill/>
+                  </a:rPr>
+                  <a:t> </a:t>
+                </a:r>
+              </a:p>
+            </p:txBody>
+          </p:sp>
+        </mc:Fallback>
+      </mc:AlternateContent>
+      <mc:AlternateContent xmlns:mc="http://schemas.openxmlformats.org/markup-compatibility/2006">
+        <mc:Choice xmlns:a14="http://schemas.microsoft.com/office/drawing/2010/main" Requires="a14">
+          <p:sp>
+            <p:nvSpPr>
+              <p:cNvPr id="48" name="テキスト ボックス 47"/>
+              <p:cNvSpPr txBox="1"/>
+              <p:nvPr/>
+            </p:nvSpPr>
+            <p:spPr>
+              <a:xfrm>
+                <a:off x="1115616" y="3184058"/>
+                <a:ext cx="458139" cy="615553"/>
+              </a:xfrm>
+              <a:prstGeom prst="rect">
+                <a:avLst/>
+              </a:prstGeom>
+              <a:noFill/>
+            </p:spPr>
+            <p:txBody>
+              <a:bodyPr wrap="none" lIns="0" tIns="0" rIns="0" bIns="0" rtlCol="0">
+                <a:spAutoFit/>
+              </a:bodyPr>
+              <a:lstStyle/>
+              <a:p>
+                <a:pPr/>
+                <a14:m>
+                  <m:oMathPara xmlns:m="http://schemas.openxmlformats.org/officeDocument/2006/math">
+                    <m:oMathParaPr>
+                      <m:jc m:val="centerGroup"/>
+                    </m:oMathParaPr>
+                    <m:oMath xmlns:m="http://schemas.openxmlformats.org/officeDocument/2006/math">
+                      <m:r>
+                        <a:rPr kumimoji="1" lang="en-US" altLang="ja-JP" sz="4000" b="0" i="1" smtClean="0">
+                          <a:latin typeface="Cambria Math" panose="02040503050406030204" pitchFamily="18" charset="0"/>
+                        </a:rPr>
+                        <m:t>𝑋</m:t>
+                      </m:r>
+                    </m:oMath>
+                  </m:oMathPara>
+                </a14:m>
+                <a:endParaRPr kumimoji="1" lang="ja-JP" altLang="en-US" sz="4000" dirty="0"/>
+              </a:p>
+            </p:txBody>
+          </p:sp>
+        </mc:Choice>
+        <mc:Fallback>
+          <p:sp>
+            <p:nvSpPr>
+              <p:cNvPr id="48" name="テキスト ボックス 47"/>
+              <p:cNvSpPr txBox="1">
+                <a:spLocks noRot="1" noChangeAspect="1" noMove="1" noResize="1" noEditPoints="1" noAdjustHandles="1" noChangeArrowheads="1" noChangeShapeType="1" noTextEdit="1"/>
+              </p:cNvSpPr>
+              <p:nvPr/>
+            </p:nvSpPr>
+            <p:spPr>
+              <a:xfrm>
+                <a:off x="1115616" y="3184058"/>
+                <a:ext cx="458139" cy="615553"/>
+              </a:xfrm>
+              <a:prstGeom prst="rect">
+                <a:avLst/>
+              </a:prstGeom>
+              <a:blipFill>
+                <a:blip r:embed="rId11"/>
+                <a:stretch>
+                  <a:fillRect/>
+                </a:stretch>
+              </a:blipFill>
+            </p:spPr>
+            <p:txBody>
+              <a:bodyPr/>
+              <a:lstStyle/>
+              <a:p>
+                <a:r>
+                  <a:rPr lang="ja-JP" altLang="en-US">
+                    <a:noFill/>
+                  </a:rPr>
+                  <a:t> </a:t>
+                </a:r>
+              </a:p>
+            </p:txBody>
+          </p:sp>
+        </mc:Fallback>
+      </mc:AlternateContent>
+      <p:sp>
+        <p:nvSpPr>
+          <p:cNvPr id="49" name="テキスト ボックス 48"/>
+          <p:cNvSpPr txBox="1"/>
+          <p:nvPr/>
+        </p:nvSpPr>
+        <p:spPr>
+          <a:xfrm>
+            <a:off x="611560" y="3112050"/>
+            <a:ext cx="369012" cy="369332"/>
+          </a:xfrm>
+          <a:prstGeom prst="rect">
+            <a:avLst/>
+          </a:prstGeom>
+          <a:noFill/>
+        </p:spPr>
+        <p:txBody>
+          <a:bodyPr wrap="none" rtlCol="0">
+            <a:spAutoFit/>
+          </a:bodyPr>
+          <a:lstStyle/>
+          <a:p>
+            <a:r>
+              <a:rPr kumimoji="1" lang="en-US" altLang="ja-JP" dirty="0" smtClean="0"/>
+              <a:t>m</a:t>
+            </a:r>
+            <a:endParaRPr kumimoji="1" lang="ja-JP" altLang="en-US" dirty="0"/>
+          </a:p>
+        </p:txBody>
+      </p:sp>
+      <p:sp>
+        <p:nvSpPr>
+          <p:cNvPr id="50" name="テキスト ボックス 49"/>
+          <p:cNvSpPr txBox="1"/>
+          <p:nvPr/>
+        </p:nvSpPr>
+        <p:spPr>
+          <a:xfrm>
+            <a:off x="1691680" y="3112050"/>
+            <a:ext cx="306494" cy="369332"/>
+          </a:xfrm>
+          <a:prstGeom prst="rect">
+            <a:avLst/>
+          </a:prstGeom>
+          <a:noFill/>
+        </p:spPr>
+        <p:txBody>
+          <a:bodyPr wrap="none" rtlCol="0">
+            <a:spAutoFit/>
+          </a:bodyPr>
+          <a:lstStyle/>
+          <a:p>
+            <a:r>
+              <a:rPr lang="en-US" altLang="ja-JP" dirty="0"/>
+              <a:t>n</a:t>
+            </a:r>
+            <a:endParaRPr kumimoji="1" lang="ja-JP" altLang="en-US" dirty="0"/>
+          </a:p>
+        </p:txBody>
+      </p:sp>
+      <p:sp>
+        <p:nvSpPr>
+          <p:cNvPr id="51" name="テキスト ボックス 50"/>
+          <p:cNvSpPr txBox="1"/>
+          <p:nvPr/>
+        </p:nvSpPr>
+        <p:spPr>
+          <a:xfrm>
+            <a:off x="2771800" y="3121342"/>
+            <a:ext cx="369012" cy="369332"/>
+          </a:xfrm>
+          <a:prstGeom prst="rect">
+            <a:avLst/>
+          </a:prstGeom>
+          <a:noFill/>
+        </p:spPr>
+        <p:txBody>
+          <a:bodyPr wrap="none" rtlCol="0">
+            <a:spAutoFit/>
+          </a:bodyPr>
+          <a:lstStyle/>
+          <a:p>
+            <a:r>
+              <a:rPr kumimoji="1" lang="en-US" altLang="ja-JP" dirty="0" smtClean="0"/>
+              <a:t>m</a:t>
+            </a:r>
+            <a:endParaRPr kumimoji="1" lang="ja-JP" altLang="en-US" dirty="0"/>
+          </a:p>
+        </p:txBody>
+      </p:sp>
+      <p:sp>
+        <p:nvSpPr>
+          <p:cNvPr id="52" name="テキスト ボックス 51"/>
+          <p:cNvSpPr txBox="1"/>
+          <p:nvPr/>
+        </p:nvSpPr>
+        <p:spPr>
+          <a:xfrm>
+            <a:off x="3851920" y="3121342"/>
+            <a:ext cx="369012" cy="369332"/>
+          </a:xfrm>
+          <a:prstGeom prst="rect">
+            <a:avLst/>
+          </a:prstGeom>
+          <a:noFill/>
+        </p:spPr>
+        <p:txBody>
+          <a:bodyPr wrap="none" rtlCol="0">
+            <a:spAutoFit/>
+          </a:bodyPr>
+          <a:lstStyle/>
+          <a:p>
+            <a:r>
+              <a:rPr kumimoji="1" lang="en-US" altLang="ja-JP" dirty="0" smtClean="0"/>
+              <a:t>m</a:t>
+            </a:r>
+            <a:endParaRPr kumimoji="1" lang="ja-JP" altLang="en-US" dirty="0"/>
+          </a:p>
+        </p:txBody>
+      </p:sp>
+      <p:sp>
+        <p:nvSpPr>
+          <p:cNvPr id="53" name="テキスト ボックス 52"/>
+          <p:cNvSpPr txBox="1"/>
+          <p:nvPr/>
+        </p:nvSpPr>
+        <p:spPr>
+          <a:xfrm>
+            <a:off x="4932040" y="3121342"/>
+            <a:ext cx="369012" cy="369332"/>
+          </a:xfrm>
+          <a:prstGeom prst="rect">
+            <a:avLst/>
+          </a:prstGeom>
+          <a:noFill/>
+        </p:spPr>
+        <p:txBody>
+          <a:bodyPr wrap="none" rtlCol="0">
+            <a:spAutoFit/>
+          </a:bodyPr>
+          <a:lstStyle/>
+          <a:p>
+            <a:r>
+              <a:rPr kumimoji="1" lang="en-US" altLang="ja-JP" dirty="0" smtClean="0"/>
+              <a:t>m</a:t>
+            </a:r>
+            <a:endParaRPr kumimoji="1" lang="ja-JP" altLang="en-US" dirty="0"/>
+          </a:p>
+        </p:txBody>
+      </p:sp>
+      <p:sp>
+        <p:nvSpPr>
+          <p:cNvPr id="54" name="テキスト ボックス 53"/>
+          <p:cNvSpPr txBox="1"/>
+          <p:nvPr/>
+        </p:nvSpPr>
+        <p:spPr>
+          <a:xfrm>
+            <a:off x="6012160" y="3121342"/>
+            <a:ext cx="306494" cy="369332"/>
+          </a:xfrm>
+          <a:prstGeom prst="rect">
+            <a:avLst/>
+          </a:prstGeom>
+          <a:noFill/>
+        </p:spPr>
+        <p:txBody>
+          <a:bodyPr wrap="none" rtlCol="0">
+            <a:spAutoFit/>
+          </a:bodyPr>
+          <a:lstStyle/>
+          <a:p>
+            <a:r>
+              <a:rPr lang="en-US" altLang="ja-JP" dirty="0"/>
+              <a:t>n</a:t>
+            </a:r>
+            <a:endParaRPr kumimoji="1" lang="ja-JP" altLang="en-US" dirty="0"/>
+          </a:p>
+        </p:txBody>
+      </p:sp>
+      <p:sp>
+        <p:nvSpPr>
+          <p:cNvPr id="55" name="テキスト ボックス 54"/>
+          <p:cNvSpPr txBox="1"/>
+          <p:nvPr/>
+        </p:nvSpPr>
+        <p:spPr>
+          <a:xfrm>
+            <a:off x="7145826" y="3112050"/>
+            <a:ext cx="306494" cy="369332"/>
+          </a:xfrm>
+          <a:prstGeom prst="rect">
+            <a:avLst/>
+          </a:prstGeom>
+          <a:noFill/>
+        </p:spPr>
+        <p:txBody>
+          <a:bodyPr wrap="none" rtlCol="0">
+            <a:spAutoFit/>
+          </a:bodyPr>
+          <a:lstStyle/>
+          <a:p>
+            <a:r>
+              <a:rPr lang="en-US" altLang="ja-JP" dirty="0"/>
+              <a:t>n</a:t>
+            </a:r>
+            <a:endParaRPr kumimoji="1" lang="ja-JP" altLang="en-US" dirty="0"/>
+          </a:p>
+        </p:txBody>
+      </p:sp>
+      <p:sp>
+        <p:nvSpPr>
+          <p:cNvPr id="56" name="テキスト ボックス 55"/>
+          <p:cNvSpPr txBox="1"/>
+          <p:nvPr/>
+        </p:nvSpPr>
+        <p:spPr>
+          <a:xfrm>
+            <a:off x="8225946" y="3112050"/>
+            <a:ext cx="306494" cy="369332"/>
+          </a:xfrm>
+          <a:prstGeom prst="rect">
+            <a:avLst/>
+          </a:prstGeom>
+          <a:noFill/>
+        </p:spPr>
+        <p:txBody>
+          <a:bodyPr wrap="none" rtlCol="0">
+            <a:spAutoFit/>
+          </a:bodyPr>
+          <a:lstStyle/>
+          <a:p>
+            <a:r>
+              <a:rPr lang="en-US" altLang="ja-JP" dirty="0"/>
+              <a:t>n</a:t>
+            </a:r>
+            <a:endParaRPr kumimoji="1" lang="ja-JP" altLang="en-US" dirty="0"/>
+          </a:p>
+        </p:txBody>
+      </p:sp>
+      <p:sp>
+        <p:nvSpPr>
+          <p:cNvPr id="87" name="正方形/長方形 86"/>
+          <p:cNvSpPr/>
+          <p:nvPr/>
+        </p:nvSpPr>
+        <p:spPr>
+          <a:xfrm>
+            <a:off x="971600" y="4336186"/>
+            <a:ext cx="720080" cy="720080"/>
+          </a:xfrm>
+          <a:prstGeom prst="rect">
+            <a:avLst/>
+          </a:prstGeom>
+          <a:solidFill>
+            <a:schemeClr val="bg1"/>
+          </a:solidFill>
+          <a:ln>
+            <a:solidFill>
+              <a:schemeClr val="tx1"/>
+            </a:solidFill>
+          </a:ln>
+        </p:spPr>
+        <p:style>
+          <a:lnRef idx="2">
+            <a:schemeClr val="accent1">
+              <a:shade val="50000"/>
+            </a:schemeClr>
+          </a:lnRef>
+          <a:fillRef idx="1">
+            <a:schemeClr val="accent1"/>
+          </a:fillRef>
+          <a:effectRef idx="0">
+            <a:schemeClr val="accent1"/>
+          </a:effectRef>
+          <a:fontRef idx="minor">
+            <a:schemeClr val="lt1"/>
+          </a:fontRef>
+        </p:style>
+        <p:txBody>
+          <a:bodyPr rtlCol="0" anchor="ctr"/>
+          <a:lstStyle/>
+          <a:p>
+            <a:pPr algn="ctr"/>
+            <a:endParaRPr kumimoji="1" lang="ja-JP" altLang="en-US" dirty="0"/>
+          </a:p>
+        </p:txBody>
+      </p:sp>
+      <p:cxnSp>
+        <p:nvCxnSpPr>
+          <p:cNvPr id="88" name="直線コネクタ 87"/>
+          <p:cNvCxnSpPr/>
+          <p:nvPr/>
+        </p:nvCxnSpPr>
+        <p:spPr>
+          <a:xfrm flipH="1">
+            <a:off x="611560" y="4696226"/>
+            <a:ext cx="360040" cy="0"/>
+          </a:xfrm>
+          <a:prstGeom prst="line">
+            <a:avLst/>
+          </a:prstGeom>
+          <a:ln w="38100">
+            <a:solidFill>
+              <a:schemeClr val="tx1"/>
+            </a:solidFill>
+          </a:ln>
+        </p:spPr>
+        <p:style>
+          <a:lnRef idx="1">
+            <a:schemeClr val="accent1"/>
+          </a:lnRef>
+          <a:fillRef idx="0">
+            <a:schemeClr val="accent1"/>
+          </a:fillRef>
+          <a:effectRef idx="0">
+            <a:schemeClr val="accent1"/>
+          </a:effectRef>
+          <a:fontRef idx="minor">
+            <a:schemeClr val="tx1"/>
+          </a:fontRef>
+        </p:style>
+      </p:cxnSp>
+      <p:cxnSp>
+        <p:nvCxnSpPr>
+          <p:cNvPr id="89" name="直線コネクタ 88"/>
+          <p:cNvCxnSpPr/>
+          <p:nvPr/>
+        </p:nvCxnSpPr>
+        <p:spPr>
+          <a:xfrm flipH="1">
+            <a:off x="1691680" y="4696226"/>
+            <a:ext cx="360040" cy="0"/>
+          </a:xfrm>
+          <a:prstGeom prst="line">
+            <a:avLst/>
+          </a:prstGeom>
+          <a:ln w="38100">
+            <a:solidFill>
+              <a:schemeClr val="tx1"/>
+            </a:solidFill>
+          </a:ln>
+        </p:spPr>
+        <p:style>
+          <a:lnRef idx="1">
+            <a:schemeClr val="accent1"/>
+          </a:lnRef>
+          <a:fillRef idx="0">
+            <a:schemeClr val="accent1"/>
+          </a:fillRef>
+          <a:effectRef idx="0">
+            <a:schemeClr val="accent1"/>
+          </a:effectRef>
+          <a:fontRef idx="minor">
+            <a:schemeClr val="tx1"/>
+          </a:fontRef>
+        </p:style>
+      </p:cxnSp>
+      <p:sp>
+        <p:nvSpPr>
+          <p:cNvPr id="90" name="テキスト ボックス 89"/>
+          <p:cNvSpPr txBox="1"/>
+          <p:nvPr/>
+        </p:nvSpPr>
+        <p:spPr>
+          <a:xfrm>
+            <a:off x="2237934" y="4399483"/>
+            <a:ext cx="389850" cy="584775"/>
+          </a:xfrm>
+          <a:prstGeom prst="rect">
+            <a:avLst/>
+          </a:prstGeom>
+          <a:noFill/>
+        </p:spPr>
+        <p:txBody>
+          <a:bodyPr wrap="none" rtlCol="0">
+            <a:spAutoFit/>
+          </a:bodyPr>
+          <a:lstStyle/>
+          <a:p>
+            <a:r>
+              <a:rPr lang="en-US" altLang="ja-JP" sz="3200" dirty="0"/>
+              <a:t>=</a:t>
+            </a:r>
+            <a:endParaRPr kumimoji="1" lang="ja-JP" altLang="en-US" sz="3200" dirty="0"/>
+          </a:p>
+        </p:txBody>
+      </p:sp>
+      <p:sp>
+        <p:nvSpPr>
+          <p:cNvPr id="91" name="正方形/長方形 90"/>
+          <p:cNvSpPr/>
+          <p:nvPr/>
+        </p:nvSpPr>
+        <p:spPr>
+          <a:xfrm>
+            <a:off x="5292080" y="4336186"/>
+            <a:ext cx="720080" cy="720080"/>
+          </a:xfrm>
+          <a:prstGeom prst="rect">
+            <a:avLst/>
+          </a:prstGeom>
+          <a:solidFill>
+            <a:schemeClr val="bg1"/>
+          </a:solidFill>
+          <a:ln>
+            <a:solidFill>
+              <a:schemeClr val="tx1"/>
+            </a:solidFill>
+          </a:ln>
+        </p:spPr>
+        <p:style>
+          <a:lnRef idx="2">
+            <a:schemeClr val="accent1">
+              <a:shade val="50000"/>
+            </a:schemeClr>
+          </a:lnRef>
+          <a:fillRef idx="1">
+            <a:schemeClr val="accent1"/>
+          </a:fillRef>
+          <a:effectRef idx="0">
+            <a:schemeClr val="accent1"/>
+          </a:effectRef>
+          <a:fontRef idx="minor">
+            <a:schemeClr val="lt1"/>
+          </a:fontRef>
+        </p:style>
+        <p:txBody>
+          <a:bodyPr rtlCol="0" anchor="ctr"/>
+          <a:lstStyle/>
+          <a:p>
+            <a:pPr algn="ctr"/>
+            <a:endParaRPr kumimoji="1" lang="ja-JP" altLang="en-US" dirty="0"/>
+          </a:p>
+        </p:txBody>
+      </p:sp>
+      <p:cxnSp>
+        <p:nvCxnSpPr>
+          <p:cNvPr id="92" name="直線コネクタ 91"/>
+          <p:cNvCxnSpPr/>
+          <p:nvPr/>
+        </p:nvCxnSpPr>
+        <p:spPr>
+          <a:xfrm flipH="1">
+            <a:off x="4932040" y="4696226"/>
+            <a:ext cx="360040" cy="0"/>
+          </a:xfrm>
+          <a:prstGeom prst="line">
+            <a:avLst/>
+          </a:prstGeom>
+          <a:ln w="38100">
+            <a:solidFill>
+              <a:schemeClr val="tx1"/>
+            </a:solidFill>
+          </a:ln>
+        </p:spPr>
+        <p:style>
+          <a:lnRef idx="1">
+            <a:schemeClr val="accent1"/>
+          </a:lnRef>
+          <a:fillRef idx="0">
+            <a:schemeClr val="accent1"/>
+          </a:fillRef>
+          <a:effectRef idx="0">
+            <a:schemeClr val="accent1"/>
+          </a:effectRef>
+          <a:fontRef idx="minor">
+            <a:schemeClr val="tx1"/>
+          </a:fontRef>
+        </p:style>
+      </p:cxnSp>
+      <p:cxnSp>
+        <p:nvCxnSpPr>
+          <p:cNvPr id="93" name="直線コネクタ 92"/>
+          <p:cNvCxnSpPr/>
+          <p:nvPr/>
+        </p:nvCxnSpPr>
+        <p:spPr>
+          <a:xfrm flipH="1">
+            <a:off x="6012160" y="4686934"/>
+            <a:ext cx="360040" cy="0"/>
+          </a:xfrm>
+          <a:prstGeom prst="line">
+            <a:avLst/>
+          </a:prstGeom>
+          <a:ln w="38100">
+            <a:solidFill>
+              <a:schemeClr val="tx1"/>
+            </a:solidFill>
+          </a:ln>
+        </p:spPr>
+        <p:style>
+          <a:lnRef idx="1">
+            <a:schemeClr val="accent1"/>
+          </a:lnRef>
+          <a:fillRef idx="0">
+            <a:schemeClr val="accent1"/>
+          </a:fillRef>
+          <a:effectRef idx="0">
+            <a:schemeClr val="accent1"/>
+          </a:effectRef>
+          <a:fontRef idx="minor">
+            <a:schemeClr val="tx1"/>
+          </a:fontRef>
+        </p:style>
+      </p:cxnSp>
+      <p:sp>
+        <p:nvSpPr>
+          <p:cNvPr id="94" name="正方形/長方形 93"/>
+          <p:cNvSpPr/>
+          <p:nvPr/>
+        </p:nvSpPr>
+        <p:spPr>
+          <a:xfrm>
+            <a:off x="4211960" y="4336186"/>
+            <a:ext cx="720080" cy="720080"/>
+          </a:xfrm>
+          <a:prstGeom prst="rect">
+            <a:avLst/>
+          </a:prstGeom>
+          <a:solidFill>
+            <a:schemeClr val="bg1"/>
+          </a:solidFill>
+          <a:ln>
+            <a:solidFill>
+              <a:schemeClr val="tx1"/>
+            </a:solidFill>
+          </a:ln>
+        </p:spPr>
+        <p:style>
+          <a:lnRef idx="2">
+            <a:schemeClr val="accent1">
+              <a:shade val="50000"/>
+            </a:schemeClr>
+          </a:lnRef>
+          <a:fillRef idx="1">
+            <a:schemeClr val="accent1"/>
+          </a:fillRef>
+          <a:effectRef idx="0">
+            <a:schemeClr val="accent1"/>
+          </a:effectRef>
+          <a:fontRef idx="minor">
+            <a:schemeClr val="lt1"/>
+          </a:fontRef>
+        </p:style>
+        <p:txBody>
+          <a:bodyPr rtlCol="0" anchor="ctr"/>
+          <a:lstStyle/>
+          <a:p>
+            <a:pPr algn="ctr"/>
+            <a:endParaRPr kumimoji="1" lang="ja-JP" altLang="en-US" dirty="0"/>
+          </a:p>
+        </p:txBody>
+      </p:sp>
+      <mc:AlternateContent xmlns:mc="http://schemas.openxmlformats.org/markup-compatibility/2006">
+        <mc:Choice xmlns:a14="http://schemas.microsoft.com/office/drawing/2010/main" Requires="a14">
+          <p:sp>
+            <p:nvSpPr>
+              <p:cNvPr id="95" name="テキスト ボックス 94"/>
+              <p:cNvSpPr txBox="1"/>
+              <p:nvPr/>
+            </p:nvSpPr>
+            <p:spPr>
+              <a:xfrm>
+                <a:off x="5436096" y="4408194"/>
+                <a:ext cx="458139" cy="615553"/>
+              </a:xfrm>
+              <a:prstGeom prst="rect">
+                <a:avLst/>
+              </a:prstGeom>
+              <a:noFill/>
+            </p:spPr>
+            <p:txBody>
+              <a:bodyPr wrap="none" lIns="0" tIns="0" rIns="0" bIns="0" rtlCol="0">
+                <a:spAutoFit/>
+              </a:bodyPr>
+              <a:lstStyle/>
+              <a:p>
+                <a:pPr/>
+                <a14:m>
+                  <m:oMathPara xmlns:m="http://schemas.openxmlformats.org/officeDocument/2006/math">
+                    <m:oMathParaPr>
+                      <m:jc m:val="centerGroup"/>
+                    </m:oMathParaPr>
+                    <m:oMath xmlns:m="http://schemas.openxmlformats.org/officeDocument/2006/math">
+                      <m:r>
+                        <a:rPr kumimoji="1" lang="en-US" altLang="ja-JP" sz="4000" b="0" i="1" smtClean="0">
+                          <a:latin typeface="Cambria Math" panose="02040503050406030204" pitchFamily="18" charset="0"/>
+                        </a:rPr>
+                        <m:t>𝑋</m:t>
+                      </m:r>
+                    </m:oMath>
+                  </m:oMathPara>
+                </a14:m>
+                <a:endParaRPr kumimoji="1" lang="ja-JP" altLang="en-US" sz="4000" dirty="0"/>
+              </a:p>
+            </p:txBody>
+          </p:sp>
+        </mc:Choice>
+        <mc:Fallback>
+          <p:sp>
+            <p:nvSpPr>
+              <p:cNvPr id="95" name="テキスト ボックス 94"/>
+              <p:cNvSpPr txBox="1">
+                <a:spLocks noRot="1" noChangeAspect="1" noMove="1" noResize="1" noEditPoints="1" noAdjustHandles="1" noChangeArrowheads="1" noChangeShapeType="1" noTextEdit="1"/>
+              </p:cNvSpPr>
+              <p:nvPr/>
+            </p:nvSpPr>
+            <p:spPr>
+              <a:xfrm>
+                <a:off x="5436096" y="4408194"/>
+                <a:ext cx="458139" cy="615553"/>
+              </a:xfrm>
+              <a:prstGeom prst="rect">
+                <a:avLst/>
+              </a:prstGeom>
+              <a:blipFill>
+                <a:blip r:embed="rId12"/>
+                <a:stretch>
+                  <a:fillRect/>
+                </a:stretch>
+              </a:blipFill>
+            </p:spPr>
+            <p:txBody>
+              <a:bodyPr/>
+              <a:lstStyle/>
+              <a:p>
+                <a:r>
+                  <a:rPr lang="ja-JP" altLang="en-US">
+                    <a:noFill/>
+                  </a:rPr>
+                  <a:t> </a:t>
+                </a:r>
+              </a:p>
+            </p:txBody>
+          </p:sp>
+        </mc:Fallback>
+      </mc:AlternateContent>
+      <p:cxnSp>
+        <p:nvCxnSpPr>
+          <p:cNvPr id="96" name="直線コネクタ 95"/>
+          <p:cNvCxnSpPr/>
+          <p:nvPr/>
+        </p:nvCxnSpPr>
+        <p:spPr>
+          <a:xfrm flipH="1">
+            <a:off x="3851920" y="4696226"/>
+            <a:ext cx="360040" cy="0"/>
+          </a:xfrm>
+          <a:prstGeom prst="line">
+            <a:avLst/>
+          </a:prstGeom>
+          <a:ln w="9525">
+            <a:solidFill>
+              <a:srgbClr val="FF0000"/>
+            </a:solidFill>
+          </a:ln>
+        </p:spPr>
+        <p:style>
+          <a:lnRef idx="1">
+            <a:schemeClr val="accent1"/>
+          </a:lnRef>
+          <a:fillRef idx="0">
+            <a:schemeClr val="accent1"/>
+          </a:fillRef>
+          <a:effectRef idx="0">
+            <a:schemeClr val="accent1"/>
+          </a:effectRef>
+          <a:fontRef idx="minor">
+            <a:schemeClr val="tx1"/>
+          </a:fontRef>
+        </p:style>
+      </p:cxnSp>
+      <p:sp>
+        <p:nvSpPr>
+          <p:cNvPr id="97" name="正方形/長方形 96"/>
+          <p:cNvSpPr/>
+          <p:nvPr/>
+        </p:nvSpPr>
+        <p:spPr>
+          <a:xfrm>
+            <a:off x="3131840" y="4336186"/>
+            <a:ext cx="720080" cy="720080"/>
+          </a:xfrm>
+          <a:prstGeom prst="rect">
+            <a:avLst/>
+          </a:prstGeom>
+          <a:solidFill>
+            <a:schemeClr val="bg1"/>
+          </a:solidFill>
+          <a:ln>
+            <a:solidFill>
+              <a:schemeClr val="tx1"/>
+            </a:solidFill>
+          </a:ln>
+        </p:spPr>
+        <p:style>
+          <a:lnRef idx="2">
+            <a:schemeClr val="accent1">
+              <a:shade val="50000"/>
+            </a:schemeClr>
+          </a:lnRef>
+          <a:fillRef idx="1">
+            <a:schemeClr val="accent1"/>
+          </a:fillRef>
+          <a:effectRef idx="0">
+            <a:schemeClr val="accent1"/>
+          </a:effectRef>
+          <a:fontRef idx="minor">
+            <a:schemeClr val="lt1"/>
+          </a:fontRef>
+        </p:style>
+        <p:txBody>
+          <a:bodyPr rtlCol="0" anchor="ctr"/>
+          <a:lstStyle/>
+          <a:p>
+            <a:pPr algn="ctr"/>
+            <a:endParaRPr kumimoji="1" lang="ja-JP" altLang="en-US" dirty="0"/>
+          </a:p>
+        </p:txBody>
+      </p:sp>
+      <p:cxnSp>
+        <p:nvCxnSpPr>
+          <p:cNvPr id="98" name="直線コネクタ 97"/>
+          <p:cNvCxnSpPr/>
+          <p:nvPr/>
+        </p:nvCxnSpPr>
+        <p:spPr>
+          <a:xfrm flipH="1">
+            <a:off x="2771800" y="4696226"/>
+            <a:ext cx="360040" cy="0"/>
+          </a:xfrm>
+          <a:prstGeom prst="line">
+            <a:avLst/>
+          </a:prstGeom>
+          <a:ln w="38100">
+            <a:solidFill>
+              <a:schemeClr val="tx1"/>
+            </a:solidFill>
+          </a:ln>
+        </p:spPr>
+        <p:style>
+          <a:lnRef idx="1">
+            <a:schemeClr val="accent1"/>
+          </a:lnRef>
+          <a:fillRef idx="0">
+            <a:schemeClr val="accent1"/>
+          </a:fillRef>
+          <a:effectRef idx="0">
+            <a:schemeClr val="accent1"/>
+          </a:effectRef>
+          <a:fontRef idx="minor">
+            <a:schemeClr val="tx1"/>
+          </a:fontRef>
+        </p:style>
+      </p:cxnSp>
+      <p:cxnSp>
+        <p:nvCxnSpPr>
+          <p:cNvPr id="99" name="直線コネクタ 98"/>
+          <p:cNvCxnSpPr/>
+          <p:nvPr/>
+        </p:nvCxnSpPr>
+        <p:spPr>
+          <a:xfrm flipH="1">
+            <a:off x="7092280" y="4696226"/>
+            <a:ext cx="360040" cy="0"/>
+          </a:xfrm>
+          <a:prstGeom prst="line">
+            <a:avLst/>
+          </a:prstGeom>
+          <a:ln w="9525">
+            <a:solidFill>
+              <a:srgbClr val="FF0000"/>
+            </a:solidFill>
+          </a:ln>
+        </p:spPr>
+        <p:style>
+          <a:lnRef idx="1">
+            <a:schemeClr val="accent1"/>
+          </a:lnRef>
+          <a:fillRef idx="0">
+            <a:schemeClr val="accent1"/>
+          </a:fillRef>
+          <a:effectRef idx="0">
+            <a:schemeClr val="accent1"/>
+          </a:effectRef>
+          <a:fontRef idx="minor">
+            <a:schemeClr val="tx1"/>
+          </a:fontRef>
+        </p:style>
+      </p:cxnSp>
+      <p:sp>
+        <p:nvSpPr>
+          <p:cNvPr id="100" name="正方形/長方形 99"/>
+          <p:cNvSpPr/>
+          <p:nvPr/>
+        </p:nvSpPr>
+        <p:spPr>
+          <a:xfrm>
+            <a:off x="6372200" y="4336186"/>
+            <a:ext cx="720080" cy="720080"/>
+          </a:xfrm>
+          <a:prstGeom prst="rect">
+            <a:avLst/>
+          </a:prstGeom>
+          <a:solidFill>
+            <a:schemeClr val="bg1"/>
+          </a:solidFill>
+          <a:ln>
+            <a:solidFill>
+              <a:schemeClr val="tx1"/>
+            </a:solidFill>
+          </a:ln>
+        </p:spPr>
+        <p:style>
+          <a:lnRef idx="2">
+            <a:schemeClr val="accent1">
+              <a:shade val="50000"/>
+            </a:schemeClr>
+          </a:lnRef>
+          <a:fillRef idx="1">
+            <a:schemeClr val="accent1"/>
+          </a:fillRef>
+          <a:effectRef idx="0">
+            <a:schemeClr val="accent1"/>
+          </a:effectRef>
+          <a:fontRef idx="minor">
+            <a:schemeClr val="lt1"/>
+          </a:fontRef>
+        </p:style>
+        <p:txBody>
+          <a:bodyPr rtlCol="0" anchor="ctr"/>
+          <a:lstStyle/>
+          <a:p>
+            <a:pPr algn="ctr"/>
+            <a:endParaRPr kumimoji="1" lang="ja-JP" altLang="en-US" dirty="0"/>
+          </a:p>
+        </p:txBody>
+      </p:sp>
+      <p:cxnSp>
+        <p:nvCxnSpPr>
+          <p:cNvPr id="101" name="直線コネクタ 100"/>
+          <p:cNvCxnSpPr/>
+          <p:nvPr/>
+        </p:nvCxnSpPr>
+        <p:spPr>
+          <a:xfrm flipH="1">
+            <a:off x="8172400" y="4696226"/>
+            <a:ext cx="360040" cy="0"/>
+          </a:xfrm>
+          <a:prstGeom prst="line">
+            <a:avLst/>
+          </a:prstGeom>
+          <a:ln w="38100">
+            <a:solidFill>
+              <a:schemeClr val="tx1"/>
+            </a:solidFill>
+          </a:ln>
+        </p:spPr>
+        <p:style>
+          <a:lnRef idx="1">
+            <a:schemeClr val="accent1"/>
+          </a:lnRef>
+          <a:fillRef idx="0">
+            <a:schemeClr val="accent1"/>
+          </a:fillRef>
+          <a:effectRef idx="0">
+            <a:schemeClr val="accent1"/>
+          </a:effectRef>
+          <a:fontRef idx="minor">
+            <a:schemeClr val="tx1"/>
+          </a:fontRef>
+        </p:style>
+      </p:cxnSp>
+      <p:sp>
+        <p:nvSpPr>
+          <p:cNvPr id="102" name="正方形/長方形 101"/>
+          <p:cNvSpPr/>
+          <p:nvPr/>
+        </p:nvSpPr>
+        <p:spPr>
+          <a:xfrm>
+            <a:off x="7452320" y="4336186"/>
+            <a:ext cx="720080" cy="720080"/>
+          </a:xfrm>
+          <a:prstGeom prst="rect">
+            <a:avLst/>
+          </a:prstGeom>
+          <a:solidFill>
+            <a:schemeClr val="bg1"/>
+          </a:solidFill>
+          <a:ln>
+            <a:solidFill>
+              <a:schemeClr val="tx1"/>
+            </a:solidFill>
+          </a:ln>
+        </p:spPr>
+        <p:style>
+          <a:lnRef idx="2">
+            <a:schemeClr val="accent1">
+              <a:shade val="50000"/>
+            </a:schemeClr>
+          </a:lnRef>
+          <a:fillRef idx="1">
+            <a:schemeClr val="accent1"/>
+          </a:fillRef>
+          <a:effectRef idx="0">
+            <a:schemeClr val="accent1"/>
+          </a:effectRef>
+          <a:fontRef idx="minor">
+            <a:schemeClr val="lt1"/>
+          </a:fontRef>
+        </p:style>
+        <p:txBody>
+          <a:bodyPr rtlCol="0" anchor="ctr"/>
+          <a:lstStyle/>
+          <a:p>
+            <a:pPr algn="ctr"/>
+            <a:endParaRPr kumimoji="1" lang="ja-JP" altLang="en-US" dirty="0"/>
+          </a:p>
+        </p:txBody>
+      </p:sp>
+      <mc:AlternateContent xmlns:mc="http://schemas.openxmlformats.org/markup-compatibility/2006">
+        <mc:Choice xmlns:a14="http://schemas.microsoft.com/office/drawing/2010/main" Requires="a14">
+          <p:sp>
+            <p:nvSpPr>
+              <p:cNvPr id="103" name="テキスト ボックス 102"/>
+              <p:cNvSpPr txBox="1"/>
+              <p:nvPr/>
+            </p:nvSpPr>
+            <p:spPr>
+              <a:xfrm>
+                <a:off x="6516216" y="4408194"/>
+                <a:ext cx="452303" cy="626646"/>
+              </a:xfrm>
+              <a:prstGeom prst="rect">
+                <a:avLst/>
+              </a:prstGeom>
+              <a:noFill/>
+            </p:spPr>
+            <p:txBody>
+              <a:bodyPr wrap="none" lIns="0" tIns="0" rIns="0" bIns="0" rtlCol="0">
+                <a:spAutoFit/>
+              </a:bodyPr>
+              <a:lstStyle/>
+              <a:p>
+                <a:pPr/>
+                <a14:m>
+                  <m:oMathPara xmlns:m="http://schemas.openxmlformats.org/officeDocument/2006/math">
+                    <m:oMathParaPr>
+                      <m:jc m:val="centerGroup"/>
+                    </m:oMathParaPr>
+                    <m:oMath xmlns:m="http://schemas.openxmlformats.org/officeDocument/2006/math">
+                      <m:acc>
+                        <m:accPr>
+                          <m:chr m:val="̃"/>
+                          <m:ctrlPr>
+                            <a:rPr kumimoji="1" lang="en-US" altLang="ja-JP" sz="4000" b="0" i="1" smtClean="0">
+                              <a:latin typeface="Cambria Math" panose="02040503050406030204" pitchFamily="18" charset="0"/>
+                            </a:rPr>
+                          </m:ctrlPr>
+                        </m:accPr>
+                        <m:e>
+                          <m:r>
+                            <a:rPr kumimoji="1" lang="en-US" altLang="ja-JP" sz="4000" b="0" i="1" smtClean="0">
+                              <a:latin typeface="Cambria Math" panose="02040503050406030204" pitchFamily="18" charset="0"/>
+                            </a:rPr>
+                            <m:t>𝑉</m:t>
+                          </m:r>
+                        </m:e>
+                      </m:acc>
+                    </m:oMath>
+                  </m:oMathPara>
+                </a14:m>
+                <a:endParaRPr kumimoji="1" lang="ja-JP" altLang="en-US" sz="4000" dirty="0"/>
+              </a:p>
+            </p:txBody>
+          </p:sp>
+        </mc:Choice>
+        <mc:Fallback>
+          <p:sp>
+            <p:nvSpPr>
+              <p:cNvPr id="103" name="テキスト ボックス 102"/>
+              <p:cNvSpPr txBox="1">
+                <a:spLocks noRot="1" noChangeAspect="1" noMove="1" noResize="1" noEditPoints="1" noAdjustHandles="1" noChangeArrowheads="1" noChangeShapeType="1" noTextEdit="1"/>
+              </p:cNvSpPr>
+              <p:nvPr/>
+            </p:nvSpPr>
+            <p:spPr>
+              <a:xfrm>
+                <a:off x="6516216" y="4408194"/>
+                <a:ext cx="452303" cy="626646"/>
+              </a:xfrm>
+              <a:prstGeom prst="rect">
+                <a:avLst/>
+              </a:prstGeom>
+              <a:blipFill>
+                <a:blip r:embed="rId13"/>
+                <a:stretch>
+                  <a:fillRect/>
+                </a:stretch>
+              </a:blipFill>
+            </p:spPr>
+            <p:txBody>
+              <a:bodyPr/>
+              <a:lstStyle/>
+              <a:p>
+                <a:r>
+                  <a:rPr lang="ja-JP" altLang="en-US">
+                    <a:noFill/>
+                  </a:rPr>
+                  <a:t> </a:t>
+                </a:r>
+              </a:p>
+            </p:txBody>
+          </p:sp>
+        </mc:Fallback>
+      </mc:AlternateContent>
+      <mc:AlternateContent xmlns:mc="http://schemas.openxmlformats.org/markup-compatibility/2006">
+        <mc:Choice xmlns:a14="http://schemas.microsoft.com/office/drawing/2010/main" Requires="a14">
+          <p:sp>
+            <p:nvSpPr>
+              <p:cNvPr id="104" name="テキスト ボックス 103"/>
+              <p:cNvSpPr txBox="1"/>
+              <p:nvPr/>
+            </p:nvSpPr>
+            <p:spPr>
+              <a:xfrm>
+                <a:off x="7524328" y="4408194"/>
+                <a:ext cx="703654" cy="631455"/>
+              </a:xfrm>
+              <a:prstGeom prst="rect">
+                <a:avLst/>
+              </a:prstGeom>
+              <a:noFill/>
+            </p:spPr>
+            <p:txBody>
+              <a:bodyPr wrap="none" lIns="0" tIns="0" rIns="0" bIns="0" rtlCol="0">
+                <a:spAutoFit/>
+              </a:bodyPr>
+              <a:lstStyle/>
+              <a:p>
+                <a:pPr/>
+                <a14:m>
+                  <m:oMathPara xmlns:m="http://schemas.openxmlformats.org/officeDocument/2006/math">
+                    <m:oMathParaPr>
+                      <m:jc m:val="centerGroup"/>
+                    </m:oMathParaPr>
+                    <m:oMath xmlns:m="http://schemas.openxmlformats.org/officeDocument/2006/math">
+                      <m:sSup>
+                        <m:sSupPr>
+                          <m:ctrlPr>
+                            <a:rPr kumimoji="1" lang="el-GR" altLang="ja-JP" sz="4000" b="0" i="1" smtClean="0">
+                              <a:latin typeface="Cambria Math" panose="02040503050406030204" pitchFamily="18" charset="0"/>
+                              <a:ea typeface="Cambria Math" panose="02040503050406030204" pitchFamily="18" charset="0"/>
+                            </a:rPr>
+                          </m:ctrlPr>
+                        </m:sSupPr>
+                        <m:e>
+                          <m:r>
+                            <a:rPr kumimoji="1" lang="en-US" altLang="ja-JP" sz="4000" b="0" i="1" smtClean="0">
+                              <a:latin typeface="Cambria Math" panose="02040503050406030204" pitchFamily="18" charset="0"/>
+                              <a:ea typeface="Cambria Math" panose="02040503050406030204" pitchFamily="18" charset="0"/>
+                            </a:rPr>
+                            <m:t>𝑉</m:t>
+                          </m:r>
+                        </m:e>
+                        <m:sup>
+                          <m:r>
+                            <a:rPr kumimoji="1" lang="el-GR" altLang="ja-JP" sz="4000" b="0" i="1" smtClean="0">
+                              <a:latin typeface="Cambria Math" panose="02040503050406030204" pitchFamily="18" charset="0"/>
+                              <a:ea typeface="Cambria Math" panose="02040503050406030204" pitchFamily="18" charset="0"/>
+                            </a:rPr>
+                            <m:t>†</m:t>
+                          </m:r>
+                        </m:sup>
+                      </m:sSup>
+                    </m:oMath>
+                  </m:oMathPara>
+                </a14:m>
+                <a:endParaRPr kumimoji="1" lang="ja-JP" altLang="en-US" sz="4000" dirty="0"/>
+              </a:p>
+            </p:txBody>
+          </p:sp>
+        </mc:Choice>
+        <mc:Fallback>
+          <p:sp>
+            <p:nvSpPr>
+              <p:cNvPr id="104" name="テキスト ボックス 103"/>
+              <p:cNvSpPr txBox="1">
+                <a:spLocks noRot="1" noChangeAspect="1" noMove="1" noResize="1" noEditPoints="1" noAdjustHandles="1" noChangeArrowheads="1" noChangeShapeType="1" noTextEdit="1"/>
+              </p:cNvSpPr>
+              <p:nvPr/>
+            </p:nvSpPr>
+            <p:spPr>
+              <a:xfrm>
+                <a:off x="7524328" y="4408194"/>
+                <a:ext cx="703654" cy="631455"/>
+              </a:xfrm>
+              <a:prstGeom prst="rect">
+                <a:avLst/>
+              </a:prstGeom>
+              <a:blipFill>
+                <a:blip r:embed="rId14"/>
+                <a:stretch>
+                  <a:fillRect/>
+                </a:stretch>
+              </a:blipFill>
+            </p:spPr>
+            <p:txBody>
+              <a:bodyPr/>
+              <a:lstStyle/>
+              <a:p>
+                <a:r>
+                  <a:rPr lang="ja-JP" altLang="en-US">
+                    <a:noFill/>
+                  </a:rPr>
+                  <a:t> </a:t>
+                </a:r>
+              </a:p>
+            </p:txBody>
+          </p:sp>
+        </mc:Fallback>
+      </mc:AlternateContent>
+      <mc:AlternateContent xmlns:mc="http://schemas.openxmlformats.org/markup-compatibility/2006">
+        <mc:Choice xmlns:a14="http://schemas.microsoft.com/office/drawing/2010/main" Requires="a14">
+          <p:sp>
+            <p:nvSpPr>
+              <p:cNvPr id="105" name="テキスト ボックス 104"/>
+              <p:cNvSpPr txBox="1"/>
+              <p:nvPr/>
+            </p:nvSpPr>
+            <p:spPr>
+              <a:xfrm>
+                <a:off x="3275856" y="4408194"/>
+                <a:ext cx="478080" cy="630878"/>
+              </a:xfrm>
+              <a:prstGeom prst="rect">
+                <a:avLst/>
+              </a:prstGeom>
+              <a:noFill/>
+            </p:spPr>
+            <p:txBody>
+              <a:bodyPr wrap="none" lIns="0" tIns="0" rIns="0" bIns="0" rtlCol="0">
+                <a:spAutoFit/>
+              </a:bodyPr>
+              <a:lstStyle/>
+              <a:p>
+                <a:pPr/>
+                <a14:m>
+                  <m:oMathPara xmlns:m="http://schemas.openxmlformats.org/officeDocument/2006/math">
+                    <m:oMathParaPr>
+                      <m:jc m:val="centerGroup"/>
+                    </m:oMathParaPr>
+                    <m:oMath xmlns:m="http://schemas.openxmlformats.org/officeDocument/2006/math">
+                      <m:acc>
+                        <m:accPr>
+                          <m:chr m:val="̃"/>
+                          <m:ctrlPr>
+                            <a:rPr kumimoji="1" lang="en-US" altLang="ja-JP" sz="4000" b="0" i="1" smtClean="0">
+                              <a:latin typeface="Cambria Math" panose="02040503050406030204" pitchFamily="18" charset="0"/>
+                            </a:rPr>
+                          </m:ctrlPr>
+                        </m:accPr>
+                        <m:e>
+                          <m:r>
+                            <a:rPr kumimoji="1" lang="en-US" altLang="ja-JP" sz="4000" b="0" i="1" smtClean="0">
+                              <a:latin typeface="Cambria Math" panose="02040503050406030204" pitchFamily="18" charset="0"/>
+                            </a:rPr>
+                            <m:t>𝑈</m:t>
+                          </m:r>
+                        </m:e>
+                      </m:acc>
+                    </m:oMath>
+                  </m:oMathPara>
+                </a14:m>
+                <a:endParaRPr kumimoji="1" lang="ja-JP" altLang="en-US" sz="4000" dirty="0"/>
+              </a:p>
+            </p:txBody>
+          </p:sp>
+        </mc:Choice>
+        <mc:Fallback>
+          <p:sp>
+            <p:nvSpPr>
+              <p:cNvPr id="105" name="テキスト ボックス 104"/>
+              <p:cNvSpPr txBox="1">
+                <a:spLocks noRot="1" noChangeAspect="1" noMove="1" noResize="1" noEditPoints="1" noAdjustHandles="1" noChangeArrowheads="1" noChangeShapeType="1" noTextEdit="1"/>
+              </p:cNvSpPr>
+              <p:nvPr/>
+            </p:nvSpPr>
+            <p:spPr>
+              <a:xfrm>
+                <a:off x="3275856" y="4408194"/>
+                <a:ext cx="478080" cy="630878"/>
+              </a:xfrm>
+              <a:prstGeom prst="rect">
+                <a:avLst/>
+              </a:prstGeom>
+              <a:blipFill>
+                <a:blip r:embed="rId15"/>
+                <a:stretch>
+                  <a:fillRect/>
+                </a:stretch>
+              </a:blipFill>
+            </p:spPr>
+            <p:txBody>
+              <a:bodyPr/>
+              <a:lstStyle/>
+              <a:p>
+                <a:r>
+                  <a:rPr lang="ja-JP" altLang="en-US">
+                    <a:noFill/>
+                  </a:rPr>
+                  <a:t> </a:t>
+                </a:r>
+              </a:p>
+            </p:txBody>
+          </p:sp>
+        </mc:Fallback>
+      </mc:AlternateContent>
+      <mc:AlternateContent xmlns:mc="http://schemas.openxmlformats.org/markup-compatibility/2006">
+        <mc:Choice xmlns:a14="http://schemas.microsoft.com/office/drawing/2010/main" Requires="a14">
+          <p:sp>
+            <p:nvSpPr>
+              <p:cNvPr id="106" name="テキスト ボックス 105"/>
+              <p:cNvSpPr txBox="1"/>
+              <p:nvPr/>
+            </p:nvSpPr>
+            <p:spPr>
+              <a:xfrm>
+                <a:off x="4283968" y="4408194"/>
+                <a:ext cx="726160" cy="631455"/>
+              </a:xfrm>
+              <a:prstGeom prst="rect">
+                <a:avLst/>
+              </a:prstGeom>
+              <a:noFill/>
+            </p:spPr>
+            <p:txBody>
+              <a:bodyPr wrap="none" lIns="0" tIns="0" rIns="0" bIns="0" rtlCol="0">
+                <a:spAutoFit/>
+              </a:bodyPr>
+              <a:lstStyle/>
+              <a:p>
+                <a:pPr/>
+                <a14:m>
+                  <m:oMathPara xmlns:m="http://schemas.openxmlformats.org/officeDocument/2006/math">
+                    <m:oMathParaPr>
+                      <m:jc m:val="centerGroup"/>
+                    </m:oMathParaPr>
+                    <m:oMath xmlns:m="http://schemas.openxmlformats.org/officeDocument/2006/math">
+                      <m:sSup>
+                        <m:sSupPr>
+                          <m:ctrlPr>
+                            <a:rPr kumimoji="1" lang="el-GR" altLang="ja-JP" sz="4000" b="0" i="1" smtClean="0">
+                              <a:latin typeface="Cambria Math" panose="02040503050406030204" pitchFamily="18" charset="0"/>
+                              <a:ea typeface="Cambria Math" panose="02040503050406030204" pitchFamily="18" charset="0"/>
+                            </a:rPr>
+                          </m:ctrlPr>
+                        </m:sSupPr>
+                        <m:e>
+                          <m:acc>
+                            <m:accPr>
+                              <m:chr m:val="̃"/>
+                              <m:ctrlPr>
+                                <a:rPr kumimoji="1" lang="el-GR" altLang="ja-JP" sz="4000" b="0" i="1" smtClean="0">
+                                  <a:latin typeface="Cambria Math" panose="02040503050406030204" pitchFamily="18" charset="0"/>
+                                  <a:ea typeface="Cambria Math" panose="02040503050406030204" pitchFamily="18" charset="0"/>
+                                </a:rPr>
+                              </m:ctrlPr>
+                            </m:accPr>
+                            <m:e>
+                              <m:r>
+                                <a:rPr kumimoji="1" lang="en-US" altLang="ja-JP" sz="4000" b="0" i="1" smtClean="0">
+                                  <a:latin typeface="Cambria Math" panose="02040503050406030204" pitchFamily="18" charset="0"/>
+                                  <a:ea typeface="Cambria Math" panose="02040503050406030204" pitchFamily="18" charset="0"/>
+                                </a:rPr>
+                                <m:t>𝑈</m:t>
+                              </m:r>
+                            </m:e>
+                          </m:acc>
+                        </m:e>
+                        <m:sup>
+                          <m:r>
+                            <a:rPr kumimoji="1" lang="el-GR" altLang="ja-JP" sz="4000" b="0" i="1" smtClean="0">
+                              <a:latin typeface="Cambria Math" panose="02040503050406030204" pitchFamily="18" charset="0"/>
+                              <a:ea typeface="Cambria Math" panose="02040503050406030204" pitchFamily="18" charset="0"/>
+                            </a:rPr>
+                            <m:t>†</m:t>
+                          </m:r>
+                        </m:sup>
+                      </m:sSup>
+                    </m:oMath>
+                  </m:oMathPara>
+                </a14:m>
+                <a:endParaRPr kumimoji="1" lang="ja-JP" altLang="en-US" sz="4000" dirty="0"/>
+              </a:p>
+            </p:txBody>
+          </p:sp>
+        </mc:Choice>
+        <mc:Fallback>
+          <p:sp>
+            <p:nvSpPr>
+              <p:cNvPr id="106" name="テキスト ボックス 105"/>
+              <p:cNvSpPr txBox="1">
+                <a:spLocks noRot="1" noChangeAspect="1" noMove="1" noResize="1" noEditPoints="1" noAdjustHandles="1" noChangeArrowheads="1" noChangeShapeType="1" noTextEdit="1"/>
+              </p:cNvSpPr>
+              <p:nvPr/>
+            </p:nvSpPr>
+            <p:spPr>
+              <a:xfrm>
+                <a:off x="4283968" y="4408194"/>
+                <a:ext cx="726160" cy="631455"/>
+              </a:xfrm>
+              <a:prstGeom prst="rect">
+                <a:avLst/>
+              </a:prstGeom>
+              <a:blipFill>
+                <a:blip r:embed="rId16"/>
+                <a:stretch>
+                  <a:fillRect/>
+                </a:stretch>
+              </a:blipFill>
+            </p:spPr>
+            <p:txBody>
+              <a:bodyPr/>
+              <a:lstStyle/>
+              <a:p>
+                <a:r>
+                  <a:rPr lang="ja-JP" altLang="en-US">
+                    <a:noFill/>
+                  </a:rPr>
+                  <a:t> </a:t>
+                </a:r>
+              </a:p>
+            </p:txBody>
+          </p:sp>
+        </mc:Fallback>
+      </mc:AlternateContent>
+      <mc:AlternateContent xmlns:mc="http://schemas.openxmlformats.org/markup-compatibility/2006">
+        <mc:Choice xmlns:a14="http://schemas.microsoft.com/office/drawing/2010/main" Requires="a14">
+          <p:sp>
+            <p:nvSpPr>
+              <p:cNvPr id="107" name="テキスト ボックス 106"/>
+              <p:cNvSpPr txBox="1"/>
+              <p:nvPr/>
+            </p:nvSpPr>
+            <p:spPr>
+              <a:xfrm>
+                <a:off x="1115616" y="4408194"/>
+                <a:ext cx="458138" cy="626646"/>
+              </a:xfrm>
+              <a:prstGeom prst="rect">
+                <a:avLst/>
+              </a:prstGeom>
+              <a:noFill/>
+            </p:spPr>
+            <p:txBody>
+              <a:bodyPr wrap="none" lIns="0" tIns="0" rIns="0" bIns="0" rtlCol="0">
+                <a:spAutoFit/>
+              </a:bodyPr>
+              <a:lstStyle/>
+              <a:p>
+                <a:pPr/>
+                <a14:m>
+                  <m:oMathPara xmlns:m="http://schemas.openxmlformats.org/officeDocument/2006/math">
+                    <m:oMathParaPr>
+                      <m:jc m:val="centerGroup"/>
+                    </m:oMathParaPr>
+                    <m:oMath xmlns:m="http://schemas.openxmlformats.org/officeDocument/2006/math">
+                      <m:acc>
+                        <m:accPr>
+                          <m:chr m:val="̃"/>
+                          <m:ctrlPr>
+                            <a:rPr kumimoji="1" lang="en-US" altLang="ja-JP" sz="4000" b="0" i="1" smtClean="0">
+                              <a:latin typeface="Cambria Math" panose="02040503050406030204" pitchFamily="18" charset="0"/>
+                            </a:rPr>
+                          </m:ctrlPr>
+                        </m:accPr>
+                        <m:e>
+                          <m:r>
+                            <a:rPr kumimoji="1" lang="en-US" altLang="ja-JP" sz="4000" b="0" i="1" smtClean="0">
+                              <a:latin typeface="Cambria Math" panose="02040503050406030204" pitchFamily="18" charset="0"/>
+                            </a:rPr>
+                            <m:t>𝑋</m:t>
+                          </m:r>
+                        </m:e>
+                      </m:acc>
+                    </m:oMath>
+                  </m:oMathPara>
+                </a14:m>
+                <a:endParaRPr kumimoji="1" lang="ja-JP" altLang="en-US" sz="4000" dirty="0"/>
+              </a:p>
+            </p:txBody>
+          </p:sp>
+        </mc:Choice>
+        <mc:Fallback>
+          <p:sp>
+            <p:nvSpPr>
+              <p:cNvPr id="107" name="テキスト ボックス 106"/>
+              <p:cNvSpPr txBox="1">
+                <a:spLocks noRot="1" noChangeAspect="1" noMove="1" noResize="1" noEditPoints="1" noAdjustHandles="1" noChangeArrowheads="1" noChangeShapeType="1" noTextEdit="1"/>
+              </p:cNvSpPr>
+              <p:nvPr/>
+            </p:nvSpPr>
+            <p:spPr>
+              <a:xfrm>
+                <a:off x="1115616" y="4408194"/>
+                <a:ext cx="458138" cy="626646"/>
+              </a:xfrm>
+              <a:prstGeom prst="rect">
+                <a:avLst/>
+              </a:prstGeom>
+              <a:blipFill>
+                <a:blip r:embed="rId17"/>
+                <a:stretch>
+                  <a:fillRect/>
+                </a:stretch>
+              </a:blipFill>
+            </p:spPr>
+            <p:txBody>
+              <a:bodyPr/>
+              <a:lstStyle/>
+              <a:p>
+                <a:r>
+                  <a:rPr lang="ja-JP" altLang="en-US">
+                    <a:noFill/>
+                  </a:rPr>
+                  <a:t> </a:t>
+                </a:r>
+              </a:p>
+            </p:txBody>
+          </p:sp>
+        </mc:Fallback>
+      </mc:AlternateContent>
+      <p:sp>
+        <p:nvSpPr>
+          <p:cNvPr id="108" name="テキスト ボックス 107"/>
+          <p:cNvSpPr txBox="1"/>
+          <p:nvPr/>
+        </p:nvSpPr>
+        <p:spPr>
+          <a:xfrm>
+            <a:off x="611560" y="4336186"/>
+            <a:ext cx="369012" cy="369332"/>
+          </a:xfrm>
+          <a:prstGeom prst="rect">
+            <a:avLst/>
+          </a:prstGeom>
+          <a:noFill/>
+        </p:spPr>
+        <p:txBody>
+          <a:bodyPr wrap="none" rtlCol="0">
+            <a:spAutoFit/>
+          </a:bodyPr>
+          <a:lstStyle/>
+          <a:p>
+            <a:r>
+              <a:rPr kumimoji="1" lang="en-US" altLang="ja-JP" dirty="0" smtClean="0"/>
+              <a:t>m</a:t>
+            </a:r>
+            <a:endParaRPr kumimoji="1" lang="ja-JP" altLang="en-US" dirty="0"/>
+          </a:p>
+        </p:txBody>
+      </p:sp>
+      <p:sp>
+        <p:nvSpPr>
+          <p:cNvPr id="109" name="テキスト ボックス 108"/>
+          <p:cNvSpPr txBox="1"/>
+          <p:nvPr/>
+        </p:nvSpPr>
+        <p:spPr>
+          <a:xfrm>
+            <a:off x="1691680" y="4336186"/>
+            <a:ext cx="306494" cy="369332"/>
+          </a:xfrm>
+          <a:prstGeom prst="rect">
+            <a:avLst/>
+          </a:prstGeom>
+          <a:noFill/>
+        </p:spPr>
+        <p:txBody>
+          <a:bodyPr wrap="none" rtlCol="0">
+            <a:spAutoFit/>
+          </a:bodyPr>
+          <a:lstStyle/>
+          <a:p>
+            <a:r>
+              <a:rPr lang="en-US" altLang="ja-JP" dirty="0"/>
+              <a:t>n</a:t>
+            </a:r>
+            <a:endParaRPr kumimoji="1" lang="ja-JP" altLang="en-US" dirty="0"/>
+          </a:p>
+        </p:txBody>
+      </p:sp>
+      <p:sp>
+        <p:nvSpPr>
+          <p:cNvPr id="110" name="テキスト ボックス 109"/>
+          <p:cNvSpPr txBox="1"/>
+          <p:nvPr/>
+        </p:nvSpPr>
+        <p:spPr>
+          <a:xfrm>
+            <a:off x="2771800" y="4336186"/>
+            <a:ext cx="369012" cy="369332"/>
+          </a:xfrm>
+          <a:prstGeom prst="rect">
+            <a:avLst/>
+          </a:prstGeom>
+          <a:noFill/>
+        </p:spPr>
+        <p:txBody>
+          <a:bodyPr wrap="none" rtlCol="0">
+            <a:spAutoFit/>
+          </a:bodyPr>
+          <a:lstStyle/>
+          <a:p>
+            <a:r>
+              <a:rPr kumimoji="1" lang="en-US" altLang="ja-JP" dirty="0" smtClean="0"/>
+              <a:t>m</a:t>
+            </a:r>
+            <a:endParaRPr kumimoji="1" lang="ja-JP" altLang="en-US" dirty="0"/>
+          </a:p>
+        </p:txBody>
+      </p:sp>
+      <p:sp>
+        <p:nvSpPr>
+          <p:cNvPr id="111" name="テキスト ボックス 110"/>
+          <p:cNvSpPr txBox="1"/>
+          <p:nvPr/>
+        </p:nvSpPr>
+        <p:spPr>
+          <a:xfrm>
+            <a:off x="3893598" y="4336186"/>
+            <a:ext cx="264816" cy="369332"/>
+          </a:xfrm>
+          <a:prstGeom prst="rect">
+            <a:avLst/>
+          </a:prstGeom>
+          <a:noFill/>
+        </p:spPr>
+        <p:txBody>
+          <a:bodyPr wrap="none" rtlCol="0">
+            <a:spAutoFit/>
+          </a:bodyPr>
+          <a:lstStyle/>
+          <a:p>
+            <a:r>
+              <a:rPr kumimoji="1" lang="en-US" altLang="ja-JP" dirty="0" smtClean="0">
+                <a:solidFill>
+                  <a:srgbClr val="FF0000"/>
+                </a:solidFill>
+              </a:rPr>
+              <a:t>r</a:t>
+            </a:r>
+            <a:endParaRPr kumimoji="1" lang="ja-JP" altLang="en-US" dirty="0">
+              <a:solidFill>
+                <a:srgbClr val="FF0000"/>
+              </a:solidFill>
+            </a:endParaRPr>
+          </a:p>
+        </p:txBody>
+      </p:sp>
+      <p:sp>
+        <p:nvSpPr>
+          <p:cNvPr id="112" name="テキスト ボックス 111"/>
+          <p:cNvSpPr txBox="1"/>
+          <p:nvPr/>
+        </p:nvSpPr>
+        <p:spPr>
+          <a:xfrm>
+            <a:off x="4932040" y="4336186"/>
+            <a:ext cx="369012" cy="369332"/>
+          </a:xfrm>
+          <a:prstGeom prst="rect">
+            <a:avLst/>
+          </a:prstGeom>
+          <a:noFill/>
+        </p:spPr>
+        <p:txBody>
+          <a:bodyPr wrap="none" rtlCol="0">
+            <a:spAutoFit/>
+          </a:bodyPr>
+          <a:lstStyle/>
+          <a:p>
+            <a:r>
+              <a:rPr kumimoji="1" lang="en-US" altLang="ja-JP" dirty="0" smtClean="0"/>
+              <a:t>m</a:t>
+            </a:r>
+            <a:endParaRPr kumimoji="1" lang="ja-JP" altLang="en-US" dirty="0"/>
+          </a:p>
+        </p:txBody>
+      </p:sp>
+      <p:sp>
+        <p:nvSpPr>
+          <p:cNvPr id="113" name="テキスト ボックス 112"/>
+          <p:cNvSpPr txBox="1"/>
+          <p:nvPr/>
+        </p:nvSpPr>
+        <p:spPr>
+          <a:xfrm>
+            <a:off x="6012160" y="4336186"/>
+            <a:ext cx="306494" cy="369332"/>
+          </a:xfrm>
+          <a:prstGeom prst="rect">
+            <a:avLst/>
+          </a:prstGeom>
+          <a:noFill/>
+        </p:spPr>
+        <p:txBody>
+          <a:bodyPr wrap="none" rtlCol="0">
+            <a:spAutoFit/>
+          </a:bodyPr>
+          <a:lstStyle/>
+          <a:p>
+            <a:r>
+              <a:rPr lang="en-US" altLang="ja-JP" dirty="0"/>
+              <a:t>n</a:t>
+            </a:r>
+            <a:endParaRPr kumimoji="1" lang="ja-JP" altLang="en-US" dirty="0"/>
+          </a:p>
+        </p:txBody>
+      </p:sp>
+      <p:sp>
+        <p:nvSpPr>
+          <p:cNvPr id="114" name="テキスト ボックス 113"/>
+          <p:cNvSpPr txBox="1"/>
+          <p:nvPr/>
+        </p:nvSpPr>
+        <p:spPr>
+          <a:xfrm>
+            <a:off x="7164288" y="4336186"/>
+            <a:ext cx="264816" cy="369332"/>
+          </a:xfrm>
+          <a:prstGeom prst="rect">
+            <a:avLst/>
+          </a:prstGeom>
+          <a:noFill/>
+        </p:spPr>
+        <p:txBody>
+          <a:bodyPr wrap="none" rtlCol="0">
+            <a:spAutoFit/>
+          </a:bodyPr>
+          <a:lstStyle/>
+          <a:p>
+            <a:r>
+              <a:rPr lang="en-US" altLang="ja-JP" dirty="0" smtClean="0">
+                <a:solidFill>
+                  <a:srgbClr val="FF0000"/>
+                </a:solidFill>
+              </a:rPr>
+              <a:t>r</a:t>
+            </a:r>
+            <a:endParaRPr kumimoji="1" lang="ja-JP" altLang="en-US" dirty="0">
+              <a:solidFill>
+                <a:srgbClr val="FF0000"/>
+              </a:solidFill>
+            </a:endParaRPr>
+          </a:p>
+        </p:txBody>
+      </p:sp>
+      <p:sp>
+        <p:nvSpPr>
+          <p:cNvPr id="115" name="テキスト ボックス 114"/>
+          <p:cNvSpPr txBox="1"/>
+          <p:nvPr/>
+        </p:nvSpPr>
+        <p:spPr>
+          <a:xfrm>
+            <a:off x="8225946" y="4336186"/>
+            <a:ext cx="306494" cy="369332"/>
+          </a:xfrm>
+          <a:prstGeom prst="rect">
+            <a:avLst/>
+          </a:prstGeom>
+          <a:noFill/>
+        </p:spPr>
+        <p:txBody>
+          <a:bodyPr wrap="none" rtlCol="0">
+            <a:spAutoFit/>
+          </a:bodyPr>
+          <a:lstStyle/>
+          <a:p>
+            <a:r>
+              <a:rPr lang="en-US" altLang="ja-JP" dirty="0"/>
+              <a:t>n</a:t>
+            </a:r>
+            <a:endParaRPr kumimoji="1" lang="ja-JP" altLang="en-US" dirty="0"/>
+          </a:p>
+        </p:txBody>
+      </p:sp>
+      <p:sp>
+        <p:nvSpPr>
+          <p:cNvPr id="116" name="左中かっこ 115"/>
+          <p:cNvSpPr/>
+          <p:nvPr/>
+        </p:nvSpPr>
+        <p:spPr>
+          <a:xfrm rot="16200000">
+            <a:off x="5472100" y="3724118"/>
+            <a:ext cx="324036" cy="2988332"/>
+          </a:xfrm>
+          <a:prstGeom prst="leftBrace">
+            <a:avLst/>
+          </a:prstGeom>
+          <a:ln w="12700">
+            <a:solidFill>
+              <a:schemeClr val="tx1"/>
+            </a:solidFill>
+          </a:ln>
+        </p:spPr>
+        <p:style>
+          <a:lnRef idx="1">
+            <a:schemeClr val="accent1"/>
+          </a:lnRef>
+          <a:fillRef idx="0">
+            <a:schemeClr val="accent1"/>
+          </a:fillRef>
+          <a:effectRef idx="0">
+            <a:schemeClr val="accent1"/>
+          </a:effectRef>
+          <a:fontRef idx="minor">
+            <a:schemeClr val="tx1"/>
+          </a:fontRef>
+        </p:style>
+        <p:txBody>
+          <a:bodyPr rtlCol="0" anchor="ctr"/>
+          <a:lstStyle/>
+          <a:p>
+            <a:pPr algn="ctr"/>
+            <a:endParaRPr kumimoji="1" lang="ja-JP" altLang="en-US"/>
+          </a:p>
+        </p:txBody>
+      </p:sp>
+      <p:sp>
+        <p:nvSpPr>
+          <p:cNvPr id="118" name="テキスト ボックス 117"/>
+          <p:cNvSpPr txBox="1"/>
+          <p:nvPr/>
+        </p:nvSpPr>
+        <p:spPr>
+          <a:xfrm>
+            <a:off x="4860032" y="6300028"/>
+            <a:ext cx="1569660" cy="369332"/>
+          </a:xfrm>
+          <a:prstGeom prst="rect">
+            <a:avLst/>
+          </a:prstGeom>
+          <a:noFill/>
+        </p:spPr>
+        <p:txBody>
+          <a:bodyPr wrap="none" rtlCol="0">
+            <a:spAutoFit/>
+          </a:bodyPr>
+          <a:lstStyle/>
+          <a:p>
+            <a:r>
+              <a:rPr lang="ja-JP" altLang="en-US" dirty="0"/>
+              <a:t>コアテンソル</a:t>
+            </a:r>
+            <a:endParaRPr kumimoji="1" lang="ja-JP" altLang="en-US" dirty="0"/>
+          </a:p>
+        </p:txBody>
+      </p:sp>
+      <p:sp>
+        <p:nvSpPr>
+          <p:cNvPr id="119" name="左中かっこ 118"/>
+          <p:cNvSpPr/>
+          <p:nvPr/>
+        </p:nvSpPr>
+        <p:spPr>
+          <a:xfrm rot="16200000" flipH="1">
+            <a:off x="3887924" y="1923918"/>
+            <a:ext cx="216024" cy="1872208"/>
+          </a:xfrm>
+          <a:prstGeom prst="leftBrace">
+            <a:avLst/>
+          </a:prstGeom>
+          <a:ln w="12700">
+            <a:solidFill>
+              <a:schemeClr val="tx1"/>
+            </a:solidFill>
+          </a:ln>
+        </p:spPr>
+        <p:style>
+          <a:lnRef idx="1">
+            <a:schemeClr val="accent1"/>
+          </a:lnRef>
+          <a:fillRef idx="0">
+            <a:schemeClr val="accent1"/>
+          </a:fillRef>
+          <a:effectRef idx="0">
+            <a:schemeClr val="accent1"/>
+          </a:effectRef>
+          <a:fontRef idx="minor">
+            <a:schemeClr val="tx1"/>
+          </a:fontRef>
+        </p:style>
+        <p:txBody>
+          <a:bodyPr rtlCol="0" anchor="ctr"/>
+          <a:lstStyle/>
+          <a:p>
+            <a:pPr algn="ctr"/>
+            <a:endParaRPr kumimoji="1" lang="ja-JP" altLang="en-US"/>
+          </a:p>
+        </p:txBody>
+      </p:sp>
+      <mc:AlternateContent xmlns:mc="http://schemas.openxmlformats.org/markup-compatibility/2006">
+        <mc:Choice xmlns:a14="http://schemas.microsoft.com/office/drawing/2010/main" Requires="a14">
+          <p:sp>
+            <p:nvSpPr>
+              <p:cNvPr id="120" name="テキスト ボックス 119"/>
+              <p:cNvSpPr txBox="1"/>
+              <p:nvPr/>
+            </p:nvSpPr>
+            <p:spPr>
+              <a:xfrm>
+                <a:off x="3851920" y="2103938"/>
+                <a:ext cx="325667" cy="615553"/>
+              </a:xfrm>
+              <a:prstGeom prst="rect">
+                <a:avLst/>
+              </a:prstGeom>
+              <a:noFill/>
+            </p:spPr>
+            <p:txBody>
+              <a:bodyPr wrap="none" lIns="0" tIns="0" rIns="0" bIns="0" rtlCol="0">
+                <a:spAutoFit/>
+              </a:bodyPr>
+              <a:lstStyle/>
+              <a:p>
+                <a:pPr/>
+                <a14:m>
+                  <m:oMathPara xmlns:m="http://schemas.openxmlformats.org/officeDocument/2006/math">
+                    <m:oMathParaPr>
+                      <m:jc m:val="centerGroup"/>
+                    </m:oMathParaPr>
+                    <m:oMath xmlns:m="http://schemas.openxmlformats.org/officeDocument/2006/math">
+                      <m:r>
+                        <a:rPr kumimoji="1" lang="en-US" altLang="ja-JP" sz="4000" b="0" i="1" smtClean="0">
+                          <a:latin typeface="Cambria Math" panose="02040503050406030204" pitchFamily="18" charset="0"/>
+                        </a:rPr>
+                        <m:t>𝐼</m:t>
+                      </m:r>
+                    </m:oMath>
+                  </m:oMathPara>
+                </a14:m>
+                <a:endParaRPr kumimoji="1" lang="ja-JP" altLang="en-US" sz="4000" dirty="0"/>
+              </a:p>
+            </p:txBody>
+          </p:sp>
+        </mc:Choice>
+        <mc:Fallback>
+          <p:sp>
+            <p:nvSpPr>
+              <p:cNvPr id="120" name="テキスト ボックス 119"/>
+              <p:cNvSpPr txBox="1">
+                <a:spLocks noRot="1" noChangeAspect="1" noMove="1" noResize="1" noEditPoints="1" noAdjustHandles="1" noChangeArrowheads="1" noChangeShapeType="1" noTextEdit="1"/>
+              </p:cNvSpPr>
+              <p:nvPr/>
+            </p:nvSpPr>
+            <p:spPr>
+              <a:xfrm>
+                <a:off x="3851920" y="2103938"/>
+                <a:ext cx="325667" cy="615553"/>
+              </a:xfrm>
+              <a:prstGeom prst="rect">
+                <a:avLst/>
+              </a:prstGeom>
+              <a:blipFill>
+                <a:blip r:embed="rId18"/>
+                <a:stretch>
+                  <a:fillRect/>
+                </a:stretch>
+              </a:blipFill>
+            </p:spPr>
+            <p:txBody>
+              <a:bodyPr/>
+              <a:lstStyle/>
+              <a:p>
+                <a:r>
+                  <a:rPr lang="ja-JP" altLang="en-US">
+                    <a:noFill/>
+                  </a:rPr>
+                  <a:t> </a:t>
+                </a:r>
+              </a:p>
+            </p:txBody>
+          </p:sp>
+        </mc:Fallback>
+      </mc:AlternateContent>
+      <p:sp>
+        <p:nvSpPr>
+          <p:cNvPr id="121" name="左中かっこ 120"/>
+          <p:cNvSpPr/>
+          <p:nvPr/>
+        </p:nvSpPr>
+        <p:spPr>
+          <a:xfrm rot="16200000" flipH="1">
+            <a:off x="7200292" y="1851910"/>
+            <a:ext cx="216024" cy="1872208"/>
+          </a:xfrm>
+          <a:prstGeom prst="leftBrace">
+            <a:avLst/>
+          </a:prstGeom>
+          <a:ln w="12700">
+            <a:solidFill>
+              <a:schemeClr val="tx1"/>
+            </a:solidFill>
+          </a:ln>
+        </p:spPr>
+        <p:style>
+          <a:lnRef idx="1">
+            <a:schemeClr val="accent1"/>
+          </a:lnRef>
+          <a:fillRef idx="0">
+            <a:schemeClr val="accent1"/>
+          </a:fillRef>
+          <a:effectRef idx="0">
+            <a:schemeClr val="accent1"/>
+          </a:effectRef>
+          <a:fontRef idx="minor">
+            <a:schemeClr val="tx1"/>
+          </a:fontRef>
+        </p:style>
+        <p:txBody>
+          <a:bodyPr rtlCol="0" anchor="ctr"/>
+          <a:lstStyle/>
+          <a:p>
+            <a:pPr algn="ctr"/>
+            <a:endParaRPr kumimoji="1" lang="ja-JP" altLang="en-US"/>
+          </a:p>
+        </p:txBody>
+      </p:sp>
+      <mc:AlternateContent xmlns:mc="http://schemas.openxmlformats.org/markup-compatibility/2006">
+        <mc:Choice xmlns:a14="http://schemas.microsoft.com/office/drawing/2010/main" Requires="a14">
+          <p:sp>
+            <p:nvSpPr>
+              <p:cNvPr id="122" name="テキスト ボックス 121"/>
+              <p:cNvSpPr txBox="1"/>
+              <p:nvPr/>
+            </p:nvSpPr>
+            <p:spPr>
+              <a:xfrm>
+                <a:off x="7164288" y="2031930"/>
+                <a:ext cx="325667" cy="615553"/>
+              </a:xfrm>
+              <a:prstGeom prst="rect">
+                <a:avLst/>
+              </a:prstGeom>
+              <a:noFill/>
+            </p:spPr>
+            <p:txBody>
+              <a:bodyPr wrap="none" lIns="0" tIns="0" rIns="0" bIns="0" rtlCol="0">
+                <a:spAutoFit/>
+              </a:bodyPr>
+              <a:lstStyle/>
+              <a:p>
+                <a:pPr/>
+                <a14:m>
+                  <m:oMathPara xmlns:m="http://schemas.openxmlformats.org/officeDocument/2006/math">
+                    <m:oMathParaPr>
+                      <m:jc m:val="centerGroup"/>
+                    </m:oMathParaPr>
+                    <m:oMath xmlns:m="http://schemas.openxmlformats.org/officeDocument/2006/math">
+                      <m:r>
+                        <a:rPr kumimoji="1" lang="en-US" altLang="ja-JP" sz="4000" b="0" i="1" smtClean="0">
+                          <a:latin typeface="Cambria Math" panose="02040503050406030204" pitchFamily="18" charset="0"/>
+                        </a:rPr>
+                        <m:t>𝐼</m:t>
+                      </m:r>
+                    </m:oMath>
+                  </m:oMathPara>
+                </a14:m>
+                <a:endParaRPr kumimoji="1" lang="ja-JP" altLang="en-US" sz="4000" dirty="0"/>
+              </a:p>
+            </p:txBody>
+          </p:sp>
+        </mc:Choice>
+        <mc:Fallback>
+          <p:sp>
+            <p:nvSpPr>
+              <p:cNvPr id="122" name="テキスト ボックス 121"/>
+              <p:cNvSpPr txBox="1">
+                <a:spLocks noRot="1" noChangeAspect="1" noMove="1" noResize="1" noEditPoints="1" noAdjustHandles="1" noChangeArrowheads="1" noChangeShapeType="1" noTextEdit="1"/>
+              </p:cNvSpPr>
+              <p:nvPr/>
+            </p:nvSpPr>
+            <p:spPr>
+              <a:xfrm>
+                <a:off x="7164288" y="2031930"/>
+                <a:ext cx="325667" cy="615553"/>
+              </a:xfrm>
+              <a:prstGeom prst="rect">
+                <a:avLst/>
+              </a:prstGeom>
+              <a:blipFill>
+                <a:blip r:embed="rId19"/>
+                <a:stretch>
+                  <a:fillRect/>
+                </a:stretch>
+              </a:blipFill>
+            </p:spPr>
+            <p:txBody>
+              <a:bodyPr/>
+              <a:lstStyle/>
+              <a:p>
+                <a:r>
+                  <a:rPr lang="ja-JP" altLang="en-US">
+                    <a:noFill/>
+                  </a:rPr>
+                  <a:t> </a:t>
+                </a:r>
+              </a:p>
+            </p:txBody>
+          </p:sp>
+        </mc:Fallback>
+      </mc:AlternateContent>
+      <p:sp>
+        <p:nvSpPr>
+          <p:cNvPr id="130" name="テキスト ボックス 129"/>
+          <p:cNvSpPr txBox="1"/>
+          <p:nvPr/>
+        </p:nvSpPr>
+        <p:spPr>
+          <a:xfrm>
+            <a:off x="2237934" y="5560322"/>
+            <a:ext cx="389850" cy="584775"/>
+          </a:xfrm>
+          <a:prstGeom prst="rect">
+            <a:avLst/>
+          </a:prstGeom>
+          <a:noFill/>
+        </p:spPr>
+        <p:txBody>
+          <a:bodyPr wrap="none" rtlCol="0">
+            <a:spAutoFit/>
+          </a:bodyPr>
+          <a:lstStyle/>
+          <a:p>
+            <a:r>
+              <a:rPr lang="en-US" altLang="ja-JP" sz="3200" dirty="0"/>
+              <a:t>=</a:t>
+            </a:r>
+            <a:endParaRPr kumimoji="1" lang="ja-JP" altLang="en-US" sz="3200" dirty="0"/>
+          </a:p>
+        </p:txBody>
+      </p:sp>
+      <p:cxnSp>
+        <p:nvCxnSpPr>
+          <p:cNvPr id="131" name="直線コネクタ 130"/>
+          <p:cNvCxnSpPr/>
+          <p:nvPr/>
+        </p:nvCxnSpPr>
+        <p:spPr>
+          <a:xfrm flipH="1">
+            <a:off x="4932040" y="5920362"/>
+            <a:ext cx="360040" cy="0"/>
+          </a:xfrm>
+          <a:prstGeom prst="line">
+            <a:avLst/>
+          </a:prstGeom>
+          <a:ln w="9525">
+            <a:solidFill>
+              <a:srgbClr val="FF0000"/>
+            </a:solidFill>
+          </a:ln>
+        </p:spPr>
+        <p:style>
+          <a:lnRef idx="1">
+            <a:schemeClr val="accent1"/>
+          </a:lnRef>
+          <a:fillRef idx="0">
+            <a:schemeClr val="accent1"/>
+          </a:fillRef>
+          <a:effectRef idx="0">
+            <a:schemeClr val="accent1"/>
+          </a:effectRef>
+          <a:fontRef idx="minor">
+            <a:schemeClr val="tx1"/>
+          </a:fontRef>
+        </p:style>
+      </p:cxnSp>
+      <p:sp>
+        <p:nvSpPr>
+          <p:cNvPr id="132" name="正方形/長方形 131"/>
+          <p:cNvSpPr/>
+          <p:nvPr/>
+        </p:nvSpPr>
+        <p:spPr>
+          <a:xfrm>
+            <a:off x="4211960" y="5560322"/>
+            <a:ext cx="720080" cy="720080"/>
+          </a:xfrm>
+          <a:prstGeom prst="rect">
+            <a:avLst/>
+          </a:prstGeom>
+          <a:solidFill>
+            <a:schemeClr val="bg1"/>
+          </a:solidFill>
+          <a:ln>
+            <a:solidFill>
+              <a:schemeClr val="tx1"/>
+            </a:solidFill>
+          </a:ln>
+        </p:spPr>
+        <p:style>
+          <a:lnRef idx="2">
+            <a:schemeClr val="accent1">
+              <a:shade val="50000"/>
+            </a:schemeClr>
+          </a:lnRef>
+          <a:fillRef idx="1">
+            <a:schemeClr val="accent1"/>
+          </a:fillRef>
+          <a:effectRef idx="0">
+            <a:schemeClr val="accent1"/>
+          </a:effectRef>
+          <a:fontRef idx="minor">
+            <a:schemeClr val="lt1"/>
+          </a:fontRef>
+        </p:style>
+        <p:txBody>
+          <a:bodyPr rtlCol="0" anchor="ctr"/>
+          <a:lstStyle/>
+          <a:p>
+            <a:pPr algn="ctr"/>
+            <a:endParaRPr kumimoji="1" lang="ja-JP" altLang="en-US" dirty="0"/>
+          </a:p>
+        </p:txBody>
+      </p:sp>
+      <p:cxnSp>
+        <p:nvCxnSpPr>
+          <p:cNvPr id="133" name="直線コネクタ 132"/>
+          <p:cNvCxnSpPr/>
+          <p:nvPr/>
+        </p:nvCxnSpPr>
+        <p:spPr>
+          <a:xfrm flipH="1">
+            <a:off x="3851920" y="5920362"/>
+            <a:ext cx="360040" cy="0"/>
+          </a:xfrm>
+          <a:prstGeom prst="line">
+            <a:avLst/>
+          </a:prstGeom>
+          <a:ln w="38100">
+            <a:solidFill>
+              <a:schemeClr val="tx1"/>
+            </a:solidFill>
+          </a:ln>
+        </p:spPr>
+        <p:style>
+          <a:lnRef idx="1">
+            <a:schemeClr val="accent1"/>
+          </a:lnRef>
+          <a:fillRef idx="0">
+            <a:schemeClr val="accent1"/>
+          </a:fillRef>
+          <a:effectRef idx="0">
+            <a:schemeClr val="accent1"/>
+          </a:effectRef>
+          <a:fontRef idx="minor">
+            <a:schemeClr val="tx1"/>
+          </a:fontRef>
+        </p:style>
+      </p:cxnSp>
+      <mc:AlternateContent xmlns:mc="http://schemas.openxmlformats.org/markup-compatibility/2006">
+        <mc:Choice xmlns:a14="http://schemas.microsoft.com/office/drawing/2010/main" Requires="a14">
+          <p:sp>
+            <p:nvSpPr>
+              <p:cNvPr id="134" name="テキスト ボックス 133"/>
+              <p:cNvSpPr txBox="1"/>
+              <p:nvPr/>
+            </p:nvSpPr>
+            <p:spPr>
+              <a:xfrm>
+                <a:off x="4355976" y="5632330"/>
+                <a:ext cx="478080" cy="630878"/>
+              </a:xfrm>
+              <a:prstGeom prst="rect">
+                <a:avLst/>
+              </a:prstGeom>
+              <a:noFill/>
+            </p:spPr>
+            <p:txBody>
+              <a:bodyPr wrap="none" lIns="0" tIns="0" rIns="0" bIns="0" rtlCol="0">
+                <a:spAutoFit/>
+              </a:bodyPr>
+              <a:lstStyle/>
+              <a:p>
+                <a:pPr/>
+                <a14:m>
+                  <m:oMathPara xmlns:m="http://schemas.openxmlformats.org/officeDocument/2006/math">
+                    <m:oMathParaPr>
+                      <m:jc m:val="centerGroup"/>
+                    </m:oMathParaPr>
+                    <m:oMath xmlns:m="http://schemas.openxmlformats.org/officeDocument/2006/math">
+                      <m:acc>
+                        <m:accPr>
+                          <m:chr m:val="̃"/>
+                          <m:ctrlPr>
+                            <a:rPr kumimoji="1" lang="en-US" altLang="ja-JP" sz="4000" b="0" i="1" smtClean="0">
+                              <a:latin typeface="Cambria Math" panose="02040503050406030204" pitchFamily="18" charset="0"/>
+                            </a:rPr>
+                          </m:ctrlPr>
+                        </m:accPr>
+                        <m:e>
+                          <m:r>
+                            <a:rPr kumimoji="1" lang="en-US" altLang="ja-JP" sz="4000" b="0" i="1" smtClean="0">
+                              <a:latin typeface="Cambria Math" panose="02040503050406030204" pitchFamily="18" charset="0"/>
+                            </a:rPr>
+                            <m:t>𝑈</m:t>
+                          </m:r>
+                        </m:e>
+                      </m:acc>
+                    </m:oMath>
+                  </m:oMathPara>
+                </a14:m>
+                <a:endParaRPr kumimoji="1" lang="ja-JP" altLang="en-US" sz="4000" dirty="0"/>
+              </a:p>
+            </p:txBody>
+          </p:sp>
+        </mc:Choice>
+        <mc:Fallback>
+          <p:sp>
+            <p:nvSpPr>
+              <p:cNvPr id="134" name="テキスト ボックス 133"/>
+              <p:cNvSpPr txBox="1">
+                <a:spLocks noRot="1" noChangeAspect="1" noMove="1" noResize="1" noEditPoints="1" noAdjustHandles="1" noChangeArrowheads="1" noChangeShapeType="1" noTextEdit="1"/>
+              </p:cNvSpPr>
+              <p:nvPr/>
+            </p:nvSpPr>
+            <p:spPr>
+              <a:xfrm>
+                <a:off x="4355976" y="5632330"/>
+                <a:ext cx="478080" cy="630878"/>
+              </a:xfrm>
+              <a:prstGeom prst="rect">
+                <a:avLst/>
+              </a:prstGeom>
+              <a:blipFill>
+                <a:blip r:embed="rId20"/>
+                <a:stretch>
+                  <a:fillRect/>
+                </a:stretch>
+              </a:blipFill>
+            </p:spPr>
+            <p:txBody>
+              <a:bodyPr/>
+              <a:lstStyle/>
+              <a:p>
+                <a:r>
+                  <a:rPr lang="ja-JP" altLang="en-US">
+                    <a:noFill/>
+                  </a:rPr>
+                  <a:t> </a:t>
+                </a:r>
+              </a:p>
+            </p:txBody>
+          </p:sp>
+        </mc:Fallback>
+      </mc:AlternateContent>
+      <p:sp>
+        <p:nvSpPr>
+          <p:cNvPr id="135" name="テキスト ボックス 134"/>
+          <p:cNvSpPr txBox="1"/>
+          <p:nvPr/>
+        </p:nvSpPr>
+        <p:spPr>
+          <a:xfrm>
+            <a:off x="3851920" y="5560322"/>
+            <a:ext cx="369012" cy="369332"/>
+          </a:xfrm>
+          <a:prstGeom prst="rect">
+            <a:avLst/>
+          </a:prstGeom>
+          <a:noFill/>
+        </p:spPr>
+        <p:txBody>
+          <a:bodyPr wrap="none" rtlCol="0">
+            <a:spAutoFit/>
+          </a:bodyPr>
+          <a:lstStyle/>
+          <a:p>
+            <a:r>
+              <a:rPr kumimoji="1" lang="en-US" altLang="ja-JP" dirty="0" smtClean="0"/>
+              <a:t>m</a:t>
+            </a:r>
+            <a:endParaRPr kumimoji="1" lang="ja-JP" altLang="en-US" dirty="0"/>
+          </a:p>
+        </p:txBody>
+      </p:sp>
+      <p:sp>
+        <p:nvSpPr>
+          <p:cNvPr id="136" name="テキスト ボックス 135"/>
+          <p:cNvSpPr txBox="1"/>
+          <p:nvPr/>
+        </p:nvSpPr>
+        <p:spPr>
+          <a:xfrm>
+            <a:off x="4973718" y="5560322"/>
+            <a:ext cx="264816" cy="369332"/>
+          </a:xfrm>
+          <a:prstGeom prst="rect">
+            <a:avLst/>
+          </a:prstGeom>
+          <a:noFill/>
+        </p:spPr>
+        <p:txBody>
+          <a:bodyPr wrap="none" rtlCol="0">
+            <a:spAutoFit/>
+          </a:bodyPr>
+          <a:lstStyle/>
+          <a:p>
+            <a:r>
+              <a:rPr kumimoji="1" lang="en-US" altLang="ja-JP" dirty="0" smtClean="0">
+                <a:solidFill>
+                  <a:srgbClr val="FF0000"/>
+                </a:solidFill>
+              </a:rPr>
+              <a:t>r</a:t>
+            </a:r>
+            <a:endParaRPr kumimoji="1" lang="ja-JP" altLang="en-US" dirty="0">
+              <a:solidFill>
+                <a:srgbClr val="FF0000"/>
+              </a:solidFill>
+            </a:endParaRPr>
+          </a:p>
+        </p:txBody>
+      </p:sp>
+      <p:sp>
+        <p:nvSpPr>
+          <p:cNvPr id="137" name="正方形/長方形 136"/>
+          <p:cNvSpPr/>
+          <p:nvPr/>
+        </p:nvSpPr>
+        <p:spPr>
+          <a:xfrm>
+            <a:off x="5292080" y="5560322"/>
+            <a:ext cx="720080" cy="720080"/>
+          </a:xfrm>
+          <a:prstGeom prst="rect">
+            <a:avLst/>
+          </a:prstGeom>
+          <a:solidFill>
+            <a:schemeClr val="bg1"/>
+          </a:solidFill>
+          <a:ln>
+            <a:solidFill>
+              <a:schemeClr val="tx1"/>
+            </a:solidFill>
+          </a:ln>
+        </p:spPr>
+        <p:style>
+          <a:lnRef idx="2">
+            <a:schemeClr val="accent1">
+              <a:shade val="50000"/>
+            </a:schemeClr>
+          </a:lnRef>
+          <a:fillRef idx="1">
+            <a:schemeClr val="accent1"/>
+          </a:fillRef>
+          <a:effectRef idx="0">
+            <a:schemeClr val="accent1"/>
+          </a:effectRef>
+          <a:fontRef idx="minor">
+            <a:schemeClr val="lt1"/>
+          </a:fontRef>
+        </p:style>
+        <p:txBody>
+          <a:bodyPr rtlCol="0" anchor="ctr"/>
+          <a:lstStyle/>
+          <a:p>
+            <a:pPr algn="ctr"/>
+            <a:endParaRPr kumimoji="1" lang="ja-JP" altLang="en-US" dirty="0"/>
+          </a:p>
+        </p:txBody>
+      </p:sp>
+      <mc:AlternateContent xmlns:mc="http://schemas.openxmlformats.org/markup-compatibility/2006">
+        <mc:Choice xmlns:a14="http://schemas.microsoft.com/office/drawing/2010/main" Requires="a14">
+          <p:sp>
+            <p:nvSpPr>
+              <p:cNvPr id="138" name="テキスト ボックス 137"/>
+              <p:cNvSpPr txBox="1"/>
+              <p:nvPr/>
+            </p:nvSpPr>
+            <p:spPr>
+              <a:xfrm>
+                <a:off x="5436096" y="5632330"/>
+                <a:ext cx="458139" cy="615553"/>
+              </a:xfrm>
+              <a:prstGeom prst="rect">
+                <a:avLst/>
+              </a:prstGeom>
+              <a:noFill/>
+            </p:spPr>
+            <p:txBody>
+              <a:bodyPr wrap="none" lIns="0" tIns="0" rIns="0" bIns="0" rtlCol="0">
+                <a:spAutoFit/>
+              </a:bodyPr>
+              <a:lstStyle/>
+              <a:p>
+                <a:pPr/>
+                <a14:m>
+                  <m:oMathPara xmlns:m="http://schemas.openxmlformats.org/officeDocument/2006/math">
+                    <m:oMathParaPr>
+                      <m:jc m:val="centerGroup"/>
+                    </m:oMathParaPr>
+                    <m:oMath xmlns:m="http://schemas.openxmlformats.org/officeDocument/2006/math">
+                      <m:r>
+                        <a:rPr kumimoji="1" lang="en-US" altLang="ja-JP" sz="4000" b="0" i="1" smtClean="0">
+                          <a:latin typeface="Cambria Math" panose="02040503050406030204" pitchFamily="18" charset="0"/>
+                        </a:rPr>
+                        <m:t>𝐶</m:t>
+                      </m:r>
+                    </m:oMath>
+                  </m:oMathPara>
+                </a14:m>
+                <a:endParaRPr kumimoji="1" lang="ja-JP" altLang="en-US" sz="4000" dirty="0"/>
+              </a:p>
+            </p:txBody>
+          </p:sp>
+        </mc:Choice>
+        <mc:Fallback>
+          <p:sp>
+            <p:nvSpPr>
+              <p:cNvPr id="138" name="テキスト ボックス 137"/>
+              <p:cNvSpPr txBox="1">
+                <a:spLocks noRot="1" noChangeAspect="1" noMove="1" noResize="1" noEditPoints="1" noAdjustHandles="1" noChangeArrowheads="1" noChangeShapeType="1" noTextEdit="1"/>
+              </p:cNvSpPr>
+              <p:nvPr/>
+            </p:nvSpPr>
+            <p:spPr>
+              <a:xfrm>
+                <a:off x="5436096" y="5632330"/>
+                <a:ext cx="458139" cy="615553"/>
+              </a:xfrm>
+              <a:prstGeom prst="rect">
+                <a:avLst/>
+              </a:prstGeom>
+              <a:blipFill>
+                <a:blip r:embed="rId21"/>
+                <a:stretch>
+                  <a:fillRect/>
+                </a:stretch>
+              </a:blipFill>
+            </p:spPr>
+            <p:txBody>
+              <a:bodyPr/>
+              <a:lstStyle/>
+              <a:p>
+                <a:r>
+                  <a:rPr lang="ja-JP" altLang="en-US">
+                    <a:noFill/>
+                  </a:rPr>
+                  <a:t> </a:t>
+                </a:r>
+              </a:p>
+            </p:txBody>
+          </p:sp>
+        </mc:Fallback>
+      </mc:AlternateContent>
+      <p:cxnSp>
+        <p:nvCxnSpPr>
+          <p:cNvPr id="139" name="直線コネクタ 138"/>
+          <p:cNvCxnSpPr/>
+          <p:nvPr/>
+        </p:nvCxnSpPr>
+        <p:spPr>
+          <a:xfrm flipH="1">
+            <a:off x="7092280" y="5920362"/>
+            <a:ext cx="360040" cy="0"/>
+          </a:xfrm>
+          <a:prstGeom prst="line">
+            <a:avLst/>
+          </a:prstGeom>
+          <a:ln w="38100">
+            <a:solidFill>
+              <a:schemeClr val="tx1"/>
+            </a:solidFill>
+          </a:ln>
+        </p:spPr>
+        <p:style>
+          <a:lnRef idx="1">
+            <a:schemeClr val="accent1"/>
+          </a:lnRef>
+          <a:fillRef idx="0">
+            <a:schemeClr val="accent1"/>
+          </a:fillRef>
+          <a:effectRef idx="0">
+            <a:schemeClr val="accent1"/>
+          </a:effectRef>
+          <a:fontRef idx="minor">
+            <a:schemeClr val="tx1"/>
+          </a:fontRef>
+        </p:style>
+      </p:cxnSp>
+      <p:sp>
+        <p:nvSpPr>
+          <p:cNvPr id="140" name="正方形/長方形 139"/>
+          <p:cNvSpPr/>
+          <p:nvPr/>
+        </p:nvSpPr>
+        <p:spPr>
+          <a:xfrm>
+            <a:off x="6372200" y="5560322"/>
+            <a:ext cx="720080" cy="720080"/>
+          </a:xfrm>
+          <a:prstGeom prst="rect">
+            <a:avLst/>
+          </a:prstGeom>
+          <a:solidFill>
+            <a:schemeClr val="bg1"/>
+          </a:solidFill>
+          <a:ln>
+            <a:solidFill>
+              <a:schemeClr val="tx1"/>
+            </a:solidFill>
+          </a:ln>
+        </p:spPr>
+        <p:style>
+          <a:lnRef idx="2">
+            <a:schemeClr val="accent1">
+              <a:shade val="50000"/>
+            </a:schemeClr>
+          </a:lnRef>
+          <a:fillRef idx="1">
+            <a:schemeClr val="accent1"/>
+          </a:fillRef>
+          <a:effectRef idx="0">
+            <a:schemeClr val="accent1"/>
+          </a:effectRef>
+          <a:fontRef idx="minor">
+            <a:schemeClr val="lt1"/>
+          </a:fontRef>
+        </p:style>
+        <p:txBody>
+          <a:bodyPr rtlCol="0" anchor="ctr"/>
+          <a:lstStyle/>
+          <a:p>
+            <a:pPr algn="ctr"/>
+            <a:endParaRPr kumimoji="1" lang="ja-JP" altLang="en-US" dirty="0"/>
+          </a:p>
+        </p:txBody>
+      </p:sp>
+      <mc:AlternateContent xmlns:mc="http://schemas.openxmlformats.org/markup-compatibility/2006">
+        <mc:Choice xmlns:a14="http://schemas.microsoft.com/office/drawing/2010/main" Requires="a14">
+          <p:sp>
+            <p:nvSpPr>
+              <p:cNvPr id="141" name="テキスト ボックス 140"/>
+              <p:cNvSpPr txBox="1"/>
+              <p:nvPr/>
+            </p:nvSpPr>
+            <p:spPr>
+              <a:xfrm>
+                <a:off x="6444208" y="5632330"/>
+                <a:ext cx="703654" cy="631455"/>
+              </a:xfrm>
+              <a:prstGeom prst="rect">
+                <a:avLst/>
+              </a:prstGeom>
+              <a:noFill/>
+            </p:spPr>
+            <p:txBody>
+              <a:bodyPr wrap="none" lIns="0" tIns="0" rIns="0" bIns="0" rtlCol="0">
+                <a:spAutoFit/>
+              </a:bodyPr>
+              <a:lstStyle/>
+              <a:p>
+                <a:pPr/>
+                <a14:m>
+                  <m:oMathPara xmlns:m="http://schemas.openxmlformats.org/officeDocument/2006/math">
+                    <m:oMathParaPr>
+                      <m:jc m:val="centerGroup"/>
+                    </m:oMathParaPr>
+                    <m:oMath xmlns:m="http://schemas.openxmlformats.org/officeDocument/2006/math">
+                      <m:sSup>
+                        <m:sSupPr>
+                          <m:ctrlPr>
+                            <a:rPr kumimoji="1" lang="el-GR" altLang="ja-JP" sz="4000" b="0" i="1" smtClean="0">
+                              <a:latin typeface="Cambria Math" panose="02040503050406030204" pitchFamily="18" charset="0"/>
+                              <a:ea typeface="Cambria Math" panose="02040503050406030204" pitchFamily="18" charset="0"/>
+                            </a:rPr>
+                          </m:ctrlPr>
+                        </m:sSupPr>
+                        <m:e>
+                          <m:r>
+                            <a:rPr kumimoji="1" lang="en-US" altLang="ja-JP" sz="4000" b="0" i="1" smtClean="0">
+                              <a:latin typeface="Cambria Math" panose="02040503050406030204" pitchFamily="18" charset="0"/>
+                              <a:ea typeface="Cambria Math" panose="02040503050406030204" pitchFamily="18" charset="0"/>
+                            </a:rPr>
+                            <m:t>𝑉</m:t>
+                          </m:r>
+                        </m:e>
+                        <m:sup>
+                          <m:r>
+                            <a:rPr kumimoji="1" lang="el-GR" altLang="ja-JP" sz="4000" b="0" i="1" smtClean="0">
+                              <a:latin typeface="Cambria Math" panose="02040503050406030204" pitchFamily="18" charset="0"/>
+                              <a:ea typeface="Cambria Math" panose="02040503050406030204" pitchFamily="18" charset="0"/>
+                            </a:rPr>
+                            <m:t>†</m:t>
+                          </m:r>
+                        </m:sup>
+                      </m:sSup>
+                    </m:oMath>
+                  </m:oMathPara>
+                </a14:m>
+                <a:endParaRPr kumimoji="1" lang="ja-JP" altLang="en-US" sz="4000" dirty="0"/>
+              </a:p>
+            </p:txBody>
+          </p:sp>
+        </mc:Choice>
+        <mc:Fallback>
+          <p:sp>
+            <p:nvSpPr>
+              <p:cNvPr id="141" name="テキスト ボックス 140"/>
+              <p:cNvSpPr txBox="1">
+                <a:spLocks noRot="1" noChangeAspect="1" noMove="1" noResize="1" noEditPoints="1" noAdjustHandles="1" noChangeArrowheads="1" noChangeShapeType="1" noTextEdit="1"/>
+              </p:cNvSpPr>
+              <p:nvPr/>
+            </p:nvSpPr>
+            <p:spPr>
+              <a:xfrm>
+                <a:off x="6444208" y="5632330"/>
+                <a:ext cx="703654" cy="631455"/>
+              </a:xfrm>
+              <a:prstGeom prst="rect">
+                <a:avLst/>
+              </a:prstGeom>
+              <a:blipFill>
+                <a:blip r:embed="rId22"/>
+                <a:stretch>
+                  <a:fillRect/>
+                </a:stretch>
+              </a:blipFill>
+            </p:spPr>
+            <p:txBody>
+              <a:bodyPr/>
+              <a:lstStyle/>
+              <a:p>
+                <a:r>
+                  <a:rPr lang="ja-JP" altLang="en-US">
+                    <a:noFill/>
+                  </a:rPr>
+                  <a:t> </a:t>
+                </a:r>
+              </a:p>
+            </p:txBody>
+          </p:sp>
+        </mc:Fallback>
+      </mc:AlternateContent>
+      <p:sp>
+        <p:nvSpPr>
+          <p:cNvPr id="142" name="テキスト ボックス 141"/>
+          <p:cNvSpPr txBox="1"/>
+          <p:nvPr/>
+        </p:nvSpPr>
+        <p:spPr>
+          <a:xfrm>
+            <a:off x="6084168" y="5560322"/>
+            <a:ext cx="264816" cy="369332"/>
+          </a:xfrm>
+          <a:prstGeom prst="rect">
+            <a:avLst/>
+          </a:prstGeom>
+          <a:noFill/>
+        </p:spPr>
+        <p:txBody>
+          <a:bodyPr wrap="none" rtlCol="0">
+            <a:spAutoFit/>
+          </a:bodyPr>
+          <a:lstStyle/>
+          <a:p>
+            <a:r>
+              <a:rPr lang="en-US" altLang="ja-JP" dirty="0" smtClean="0">
+                <a:solidFill>
+                  <a:srgbClr val="FF0000"/>
+                </a:solidFill>
+              </a:rPr>
+              <a:t>r</a:t>
+            </a:r>
+            <a:endParaRPr kumimoji="1" lang="ja-JP" altLang="en-US" dirty="0">
+              <a:solidFill>
+                <a:srgbClr val="FF0000"/>
+              </a:solidFill>
+            </a:endParaRPr>
+          </a:p>
+        </p:txBody>
+      </p:sp>
+      <p:sp>
+        <p:nvSpPr>
+          <p:cNvPr id="143" name="テキスト ボックス 142"/>
+          <p:cNvSpPr txBox="1"/>
+          <p:nvPr/>
+        </p:nvSpPr>
+        <p:spPr>
+          <a:xfrm>
+            <a:off x="7145826" y="5560322"/>
+            <a:ext cx="306494" cy="369332"/>
+          </a:xfrm>
+          <a:prstGeom prst="rect">
+            <a:avLst/>
+          </a:prstGeom>
+          <a:noFill/>
+        </p:spPr>
+        <p:txBody>
+          <a:bodyPr wrap="none" rtlCol="0">
+            <a:spAutoFit/>
+          </a:bodyPr>
+          <a:lstStyle/>
+          <a:p>
+            <a:r>
+              <a:rPr lang="en-US" altLang="ja-JP" dirty="0"/>
+              <a:t>n</a:t>
+            </a:r>
+            <a:endParaRPr kumimoji="1" lang="ja-JP" altLang="en-US" dirty="0"/>
+          </a:p>
+        </p:txBody>
+      </p:sp>
+      <p:cxnSp>
+        <p:nvCxnSpPr>
+          <p:cNvPr id="144" name="直線コネクタ 143"/>
+          <p:cNvCxnSpPr/>
+          <p:nvPr/>
+        </p:nvCxnSpPr>
+        <p:spPr>
+          <a:xfrm flipH="1">
+            <a:off x="6012160" y="5920362"/>
+            <a:ext cx="360040" cy="0"/>
+          </a:xfrm>
+          <a:prstGeom prst="line">
+            <a:avLst/>
+          </a:prstGeom>
+          <a:ln w="9525">
+            <a:solidFill>
+              <a:srgbClr val="FF0000"/>
+            </a:solidFill>
+          </a:ln>
+        </p:spPr>
+        <p:style>
+          <a:lnRef idx="1">
+            <a:schemeClr val="accent1"/>
+          </a:lnRef>
+          <a:fillRef idx="0">
+            <a:schemeClr val="accent1"/>
+          </a:fillRef>
+          <a:effectRef idx="0">
+            <a:schemeClr val="accent1"/>
+          </a:effectRef>
+          <a:fontRef idx="minor">
+            <a:schemeClr val="tx1"/>
+          </a:fontRef>
+        </p:style>
+      </p:cxnSp>
+    </p:spTree>
+    <p:extLst>
+      <p:ext uri="{BB962C8B-B14F-4D97-AF65-F5344CB8AC3E}">
+        <p14:creationId xmlns:p14="http://schemas.microsoft.com/office/powerpoint/2010/main" val="3481931632"/>
+      </p:ext>
+    </p:extLst>
+  </p:cSld>
+  <p:clrMapOvr>
+    <a:masterClrMapping/>
+  </p:clrMapOvr>
+</p:sld>
+</file>
+
 <file path=ppt/theme/theme1.xml><?xml version="1.0" encoding="utf-8"?>
 <a:theme xmlns:a="http://schemas.openxmlformats.org/drawingml/2006/main" name="Office テーマ">
   <a:themeElements>

--- a/daimyo_tucker/fig.pptx
+++ b/daimyo_tucker/fig.pptx
@@ -12,6 +12,8 @@
     <p:sldId id="262" r:id="rId6"/>
     <p:sldId id="263" r:id="rId7"/>
     <p:sldId id="264" r:id="rId8"/>
+    <p:sldId id="265" r:id="rId9"/>
+    <p:sldId id="266" r:id="rId10"/>
   </p:sldIdLst>
   <p:sldSz cx="9144000" cy="6858000" type="screen4x3"/>
   <p:notesSz cx="6858000" cy="9144000"/>
@@ -540,7 +542,7 @@
           <a:p>
             <a:pPr algn="ctr"/>
             <a:r>
-              <a:rPr kumimoji="1" lang="en-US" altLang="ja-JP" sz="3600" dirty="0" smtClean="0">
+              <a:rPr kumimoji="1" lang="en-US" altLang="ja-JP" sz="3600" dirty="0">
                 <a:solidFill>
                   <a:schemeClr val="tx1"/>
                 </a:solidFill>
@@ -603,7 +605,7 @@
           <a:p>
             <a:pPr algn="ctr"/>
             <a:r>
-              <a:rPr kumimoji="1" lang="en-US" altLang="ja-JP" sz="3600" dirty="0" smtClean="0">
+              <a:rPr kumimoji="1" lang="en-US" altLang="ja-JP" sz="3600" dirty="0">
                 <a:solidFill>
                   <a:schemeClr val="tx1"/>
                 </a:solidFill>
@@ -781,7 +783,7 @@
           <a:lstStyle/>
           <a:p>
             <a:r>
-              <a:rPr kumimoji="1" lang="en-US" altLang="ja-JP" dirty="0" smtClean="0"/>
+              <a:rPr kumimoji="1" lang="en-US" altLang="ja-JP" dirty="0"/>
               <a:t>m</a:t>
             </a:r>
             <a:endParaRPr kumimoji="1" lang="ja-JP" altLang="en-US" dirty="0"/>
@@ -871,7 +873,7 @@
           <a:lstStyle/>
           <a:p>
             <a:r>
-              <a:rPr lang="en-US" altLang="ja-JP" dirty="0" smtClean="0"/>
+              <a:rPr lang="en-US" altLang="ja-JP" dirty="0"/>
               <a:t>l</a:t>
             </a:r>
             <a:endParaRPr kumimoji="1" lang="ja-JP" altLang="en-US" dirty="0"/>
@@ -926,7 +928,7 @@
           <a:p>
             <a:pPr algn="ctr"/>
             <a:r>
-              <a:rPr kumimoji="1" lang="en-US" altLang="ja-JP" sz="3600" dirty="0" smtClean="0">
+              <a:rPr kumimoji="1" lang="en-US" altLang="ja-JP" sz="3600" dirty="0">
                 <a:solidFill>
                   <a:schemeClr val="tx1"/>
                 </a:solidFill>
@@ -989,7 +991,7 @@
           <a:p>
             <a:pPr algn="ctr"/>
             <a:r>
-              <a:rPr kumimoji="1" lang="en-US" altLang="ja-JP" sz="3600" dirty="0" smtClean="0">
+              <a:rPr kumimoji="1" lang="en-US" altLang="ja-JP" sz="3600" dirty="0">
                 <a:solidFill>
                   <a:schemeClr val="tx1"/>
                 </a:solidFill>
@@ -1160,7 +1162,7 @@
           <a:p>
             <a:pPr algn="ctr"/>
             <a:r>
-              <a:rPr kumimoji="1" lang="en-US" altLang="ja-JP" sz="3600" dirty="0" smtClean="0">
+              <a:rPr kumimoji="1" lang="en-US" altLang="ja-JP" sz="3600" dirty="0">
                 <a:solidFill>
                   <a:schemeClr val="tx1"/>
                 </a:solidFill>
@@ -1268,7 +1270,7 @@
           <a:lstStyle/>
           <a:p>
             <a:r>
-              <a:rPr lang="en-US" altLang="ja-JP" dirty="0" smtClean="0"/>
+              <a:rPr lang="en-US" altLang="ja-JP" dirty="0"/>
               <a:t>m</a:t>
             </a:r>
             <a:endParaRPr kumimoji="1" lang="ja-JP" altLang="en-US" dirty="0"/>
@@ -1298,7 +1300,7 @@
           <a:lstStyle/>
           <a:p>
             <a:r>
-              <a:rPr lang="en-US" altLang="ja-JP" dirty="0" smtClean="0"/>
+              <a:rPr lang="en-US" altLang="ja-JP" dirty="0"/>
               <a:t>l</a:t>
             </a:r>
             <a:endParaRPr kumimoji="1" lang="ja-JP" altLang="en-US" dirty="0"/>
@@ -1328,7 +1330,7 @@
           <a:lstStyle/>
           <a:p>
             <a:r>
-              <a:rPr kumimoji="1" lang="en-US" altLang="ja-JP" dirty="0" smtClean="0"/>
+              <a:rPr kumimoji="1" lang="en-US" altLang="ja-JP" dirty="0"/>
               <a:t>m</a:t>
             </a:r>
             <a:endParaRPr kumimoji="1" lang="ja-JP" altLang="en-US" dirty="0"/>
@@ -1358,7 +1360,7 @@
           <a:lstStyle/>
           <a:p>
             <a:r>
-              <a:rPr lang="en-US" altLang="ja-JP" dirty="0" smtClean="0"/>
+              <a:rPr lang="en-US" altLang="ja-JP" dirty="0"/>
               <a:t>l</a:t>
             </a:r>
             <a:endParaRPr kumimoji="1" lang="ja-JP" altLang="en-US" dirty="0"/>
@@ -1388,7 +1390,7 @@
           <a:lstStyle/>
           <a:p>
             <a:r>
-              <a:rPr kumimoji="1" lang="en-US" altLang="ja-JP" sz="3600" dirty="0" smtClean="0"/>
+              <a:rPr kumimoji="1" lang="en-US" altLang="ja-JP" sz="3600" dirty="0"/>
               <a:t>=</a:t>
             </a:r>
             <a:endParaRPr kumimoji="1" lang="ja-JP" altLang="en-US" sz="3600" dirty="0"/>
@@ -1663,7 +1665,7 @@
           <a:p>
             <a:pPr algn="ctr"/>
             <a:r>
-              <a:rPr kumimoji="1" lang="en-US" altLang="ja-JP" sz="3600" dirty="0" smtClean="0">
+              <a:rPr kumimoji="1" lang="en-US" altLang="ja-JP" sz="3600" dirty="0">
                 <a:solidFill>
                   <a:schemeClr val="tx1"/>
                 </a:solidFill>
@@ -1801,7 +1803,7 @@
           <a:lstStyle/>
           <a:p>
             <a:r>
-              <a:rPr kumimoji="1" lang="en-US" altLang="ja-JP" dirty="0" smtClean="0"/>
+              <a:rPr kumimoji="1" lang="en-US" altLang="ja-JP" dirty="0"/>
               <a:t>c</a:t>
             </a:r>
             <a:endParaRPr kumimoji="1" lang="ja-JP" altLang="en-US" dirty="0"/>
@@ -1866,7 +1868,7 @@
           <a:lstStyle/>
           <a:p>
             <a:r>
-              <a:rPr kumimoji="1" lang="en-US" altLang="ja-JP" dirty="0" smtClean="0"/>
+              <a:rPr kumimoji="1" lang="en-US" altLang="ja-JP" dirty="0"/>
               <a:t>w</a:t>
             </a:r>
             <a:endParaRPr kumimoji="1" lang="ja-JP" altLang="en-US" dirty="0"/>
@@ -1896,10 +1898,9 @@
           <a:lstStyle/>
           <a:p>
             <a:r>
-              <a:rPr kumimoji="1" lang="ja-JP" altLang="en-US" dirty="0" smtClean="0"/>
+              <a:rPr kumimoji="1" lang="ja-JP" altLang="en-US" dirty="0"/>
               <a:t>≃</a:t>
             </a:r>
-            <a:endParaRPr kumimoji="1" lang="ja-JP" altLang="en-US" dirty="0"/>
           </a:p>
         </p:txBody>
       </p:sp>
@@ -1951,7 +1952,7 @@
           <a:p>
             <a:pPr algn="ctr"/>
             <a:r>
-              <a:rPr kumimoji="1" lang="en-US" altLang="ja-JP" sz="3600" dirty="0" smtClean="0">
+              <a:rPr kumimoji="1" lang="en-US" altLang="ja-JP" sz="3600" dirty="0">
                 <a:solidFill>
                   <a:schemeClr val="tx1"/>
                 </a:solidFill>
@@ -2014,7 +2015,7 @@
           <a:p>
             <a:pPr algn="ctr"/>
             <a:r>
-              <a:rPr kumimoji="1" lang="en-US" altLang="ja-JP" sz="3600" dirty="0" smtClean="0">
+              <a:rPr kumimoji="1" lang="en-US" altLang="ja-JP" sz="3600" dirty="0">
                 <a:solidFill>
                   <a:schemeClr val="tx1"/>
                 </a:solidFill>
@@ -2077,7 +2078,7 @@
           <a:p>
             <a:pPr algn="ctr"/>
             <a:r>
-              <a:rPr kumimoji="1" lang="en-US" altLang="ja-JP" sz="3600" dirty="0" smtClean="0">
+              <a:rPr kumimoji="1" lang="en-US" altLang="ja-JP" sz="3600" dirty="0">
                 <a:solidFill>
                   <a:schemeClr val="tx1"/>
                 </a:solidFill>
@@ -2226,7 +2227,7 @@
           <a:lstStyle/>
           <a:p>
             <a:r>
-              <a:rPr kumimoji="1" lang="en-US" altLang="ja-JP" dirty="0" smtClean="0"/>
+              <a:rPr kumimoji="1" lang="en-US" altLang="ja-JP" dirty="0"/>
               <a:t>c</a:t>
             </a:r>
             <a:endParaRPr kumimoji="1" lang="ja-JP" altLang="en-US" dirty="0"/>
@@ -2356,7 +2357,7 @@
           <a:lstStyle/>
           <a:p>
             <a:r>
-              <a:rPr kumimoji="1" lang="en-US" altLang="ja-JP" dirty="0" smtClean="0"/>
+              <a:rPr kumimoji="1" lang="en-US" altLang="ja-JP" dirty="0"/>
               <a:t>w</a:t>
             </a:r>
             <a:endParaRPr kumimoji="1" lang="ja-JP" altLang="en-US" dirty="0"/>
@@ -2386,7 +2387,7 @@
           <a:lstStyle/>
           <a:p>
             <a:r>
-              <a:rPr lang="en-US" altLang="ja-JP" dirty="0" smtClean="0"/>
+              <a:rPr lang="en-US" altLang="ja-JP" dirty="0"/>
               <a:t>r</a:t>
             </a:r>
             <a:endParaRPr kumimoji="1" lang="ja-JP" altLang="en-US" dirty="0"/>
@@ -2416,7 +2417,7 @@
           <a:lstStyle/>
           <a:p>
             <a:r>
-              <a:rPr lang="en-US" altLang="ja-JP" dirty="0" smtClean="0"/>
+              <a:rPr lang="en-US" altLang="ja-JP" dirty="0"/>
               <a:t>r</a:t>
             </a:r>
             <a:endParaRPr kumimoji="1" lang="ja-JP" altLang="en-US" dirty="0"/>
@@ -6525,8 +6526,8 @@
           </a:p>
         </p:txBody>
       </p:sp>
-      <mc:AlternateContent xmlns:mc="http://schemas.openxmlformats.org/markup-compatibility/2006">
-        <mc:Choice xmlns:a14="http://schemas.microsoft.com/office/drawing/2010/main" Requires="a14">
+      <mc:AlternateContent xmlns:mc="http://schemas.openxmlformats.org/markup-compatibility/2006" xmlns:a14="http://schemas.microsoft.com/office/drawing/2010/main">
+        <mc:Choice Requires="a14">
           <p:sp>
             <p:nvSpPr>
               <p:cNvPr id="27" name="テキスト ボックス 26"/>
@@ -6570,7 +6571,7 @@
             </p:txBody>
           </p:sp>
         </mc:Choice>
-        <mc:Fallback>
+        <mc:Fallback xmlns="">
           <p:sp>
             <p:nvSpPr>
               <p:cNvPr id="27" name="テキスト ボックス 26"/>
@@ -6609,8 +6610,8 @@
           </p:sp>
         </mc:Fallback>
       </mc:AlternateContent>
-      <mc:AlternateContent xmlns:mc="http://schemas.openxmlformats.org/markup-compatibility/2006">
-        <mc:Choice xmlns:a14="http://schemas.microsoft.com/office/drawing/2010/main" Requires="a14">
+      <mc:AlternateContent xmlns:mc="http://schemas.openxmlformats.org/markup-compatibility/2006" xmlns:a14="http://schemas.microsoft.com/office/drawing/2010/main">
+        <mc:Choice Requires="a14">
           <p:sp>
             <p:nvSpPr>
               <p:cNvPr id="28" name="テキスト ボックス 27"/>
@@ -6654,7 +6655,7 @@
             </p:txBody>
           </p:sp>
         </mc:Choice>
-        <mc:Fallback>
+        <mc:Fallback xmlns="">
           <p:sp>
             <p:nvSpPr>
               <p:cNvPr id="28" name="テキスト ボックス 27"/>
@@ -6693,8 +6694,8 @@
           </p:sp>
         </mc:Fallback>
       </mc:AlternateContent>
-      <mc:AlternateContent xmlns:mc="http://schemas.openxmlformats.org/markup-compatibility/2006">
-        <mc:Choice xmlns:a14="http://schemas.microsoft.com/office/drawing/2010/main" Requires="a14">
+      <mc:AlternateContent xmlns:mc="http://schemas.openxmlformats.org/markup-compatibility/2006" xmlns:a14="http://schemas.microsoft.com/office/drawing/2010/main">
+        <mc:Choice Requires="a14">
           <p:sp>
             <p:nvSpPr>
               <p:cNvPr id="29" name="テキスト ボックス 28"/>
@@ -6760,7 +6761,7 @@
             </p:txBody>
           </p:sp>
         </mc:Choice>
-        <mc:Fallback>
+        <mc:Fallback xmlns="">
           <p:sp>
             <p:nvSpPr>
               <p:cNvPr id="29" name="テキスト ボックス 28"/>
@@ -6799,8 +6800,8 @@
           </p:sp>
         </mc:Fallback>
       </mc:AlternateContent>
-      <mc:AlternateContent xmlns:mc="http://schemas.openxmlformats.org/markup-compatibility/2006">
-        <mc:Choice xmlns:a14="http://schemas.microsoft.com/office/drawing/2010/main" Requires="a14">
+      <mc:AlternateContent xmlns:mc="http://schemas.openxmlformats.org/markup-compatibility/2006" xmlns:a14="http://schemas.microsoft.com/office/drawing/2010/main">
+        <mc:Choice Requires="a14">
           <p:sp>
             <p:nvSpPr>
               <p:cNvPr id="30" name="テキスト ボックス 29"/>
@@ -6848,7 +6849,7 @@
             </p:txBody>
           </p:sp>
         </mc:Choice>
-        <mc:Fallback>
+        <mc:Fallback xmlns="">
           <p:sp>
             <p:nvSpPr>
               <p:cNvPr id="30" name="テキスト ボックス 29"/>
@@ -7014,7 +7015,7 @@
           <a:lstStyle/>
           <a:p>
             <a:r>
-              <a:rPr lang="en-US" altLang="ja-JP" sz="2400" dirty="0" smtClean="0"/>
+              <a:rPr lang="en-US" altLang="ja-JP" sz="2400" dirty="0"/>
               <a:t>n</a:t>
             </a:r>
             <a:endParaRPr kumimoji="1" lang="ja-JP" altLang="en-US" sz="2400" dirty="0"/>
@@ -7518,8 +7519,8 @@
           </a:p>
         </p:txBody>
       </p:sp>
-      <mc:AlternateContent xmlns:mc="http://schemas.openxmlformats.org/markup-compatibility/2006">
-        <mc:Choice xmlns:a14="http://schemas.microsoft.com/office/drawing/2010/main" Requires="a14">
+      <mc:AlternateContent xmlns:mc="http://schemas.openxmlformats.org/markup-compatibility/2006" xmlns:a14="http://schemas.microsoft.com/office/drawing/2010/main">
+        <mc:Choice Requires="a14">
           <p:sp>
             <p:nvSpPr>
               <p:cNvPr id="49" name="テキスト ボックス 48"/>
@@ -7585,7 +7586,7 @@
             </p:txBody>
           </p:sp>
         </mc:Choice>
-        <mc:Fallback>
+        <mc:Fallback xmlns="">
           <p:sp>
             <p:nvSpPr>
               <p:cNvPr id="49" name="テキスト ボックス 48"/>
@@ -7624,8 +7625,8 @@
           </p:sp>
         </mc:Fallback>
       </mc:AlternateContent>
-      <mc:AlternateContent xmlns:mc="http://schemas.openxmlformats.org/markup-compatibility/2006">
-        <mc:Choice xmlns:a14="http://schemas.microsoft.com/office/drawing/2010/main" Requires="a14">
+      <mc:AlternateContent xmlns:mc="http://schemas.openxmlformats.org/markup-compatibility/2006" xmlns:a14="http://schemas.microsoft.com/office/drawing/2010/main">
+        <mc:Choice Requires="a14">
           <p:sp>
             <p:nvSpPr>
               <p:cNvPr id="50" name="テキスト ボックス 49"/>
@@ -7669,7 +7670,7 @@
             </p:txBody>
           </p:sp>
         </mc:Choice>
-        <mc:Fallback>
+        <mc:Fallback xmlns="">
           <p:sp>
             <p:nvSpPr>
               <p:cNvPr id="50" name="テキスト ボックス 49"/>
@@ -7833,8 +7834,8 @@
           </a:p>
         </p:txBody>
       </p:sp>
-      <mc:AlternateContent xmlns:mc="http://schemas.openxmlformats.org/markup-compatibility/2006">
-        <mc:Choice xmlns:a14="http://schemas.microsoft.com/office/drawing/2010/main" Requires="a14">
+      <mc:AlternateContent xmlns:mc="http://schemas.openxmlformats.org/markup-compatibility/2006" xmlns:a14="http://schemas.microsoft.com/office/drawing/2010/main">
+        <mc:Choice Requires="a14">
           <p:sp>
             <p:nvSpPr>
               <p:cNvPr id="60" name="テキスト ボックス 59"/>
@@ -7878,7 +7879,7 @@
             </p:txBody>
           </p:sp>
         </mc:Choice>
-        <mc:Fallback>
+        <mc:Fallback xmlns="">
           <p:sp>
             <p:nvSpPr>
               <p:cNvPr id="60" name="テキスト ボックス 59"/>
@@ -7998,8 +7999,8 @@
           </a:p>
         </p:txBody>
       </p:sp>
-      <mc:AlternateContent xmlns:mc="http://schemas.openxmlformats.org/markup-compatibility/2006">
-        <mc:Choice xmlns:a14="http://schemas.microsoft.com/office/drawing/2010/main" Requires="a14">
+      <mc:AlternateContent xmlns:mc="http://schemas.openxmlformats.org/markup-compatibility/2006" xmlns:a14="http://schemas.microsoft.com/office/drawing/2010/main">
+        <mc:Choice Requires="a14">
           <p:sp>
             <p:nvSpPr>
               <p:cNvPr id="64" name="テキスト ボックス 63"/>
@@ -8043,7 +8044,7 @@
             </p:txBody>
           </p:sp>
         </mc:Choice>
-        <mc:Fallback>
+        <mc:Fallback xmlns="">
           <p:sp>
             <p:nvSpPr>
               <p:cNvPr id="64" name="テキスト ボックス 63"/>
@@ -8163,8 +8164,8 @@
           </a:p>
         </p:txBody>
       </p:sp>
-      <mc:AlternateContent xmlns:mc="http://schemas.openxmlformats.org/markup-compatibility/2006">
-        <mc:Choice xmlns:a14="http://schemas.microsoft.com/office/drawing/2010/main" Requires="a14">
+      <mc:AlternateContent xmlns:mc="http://schemas.openxmlformats.org/markup-compatibility/2006" xmlns:a14="http://schemas.microsoft.com/office/drawing/2010/main">
+        <mc:Choice Requires="a14">
           <p:sp>
             <p:nvSpPr>
               <p:cNvPr id="67" name="テキスト ボックス 66"/>
@@ -8208,7 +8209,7 @@
             </p:txBody>
           </p:sp>
         </mc:Choice>
-        <mc:Fallback>
+        <mc:Fallback xmlns="">
           <p:sp>
             <p:nvSpPr>
               <p:cNvPr id="67" name="テキスト ボックス 66"/>
@@ -8247,8 +8248,8 @@
           </p:sp>
         </mc:Fallback>
       </mc:AlternateContent>
-      <mc:AlternateContent xmlns:mc="http://schemas.openxmlformats.org/markup-compatibility/2006">
-        <mc:Choice xmlns:a14="http://schemas.microsoft.com/office/drawing/2010/main" Requires="a14">
+      <mc:AlternateContent xmlns:mc="http://schemas.openxmlformats.org/markup-compatibility/2006" xmlns:a14="http://schemas.microsoft.com/office/drawing/2010/main">
+        <mc:Choice Requires="a14">
           <p:sp>
             <p:nvSpPr>
               <p:cNvPr id="69" name="テキスト ボックス 68"/>
@@ -8342,7 +8343,7 @@
             </p:txBody>
           </p:sp>
         </mc:Choice>
-        <mc:Fallback>
+        <mc:Fallback xmlns="">
           <p:sp>
             <p:nvSpPr>
               <p:cNvPr id="69" name="テキスト ボックス 68"/>
@@ -8513,8 +8514,8 @@
           </a:p>
         </p:txBody>
       </p:sp>
-      <mc:AlternateContent xmlns:mc="http://schemas.openxmlformats.org/markup-compatibility/2006">
-        <mc:Choice xmlns:a14="http://schemas.microsoft.com/office/drawing/2010/main" Requires="a14">
+      <mc:AlternateContent xmlns:mc="http://schemas.openxmlformats.org/markup-compatibility/2006" xmlns:a14="http://schemas.microsoft.com/office/drawing/2010/main">
+        <mc:Choice Requires="a14">
           <p:sp>
             <p:nvSpPr>
               <p:cNvPr id="4" name="テキスト ボックス 3"/>
@@ -8558,7 +8559,7 @@
             </p:txBody>
           </p:sp>
         </mc:Choice>
-        <mc:Fallback>
+        <mc:Fallback xmlns="">
           <p:sp>
             <p:nvSpPr>
               <p:cNvPr id="4" name="テキスト ボックス 3"/>
@@ -8724,7 +8725,7 @@
           <a:lstStyle/>
           <a:p>
             <a:r>
-              <a:rPr lang="en-US" altLang="ja-JP" sz="2400" dirty="0" smtClean="0"/>
+              <a:rPr lang="en-US" altLang="ja-JP" sz="2400" dirty="0"/>
               <a:t>n</a:t>
             </a:r>
             <a:endParaRPr kumimoji="1" lang="ja-JP" altLang="en-US" sz="2400" dirty="0"/>
@@ -8863,8 +8864,8 @@
           </a:p>
         </p:txBody>
       </p:sp>
-      <mc:AlternateContent xmlns:mc="http://schemas.openxmlformats.org/markup-compatibility/2006">
-        <mc:Choice xmlns:a14="http://schemas.microsoft.com/office/drawing/2010/main" Requires="a14">
+      <mc:AlternateContent xmlns:mc="http://schemas.openxmlformats.org/markup-compatibility/2006" xmlns:a14="http://schemas.microsoft.com/office/drawing/2010/main">
+        <mc:Choice Requires="a14">
           <p:sp>
             <p:nvSpPr>
               <p:cNvPr id="12" name="テキスト ボックス 11"/>
@@ -8930,7 +8931,7 @@
             </p:txBody>
           </p:sp>
         </mc:Choice>
-        <mc:Fallback>
+        <mc:Fallback xmlns="">
           <p:sp>
             <p:nvSpPr>
               <p:cNvPr id="12" name="テキスト ボックス 11"/>
@@ -8969,8 +8970,8 @@
           </p:sp>
         </mc:Fallback>
       </mc:AlternateContent>
-      <mc:AlternateContent xmlns:mc="http://schemas.openxmlformats.org/markup-compatibility/2006">
-        <mc:Choice xmlns:a14="http://schemas.microsoft.com/office/drawing/2010/main" Requires="a14">
+      <mc:AlternateContent xmlns:mc="http://schemas.openxmlformats.org/markup-compatibility/2006" xmlns:a14="http://schemas.microsoft.com/office/drawing/2010/main">
+        <mc:Choice Requires="a14">
           <p:sp>
             <p:nvSpPr>
               <p:cNvPr id="13" name="テキスト ボックス 12"/>
@@ -9014,7 +9015,7 @@
             </p:txBody>
           </p:sp>
         </mc:Choice>
-        <mc:Fallback>
+        <mc:Fallback xmlns="">
           <p:sp>
             <p:nvSpPr>
               <p:cNvPr id="13" name="テキスト ボックス 12"/>
@@ -9083,8 +9084,8 @@
           </a:p>
         </p:txBody>
       </p:sp>
-      <mc:AlternateContent xmlns:mc="http://schemas.openxmlformats.org/markup-compatibility/2006">
-        <mc:Choice xmlns:a14="http://schemas.microsoft.com/office/drawing/2010/main" Requires="a14">
+      <mc:AlternateContent xmlns:mc="http://schemas.openxmlformats.org/markup-compatibility/2006" xmlns:a14="http://schemas.microsoft.com/office/drawing/2010/main">
+        <mc:Choice Requires="a14">
           <p:sp>
             <p:nvSpPr>
               <p:cNvPr id="16" name="テキスト ボックス 15"/>
@@ -9140,7 +9141,7 @@
             </p:txBody>
           </p:sp>
         </mc:Choice>
-        <mc:Fallback>
+        <mc:Fallback xmlns="">
           <p:sp>
             <p:nvSpPr>
               <p:cNvPr id="16" name="テキスト ボックス 15"/>
@@ -9306,7 +9307,7 @@
           <a:lstStyle/>
           <a:p>
             <a:r>
-              <a:rPr lang="en-US" altLang="ja-JP" sz="2400" dirty="0" smtClean="0"/>
+              <a:rPr lang="en-US" altLang="ja-JP" sz="2400" dirty="0"/>
               <a:t>n</a:t>
             </a:r>
             <a:endParaRPr kumimoji="1" lang="ja-JP" altLang="en-US" sz="2400" dirty="0"/>
@@ -9441,8 +9442,8 @@
           </a:p>
         </p:txBody>
       </p:sp>
-      <mc:AlternateContent xmlns:mc="http://schemas.openxmlformats.org/markup-compatibility/2006">
-        <mc:Choice xmlns:a14="http://schemas.microsoft.com/office/drawing/2010/main" Requires="a14">
+      <mc:AlternateContent xmlns:mc="http://schemas.openxmlformats.org/markup-compatibility/2006" xmlns:a14="http://schemas.microsoft.com/office/drawing/2010/main">
+        <mc:Choice Requires="a14">
           <p:sp>
             <p:nvSpPr>
               <p:cNvPr id="26" name="テキスト ボックス 25"/>
@@ -9521,7 +9522,7 @@
             </p:txBody>
           </p:sp>
         </mc:Choice>
-        <mc:Fallback>
+        <mc:Fallback xmlns="">
           <p:sp>
             <p:nvSpPr>
               <p:cNvPr id="26" name="テキスト ボックス 25"/>
@@ -9560,8 +9561,8 @@
           </p:sp>
         </mc:Fallback>
       </mc:AlternateContent>
-      <mc:AlternateContent xmlns:mc="http://schemas.openxmlformats.org/markup-compatibility/2006">
-        <mc:Choice xmlns:a14="http://schemas.microsoft.com/office/drawing/2010/main" Requires="a14">
+      <mc:AlternateContent xmlns:mc="http://schemas.openxmlformats.org/markup-compatibility/2006" xmlns:a14="http://schemas.microsoft.com/office/drawing/2010/main">
+        <mc:Choice Requires="a14">
           <p:sp>
             <p:nvSpPr>
               <p:cNvPr id="27" name="テキスト ボックス 26"/>
@@ -9617,7 +9618,7 @@
             </p:txBody>
           </p:sp>
         </mc:Choice>
-        <mc:Fallback>
+        <mc:Fallback xmlns="">
           <p:sp>
             <p:nvSpPr>
               <p:cNvPr id="27" name="テキスト ボックス 26"/>
@@ -9851,8 +9852,8 @@
           </a:p>
         </p:txBody>
       </p:sp>
-      <mc:AlternateContent xmlns:mc="http://schemas.openxmlformats.org/markup-compatibility/2006">
-        <mc:Choice xmlns:a14="http://schemas.microsoft.com/office/drawing/2010/main" Requires="a14">
+      <mc:AlternateContent xmlns:mc="http://schemas.openxmlformats.org/markup-compatibility/2006" xmlns:a14="http://schemas.microsoft.com/office/drawing/2010/main">
+        <mc:Choice Requires="a14">
           <p:sp>
             <p:nvSpPr>
               <p:cNvPr id="32" name="テキスト ボックス 31"/>
@@ -9896,7 +9897,7 @@
             </p:txBody>
           </p:sp>
         </mc:Choice>
-        <mc:Fallback>
+        <mc:Fallback xmlns="">
           <p:sp>
             <p:nvSpPr>
               <p:cNvPr id="32" name="テキスト ボックス 31"/>
@@ -10014,8 +10015,8 @@
           </a:p>
         </p:txBody>
       </p:sp>
-      <mc:AlternateContent xmlns:mc="http://schemas.openxmlformats.org/markup-compatibility/2006">
-        <mc:Choice xmlns:a14="http://schemas.microsoft.com/office/drawing/2010/main" Requires="a14">
+      <mc:AlternateContent xmlns:mc="http://schemas.openxmlformats.org/markup-compatibility/2006" xmlns:a14="http://schemas.microsoft.com/office/drawing/2010/main">
+        <mc:Choice Requires="a14">
           <p:sp>
             <p:nvSpPr>
               <p:cNvPr id="35" name="テキスト ボックス 34"/>
@@ -10071,7 +10072,7 @@
             </p:txBody>
           </p:sp>
         </mc:Choice>
-        <mc:Fallback>
+        <mc:Fallback xmlns="">
           <p:sp>
             <p:nvSpPr>
               <p:cNvPr id="35" name="テキスト ボックス 34"/>
@@ -10200,7 +10201,7 @@
           <a:lstStyle/>
           <a:p>
             <a:r>
-              <a:rPr lang="en-US" altLang="ja-JP" sz="2400" dirty="0" smtClean="0"/>
+              <a:rPr lang="en-US" altLang="ja-JP" sz="2400" dirty="0"/>
               <a:t>n</a:t>
             </a:r>
             <a:endParaRPr kumimoji="1" lang="ja-JP" altLang="en-US" sz="2400" dirty="0"/>
@@ -10334,7 +10335,7 @@
           <a:lstStyle/>
           <a:p>
             <a:r>
-              <a:rPr lang="en-US" altLang="ja-JP" sz="2400" dirty="0" smtClean="0"/>
+              <a:rPr lang="en-US" altLang="ja-JP" sz="2400" dirty="0"/>
               <a:t>n</a:t>
             </a:r>
             <a:endParaRPr kumimoji="1" lang="ja-JP" altLang="en-US" sz="2400" dirty="0"/>
@@ -10468,7 +10469,7 @@
           <a:lstStyle/>
           <a:p>
             <a:r>
-              <a:rPr lang="en-US" altLang="ja-JP" sz="2400" dirty="0" smtClean="0"/>
+              <a:rPr lang="en-US" altLang="ja-JP" sz="2400" dirty="0"/>
               <a:t>r</a:t>
             </a:r>
             <a:endParaRPr kumimoji="1" lang="ja-JP" altLang="en-US" sz="2400" dirty="0"/>
@@ -10535,7 +10536,7 @@
           <a:lstStyle/>
           <a:p>
             <a:r>
-              <a:rPr lang="en-US" altLang="ja-JP" sz="2400" dirty="0" smtClean="0"/>
+              <a:rPr lang="en-US" altLang="ja-JP" sz="2400" dirty="0"/>
               <a:t>r</a:t>
             </a:r>
             <a:endParaRPr kumimoji="1" lang="ja-JP" altLang="en-US" sz="2400" dirty="0"/>
@@ -10591,8 +10592,8 @@
           </a:p>
         </p:txBody>
       </p:sp>
-      <mc:AlternateContent xmlns:mc="http://schemas.openxmlformats.org/markup-compatibility/2006">
-        <mc:Choice xmlns:a14="http://schemas.microsoft.com/office/drawing/2010/main" Requires="a14">
+      <mc:AlternateContent xmlns:mc="http://schemas.openxmlformats.org/markup-compatibility/2006" xmlns:a14="http://schemas.microsoft.com/office/drawing/2010/main">
+        <mc:Choice Requires="a14">
           <p:sp>
             <p:nvSpPr>
               <p:cNvPr id="54" name="テキスト ボックス 53"/>
@@ -10648,7 +10649,7 @@
             </p:txBody>
           </p:sp>
         </mc:Choice>
-        <mc:Fallback>
+        <mc:Fallback xmlns="">
           <p:sp>
             <p:nvSpPr>
               <p:cNvPr id="54" name="テキスト ボックス 53"/>
@@ -10804,7 +10805,7 @@
           <a:lstStyle/>
           <a:p>
             <a:r>
-              <a:rPr lang="en-US" altLang="ja-JP" sz="2400" dirty="0" smtClean="0"/>
+              <a:rPr lang="en-US" altLang="ja-JP" sz="2400" dirty="0"/>
               <a:t>r</a:t>
             </a:r>
             <a:endParaRPr kumimoji="1" lang="ja-JP" altLang="en-US" sz="2400" dirty="0"/>
@@ -10891,10 +10892,9 @@
           <a:lstStyle/>
           <a:p>
             <a:r>
-              <a:rPr kumimoji="1" lang="ja-JP" altLang="en-US" sz="2400" dirty="0" smtClean="0"/>
+              <a:rPr kumimoji="1" lang="ja-JP" altLang="en-US" sz="2400" dirty="0"/>
               <a:t>復元</a:t>
             </a:r>
-            <a:endParaRPr kumimoji="1" lang="ja-JP" altLang="en-US" sz="2400" dirty="0"/>
           </a:p>
         </p:txBody>
       </p:sp>
@@ -10960,7 +10960,7 @@
           <a:lstStyle/>
           <a:p>
             <a:r>
-              <a:rPr lang="ja-JP" altLang="en-US" sz="2400" dirty="0" smtClean="0"/>
+              <a:rPr lang="ja-JP" altLang="en-US" sz="2400" dirty="0"/>
               <a:t>圧縮</a:t>
             </a:r>
             <a:endParaRPr kumimoji="1" lang="ja-JP" altLang="en-US" sz="2400" dirty="0"/>
@@ -11028,12 +11028,8 @@
           <a:lstStyle/>
           <a:p>
             <a:r>
-              <a:rPr lang="ja-JP" altLang="en-US" dirty="0" smtClean="0"/>
-              <a:t>元の</a:t>
-            </a:r>
-            <a:r>
               <a:rPr lang="ja-JP" altLang="en-US" dirty="0"/>
-              <a:t>テンソル</a:t>
+              <a:t>元のテンソル</a:t>
             </a:r>
             <a:endParaRPr kumimoji="1" lang="ja-JP" altLang="en-US" dirty="0"/>
           </a:p>
@@ -11062,7 +11058,7 @@
           <a:lstStyle/>
           <a:p>
             <a:r>
-              <a:rPr lang="ja-JP" altLang="en-US" dirty="0" smtClean="0"/>
+              <a:rPr lang="ja-JP" altLang="en-US" dirty="0"/>
               <a:t>近似テンソル</a:t>
             </a:r>
             <a:endParaRPr kumimoji="1" lang="ja-JP" altLang="en-US" dirty="0"/>
@@ -11150,8 +11146,8 @@
           </a:p>
         </p:txBody>
       </p:sp>
-      <mc:AlternateContent xmlns:mc="http://schemas.openxmlformats.org/markup-compatibility/2006">
-        <mc:Choice xmlns:a14="http://schemas.microsoft.com/office/drawing/2010/main" Requires="a14">
+      <mc:AlternateContent xmlns:mc="http://schemas.openxmlformats.org/markup-compatibility/2006" xmlns:a14="http://schemas.microsoft.com/office/drawing/2010/main">
+        <mc:Choice Requires="a14">
           <p:sp>
             <p:nvSpPr>
               <p:cNvPr id="3" name="テキスト ボックス 2"/>
@@ -11195,7 +11191,7 @@
             </p:txBody>
           </p:sp>
         </mc:Choice>
-        <mc:Fallback>
+        <mc:Fallback xmlns="">
           <p:sp>
             <p:nvSpPr>
               <p:cNvPr id="3" name="テキスト ボックス 2"/>
@@ -11313,8 +11309,8 @@
           </a:p>
         </p:txBody>
       </p:sp>
-      <mc:AlternateContent xmlns:mc="http://schemas.openxmlformats.org/markup-compatibility/2006">
-        <mc:Choice xmlns:a14="http://schemas.microsoft.com/office/drawing/2010/main" Requires="a14">
+      <mc:AlternateContent xmlns:mc="http://schemas.openxmlformats.org/markup-compatibility/2006" xmlns:a14="http://schemas.microsoft.com/office/drawing/2010/main">
+        <mc:Choice Requires="a14">
           <p:sp>
             <p:nvSpPr>
               <p:cNvPr id="6" name="テキスト ボックス 5"/>
@@ -11370,7 +11366,7 @@
             </p:txBody>
           </p:sp>
         </mc:Choice>
-        <mc:Fallback>
+        <mc:Fallback xmlns="">
           <p:sp>
             <p:nvSpPr>
               <p:cNvPr id="6" name="テキスト ボックス 5"/>
@@ -11515,8 +11511,8 @@
           </a:p>
         </p:txBody>
       </p:sp>
-      <mc:AlternateContent xmlns:mc="http://schemas.openxmlformats.org/markup-compatibility/2006">
-        <mc:Choice xmlns:a14="http://schemas.microsoft.com/office/drawing/2010/main" Requires="a14">
+      <mc:AlternateContent xmlns:mc="http://schemas.openxmlformats.org/markup-compatibility/2006" xmlns:a14="http://schemas.microsoft.com/office/drawing/2010/main">
+        <mc:Choice Requires="a14">
           <p:sp>
             <p:nvSpPr>
               <p:cNvPr id="11" name="テキスト ボックス 10"/>
@@ -11595,7 +11591,7 @@
             </p:txBody>
           </p:sp>
         </mc:Choice>
-        <mc:Fallback>
+        <mc:Fallback xmlns="">
           <p:sp>
             <p:nvSpPr>
               <p:cNvPr id="11" name="テキスト ボックス 10"/>
@@ -11738,10 +11734,9 @@
           <a:lstStyle/>
           <a:p>
             <a:r>
-              <a:rPr kumimoji="1" lang="ja-JP" altLang="en-US" dirty="0" smtClean="0"/>
+              <a:rPr kumimoji="1" lang="ja-JP" altLang="en-US" dirty="0"/>
               <a:t>元のテンソル</a:t>
             </a:r>
-            <a:endParaRPr kumimoji="1" lang="ja-JP" altLang="en-US" dirty="0"/>
           </a:p>
         </p:txBody>
       </p:sp>
@@ -11768,14 +11763,13 @@
           <a:lstStyle/>
           <a:p>
             <a:r>
-              <a:rPr lang="ja-JP" altLang="en-US" dirty="0" smtClean="0"/>
+              <a:rPr lang="ja-JP" altLang="en-US" dirty="0"/>
               <a:t>右の圧縮</a:t>
             </a:r>
             <a:r>
-              <a:rPr kumimoji="1" lang="ja-JP" altLang="en-US" dirty="0" smtClean="0"/>
+              <a:rPr kumimoji="1" lang="ja-JP" altLang="en-US" dirty="0"/>
               <a:t>テンソル</a:t>
             </a:r>
-            <a:endParaRPr kumimoji="1" lang="ja-JP" altLang="en-US" dirty="0"/>
           </a:p>
         </p:txBody>
       </p:sp>
@@ -11802,14 +11796,13 @@
           <a:lstStyle/>
           <a:p>
             <a:r>
-              <a:rPr lang="ja-JP" altLang="en-US" dirty="0" smtClean="0"/>
+              <a:rPr lang="ja-JP" altLang="en-US" dirty="0"/>
               <a:t>左の圧縮</a:t>
             </a:r>
             <a:r>
-              <a:rPr kumimoji="1" lang="ja-JP" altLang="en-US" dirty="0" smtClean="0"/>
+              <a:rPr kumimoji="1" lang="ja-JP" altLang="en-US" dirty="0"/>
               <a:t>テンソル</a:t>
             </a:r>
-            <a:endParaRPr kumimoji="1" lang="ja-JP" altLang="en-US" dirty="0"/>
           </a:p>
         </p:txBody>
       </p:sp>
@@ -11946,8 +11939,8 @@
           </a:p>
         </p:txBody>
       </p:sp>
-      <mc:AlternateContent xmlns:mc="http://schemas.openxmlformats.org/markup-compatibility/2006">
-        <mc:Choice xmlns:a14="http://schemas.microsoft.com/office/drawing/2010/main" Requires="a14">
+      <mc:AlternateContent xmlns:mc="http://schemas.openxmlformats.org/markup-compatibility/2006" xmlns:a14="http://schemas.microsoft.com/office/drawing/2010/main">
+        <mc:Choice Requires="a14">
           <p:sp>
             <p:nvSpPr>
               <p:cNvPr id="21" name="テキスト ボックス 20"/>
@@ -11991,7 +11984,7 @@
             </p:txBody>
           </p:sp>
         </mc:Choice>
-        <mc:Fallback>
+        <mc:Fallback xmlns="">
           <p:sp>
             <p:nvSpPr>
               <p:cNvPr id="21" name="テキスト ボックス 20"/>
@@ -12053,10 +12046,9 @@
           <a:lstStyle/>
           <a:p>
             <a:r>
-              <a:rPr kumimoji="1" lang="ja-JP" altLang="en-US" dirty="0" smtClean="0"/>
+              <a:rPr kumimoji="1" lang="ja-JP" altLang="en-US" dirty="0"/>
               <a:t>コアテンソル</a:t>
             </a:r>
-            <a:endParaRPr kumimoji="1" lang="ja-JP" altLang="en-US" dirty="0"/>
           </a:p>
         </p:txBody>
       </p:sp>
@@ -12374,8 +12366,8 @@
           </a:p>
         </p:txBody>
       </p:sp>
-      <mc:AlternateContent xmlns:mc="http://schemas.openxmlformats.org/markup-compatibility/2006">
-        <mc:Choice xmlns:a14="http://schemas.microsoft.com/office/drawing/2010/main" Requires="a14">
+      <mc:AlternateContent xmlns:mc="http://schemas.openxmlformats.org/markup-compatibility/2006" xmlns:a14="http://schemas.microsoft.com/office/drawing/2010/main">
+        <mc:Choice Requires="a14">
           <p:sp>
             <p:nvSpPr>
               <p:cNvPr id="36" name="テキスト ボックス 35"/>
@@ -12419,7 +12411,7 @@
             </p:txBody>
           </p:sp>
         </mc:Choice>
-        <mc:Fallback>
+        <mc:Fallback xmlns="">
           <p:sp>
             <p:nvSpPr>
               <p:cNvPr id="36" name="テキスト ボックス 35"/>
@@ -12742,8 +12734,8 @@
           </a:p>
         </p:txBody>
       </p:sp>
-      <mc:AlternateContent xmlns:mc="http://schemas.openxmlformats.org/markup-compatibility/2006">
-        <mc:Choice xmlns:a14="http://schemas.microsoft.com/office/drawing/2010/main" Requires="a14">
+      <mc:AlternateContent xmlns:mc="http://schemas.openxmlformats.org/markup-compatibility/2006" xmlns:a14="http://schemas.microsoft.com/office/drawing/2010/main">
+        <mc:Choice Requires="a14">
           <p:sp>
             <p:nvSpPr>
               <p:cNvPr id="44" name="テキスト ボックス 43"/>
@@ -12787,7 +12779,7 @@
             </p:txBody>
           </p:sp>
         </mc:Choice>
-        <mc:Fallback>
+        <mc:Fallback xmlns="">
           <p:sp>
             <p:nvSpPr>
               <p:cNvPr id="44" name="テキスト ボックス 43"/>
@@ -12826,8 +12818,8 @@
           </p:sp>
         </mc:Fallback>
       </mc:AlternateContent>
-      <mc:AlternateContent xmlns:mc="http://schemas.openxmlformats.org/markup-compatibility/2006">
-        <mc:Choice xmlns:a14="http://schemas.microsoft.com/office/drawing/2010/main" Requires="a14">
+      <mc:AlternateContent xmlns:mc="http://schemas.openxmlformats.org/markup-compatibility/2006" xmlns:a14="http://schemas.microsoft.com/office/drawing/2010/main">
+        <mc:Choice Requires="a14">
           <p:sp>
             <p:nvSpPr>
               <p:cNvPr id="45" name="テキスト ボックス 44"/>
@@ -12893,7 +12885,7 @@
             </p:txBody>
           </p:sp>
         </mc:Choice>
-        <mc:Fallback>
+        <mc:Fallback xmlns="">
           <p:sp>
             <p:nvSpPr>
               <p:cNvPr id="45" name="テキスト ボックス 44"/>
@@ -12932,8 +12924,8 @@
           </p:sp>
         </mc:Fallback>
       </mc:AlternateContent>
-      <mc:AlternateContent xmlns:mc="http://schemas.openxmlformats.org/markup-compatibility/2006">
-        <mc:Choice xmlns:a14="http://schemas.microsoft.com/office/drawing/2010/main" Requires="a14">
+      <mc:AlternateContent xmlns:mc="http://schemas.openxmlformats.org/markup-compatibility/2006" xmlns:a14="http://schemas.microsoft.com/office/drawing/2010/main">
+        <mc:Choice Requires="a14">
           <p:sp>
             <p:nvSpPr>
               <p:cNvPr id="46" name="テキスト ボックス 45"/>
@@ -12977,7 +12969,7 @@
             </p:txBody>
           </p:sp>
         </mc:Choice>
-        <mc:Fallback>
+        <mc:Fallback xmlns="">
           <p:sp>
             <p:nvSpPr>
               <p:cNvPr id="46" name="テキスト ボックス 45"/>
@@ -13016,8 +13008,8 @@
           </p:sp>
         </mc:Fallback>
       </mc:AlternateContent>
-      <mc:AlternateContent xmlns:mc="http://schemas.openxmlformats.org/markup-compatibility/2006">
-        <mc:Choice xmlns:a14="http://schemas.microsoft.com/office/drawing/2010/main" Requires="a14">
+      <mc:AlternateContent xmlns:mc="http://schemas.openxmlformats.org/markup-compatibility/2006" xmlns:a14="http://schemas.microsoft.com/office/drawing/2010/main">
+        <mc:Choice Requires="a14">
           <p:sp>
             <p:nvSpPr>
               <p:cNvPr id="47" name="テキスト ボックス 46"/>
@@ -13083,7 +13075,7 @@
             </p:txBody>
           </p:sp>
         </mc:Choice>
-        <mc:Fallback>
+        <mc:Fallback xmlns="">
           <p:sp>
             <p:nvSpPr>
               <p:cNvPr id="47" name="テキスト ボックス 46"/>
@@ -13122,8 +13114,8 @@
           </p:sp>
         </mc:Fallback>
       </mc:AlternateContent>
-      <mc:AlternateContent xmlns:mc="http://schemas.openxmlformats.org/markup-compatibility/2006">
-        <mc:Choice xmlns:a14="http://schemas.microsoft.com/office/drawing/2010/main" Requires="a14">
+      <mc:AlternateContent xmlns:mc="http://schemas.openxmlformats.org/markup-compatibility/2006" xmlns:a14="http://schemas.microsoft.com/office/drawing/2010/main">
+        <mc:Choice Requires="a14">
           <p:sp>
             <p:nvSpPr>
               <p:cNvPr id="48" name="テキスト ボックス 47"/>
@@ -13167,7 +13159,7 @@
             </p:txBody>
           </p:sp>
         </mc:Choice>
-        <mc:Fallback>
+        <mc:Fallback xmlns="">
           <p:sp>
             <p:nvSpPr>
               <p:cNvPr id="48" name="テキスト ボックス 47"/>
@@ -13229,7 +13221,7 @@
           <a:lstStyle/>
           <a:p>
             <a:r>
-              <a:rPr kumimoji="1" lang="en-US" altLang="ja-JP" dirty="0" smtClean="0"/>
+              <a:rPr kumimoji="1" lang="en-US" altLang="ja-JP" dirty="0"/>
               <a:t>m</a:t>
             </a:r>
             <a:endParaRPr kumimoji="1" lang="ja-JP" altLang="en-US" dirty="0"/>
@@ -13289,7 +13281,7 @@
           <a:lstStyle/>
           <a:p>
             <a:r>
-              <a:rPr kumimoji="1" lang="en-US" altLang="ja-JP" dirty="0" smtClean="0"/>
+              <a:rPr kumimoji="1" lang="en-US" altLang="ja-JP" dirty="0"/>
               <a:t>m</a:t>
             </a:r>
             <a:endParaRPr kumimoji="1" lang="ja-JP" altLang="en-US" dirty="0"/>
@@ -13319,7 +13311,7 @@
           <a:lstStyle/>
           <a:p>
             <a:r>
-              <a:rPr kumimoji="1" lang="en-US" altLang="ja-JP" dirty="0" smtClean="0"/>
+              <a:rPr kumimoji="1" lang="en-US" altLang="ja-JP" dirty="0"/>
               <a:t>m</a:t>
             </a:r>
             <a:endParaRPr kumimoji="1" lang="ja-JP" altLang="en-US" dirty="0"/>
@@ -13349,7 +13341,7 @@
           <a:lstStyle/>
           <a:p>
             <a:r>
-              <a:rPr kumimoji="1" lang="en-US" altLang="ja-JP" dirty="0" smtClean="0"/>
+              <a:rPr kumimoji="1" lang="en-US" altLang="ja-JP" dirty="0"/>
               <a:t>m</a:t>
             </a:r>
             <a:endParaRPr kumimoji="1" lang="ja-JP" altLang="en-US" dirty="0"/>
@@ -13760,8 +13752,8 @@
           </a:p>
         </p:txBody>
       </p:sp>
-      <mc:AlternateContent xmlns:mc="http://schemas.openxmlformats.org/markup-compatibility/2006">
-        <mc:Choice xmlns:a14="http://schemas.microsoft.com/office/drawing/2010/main" Requires="a14">
+      <mc:AlternateContent xmlns:mc="http://schemas.openxmlformats.org/markup-compatibility/2006" xmlns:a14="http://schemas.microsoft.com/office/drawing/2010/main">
+        <mc:Choice Requires="a14">
           <p:sp>
             <p:nvSpPr>
               <p:cNvPr id="95" name="テキスト ボックス 94"/>
@@ -13805,7 +13797,7 @@
             </p:txBody>
           </p:sp>
         </mc:Choice>
-        <mc:Fallback>
+        <mc:Fallback xmlns="">
           <p:sp>
             <p:nvSpPr>
               <p:cNvPr id="95" name="テキスト ボックス 94"/>
@@ -14128,8 +14120,8 @@
           </a:p>
         </p:txBody>
       </p:sp>
-      <mc:AlternateContent xmlns:mc="http://schemas.openxmlformats.org/markup-compatibility/2006">
-        <mc:Choice xmlns:a14="http://schemas.microsoft.com/office/drawing/2010/main" Requires="a14">
+      <mc:AlternateContent xmlns:mc="http://schemas.openxmlformats.org/markup-compatibility/2006" xmlns:a14="http://schemas.microsoft.com/office/drawing/2010/main">
+        <mc:Choice Requires="a14">
           <p:sp>
             <p:nvSpPr>
               <p:cNvPr id="103" name="テキスト ボックス 102"/>
@@ -14185,7 +14177,7 @@
             </p:txBody>
           </p:sp>
         </mc:Choice>
-        <mc:Fallback>
+        <mc:Fallback xmlns="">
           <p:sp>
             <p:nvSpPr>
               <p:cNvPr id="103" name="テキスト ボックス 102"/>
@@ -14224,8 +14216,8 @@
           </p:sp>
         </mc:Fallback>
       </mc:AlternateContent>
-      <mc:AlternateContent xmlns:mc="http://schemas.openxmlformats.org/markup-compatibility/2006">
-        <mc:Choice xmlns:a14="http://schemas.microsoft.com/office/drawing/2010/main" Requires="a14">
+      <mc:AlternateContent xmlns:mc="http://schemas.openxmlformats.org/markup-compatibility/2006" xmlns:a14="http://schemas.microsoft.com/office/drawing/2010/main">
+        <mc:Choice Requires="a14">
           <p:sp>
             <p:nvSpPr>
               <p:cNvPr id="104" name="テキスト ボックス 103"/>
@@ -14291,7 +14283,7 @@
             </p:txBody>
           </p:sp>
         </mc:Choice>
-        <mc:Fallback>
+        <mc:Fallback xmlns="">
           <p:sp>
             <p:nvSpPr>
               <p:cNvPr id="104" name="テキスト ボックス 103"/>
@@ -14330,8 +14322,8 @@
           </p:sp>
         </mc:Fallback>
       </mc:AlternateContent>
-      <mc:AlternateContent xmlns:mc="http://schemas.openxmlformats.org/markup-compatibility/2006">
-        <mc:Choice xmlns:a14="http://schemas.microsoft.com/office/drawing/2010/main" Requires="a14">
+      <mc:AlternateContent xmlns:mc="http://schemas.openxmlformats.org/markup-compatibility/2006" xmlns:a14="http://schemas.microsoft.com/office/drawing/2010/main">
+        <mc:Choice Requires="a14">
           <p:sp>
             <p:nvSpPr>
               <p:cNvPr id="105" name="テキスト ボックス 104"/>
@@ -14387,7 +14379,7 @@
             </p:txBody>
           </p:sp>
         </mc:Choice>
-        <mc:Fallback>
+        <mc:Fallback xmlns="">
           <p:sp>
             <p:nvSpPr>
               <p:cNvPr id="105" name="テキスト ボックス 104"/>
@@ -14426,8 +14418,8 @@
           </p:sp>
         </mc:Fallback>
       </mc:AlternateContent>
-      <mc:AlternateContent xmlns:mc="http://schemas.openxmlformats.org/markup-compatibility/2006">
-        <mc:Choice xmlns:a14="http://schemas.microsoft.com/office/drawing/2010/main" Requires="a14">
+      <mc:AlternateContent xmlns:mc="http://schemas.openxmlformats.org/markup-compatibility/2006" xmlns:a14="http://schemas.microsoft.com/office/drawing/2010/main">
+        <mc:Choice Requires="a14">
           <p:sp>
             <p:nvSpPr>
               <p:cNvPr id="106" name="テキスト ボックス 105"/>
@@ -14506,7 +14498,7 @@
             </p:txBody>
           </p:sp>
         </mc:Choice>
-        <mc:Fallback>
+        <mc:Fallback xmlns="">
           <p:sp>
             <p:nvSpPr>
               <p:cNvPr id="106" name="テキスト ボックス 105"/>
@@ -14545,8 +14537,8 @@
           </p:sp>
         </mc:Fallback>
       </mc:AlternateContent>
-      <mc:AlternateContent xmlns:mc="http://schemas.openxmlformats.org/markup-compatibility/2006">
-        <mc:Choice xmlns:a14="http://schemas.microsoft.com/office/drawing/2010/main" Requires="a14">
+      <mc:AlternateContent xmlns:mc="http://schemas.openxmlformats.org/markup-compatibility/2006" xmlns:a14="http://schemas.microsoft.com/office/drawing/2010/main">
+        <mc:Choice Requires="a14">
           <p:sp>
             <p:nvSpPr>
               <p:cNvPr id="107" name="テキスト ボックス 106"/>
@@ -14602,7 +14594,7 @@
             </p:txBody>
           </p:sp>
         </mc:Choice>
-        <mc:Fallback>
+        <mc:Fallback xmlns="">
           <p:sp>
             <p:nvSpPr>
               <p:cNvPr id="107" name="テキスト ボックス 106"/>
@@ -14664,7 +14656,7 @@
           <a:lstStyle/>
           <a:p>
             <a:r>
-              <a:rPr kumimoji="1" lang="en-US" altLang="ja-JP" dirty="0" smtClean="0"/>
+              <a:rPr kumimoji="1" lang="en-US" altLang="ja-JP" dirty="0"/>
               <a:t>m</a:t>
             </a:r>
             <a:endParaRPr kumimoji="1" lang="ja-JP" altLang="en-US" dirty="0"/>
@@ -14724,7 +14716,7 @@
           <a:lstStyle/>
           <a:p>
             <a:r>
-              <a:rPr kumimoji="1" lang="en-US" altLang="ja-JP" dirty="0" smtClean="0"/>
+              <a:rPr kumimoji="1" lang="en-US" altLang="ja-JP" dirty="0"/>
               <a:t>m</a:t>
             </a:r>
             <a:endParaRPr kumimoji="1" lang="ja-JP" altLang="en-US" dirty="0"/>
@@ -14754,7 +14746,7 @@
           <a:lstStyle/>
           <a:p>
             <a:r>
-              <a:rPr kumimoji="1" lang="en-US" altLang="ja-JP" dirty="0" smtClean="0">
+              <a:rPr kumimoji="1" lang="en-US" altLang="ja-JP" dirty="0">
                 <a:solidFill>
                   <a:srgbClr val="FF0000"/>
                 </a:solidFill>
@@ -14792,7 +14784,7 @@
           <a:lstStyle/>
           <a:p>
             <a:r>
-              <a:rPr kumimoji="1" lang="en-US" altLang="ja-JP" dirty="0" smtClean="0"/>
+              <a:rPr kumimoji="1" lang="en-US" altLang="ja-JP" dirty="0"/>
               <a:t>m</a:t>
             </a:r>
             <a:endParaRPr kumimoji="1" lang="ja-JP" altLang="en-US" dirty="0"/>
@@ -14852,7 +14844,7 @@
           <a:lstStyle/>
           <a:p>
             <a:r>
-              <a:rPr lang="en-US" altLang="ja-JP" dirty="0" smtClean="0">
+              <a:rPr lang="en-US" altLang="ja-JP" dirty="0">
                 <a:solidFill>
                   <a:srgbClr val="FF0000"/>
                 </a:solidFill>
@@ -15013,8 +15005,8 @@
           </a:p>
         </p:txBody>
       </p:sp>
-      <mc:AlternateContent xmlns:mc="http://schemas.openxmlformats.org/markup-compatibility/2006">
-        <mc:Choice xmlns:a14="http://schemas.microsoft.com/office/drawing/2010/main" Requires="a14">
+      <mc:AlternateContent xmlns:mc="http://schemas.openxmlformats.org/markup-compatibility/2006" xmlns:a14="http://schemas.microsoft.com/office/drawing/2010/main">
+        <mc:Choice Requires="a14">
           <p:sp>
             <p:nvSpPr>
               <p:cNvPr id="120" name="テキスト ボックス 119"/>
@@ -15058,7 +15050,7 @@
             </p:txBody>
           </p:sp>
         </mc:Choice>
-        <mc:Fallback>
+        <mc:Fallback xmlns="">
           <p:sp>
             <p:nvSpPr>
               <p:cNvPr id="120" name="テキスト ボックス 119"/>
@@ -15140,8 +15132,8 @@
           </a:p>
         </p:txBody>
       </p:sp>
-      <mc:AlternateContent xmlns:mc="http://schemas.openxmlformats.org/markup-compatibility/2006">
-        <mc:Choice xmlns:a14="http://schemas.microsoft.com/office/drawing/2010/main" Requires="a14">
+      <mc:AlternateContent xmlns:mc="http://schemas.openxmlformats.org/markup-compatibility/2006" xmlns:a14="http://schemas.microsoft.com/office/drawing/2010/main">
+        <mc:Choice Requires="a14">
           <p:sp>
             <p:nvSpPr>
               <p:cNvPr id="122" name="テキスト ボックス 121"/>
@@ -15185,7 +15177,7 @@
             </p:txBody>
           </p:sp>
         </mc:Choice>
-        <mc:Fallback>
+        <mc:Fallback xmlns="">
           <p:sp>
             <p:nvSpPr>
               <p:cNvPr id="122" name="テキスト ボックス 121"/>
@@ -15372,8 +15364,8 @@
           </a:fontRef>
         </p:style>
       </p:cxnSp>
-      <mc:AlternateContent xmlns:mc="http://schemas.openxmlformats.org/markup-compatibility/2006">
-        <mc:Choice xmlns:a14="http://schemas.microsoft.com/office/drawing/2010/main" Requires="a14">
+      <mc:AlternateContent xmlns:mc="http://schemas.openxmlformats.org/markup-compatibility/2006" xmlns:a14="http://schemas.microsoft.com/office/drawing/2010/main">
+        <mc:Choice Requires="a14">
           <p:sp>
             <p:nvSpPr>
               <p:cNvPr id="134" name="テキスト ボックス 133"/>
@@ -15429,7 +15421,7 @@
             </p:txBody>
           </p:sp>
         </mc:Choice>
-        <mc:Fallback>
+        <mc:Fallback xmlns="">
           <p:sp>
             <p:nvSpPr>
               <p:cNvPr id="134" name="テキスト ボックス 133"/>
@@ -15491,7 +15483,7 @@
           <a:lstStyle/>
           <a:p>
             <a:r>
-              <a:rPr kumimoji="1" lang="en-US" altLang="ja-JP" dirty="0" smtClean="0"/>
+              <a:rPr kumimoji="1" lang="en-US" altLang="ja-JP" dirty="0"/>
               <a:t>m</a:t>
             </a:r>
             <a:endParaRPr kumimoji="1" lang="ja-JP" altLang="en-US" dirty="0"/>
@@ -15521,7 +15513,7 @@
           <a:lstStyle/>
           <a:p>
             <a:r>
-              <a:rPr kumimoji="1" lang="en-US" altLang="ja-JP" dirty="0" smtClean="0">
+              <a:rPr kumimoji="1" lang="en-US" altLang="ja-JP" dirty="0">
                 <a:solidFill>
                   <a:srgbClr val="FF0000"/>
                 </a:solidFill>
@@ -15584,8 +15576,8 @@
           </a:p>
         </p:txBody>
       </p:sp>
-      <mc:AlternateContent xmlns:mc="http://schemas.openxmlformats.org/markup-compatibility/2006">
-        <mc:Choice xmlns:a14="http://schemas.microsoft.com/office/drawing/2010/main" Requires="a14">
+      <mc:AlternateContent xmlns:mc="http://schemas.openxmlformats.org/markup-compatibility/2006" xmlns:a14="http://schemas.microsoft.com/office/drawing/2010/main">
+        <mc:Choice Requires="a14">
           <p:sp>
             <p:nvSpPr>
               <p:cNvPr id="138" name="テキスト ボックス 137"/>
@@ -15629,7 +15621,7 @@
             </p:txBody>
           </p:sp>
         </mc:Choice>
-        <mc:Fallback>
+        <mc:Fallback xmlns="">
           <p:sp>
             <p:nvSpPr>
               <p:cNvPr id="138" name="テキスト ボックス 137"/>
@@ -15751,8 +15743,8 @@
           </a:p>
         </p:txBody>
       </p:sp>
-      <mc:AlternateContent xmlns:mc="http://schemas.openxmlformats.org/markup-compatibility/2006">
-        <mc:Choice xmlns:a14="http://schemas.microsoft.com/office/drawing/2010/main" Requires="a14">
+      <mc:AlternateContent xmlns:mc="http://schemas.openxmlformats.org/markup-compatibility/2006" xmlns:a14="http://schemas.microsoft.com/office/drawing/2010/main">
+        <mc:Choice Requires="a14">
           <p:sp>
             <p:nvSpPr>
               <p:cNvPr id="141" name="テキスト ボックス 140"/>
@@ -15818,7 +15810,7 @@
             </p:txBody>
           </p:sp>
         </mc:Choice>
-        <mc:Fallback>
+        <mc:Fallback xmlns="">
           <p:sp>
             <p:nvSpPr>
               <p:cNvPr id="141" name="テキスト ボックス 140"/>
@@ -15880,7 +15872,7 @@
           <a:lstStyle/>
           <a:p>
             <a:r>
-              <a:rPr lang="en-US" altLang="ja-JP" dirty="0" smtClean="0">
+              <a:rPr lang="en-US" altLang="ja-JP" dirty="0">
                 <a:solidFill>
                   <a:srgbClr val="FF0000"/>
                 </a:solidFill>
@@ -15964,6 +15956,3081 @@
     <p:extLst>
       <p:ext uri="{BB962C8B-B14F-4D97-AF65-F5344CB8AC3E}">
         <p14:creationId xmlns:p14="http://schemas.microsoft.com/office/powerpoint/2010/main" val="3481931632"/>
+      </p:ext>
+    </p:extLst>
+  </p:cSld>
+  <p:clrMapOvr>
+    <a:masterClrMapping/>
+  </p:clrMapOvr>
+</p:sld>
+</file>
+
+<file path=ppt/slides/slide8.xml><?xml version="1.0" encoding="utf-8"?>
+<p:sld xmlns:a="http://schemas.openxmlformats.org/drawingml/2006/main" xmlns:r="http://schemas.openxmlformats.org/officeDocument/2006/relationships" xmlns:p="http://schemas.openxmlformats.org/presentationml/2006/main">
+  <p:cSld>
+    <p:spTree>
+      <p:nvGrpSpPr>
+        <p:cNvPr id="1" name=""/>
+        <p:cNvGrpSpPr/>
+        <p:nvPr/>
+      </p:nvGrpSpPr>
+      <p:grpSpPr>
+        <a:xfrm>
+          <a:off x="0" y="0"/>
+          <a:ext cx="0" cy="0"/>
+          <a:chOff x="0" y="0"/>
+          <a:chExt cx="0" cy="0"/>
+        </a:xfrm>
+      </p:grpSpPr>
+      <p:sp>
+        <p:nvSpPr>
+          <p:cNvPr id="2" name="正方形/長方形 1">
+            <a:extLst>
+              <a:ext uri="{FF2B5EF4-FFF2-40B4-BE49-F238E27FC236}">
+                <a16:creationId xmlns:a16="http://schemas.microsoft.com/office/drawing/2014/main" id="{1BDD5D3F-D857-E447-AF15-139C74B700BE}"/>
+              </a:ext>
+            </a:extLst>
+          </p:cNvPr>
+          <p:cNvSpPr/>
+          <p:nvPr/>
+        </p:nvSpPr>
+        <p:spPr>
+          <a:xfrm>
+            <a:off x="3563888" y="1196752"/>
+            <a:ext cx="720080" cy="720080"/>
+          </a:xfrm>
+          <a:prstGeom prst="rect">
+            <a:avLst/>
+          </a:prstGeom>
+          <a:solidFill>
+            <a:schemeClr val="accent1">
+              <a:lumMod val="20000"/>
+              <a:lumOff val="80000"/>
+            </a:schemeClr>
+          </a:solidFill>
+          <a:ln>
+            <a:solidFill>
+              <a:schemeClr val="tx1"/>
+            </a:solidFill>
+          </a:ln>
+        </p:spPr>
+        <p:style>
+          <a:lnRef idx="2">
+            <a:schemeClr val="accent1">
+              <a:shade val="50000"/>
+            </a:schemeClr>
+          </a:lnRef>
+          <a:fillRef idx="1">
+            <a:schemeClr val="accent1"/>
+          </a:fillRef>
+          <a:effectRef idx="0">
+            <a:schemeClr val="accent1"/>
+          </a:effectRef>
+          <a:fontRef idx="minor">
+            <a:schemeClr val="lt1"/>
+          </a:fontRef>
+        </p:style>
+        <p:txBody>
+          <a:bodyPr rtlCol="0" anchor="ctr"/>
+          <a:lstStyle/>
+          <a:p>
+            <a:pPr algn="ctr"/>
+            <a:r>
+              <a:rPr kumimoji="1" lang="en-US" altLang="ja-JP" sz="3600" dirty="0">
+                <a:solidFill>
+                  <a:schemeClr val="tx1"/>
+                </a:solidFill>
+              </a:rPr>
+              <a:t>A</a:t>
+            </a:r>
+            <a:endParaRPr kumimoji="1" lang="ja-JP" altLang="en-US" sz="3600" dirty="0">
+              <a:solidFill>
+                <a:schemeClr val="tx1"/>
+              </a:solidFill>
+            </a:endParaRPr>
+          </a:p>
+        </p:txBody>
+      </p:sp>
+      <p:sp>
+        <p:nvSpPr>
+          <p:cNvPr id="3" name="正方形/長方形 2">
+            <a:extLst>
+              <a:ext uri="{FF2B5EF4-FFF2-40B4-BE49-F238E27FC236}">
+                <a16:creationId xmlns:a16="http://schemas.microsoft.com/office/drawing/2014/main" id="{A7327CFB-8B5B-AD4E-A77A-75F34F1A9865}"/>
+              </a:ext>
+            </a:extLst>
+          </p:cNvPr>
+          <p:cNvSpPr/>
+          <p:nvPr/>
+        </p:nvSpPr>
+        <p:spPr>
+          <a:xfrm>
+            <a:off x="4716016" y="1196752"/>
+            <a:ext cx="720080" cy="720080"/>
+          </a:xfrm>
+          <a:prstGeom prst="rect">
+            <a:avLst/>
+          </a:prstGeom>
+          <a:solidFill>
+            <a:schemeClr val="accent2">
+              <a:lumMod val="20000"/>
+              <a:lumOff val="80000"/>
+            </a:schemeClr>
+          </a:solidFill>
+          <a:ln>
+            <a:solidFill>
+              <a:schemeClr val="tx1"/>
+            </a:solidFill>
+          </a:ln>
+        </p:spPr>
+        <p:style>
+          <a:lnRef idx="2">
+            <a:schemeClr val="accent1">
+              <a:shade val="50000"/>
+            </a:schemeClr>
+          </a:lnRef>
+          <a:fillRef idx="1">
+            <a:schemeClr val="accent1"/>
+          </a:fillRef>
+          <a:effectRef idx="0">
+            <a:schemeClr val="accent1"/>
+          </a:effectRef>
+          <a:fontRef idx="minor">
+            <a:schemeClr val="lt1"/>
+          </a:fontRef>
+        </p:style>
+        <p:txBody>
+          <a:bodyPr rtlCol="0" anchor="ctr"/>
+          <a:lstStyle/>
+          <a:p>
+            <a:pPr algn="ctr"/>
+            <a:r>
+              <a:rPr kumimoji="1" lang="en-US" altLang="ja-JP" sz="3600" dirty="0">
+                <a:solidFill>
+                  <a:schemeClr val="tx1"/>
+                </a:solidFill>
+              </a:rPr>
+              <a:t>B</a:t>
+            </a:r>
+            <a:endParaRPr kumimoji="1" lang="ja-JP" altLang="en-US" sz="3600" dirty="0">
+              <a:solidFill>
+                <a:schemeClr val="tx1"/>
+              </a:solidFill>
+            </a:endParaRPr>
+          </a:p>
+        </p:txBody>
+      </p:sp>
+      <p:cxnSp>
+        <p:nvCxnSpPr>
+          <p:cNvPr id="5" name="直線コネクタ 4">
+            <a:extLst>
+              <a:ext uri="{FF2B5EF4-FFF2-40B4-BE49-F238E27FC236}">
+                <a16:creationId xmlns:a16="http://schemas.microsoft.com/office/drawing/2014/main" id="{B60F23B9-B450-CB4C-ABEB-99856770EC09}"/>
+              </a:ext>
+            </a:extLst>
+          </p:cNvPr>
+          <p:cNvCxnSpPr>
+            <a:stCxn id="3" idx="1"/>
+            <a:endCxn id="2" idx="3"/>
+          </p:cNvCxnSpPr>
+          <p:nvPr/>
+        </p:nvCxnSpPr>
+        <p:spPr>
+          <a:xfrm flipH="1">
+            <a:off x="4283968" y="1556792"/>
+            <a:ext cx="432048" cy="0"/>
+          </a:xfrm>
+          <a:prstGeom prst="line">
+            <a:avLst/>
+          </a:prstGeom>
+          <a:ln w="12700">
+            <a:solidFill>
+              <a:schemeClr val="tx1"/>
+            </a:solidFill>
+          </a:ln>
+        </p:spPr>
+        <p:style>
+          <a:lnRef idx="1">
+            <a:schemeClr val="accent1"/>
+          </a:lnRef>
+          <a:fillRef idx="0">
+            <a:schemeClr val="accent1"/>
+          </a:fillRef>
+          <a:effectRef idx="0">
+            <a:schemeClr val="accent1"/>
+          </a:effectRef>
+          <a:fontRef idx="minor">
+            <a:schemeClr val="tx1"/>
+          </a:fontRef>
+        </p:style>
+      </p:cxnSp>
+      <p:sp>
+        <p:nvSpPr>
+          <p:cNvPr id="7" name="正方形/長方形 6">
+            <a:extLst>
+              <a:ext uri="{FF2B5EF4-FFF2-40B4-BE49-F238E27FC236}">
+                <a16:creationId xmlns:a16="http://schemas.microsoft.com/office/drawing/2014/main" id="{587175A0-AAA5-264B-84AB-5EB9EB4AD86A}"/>
+              </a:ext>
+            </a:extLst>
+          </p:cNvPr>
+          <p:cNvSpPr/>
+          <p:nvPr/>
+        </p:nvSpPr>
+        <p:spPr>
+          <a:xfrm>
+            <a:off x="1475656" y="1196752"/>
+            <a:ext cx="720080" cy="720080"/>
+          </a:xfrm>
+          <a:prstGeom prst="rect">
+            <a:avLst/>
+          </a:prstGeom>
+          <a:solidFill>
+            <a:schemeClr val="accent6">
+              <a:lumMod val="20000"/>
+              <a:lumOff val="80000"/>
+            </a:schemeClr>
+          </a:solidFill>
+          <a:ln>
+            <a:solidFill>
+              <a:schemeClr val="tx1"/>
+            </a:solidFill>
+          </a:ln>
+        </p:spPr>
+        <p:style>
+          <a:lnRef idx="2">
+            <a:schemeClr val="accent1">
+              <a:shade val="50000"/>
+            </a:schemeClr>
+          </a:lnRef>
+          <a:fillRef idx="1">
+            <a:schemeClr val="accent1"/>
+          </a:fillRef>
+          <a:effectRef idx="0">
+            <a:schemeClr val="accent1"/>
+          </a:effectRef>
+          <a:fontRef idx="minor">
+            <a:schemeClr val="lt1"/>
+          </a:fontRef>
+        </p:style>
+        <p:txBody>
+          <a:bodyPr rtlCol="0" anchor="ctr"/>
+          <a:lstStyle/>
+          <a:p>
+            <a:pPr algn="ctr"/>
+            <a:r>
+              <a:rPr kumimoji="1" lang="en-US" altLang="ja-JP" sz="3600" dirty="0">
+                <a:solidFill>
+                  <a:schemeClr val="tx1"/>
+                </a:solidFill>
+              </a:rPr>
+              <a:t>X</a:t>
+            </a:r>
+            <a:endParaRPr kumimoji="1" lang="ja-JP" altLang="en-US" sz="3600" dirty="0">
+              <a:solidFill>
+                <a:schemeClr val="tx1"/>
+              </a:solidFill>
+            </a:endParaRPr>
+          </a:p>
+        </p:txBody>
+      </p:sp>
+      <p:cxnSp>
+        <p:nvCxnSpPr>
+          <p:cNvPr id="8" name="直線コネクタ 7">
+            <a:extLst>
+              <a:ext uri="{FF2B5EF4-FFF2-40B4-BE49-F238E27FC236}">
+                <a16:creationId xmlns:a16="http://schemas.microsoft.com/office/drawing/2014/main" id="{5AF38DB0-8950-974F-9D31-BD7C38E8416B}"/>
+              </a:ext>
+            </a:extLst>
+          </p:cNvPr>
+          <p:cNvCxnSpPr>
+            <a:cxnSpLocks/>
+          </p:cNvCxnSpPr>
+          <p:nvPr/>
+        </p:nvCxnSpPr>
+        <p:spPr>
+          <a:xfrm flipH="1">
+            <a:off x="1115616" y="1556792"/>
+            <a:ext cx="360040" cy="0"/>
+          </a:xfrm>
+          <a:prstGeom prst="line">
+            <a:avLst/>
+          </a:prstGeom>
+          <a:ln w="12700">
+            <a:solidFill>
+              <a:schemeClr val="tx1"/>
+            </a:solidFill>
+          </a:ln>
+        </p:spPr>
+        <p:style>
+          <a:lnRef idx="1">
+            <a:schemeClr val="accent1"/>
+          </a:lnRef>
+          <a:fillRef idx="0">
+            <a:schemeClr val="accent1"/>
+          </a:fillRef>
+          <a:effectRef idx="0">
+            <a:schemeClr val="accent1"/>
+          </a:effectRef>
+          <a:fontRef idx="minor">
+            <a:schemeClr val="tx1"/>
+          </a:fontRef>
+        </p:style>
+      </p:cxnSp>
+      <p:cxnSp>
+        <p:nvCxnSpPr>
+          <p:cNvPr id="9" name="直線コネクタ 8">
+            <a:extLst>
+              <a:ext uri="{FF2B5EF4-FFF2-40B4-BE49-F238E27FC236}">
+                <a16:creationId xmlns:a16="http://schemas.microsoft.com/office/drawing/2014/main" id="{22FCACF2-6690-4548-AF3C-FD3C6CC741AC}"/>
+              </a:ext>
+            </a:extLst>
+          </p:cNvPr>
+          <p:cNvCxnSpPr>
+            <a:cxnSpLocks/>
+          </p:cNvCxnSpPr>
+          <p:nvPr/>
+        </p:nvCxnSpPr>
+        <p:spPr>
+          <a:xfrm>
+            <a:off x="2195736" y="1556792"/>
+            <a:ext cx="360040" cy="0"/>
+          </a:xfrm>
+          <a:prstGeom prst="line">
+            <a:avLst/>
+          </a:prstGeom>
+          <a:ln w="12700">
+            <a:solidFill>
+              <a:schemeClr val="tx1"/>
+            </a:solidFill>
+          </a:ln>
+        </p:spPr>
+        <p:style>
+          <a:lnRef idx="1">
+            <a:schemeClr val="accent1"/>
+          </a:lnRef>
+          <a:fillRef idx="0">
+            <a:schemeClr val="accent1"/>
+          </a:fillRef>
+          <a:effectRef idx="0">
+            <a:schemeClr val="accent1"/>
+          </a:effectRef>
+          <a:fontRef idx="minor">
+            <a:schemeClr val="tx1"/>
+          </a:fontRef>
+        </p:style>
+      </p:cxnSp>
+      <p:sp>
+        <p:nvSpPr>
+          <p:cNvPr id="10" name="テキスト ボックス 9">
+            <a:extLst>
+              <a:ext uri="{FF2B5EF4-FFF2-40B4-BE49-F238E27FC236}">
+                <a16:creationId xmlns:a16="http://schemas.microsoft.com/office/drawing/2014/main" id="{A987C2B2-4ED6-024E-8941-856F9E680EF4}"/>
+              </a:ext>
+            </a:extLst>
+          </p:cNvPr>
+          <p:cNvSpPr txBox="1"/>
+          <p:nvPr/>
+        </p:nvSpPr>
+        <p:spPr>
+          <a:xfrm>
+            <a:off x="1106644" y="1259468"/>
+            <a:ext cx="369012" cy="369332"/>
+          </a:xfrm>
+          <a:prstGeom prst="rect">
+            <a:avLst/>
+          </a:prstGeom>
+          <a:noFill/>
+        </p:spPr>
+        <p:txBody>
+          <a:bodyPr wrap="none" rtlCol="0">
+            <a:spAutoFit/>
+          </a:bodyPr>
+          <a:lstStyle/>
+          <a:p>
+            <a:r>
+              <a:rPr lang="en-US" altLang="ja-JP" dirty="0"/>
+              <a:t>m</a:t>
+            </a:r>
+            <a:endParaRPr kumimoji="1" lang="ja-JP" altLang="en-US" dirty="0"/>
+          </a:p>
+        </p:txBody>
+      </p:sp>
+      <p:sp>
+        <p:nvSpPr>
+          <p:cNvPr id="11" name="テキスト ボックス 10">
+            <a:extLst>
+              <a:ext uri="{FF2B5EF4-FFF2-40B4-BE49-F238E27FC236}">
+                <a16:creationId xmlns:a16="http://schemas.microsoft.com/office/drawing/2014/main" id="{EC76EEEA-746E-DB44-A0E8-0B478D46B301}"/>
+              </a:ext>
+            </a:extLst>
+          </p:cNvPr>
+          <p:cNvSpPr txBox="1"/>
+          <p:nvPr/>
+        </p:nvSpPr>
+        <p:spPr>
+          <a:xfrm>
+            <a:off x="2195736" y="1268760"/>
+            <a:ext cx="306494" cy="369332"/>
+          </a:xfrm>
+          <a:prstGeom prst="rect">
+            <a:avLst/>
+          </a:prstGeom>
+          <a:noFill/>
+        </p:spPr>
+        <p:txBody>
+          <a:bodyPr wrap="none" rtlCol="0">
+            <a:spAutoFit/>
+          </a:bodyPr>
+          <a:lstStyle/>
+          <a:p>
+            <a:r>
+              <a:rPr kumimoji="1" lang="en-US" altLang="ja-JP" dirty="0"/>
+              <a:t>n</a:t>
+            </a:r>
+            <a:endParaRPr kumimoji="1" lang="ja-JP" altLang="en-US" dirty="0"/>
+          </a:p>
+        </p:txBody>
+      </p:sp>
+      <p:sp>
+        <p:nvSpPr>
+          <p:cNvPr id="14" name="テキスト ボックス 13">
+            <a:extLst>
+              <a:ext uri="{FF2B5EF4-FFF2-40B4-BE49-F238E27FC236}">
+                <a16:creationId xmlns:a16="http://schemas.microsoft.com/office/drawing/2014/main" id="{8B5DD5FC-8592-594E-B965-76B7BA6B8497}"/>
+              </a:ext>
+            </a:extLst>
+          </p:cNvPr>
+          <p:cNvSpPr txBox="1"/>
+          <p:nvPr/>
+        </p:nvSpPr>
+        <p:spPr>
+          <a:xfrm>
+            <a:off x="2627784" y="1196752"/>
+            <a:ext cx="529312" cy="646331"/>
+          </a:xfrm>
+          <a:prstGeom prst="rect">
+            <a:avLst/>
+          </a:prstGeom>
+          <a:noFill/>
+        </p:spPr>
+        <p:txBody>
+          <a:bodyPr wrap="none" rtlCol="0">
+            <a:spAutoFit/>
+          </a:bodyPr>
+          <a:lstStyle/>
+          <a:p>
+            <a:r>
+              <a:rPr lang="en-US" altLang="ja-JP" sz="3600" dirty="0"/>
+              <a:t>≒</a:t>
+            </a:r>
+            <a:endParaRPr kumimoji="1" lang="ja-JP" altLang="en-US" sz="3600" dirty="0"/>
+          </a:p>
+        </p:txBody>
+      </p:sp>
+      <mc:AlternateContent xmlns:mc="http://schemas.openxmlformats.org/markup-compatibility/2006">
+        <mc:Choice xmlns:a14="http://schemas.microsoft.com/office/drawing/2010/main" Requires="a14">
+          <p:sp>
+            <p:nvSpPr>
+              <p:cNvPr id="15" name="テキスト ボックス 14">
+                <a:extLst>
+                  <a:ext uri="{FF2B5EF4-FFF2-40B4-BE49-F238E27FC236}">
+                    <a16:creationId xmlns:a16="http://schemas.microsoft.com/office/drawing/2014/main" id="{F3924E14-7FCB-E443-A7EC-8F3DB10D927C}"/>
+                  </a:ext>
+                </a:extLst>
+              </p:cNvPr>
+              <p:cNvSpPr txBox="1"/>
+              <p:nvPr/>
+            </p:nvSpPr>
+            <p:spPr>
+              <a:xfrm>
+                <a:off x="1907704" y="1988840"/>
+                <a:ext cx="2870209" cy="1400063"/>
+              </a:xfrm>
+              <a:prstGeom prst="rect">
+                <a:avLst/>
+              </a:prstGeom>
+              <a:noFill/>
+            </p:spPr>
+            <p:txBody>
+              <a:bodyPr wrap="none" lIns="0" tIns="0" rIns="0" bIns="0" rtlCol="0">
+                <a:spAutoFit/>
+              </a:bodyPr>
+              <a:lstStyle/>
+              <a:p>
+                <a:pPr/>
+                <a14:m>
+                  <m:oMathPara xmlns:m="http://schemas.openxmlformats.org/officeDocument/2006/math">
+                    <m:oMathParaPr>
+                      <m:jc m:val="centerGroup"/>
+                    </m:oMathParaPr>
+                    <m:oMath xmlns:m="http://schemas.openxmlformats.org/officeDocument/2006/math">
+                      <m:sSub>
+                        <m:sSubPr>
+                          <m:ctrlPr>
+                            <a:rPr kumimoji="1" lang="en-US" altLang="ja-JP" sz="3200" i="1" smtClean="0">
+                              <a:latin typeface="Cambria Math" panose="02040503050406030204" pitchFamily="18" charset="0"/>
+                            </a:rPr>
+                          </m:ctrlPr>
+                        </m:sSubPr>
+                        <m:e>
+                          <m:r>
+                            <a:rPr kumimoji="1" lang="en-US" altLang="ja-JP" sz="3200" b="0" i="1" smtClean="0">
+                              <a:latin typeface="Cambria Math" panose="02040503050406030204" pitchFamily="18" charset="0"/>
+                            </a:rPr>
+                            <m:t>𝑋</m:t>
+                          </m:r>
+                        </m:e>
+                        <m:sub>
+                          <m:r>
+                            <a:rPr kumimoji="1" lang="en-US" altLang="ja-JP" sz="3200" b="0" i="1" smtClean="0">
+                              <a:latin typeface="Cambria Math" panose="02040503050406030204" pitchFamily="18" charset="0"/>
+                            </a:rPr>
+                            <m:t>𝑖𝑘</m:t>
+                          </m:r>
+                        </m:sub>
+                      </m:sSub>
+                      <m:r>
+                        <a:rPr kumimoji="1" lang="en-US" altLang="ja-JP" sz="3200" b="0" i="1" smtClean="0">
+                          <a:latin typeface="Cambria Math" panose="02040503050406030204" pitchFamily="18" charset="0"/>
+                        </a:rPr>
+                        <m:t>=</m:t>
+                      </m:r>
+                      <m:nary>
+                        <m:naryPr>
+                          <m:chr m:val="∑"/>
+                          <m:ctrlPr>
+                            <a:rPr kumimoji="1" lang="en-US" altLang="ja-JP" sz="3200" b="0" i="1" smtClean="0">
+                              <a:latin typeface="Cambria Math" panose="02040503050406030204" pitchFamily="18" charset="0"/>
+                            </a:rPr>
+                          </m:ctrlPr>
+                        </m:naryPr>
+                        <m:sub>
+                          <m:r>
+                            <m:rPr>
+                              <m:brk m:alnAt="23"/>
+                            </m:rPr>
+                            <a:rPr kumimoji="1" lang="en-US" altLang="ja-JP" sz="3200" b="0" i="1" smtClean="0">
+                              <a:latin typeface="Cambria Math" panose="02040503050406030204" pitchFamily="18" charset="0"/>
+                            </a:rPr>
+                            <m:t>𝑗</m:t>
+                          </m:r>
+                        </m:sub>
+                        <m:sup>
+                          <m:r>
+                            <a:rPr kumimoji="1" lang="en-US" altLang="ja-JP" sz="3200" b="0" i="1" smtClean="0">
+                              <a:latin typeface="Cambria Math" panose="02040503050406030204" pitchFamily="18" charset="0"/>
+                            </a:rPr>
+                            <m:t>𝑟</m:t>
+                          </m:r>
+                        </m:sup>
+                        <m:e>
+                          <m:sSub>
+                            <m:sSubPr>
+                              <m:ctrlPr>
+                                <a:rPr kumimoji="1" lang="en-US" altLang="ja-JP" sz="3200" b="0" i="1" smtClean="0">
+                                  <a:latin typeface="Cambria Math" panose="02040503050406030204" pitchFamily="18" charset="0"/>
+                                </a:rPr>
+                              </m:ctrlPr>
+                            </m:sSubPr>
+                            <m:e>
+                              <m:r>
+                                <a:rPr kumimoji="1" lang="en-US" altLang="ja-JP" sz="3200" b="0" i="1" smtClean="0">
+                                  <a:latin typeface="Cambria Math" panose="02040503050406030204" pitchFamily="18" charset="0"/>
+                                </a:rPr>
+                                <m:t>𝐴</m:t>
+                              </m:r>
+                            </m:e>
+                            <m:sub>
+                              <m:r>
+                                <a:rPr kumimoji="1" lang="en-US" altLang="ja-JP" sz="3200" b="0" i="1" smtClean="0">
+                                  <a:latin typeface="Cambria Math" panose="02040503050406030204" pitchFamily="18" charset="0"/>
+                                </a:rPr>
+                                <m:t>𝑖𝑗</m:t>
+                              </m:r>
+                            </m:sub>
+                          </m:sSub>
+                          <m:sSub>
+                            <m:sSubPr>
+                              <m:ctrlPr>
+                                <a:rPr kumimoji="1" lang="en-US" altLang="ja-JP" sz="3200" b="0" i="1" smtClean="0">
+                                  <a:latin typeface="Cambria Math" panose="02040503050406030204" pitchFamily="18" charset="0"/>
+                                </a:rPr>
+                              </m:ctrlPr>
+                            </m:sSubPr>
+                            <m:e>
+                              <m:r>
+                                <a:rPr kumimoji="1" lang="en-US" altLang="ja-JP" sz="3200" b="0" i="1" smtClean="0">
+                                  <a:latin typeface="Cambria Math" panose="02040503050406030204" pitchFamily="18" charset="0"/>
+                                </a:rPr>
+                                <m:t>𝐵</m:t>
+                              </m:r>
+                            </m:e>
+                            <m:sub>
+                              <m:r>
+                                <a:rPr kumimoji="1" lang="en-US" altLang="ja-JP" sz="3200" b="0" i="1" smtClean="0">
+                                  <a:latin typeface="Cambria Math" panose="02040503050406030204" pitchFamily="18" charset="0"/>
+                                </a:rPr>
+                                <m:t>𝑗𝑘</m:t>
+                              </m:r>
+                            </m:sub>
+                          </m:sSub>
+                        </m:e>
+                      </m:nary>
+                    </m:oMath>
+                  </m:oMathPara>
+                </a14:m>
+                <a:endParaRPr kumimoji="1" lang="ja-JP" altLang="en-US" sz="3200" dirty="0"/>
+              </a:p>
+            </p:txBody>
+          </p:sp>
+        </mc:Choice>
+        <mc:Fallback>
+          <p:sp>
+            <p:nvSpPr>
+              <p:cNvPr id="15" name="テキスト ボックス 14">
+                <a:extLst>
+                  <a:ext uri="{FF2B5EF4-FFF2-40B4-BE49-F238E27FC236}">
+                    <a16:creationId xmlns:a16="http://schemas.microsoft.com/office/drawing/2014/main" id="{F3924E14-7FCB-E443-A7EC-8F3DB10D927C}"/>
+                  </a:ext>
+                </a:extLst>
+              </p:cNvPr>
+              <p:cNvSpPr txBox="1">
+                <a:spLocks noRot="1" noChangeAspect="1" noMove="1" noResize="1" noEditPoints="1" noAdjustHandles="1" noChangeArrowheads="1" noChangeShapeType="1" noTextEdit="1"/>
+              </p:cNvSpPr>
+              <p:nvPr/>
+            </p:nvSpPr>
+            <p:spPr>
+              <a:xfrm>
+                <a:off x="1907704" y="1988840"/>
+                <a:ext cx="2870209" cy="1400063"/>
+              </a:xfrm>
+              <a:prstGeom prst="rect">
+                <a:avLst/>
+              </a:prstGeom>
+              <a:blipFill>
+                <a:blip r:embed="rId2"/>
+                <a:stretch>
+                  <a:fillRect l="-14097" t="-115315" r="-2203" b="-170270"/>
+                </a:stretch>
+              </a:blipFill>
+            </p:spPr>
+            <p:txBody>
+              <a:bodyPr/>
+              <a:lstStyle/>
+              <a:p>
+                <a:r>
+                  <a:rPr lang="ja-JP" altLang="en-US">
+                    <a:noFill/>
+                  </a:rPr>
+                  <a:t> </a:t>
+                </a:r>
+              </a:p>
+            </p:txBody>
+          </p:sp>
+        </mc:Fallback>
+      </mc:AlternateContent>
+      <p:cxnSp>
+        <p:nvCxnSpPr>
+          <p:cNvPr id="18" name="直線コネクタ 17">
+            <a:extLst>
+              <a:ext uri="{FF2B5EF4-FFF2-40B4-BE49-F238E27FC236}">
+                <a16:creationId xmlns:a16="http://schemas.microsoft.com/office/drawing/2014/main" id="{C8C9DB83-E8CF-8247-8F03-2E11945E9392}"/>
+              </a:ext>
+            </a:extLst>
+          </p:cNvPr>
+          <p:cNvCxnSpPr>
+            <a:cxnSpLocks/>
+          </p:cNvCxnSpPr>
+          <p:nvPr/>
+        </p:nvCxnSpPr>
+        <p:spPr>
+          <a:xfrm flipH="1">
+            <a:off x="3203848" y="1566084"/>
+            <a:ext cx="360040" cy="0"/>
+          </a:xfrm>
+          <a:prstGeom prst="line">
+            <a:avLst/>
+          </a:prstGeom>
+          <a:ln w="12700">
+            <a:solidFill>
+              <a:schemeClr val="tx1"/>
+            </a:solidFill>
+          </a:ln>
+        </p:spPr>
+        <p:style>
+          <a:lnRef idx="1">
+            <a:schemeClr val="accent1"/>
+          </a:lnRef>
+          <a:fillRef idx="0">
+            <a:schemeClr val="accent1"/>
+          </a:fillRef>
+          <a:effectRef idx="0">
+            <a:schemeClr val="accent1"/>
+          </a:effectRef>
+          <a:fontRef idx="minor">
+            <a:schemeClr val="tx1"/>
+          </a:fontRef>
+        </p:style>
+      </p:cxnSp>
+      <p:sp>
+        <p:nvSpPr>
+          <p:cNvPr id="19" name="テキスト ボックス 18">
+            <a:extLst>
+              <a:ext uri="{FF2B5EF4-FFF2-40B4-BE49-F238E27FC236}">
+                <a16:creationId xmlns:a16="http://schemas.microsoft.com/office/drawing/2014/main" id="{83BC1757-0B10-E147-8A08-47E44FAFB32E}"/>
+              </a:ext>
+            </a:extLst>
+          </p:cNvPr>
+          <p:cNvSpPr txBox="1"/>
+          <p:nvPr/>
+        </p:nvSpPr>
+        <p:spPr>
+          <a:xfrm>
+            <a:off x="3194876" y="1268760"/>
+            <a:ext cx="369012" cy="369332"/>
+          </a:xfrm>
+          <a:prstGeom prst="rect">
+            <a:avLst/>
+          </a:prstGeom>
+          <a:noFill/>
+        </p:spPr>
+        <p:txBody>
+          <a:bodyPr wrap="none" rtlCol="0">
+            <a:spAutoFit/>
+          </a:bodyPr>
+          <a:lstStyle/>
+          <a:p>
+            <a:r>
+              <a:rPr lang="en-US" altLang="ja-JP" dirty="0"/>
+              <a:t>m</a:t>
+            </a:r>
+            <a:endParaRPr kumimoji="1" lang="ja-JP" altLang="en-US" dirty="0"/>
+          </a:p>
+        </p:txBody>
+      </p:sp>
+      <p:cxnSp>
+        <p:nvCxnSpPr>
+          <p:cNvPr id="20" name="直線コネクタ 19">
+            <a:extLst>
+              <a:ext uri="{FF2B5EF4-FFF2-40B4-BE49-F238E27FC236}">
+                <a16:creationId xmlns:a16="http://schemas.microsoft.com/office/drawing/2014/main" id="{47954FC6-784F-A74E-84EF-FBF7D0D10618}"/>
+              </a:ext>
+            </a:extLst>
+          </p:cNvPr>
+          <p:cNvCxnSpPr>
+            <a:cxnSpLocks/>
+          </p:cNvCxnSpPr>
+          <p:nvPr/>
+        </p:nvCxnSpPr>
+        <p:spPr>
+          <a:xfrm>
+            <a:off x="5436096" y="1556792"/>
+            <a:ext cx="360040" cy="0"/>
+          </a:xfrm>
+          <a:prstGeom prst="line">
+            <a:avLst/>
+          </a:prstGeom>
+          <a:ln w="12700">
+            <a:solidFill>
+              <a:schemeClr val="tx1"/>
+            </a:solidFill>
+          </a:ln>
+        </p:spPr>
+        <p:style>
+          <a:lnRef idx="1">
+            <a:schemeClr val="accent1"/>
+          </a:lnRef>
+          <a:fillRef idx="0">
+            <a:schemeClr val="accent1"/>
+          </a:fillRef>
+          <a:effectRef idx="0">
+            <a:schemeClr val="accent1"/>
+          </a:effectRef>
+          <a:fontRef idx="minor">
+            <a:schemeClr val="tx1"/>
+          </a:fontRef>
+        </p:style>
+      </p:cxnSp>
+      <p:sp>
+        <p:nvSpPr>
+          <p:cNvPr id="21" name="テキスト ボックス 20">
+            <a:extLst>
+              <a:ext uri="{FF2B5EF4-FFF2-40B4-BE49-F238E27FC236}">
+                <a16:creationId xmlns:a16="http://schemas.microsoft.com/office/drawing/2014/main" id="{BB1410D3-FA70-E543-BAA4-13BC0CB1BEC4}"/>
+              </a:ext>
+            </a:extLst>
+          </p:cNvPr>
+          <p:cNvSpPr txBox="1"/>
+          <p:nvPr/>
+        </p:nvSpPr>
+        <p:spPr>
+          <a:xfrm>
+            <a:off x="5436096" y="1268760"/>
+            <a:ext cx="306494" cy="369332"/>
+          </a:xfrm>
+          <a:prstGeom prst="rect">
+            <a:avLst/>
+          </a:prstGeom>
+          <a:noFill/>
+        </p:spPr>
+        <p:txBody>
+          <a:bodyPr wrap="none" rtlCol="0">
+            <a:spAutoFit/>
+          </a:bodyPr>
+          <a:lstStyle/>
+          <a:p>
+            <a:r>
+              <a:rPr kumimoji="1" lang="en-US" altLang="ja-JP" dirty="0"/>
+              <a:t>n</a:t>
+            </a:r>
+            <a:endParaRPr kumimoji="1" lang="ja-JP" altLang="en-US" dirty="0"/>
+          </a:p>
+        </p:txBody>
+      </p:sp>
+      <p:sp>
+        <p:nvSpPr>
+          <p:cNvPr id="22" name="テキスト ボックス 21">
+            <a:extLst>
+              <a:ext uri="{FF2B5EF4-FFF2-40B4-BE49-F238E27FC236}">
+                <a16:creationId xmlns:a16="http://schemas.microsoft.com/office/drawing/2014/main" id="{15CFF4D6-F372-8D48-B0D0-96527991D56B}"/>
+              </a:ext>
+            </a:extLst>
+          </p:cNvPr>
+          <p:cNvSpPr txBox="1"/>
+          <p:nvPr/>
+        </p:nvSpPr>
+        <p:spPr>
+          <a:xfrm>
+            <a:off x="4355976" y="1268760"/>
+            <a:ext cx="264816" cy="369332"/>
+          </a:xfrm>
+          <a:prstGeom prst="rect">
+            <a:avLst/>
+          </a:prstGeom>
+          <a:noFill/>
+        </p:spPr>
+        <p:txBody>
+          <a:bodyPr wrap="none" rtlCol="0">
+            <a:spAutoFit/>
+          </a:bodyPr>
+          <a:lstStyle/>
+          <a:p>
+            <a:r>
+              <a:rPr lang="en-US" altLang="ja-JP" dirty="0"/>
+              <a:t>r</a:t>
+            </a:r>
+            <a:endParaRPr kumimoji="1" lang="ja-JP" altLang="en-US" dirty="0"/>
+          </a:p>
+        </p:txBody>
+      </p:sp>
+      <p:sp>
+        <p:nvSpPr>
+          <p:cNvPr id="23" name="正方形/長方形 22">
+            <a:extLst>
+              <a:ext uri="{FF2B5EF4-FFF2-40B4-BE49-F238E27FC236}">
+                <a16:creationId xmlns:a16="http://schemas.microsoft.com/office/drawing/2014/main" id="{91B782BE-25B8-B943-AF7F-CFADBDEF0219}"/>
+              </a:ext>
+            </a:extLst>
+          </p:cNvPr>
+          <p:cNvSpPr/>
+          <p:nvPr/>
+        </p:nvSpPr>
+        <p:spPr>
+          <a:xfrm>
+            <a:off x="1475656" y="4725144"/>
+            <a:ext cx="720080" cy="720080"/>
+          </a:xfrm>
+          <a:prstGeom prst="rect">
+            <a:avLst/>
+          </a:prstGeom>
+          <a:solidFill>
+            <a:schemeClr val="accent6">
+              <a:lumMod val="20000"/>
+              <a:lumOff val="80000"/>
+            </a:schemeClr>
+          </a:solidFill>
+          <a:ln>
+            <a:solidFill>
+              <a:schemeClr val="tx1"/>
+            </a:solidFill>
+          </a:ln>
+        </p:spPr>
+        <p:style>
+          <a:lnRef idx="2">
+            <a:schemeClr val="accent1">
+              <a:shade val="50000"/>
+            </a:schemeClr>
+          </a:lnRef>
+          <a:fillRef idx="1">
+            <a:schemeClr val="accent1"/>
+          </a:fillRef>
+          <a:effectRef idx="0">
+            <a:schemeClr val="accent1"/>
+          </a:effectRef>
+          <a:fontRef idx="minor">
+            <a:schemeClr val="lt1"/>
+          </a:fontRef>
+        </p:style>
+        <p:txBody>
+          <a:bodyPr rtlCol="0" anchor="ctr"/>
+          <a:lstStyle/>
+          <a:p>
+            <a:pPr algn="ctr"/>
+            <a:r>
+              <a:rPr kumimoji="1" lang="en-US" altLang="ja-JP" sz="3600" dirty="0">
+                <a:solidFill>
+                  <a:schemeClr val="tx1"/>
+                </a:solidFill>
+              </a:rPr>
+              <a:t>X</a:t>
+            </a:r>
+            <a:endParaRPr kumimoji="1" lang="ja-JP" altLang="en-US" sz="3600" dirty="0">
+              <a:solidFill>
+                <a:schemeClr val="tx1"/>
+              </a:solidFill>
+            </a:endParaRPr>
+          </a:p>
+        </p:txBody>
+      </p:sp>
+      <p:cxnSp>
+        <p:nvCxnSpPr>
+          <p:cNvPr id="24" name="直線コネクタ 23">
+            <a:extLst>
+              <a:ext uri="{FF2B5EF4-FFF2-40B4-BE49-F238E27FC236}">
+                <a16:creationId xmlns:a16="http://schemas.microsoft.com/office/drawing/2014/main" id="{BE7234E0-E5AC-B343-BEE0-87781FC4BDA5}"/>
+              </a:ext>
+            </a:extLst>
+          </p:cNvPr>
+          <p:cNvCxnSpPr>
+            <a:cxnSpLocks/>
+          </p:cNvCxnSpPr>
+          <p:nvPr/>
+        </p:nvCxnSpPr>
+        <p:spPr>
+          <a:xfrm flipH="1">
+            <a:off x="1115616" y="5085184"/>
+            <a:ext cx="360040" cy="0"/>
+          </a:xfrm>
+          <a:prstGeom prst="line">
+            <a:avLst/>
+          </a:prstGeom>
+          <a:ln w="12700">
+            <a:solidFill>
+              <a:schemeClr val="tx1"/>
+            </a:solidFill>
+          </a:ln>
+        </p:spPr>
+        <p:style>
+          <a:lnRef idx="1">
+            <a:schemeClr val="accent1"/>
+          </a:lnRef>
+          <a:fillRef idx="0">
+            <a:schemeClr val="accent1"/>
+          </a:fillRef>
+          <a:effectRef idx="0">
+            <a:schemeClr val="accent1"/>
+          </a:effectRef>
+          <a:fontRef idx="minor">
+            <a:schemeClr val="tx1"/>
+          </a:fontRef>
+        </p:style>
+      </p:cxnSp>
+      <p:cxnSp>
+        <p:nvCxnSpPr>
+          <p:cNvPr id="25" name="直線コネクタ 24">
+            <a:extLst>
+              <a:ext uri="{FF2B5EF4-FFF2-40B4-BE49-F238E27FC236}">
+                <a16:creationId xmlns:a16="http://schemas.microsoft.com/office/drawing/2014/main" id="{72205C18-90BC-4E4F-B354-D246DAAC8FF3}"/>
+              </a:ext>
+            </a:extLst>
+          </p:cNvPr>
+          <p:cNvCxnSpPr>
+            <a:cxnSpLocks/>
+          </p:cNvCxnSpPr>
+          <p:nvPr/>
+        </p:nvCxnSpPr>
+        <p:spPr>
+          <a:xfrm>
+            <a:off x="2195736" y="5085184"/>
+            <a:ext cx="360040" cy="0"/>
+          </a:xfrm>
+          <a:prstGeom prst="line">
+            <a:avLst/>
+          </a:prstGeom>
+          <a:ln w="12700">
+            <a:solidFill>
+              <a:schemeClr val="tx1"/>
+            </a:solidFill>
+          </a:ln>
+        </p:spPr>
+        <p:style>
+          <a:lnRef idx="1">
+            <a:schemeClr val="accent1"/>
+          </a:lnRef>
+          <a:fillRef idx="0">
+            <a:schemeClr val="accent1"/>
+          </a:fillRef>
+          <a:effectRef idx="0">
+            <a:schemeClr val="accent1"/>
+          </a:effectRef>
+          <a:fontRef idx="minor">
+            <a:schemeClr val="tx1"/>
+          </a:fontRef>
+        </p:style>
+      </p:cxnSp>
+      <p:sp>
+        <p:nvSpPr>
+          <p:cNvPr id="26" name="テキスト ボックス 25">
+            <a:extLst>
+              <a:ext uri="{FF2B5EF4-FFF2-40B4-BE49-F238E27FC236}">
+                <a16:creationId xmlns:a16="http://schemas.microsoft.com/office/drawing/2014/main" id="{A1CC3A14-0C81-AC4F-8D64-2358330E7885}"/>
+              </a:ext>
+            </a:extLst>
+          </p:cNvPr>
+          <p:cNvSpPr txBox="1"/>
+          <p:nvPr/>
+        </p:nvSpPr>
+        <p:spPr>
+          <a:xfrm>
+            <a:off x="1106644" y="4787860"/>
+            <a:ext cx="369012" cy="369332"/>
+          </a:xfrm>
+          <a:prstGeom prst="rect">
+            <a:avLst/>
+          </a:prstGeom>
+          <a:noFill/>
+        </p:spPr>
+        <p:txBody>
+          <a:bodyPr wrap="none" rtlCol="0">
+            <a:spAutoFit/>
+          </a:bodyPr>
+          <a:lstStyle/>
+          <a:p>
+            <a:r>
+              <a:rPr lang="en-US" altLang="ja-JP" dirty="0"/>
+              <a:t>m</a:t>
+            </a:r>
+            <a:endParaRPr kumimoji="1" lang="ja-JP" altLang="en-US" dirty="0"/>
+          </a:p>
+        </p:txBody>
+      </p:sp>
+      <p:sp>
+        <p:nvSpPr>
+          <p:cNvPr id="27" name="テキスト ボックス 26">
+            <a:extLst>
+              <a:ext uri="{FF2B5EF4-FFF2-40B4-BE49-F238E27FC236}">
+                <a16:creationId xmlns:a16="http://schemas.microsoft.com/office/drawing/2014/main" id="{21ADC8B9-FBB1-1A4E-BE79-868EFA294C41}"/>
+              </a:ext>
+            </a:extLst>
+          </p:cNvPr>
+          <p:cNvSpPr txBox="1"/>
+          <p:nvPr/>
+        </p:nvSpPr>
+        <p:spPr>
+          <a:xfrm>
+            <a:off x="2195736" y="4797152"/>
+            <a:ext cx="306494" cy="369332"/>
+          </a:xfrm>
+          <a:prstGeom prst="rect">
+            <a:avLst/>
+          </a:prstGeom>
+          <a:noFill/>
+        </p:spPr>
+        <p:txBody>
+          <a:bodyPr wrap="none" rtlCol="0">
+            <a:spAutoFit/>
+          </a:bodyPr>
+          <a:lstStyle/>
+          <a:p>
+            <a:r>
+              <a:rPr kumimoji="1" lang="en-US" altLang="ja-JP" dirty="0"/>
+              <a:t>n</a:t>
+            </a:r>
+            <a:endParaRPr kumimoji="1" lang="ja-JP" altLang="en-US" dirty="0"/>
+          </a:p>
+        </p:txBody>
+      </p:sp>
+      <p:sp>
+        <p:nvSpPr>
+          <p:cNvPr id="28" name="正方形/長方形 27">
+            <a:extLst>
+              <a:ext uri="{FF2B5EF4-FFF2-40B4-BE49-F238E27FC236}">
+                <a16:creationId xmlns:a16="http://schemas.microsoft.com/office/drawing/2014/main" id="{154102F0-DC9F-934E-BD84-4FB7146C7DE9}"/>
+              </a:ext>
+            </a:extLst>
+          </p:cNvPr>
+          <p:cNvSpPr/>
+          <p:nvPr/>
+        </p:nvSpPr>
+        <p:spPr>
+          <a:xfrm>
+            <a:off x="3491880" y="4725144"/>
+            <a:ext cx="720080" cy="720080"/>
+          </a:xfrm>
+          <a:prstGeom prst="rect">
+            <a:avLst/>
+          </a:prstGeom>
+          <a:solidFill>
+            <a:schemeClr val="accent1">
+              <a:lumMod val="20000"/>
+              <a:lumOff val="80000"/>
+            </a:schemeClr>
+          </a:solidFill>
+          <a:ln>
+            <a:solidFill>
+              <a:schemeClr val="tx1"/>
+            </a:solidFill>
+          </a:ln>
+        </p:spPr>
+        <p:style>
+          <a:lnRef idx="2">
+            <a:schemeClr val="accent1">
+              <a:shade val="50000"/>
+            </a:schemeClr>
+          </a:lnRef>
+          <a:fillRef idx="1">
+            <a:schemeClr val="accent1"/>
+          </a:fillRef>
+          <a:effectRef idx="0">
+            <a:schemeClr val="accent1"/>
+          </a:effectRef>
+          <a:fontRef idx="minor">
+            <a:schemeClr val="lt1"/>
+          </a:fontRef>
+        </p:style>
+        <p:txBody>
+          <a:bodyPr rtlCol="0" anchor="ctr"/>
+          <a:lstStyle/>
+          <a:p>
+            <a:pPr algn="ctr"/>
+            <a:r>
+              <a:rPr kumimoji="1" lang="en-US" altLang="ja-JP" sz="3600" dirty="0">
+                <a:solidFill>
+                  <a:schemeClr val="tx1"/>
+                </a:solidFill>
+              </a:rPr>
+              <a:t>L</a:t>
+            </a:r>
+            <a:endParaRPr kumimoji="1" lang="ja-JP" altLang="en-US" sz="3600" dirty="0">
+              <a:solidFill>
+                <a:schemeClr val="tx1"/>
+              </a:solidFill>
+            </a:endParaRPr>
+          </a:p>
+        </p:txBody>
+      </p:sp>
+      <p:sp>
+        <p:nvSpPr>
+          <p:cNvPr id="29" name="正方形/長方形 28">
+            <a:extLst>
+              <a:ext uri="{FF2B5EF4-FFF2-40B4-BE49-F238E27FC236}">
+                <a16:creationId xmlns:a16="http://schemas.microsoft.com/office/drawing/2014/main" id="{85B7B1F2-A4E5-2246-9754-1B967BB37A04}"/>
+              </a:ext>
+            </a:extLst>
+          </p:cNvPr>
+          <p:cNvSpPr/>
+          <p:nvPr/>
+        </p:nvSpPr>
+        <p:spPr>
+          <a:xfrm>
+            <a:off x="5652120" y="4725144"/>
+            <a:ext cx="720080" cy="720080"/>
+          </a:xfrm>
+          <a:prstGeom prst="rect">
+            <a:avLst/>
+          </a:prstGeom>
+          <a:solidFill>
+            <a:schemeClr val="accent2">
+              <a:lumMod val="20000"/>
+              <a:lumOff val="80000"/>
+            </a:schemeClr>
+          </a:solidFill>
+          <a:ln>
+            <a:solidFill>
+              <a:schemeClr val="tx1"/>
+            </a:solidFill>
+          </a:ln>
+        </p:spPr>
+        <p:style>
+          <a:lnRef idx="2">
+            <a:schemeClr val="accent1">
+              <a:shade val="50000"/>
+            </a:schemeClr>
+          </a:lnRef>
+          <a:fillRef idx="1">
+            <a:schemeClr val="accent1"/>
+          </a:fillRef>
+          <a:effectRef idx="0">
+            <a:schemeClr val="accent1"/>
+          </a:effectRef>
+          <a:fontRef idx="minor">
+            <a:schemeClr val="lt1"/>
+          </a:fontRef>
+        </p:style>
+        <p:txBody>
+          <a:bodyPr rtlCol="0" anchor="ctr"/>
+          <a:lstStyle/>
+          <a:p>
+            <a:pPr algn="ctr"/>
+            <a:r>
+              <a:rPr kumimoji="1" lang="en-US" altLang="ja-JP" sz="3600" dirty="0">
+                <a:solidFill>
+                  <a:schemeClr val="tx1"/>
+                </a:solidFill>
+              </a:rPr>
+              <a:t>R</a:t>
+            </a:r>
+            <a:endParaRPr kumimoji="1" lang="ja-JP" altLang="en-US" sz="3600" dirty="0">
+              <a:solidFill>
+                <a:schemeClr val="tx1"/>
+              </a:solidFill>
+            </a:endParaRPr>
+          </a:p>
+        </p:txBody>
+      </p:sp>
+      <p:cxnSp>
+        <p:nvCxnSpPr>
+          <p:cNvPr id="32" name="直線コネクタ 31">
+            <a:extLst>
+              <a:ext uri="{FF2B5EF4-FFF2-40B4-BE49-F238E27FC236}">
+                <a16:creationId xmlns:a16="http://schemas.microsoft.com/office/drawing/2014/main" id="{9C84E2FE-3227-1147-8BA9-B87B0E0B6696}"/>
+              </a:ext>
+            </a:extLst>
+          </p:cNvPr>
+          <p:cNvCxnSpPr>
+            <a:cxnSpLocks/>
+          </p:cNvCxnSpPr>
+          <p:nvPr/>
+        </p:nvCxnSpPr>
+        <p:spPr>
+          <a:xfrm flipH="1">
+            <a:off x="3131840" y="5094476"/>
+            <a:ext cx="360040" cy="0"/>
+          </a:xfrm>
+          <a:prstGeom prst="line">
+            <a:avLst/>
+          </a:prstGeom>
+          <a:ln w="12700">
+            <a:solidFill>
+              <a:schemeClr val="tx1"/>
+            </a:solidFill>
+          </a:ln>
+        </p:spPr>
+        <p:style>
+          <a:lnRef idx="1">
+            <a:schemeClr val="accent1"/>
+          </a:lnRef>
+          <a:fillRef idx="0">
+            <a:schemeClr val="accent1"/>
+          </a:fillRef>
+          <a:effectRef idx="0">
+            <a:schemeClr val="accent1"/>
+          </a:effectRef>
+          <a:fontRef idx="minor">
+            <a:schemeClr val="tx1"/>
+          </a:fontRef>
+        </p:style>
+      </p:cxnSp>
+      <p:sp>
+        <p:nvSpPr>
+          <p:cNvPr id="33" name="テキスト ボックス 32">
+            <a:extLst>
+              <a:ext uri="{FF2B5EF4-FFF2-40B4-BE49-F238E27FC236}">
+                <a16:creationId xmlns:a16="http://schemas.microsoft.com/office/drawing/2014/main" id="{28641D90-BEED-8F44-BD60-CF4C81469B9D}"/>
+              </a:ext>
+            </a:extLst>
+          </p:cNvPr>
+          <p:cNvSpPr txBox="1"/>
+          <p:nvPr/>
+        </p:nvSpPr>
+        <p:spPr>
+          <a:xfrm>
+            <a:off x="3122868" y="4797152"/>
+            <a:ext cx="369012" cy="369332"/>
+          </a:xfrm>
+          <a:prstGeom prst="rect">
+            <a:avLst/>
+          </a:prstGeom>
+          <a:noFill/>
+        </p:spPr>
+        <p:txBody>
+          <a:bodyPr wrap="none" rtlCol="0">
+            <a:spAutoFit/>
+          </a:bodyPr>
+          <a:lstStyle/>
+          <a:p>
+            <a:r>
+              <a:rPr lang="en-US" altLang="ja-JP" dirty="0"/>
+              <a:t>m</a:t>
+            </a:r>
+            <a:endParaRPr kumimoji="1" lang="ja-JP" altLang="en-US" dirty="0"/>
+          </a:p>
+        </p:txBody>
+      </p:sp>
+      <p:cxnSp>
+        <p:nvCxnSpPr>
+          <p:cNvPr id="34" name="直線コネクタ 33">
+            <a:extLst>
+              <a:ext uri="{FF2B5EF4-FFF2-40B4-BE49-F238E27FC236}">
+                <a16:creationId xmlns:a16="http://schemas.microsoft.com/office/drawing/2014/main" id="{F985472F-128F-1B4D-A71F-E384C3720363}"/>
+              </a:ext>
+            </a:extLst>
+          </p:cNvPr>
+          <p:cNvCxnSpPr>
+            <a:cxnSpLocks/>
+          </p:cNvCxnSpPr>
+          <p:nvPr/>
+        </p:nvCxnSpPr>
+        <p:spPr>
+          <a:xfrm>
+            <a:off x="6372200" y="5085184"/>
+            <a:ext cx="360040" cy="0"/>
+          </a:xfrm>
+          <a:prstGeom prst="line">
+            <a:avLst/>
+          </a:prstGeom>
+          <a:ln w="12700">
+            <a:solidFill>
+              <a:schemeClr val="tx1"/>
+            </a:solidFill>
+          </a:ln>
+        </p:spPr>
+        <p:style>
+          <a:lnRef idx="1">
+            <a:schemeClr val="accent1"/>
+          </a:lnRef>
+          <a:fillRef idx="0">
+            <a:schemeClr val="accent1"/>
+          </a:fillRef>
+          <a:effectRef idx="0">
+            <a:schemeClr val="accent1"/>
+          </a:effectRef>
+          <a:fontRef idx="minor">
+            <a:schemeClr val="tx1"/>
+          </a:fontRef>
+        </p:style>
+      </p:cxnSp>
+      <p:sp>
+        <p:nvSpPr>
+          <p:cNvPr id="35" name="テキスト ボックス 34">
+            <a:extLst>
+              <a:ext uri="{FF2B5EF4-FFF2-40B4-BE49-F238E27FC236}">
+                <a16:creationId xmlns:a16="http://schemas.microsoft.com/office/drawing/2014/main" id="{0ADED6B0-BE51-214A-8415-B6A4523F3EA6}"/>
+              </a:ext>
+            </a:extLst>
+          </p:cNvPr>
+          <p:cNvSpPr txBox="1"/>
+          <p:nvPr/>
+        </p:nvSpPr>
+        <p:spPr>
+          <a:xfrm>
+            <a:off x="6372200" y="4797152"/>
+            <a:ext cx="306494" cy="369332"/>
+          </a:xfrm>
+          <a:prstGeom prst="rect">
+            <a:avLst/>
+          </a:prstGeom>
+          <a:noFill/>
+        </p:spPr>
+        <p:txBody>
+          <a:bodyPr wrap="none" rtlCol="0">
+            <a:spAutoFit/>
+          </a:bodyPr>
+          <a:lstStyle/>
+          <a:p>
+            <a:r>
+              <a:rPr kumimoji="1" lang="en-US" altLang="ja-JP" dirty="0"/>
+              <a:t>n</a:t>
+            </a:r>
+            <a:endParaRPr kumimoji="1" lang="ja-JP" altLang="en-US" dirty="0"/>
+          </a:p>
+        </p:txBody>
+      </p:sp>
+      <p:sp>
+        <p:nvSpPr>
+          <p:cNvPr id="36" name="テキスト ボックス 35">
+            <a:extLst>
+              <a:ext uri="{FF2B5EF4-FFF2-40B4-BE49-F238E27FC236}">
+                <a16:creationId xmlns:a16="http://schemas.microsoft.com/office/drawing/2014/main" id="{62D27A8D-727A-5648-91C5-BCDBD205A9C6}"/>
+              </a:ext>
+            </a:extLst>
+          </p:cNvPr>
+          <p:cNvSpPr txBox="1"/>
+          <p:nvPr/>
+        </p:nvSpPr>
+        <p:spPr>
+          <a:xfrm>
+            <a:off x="4283968" y="4797152"/>
+            <a:ext cx="264816" cy="369332"/>
+          </a:xfrm>
+          <a:prstGeom prst="rect">
+            <a:avLst/>
+          </a:prstGeom>
+          <a:noFill/>
+        </p:spPr>
+        <p:txBody>
+          <a:bodyPr wrap="none" rtlCol="0">
+            <a:spAutoFit/>
+          </a:bodyPr>
+          <a:lstStyle/>
+          <a:p>
+            <a:r>
+              <a:rPr lang="en-US" altLang="ja-JP" dirty="0"/>
+              <a:t>r</a:t>
+            </a:r>
+            <a:endParaRPr kumimoji="1" lang="ja-JP" altLang="en-US" dirty="0"/>
+          </a:p>
+        </p:txBody>
+      </p:sp>
+      <p:sp>
+        <p:nvSpPr>
+          <p:cNvPr id="39" name="正方形/長方形 38">
+            <a:extLst>
+              <a:ext uri="{FF2B5EF4-FFF2-40B4-BE49-F238E27FC236}">
+                <a16:creationId xmlns:a16="http://schemas.microsoft.com/office/drawing/2014/main" id="{4CE39E83-1C05-9C46-B9A2-FCDC1CA1771C}"/>
+              </a:ext>
+            </a:extLst>
+          </p:cNvPr>
+          <p:cNvSpPr/>
+          <p:nvPr/>
+        </p:nvSpPr>
+        <p:spPr>
+          <a:xfrm>
+            <a:off x="4572000" y="4725144"/>
+            <a:ext cx="720080" cy="720080"/>
+          </a:xfrm>
+          <a:prstGeom prst="rect">
+            <a:avLst/>
+          </a:prstGeom>
+          <a:solidFill>
+            <a:schemeClr val="accent6">
+              <a:lumMod val="20000"/>
+              <a:lumOff val="80000"/>
+            </a:schemeClr>
+          </a:solidFill>
+          <a:ln>
+            <a:solidFill>
+              <a:schemeClr val="tx1"/>
+            </a:solidFill>
+          </a:ln>
+        </p:spPr>
+        <p:style>
+          <a:lnRef idx="2">
+            <a:schemeClr val="accent1">
+              <a:shade val="50000"/>
+            </a:schemeClr>
+          </a:lnRef>
+          <a:fillRef idx="1">
+            <a:schemeClr val="accent1"/>
+          </a:fillRef>
+          <a:effectRef idx="0">
+            <a:schemeClr val="accent1"/>
+          </a:effectRef>
+          <a:fontRef idx="minor">
+            <a:schemeClr val="lt1"/>
+          </a:fontRef>
+        </p:style>
+        <p:txBody>
+          <a:bodyPr rtlCol="0" anchor="ctr"/>
+          <a:lstStyle/>
+          <a:p>
+            <a:pPr algn="ctr"/>
+            <a:r>
+              <a:rPr kumimoji="1" lang="en-US" altLang="ja-JP" sz="3600" dirty="0">
+                <a:solidFill>
+                  <a:schemeClr val="tx1"/>
+                </a:solidFill>
+              </a:rPr>
+              <a:t>C</a:t>
+            </a:r>
+            <a:endParaRPr kumimoji="1" lang="ja-JP" altLang="en-US" sz="3600" dirty="0">
+              <a:solidFill>
+                <a:schemeClr val="tx1"/>
+              </a:solidFill>
+            </a:endParaRPr>
+          </a:p>
+        </p:txBody>
+      </p:sp>
+      <p:cxnSp>
+        <p:nvCxnSpPr>
+          <p:cNvPr id="40" name="直線コネクタ 39">
+            <a:extLst>
+              <a:ext uri="{FF2B5EF4-FFF2-40B4-BE49-F238E27FC236}">
+                <a16:creationId xmlns:a16="http://schemas.microsoft.com/office/drawing/2014/main" id="{0F2BF729-AE3E-F34D-9F47-9B1A380135A8}"/>
+              </a:ext>
+            </a:extLst>
+          </p:cNvPr>
+          <p:cNvCxnSpPr>
+            <a:cxnSpLocks/>
+          </p:cNvCxnSpPr>
+          <p:nvPr/>
+        </p:nvCxnSpPr>
+        <p:spPr>
+          <a:xfrm>
+            <a:off x="5292080" y="5085184"/>
+            <a:ext cx="360040" cy="0"/>
+          </a:xfrm>
+          <a:prstGeom prst="line">
+            <a:avLst/>
+          </a:prstGeom>
+          <a:ln w="12700">
+            <a:solidFill>
+              <a:schemeClr val="tx1"/>
+            </a:solidFill>
+          </a:ln>
+        </p:spPr>
+        <p:style>
+          <a:lnRef idx="1">
+            <a:schemeClr val="accent1"/>
+          </a:lnRef>
+          <a:fillRef idx="0">
+            <a:schemeClr val="accent1"/>
+          </a:fillRef>
+          <a:effectRef idx="0">
+            <a:schemeClr val="accent1"/>
+          </a:effectRef>
+          <a:fontRef idx="minor">
+            <a:schemeClr val="tx1"/>
+          </a:fontRef>
+        </p:style>
+      </p:cxnSp>
+      <p:cxnSp>
+        <p:nvCxnSpPr>
+          <p:cNvPr id="41" name="直線コネクタ 40">
+            <a:extLst>
+              <a:ext uri="{FF2B5EF4-FFF2-40B4-BE49-F238E27FC236}">
+                <a16:creationId xmlns:a16="http://schemas.microsoft.com/office/drawing/2014/main" id="{9B04CF10-E1DA-0B44-BC92-C4BEB3B61E1E}"/>
+              </a:ext>
+            </a:extLst>
+          </p:cNvPr>
+          <p:cNvCxnSpPr>
+            <a:cxnSpLocks/>
+          </p:cNvCxnSpPr>
+          <p:nvPr/>
+        </p:nvCxnSpPr>
+        <p:spPr>
+          <a:xfrm>
+            <a:off x="4211960" y="5085184"/>
+            <a:ext cx="360040" cy="0"/>
+          </a:xfrm>
+          <a:prstGeom prst="line">
+            <a:avLst/>
+          </a:prstGeom>
+          <a:ln w="12700">
+            <a:solidFill>
+              <a:schemeClr val="tx1"/>
+            </a:solidFill>
+          </a:ln>
+        </p:spPr>
+        <p:style>
+          <a:lnRef idx="1">
+            <a:schemeClr val="accent1"/>
+          </a:lnRef>
+          <a:fillRef idx="0">
+            <a:schemeClr val="accent1"/>
+          </a:fillRef>
+          <a:effectRef idx="0">
+            <a:schemeClr val="accent1"/>
+          </a:effectRef>
+          <a:fontRef idx="minor">
+            <a:schemeClr val="tx1"/>
+          </a:fontRef>
+        </p:style>
+      </p:cxnSp>
+      <p:sp>
+        <p:nvSpPr>
+          <p:cNvPr id="42" name="テキスト ボックス 41">
+            <a:extLst>
+              <a:ext uri="{FF2B5EF4-FFF2-40B4-BE49-F238E27FC236}">
+                <a16:creationId xmlns:a16="http://schemas.microsoft.com/office/drawing/2014/main" id="{B1D2F33A-3FC8-9B4A-BF68-D2DB56E2264D}"/>
+              </a:ext>
+            </a:extLst>
+          </p:cNvPr>
+          <p:cNvSpPr txBox="1"/>
+          <p:nvPr/>
+        </p:nvSpPr>
+        <p:spPr>
+          <a:xfrm>
+            <a:off x="5364088" y="4797152"/>
+            <a:ext cx="264816" cy="369332"/>
+          </a:xfrm>
+          <a:prstGeom prst="rect">
+            <a:avLst/>
+          </a:prstGeom>
+          <a:noFill/>
+        </p:spPr>
+        <p:txBody>
+          <a:bodyPr wrap="none" rtlCol="0">
+            <a:spAutoFit/>
+          </a:bodyPr>
+          <a:lstStyle/>
+          <a:p>
+            <a:r>
+              <a:rPr lang="en-US" altLang="ja-JP" dirty="0"/>
+              <a:t>r</a:t>
+            </a:r>
+            <a:endParaRPr kumimoji="1" lang="ja-JP" altLang="en-US" dirty="0"/>
+          </a:p>
+        </p:txBody>
+      </p:sp>
+      <p:sp>
+        <p:nvSpPr>
+          <p:cNvPr id="43" name="テキスト ボックス 42">
+            <a:extLst>
+              <a:ext uri="{FF2B5EF4-FFF2-40B4-BE49-F238E27FC236}">
+                <a16:creationId xmlns:a16="http://schemas.microsoft.com/office/drawing/2014/main" id="{0675DF67-498C-5940-8961-ABE6158D66C3}"/>
+              </a:ext>
+            </a:extLst>
+          </p:cNvPr>
+          <p:cNvSpPr txBox="1"/>
+          <p:nvPr/>
+        </p:nvSpPr>
+        <p:spPr>
+          <a:xfrm>
+            <a:off x="2555776" y="4725144"/>
+            <a:ext cx="529312" cy="646331"/>
+          </a:xfrm>
+          <a:prstGeom prst="rect">
+            <a:avLst/>
+          </a:prstGeom>
+          <a:noFill/>
+        </p:spPr>
+        <p:txBody>
+          <a:bodyPr wrap="none" rtlCol="0">
+            <a:spAutoFit/>
+          </a:bodyPr>
+          <a:lstStyle/>
+          <a:p>
+            <a:r>
+              <a:rPr lang="en-US" altLang="ja-JP" sz="3600" dirty="0"/>
+              <a:t>≒</a:t>
+            </a:r>
+            <a:endParaRPr kumimoji="1" lang="ja-JP" altLang="en-US" sz="3600" dirty="0"/>
+          </a:p>
+        </p:txBody>
+      </p:sp>
+    </p:spTree>
+    <p:extLst>
+      <p:ext uri="{BB962C8B-B14F-4D97-AF65-F5344CB8AC3E}">
+        <p14:creationId xmlns:p14="http://schemas.microsoft.com/office/powerpoint/2010/main" val="1902155917"/>
+      </p:ext>
+    </p:extLst>
+  </p:cSld>
+  <p:clrMapOvr>
+    <a:masterClrMapping/>
+  </p:clrMapOvr>
+</p:sld>
+</file>
+
+<file path=ppt/slides/slide9.xml><?xml version="1.0" encoding="utf-8"?>
+<p:sld xmlns:a="http://schemas.openxmlformats.org/drawingml/2006/main" xmlns:r="http://schemas.openxmlformats.org/officeDocument/2006/relationships" xmlns:p="http://schemas.openxmlformats.org/presentationml/2006/main">
+  <p:cSld>
+    <p:spTree>
+      <p:nvGrpSpPr>
+        <p:cNvPr id="1" name=""/>
+        <p:cNvGrpSpPr/>
+        <p:nvPr/>
+      </p:nvGrpSpPr>
+      <p:grpSpPr>
+        <a:xfrm>
+          <a:off x="0" y="0"/>
+          <a:ext cx="0" cy="0"/>
+          <a:chOff x="0" y="0"/>
+          <a:chExt cx="0" cy="0"/>
+        </a:xfrm>
+      </p:grpSpPr>
+      <p:sp>
+        <p:nvSpPr>
+          <p:cNvPr id="2" name="正方形/長方形 1">
+            <a:extLst>
+              <a:ext uri="{FF2B5EF4-FFF2-40B4-BE49-F238E27FC236}">
+                <a16:creationId xmlns:a16="http://schemas.microsoft.com/office/drawing/2014/main" id="{6AC59CD0-1C22-0F4C-9B0B-CD148712C6C7}"/>
+              </a:ext>
+            </a:extLst>
+          </p:cNvPr>
+          <p:cNvSpPr/>
+          <p:nvPr/>
+        </p:nvSpPr>
+        <p:spPr>
+          <a:xfrm>
+            <a:off x="1115616" y="1772816"/>
+            <a:ext cx="720080" cy="720080"/>
+          </a:xfrm>
+          <a:prstGeom prst="rect">
+            <a:avLst/>
+          </a:prstGeom>
+          <a:solidFill>
+            <a:schemeClr val="accent6">
+              <a:lumMod val="20000"/>
+              <a:lumOff val="80000"/>
+            </a:schemeClr>
+          </a:solidFill>
+          <a:ln>
+            <a:solidFill>
+              <a:schemeClr val="tx1"/>
+            </a:solidFill>
+          </a:ln>
+        </p:spPr>
+        <p:style>
+          <a:lnRef idx="2">
+            <a:schemeClr val="accent1">
+              <a:shade val="50000"/>
+            </a:schemeClr>
+          </a:lnRef>
+          <a:fillRef idx="1">
+            <a:schemeClr val="accent1"/>
+          </a:fillRef>
+          <a:effectRef idx="0">
+            <a:schemeClr val="accent1"/>
+          </a:effectRef>
+          <a:fontRef idx="minor">
+            <a:schemeClr val="lt1"/>
+          </a:fontRef>
+        </p:style>
+        <p:txBody>
+          <a:bodyPr rtlCol="0" anchor="ctr"/>
+          <a:lstStyle/>
+          <a:p>
+            <a:pPr algn="ctr"/>
+            <a:r>
+              <a:rPr kumimoji="1" lang="en-US" altLang="ja-JP" sz="3600" dirty="0">
+                <a:solidFill>
+                  <a:schemeClr val="tx1"/>
+                </a:solidFill>
+              </a:rPr>
+              <a:t>X</a:t>
+            </a:r>
+            <a:endParaRPr kumimoji="1" lang="ja-JP" altLang="en-US" sz="3600" dirty="0">
+              <a:solidFill>
+                <a:schemeClr val="tx1"/>
+              </a:solidFill>
+            </a:endParaRPr>
+          </a:p>
+        </p:txBody>
+      </p:sp>
+      <p:cxnSp>
+        <p:nvCxnSpPr>
+          <p:cNvPr id="3" name="直線コネクタ 2">
+            <a:extLst>
+              <a:ext uri="{FF2B5EF4-FFF2-40B4-BE49-F238E27FC236}">
+                <a16:creationId xmlns:a16="http://schemas.microsoft.com/office/drawing/2014/main" id="{7AB3DFB5-5864-8547-800F-8E011C717B01}"/>
+              </a:ext>
+            </a:extLst>
+          </p:cNvPr>
+          <p:cNvCxnSpPr>
+            <a:cxnSpLocks/>
+          </p:cNvCxnSpPr>
+          <p:nvPr/>
+        </p:nvCxnSpPr>
+        <p:spPr>
+          <a:xfrm flipH="1">
+            <a:off x="755576" y="2132856"/>
+            <a:ext cx="360040" cy="0"/>
+          </a:xfrm>
+          <a:prstGeom prst="line">
+            <a:avLst/>
+          </a:prstGeom>
+          <a:ln w="12700">
+            <a:solidFill>
+              <a:schemeClr val="tx1"/>
+            </a:solidFill>
+          </a:ln>
+        </p:spPr>
+        <p:style>
+          <a:lnRef idx="1">
+            <a:schemeClr val="accent1"/>
+          </a:lnRef>
+          <a:fillRef idx="0">
+            <a:schemeClr val="accent1"/>
+          </a:fillRef>
+          <a:effectRef idx="0">
+            <a:schemeClr val="accent1"/>
+          </a:effectRef>
+          <a:fontRef idx="minor">
+            <a:schemeClr val="tx1"/>
+          </a:fontRef>
+        </p:style>
+      </p:cxnSp>
+      <p:cxnSp>
+        <p:nvCxnSpPr>
+          <p:cNvPr id="4" name="直線コネクタ 3">
+            <a:extLst>
+              <a:ext uri="{FF2B5EF4-FFF2-40B4-BE49-F238E27FC236}">
+                <a16:creationId xmlns:a16="http://schemas.microsoft.com/office/drawing/2014/main" id="{D5ABB553-57A1-9041-8124-293FB3EE3244}"/>
+              </a:ext>
+            </a:extLst>
+          </p:cNvPr>
+          <p:cNvCxnSpPr>
+            <a:cxnSpLocks/>
+          </p:cNvCxnSpPr>
+          <p:nvPr/>
+        </p:nvCxnSpPr>
+        <p:spPr>
+          <a:xfrm>
+            <a:off x="1835696" y="2132856"/>
+            <a:ext cx="360040" cy="0"/>
+          </a:xfrm>
+          <a:prstGeom prst="line">
+            <a:avLst/>
+          </a:prstGeom>
+          <a:ln w="12700">
+            <a:solidFill>
+              <a:schemeClr val="tx1"/>
+            </a:solidFill>
+          </a:ln>
+        </p:spPr>
+        <p:style>
+          <a:lnRef idx="1">
+            <a:schemeClr val="accent1"/>
+          </a:lnRef>
+          <a:fillRef idx="0">
+            <a:schemeClr val="accent1"/>
+          </a:fillRef>
+          <a:effectRef idx="0">
+            <a:schemeClr val="accent1"/>
+          </a:effectRef>
+          <a:fontRef idx="minor">
+            <a:schemeClr val="tx1"/>
+          </a:fontRef>
+        </p:style>
+      </p:cxnSp>
+      <p:sp>
+        <p:nvSpPr>
+          <p:cNvPr id="5" name="テキスト ボックス 4">
+            <a:extLst>
+              <a:ext uri="{FF2B5EF4-FFF2-40B4-BE49-F238E27FC236}">
+                <a16:creationId xmlns:a16="http://schemas.microsoft.com/office/drawing/2014/main" id="{0F00B5A7-3E1F-414B-B140-CA3B0C51B1C5}"/>
+              </a:ext>
+            </a:extLst>
+          </p:cNvPr>
+          <p:cNvSpPr txBox="1"/>
+          <p:nvPr/>
+        </p:nvSpPr>
+        <p:spPr>
+          <a:xfrm>
+            <a:off x="746604" y="1835532"/>
+            <a:ext cx="306494" cy="369332"/>
+          </a:xfrm>
+          <a:prstGeom prst="rect">
+            <a:avLst/>
+          </a:prstGeom>
+          <a:noFill/>
+        </p:spPr>
+        <p:txBody>
+          <a:bodyPr wrap="none" rtlCol="0">
+            <a:spAutoFit/>
+          </a:bodyPr>
+          <a:lstStyle/>
+          <a:p>
+            <a:r>
+              <a:rPr lang="en-US" altLang="ja-JP" dirty="0"/>
+              <a:t>d</a:t>
+            </a:r>
+            <a:endParaRPr kumimoji="1" lang="ja-JP" altLang="en-US" dirty="0"/>
+          </a:p>
+        </p:txBody>
+      </p:sp>
+      <p:sp>
+        <p:nvSpPr>
+          <p:cNvPr id="6" name="テキスト ボックス 5">
+            <a:extLst>
+              <a:ext uri="{FF2B5EF4-FFF2-40B4-BE49-F238E27FC236}">
+                <a16:creationId xmlns:a16="http://schemas.microsoft.com/office/drawing/2014/main" id="{F1734281-D24D-884A-8BDC-55D8177E5F6D}"/>
+              </a:ext>
+            </a:extLst>
+          </p:cNvPr>
+          <p:cNvSpPr txBox="1"/>
+          <p:nvPr/>
+        </p:nvSpPr>
+        <p:spPr>
+          <a:xfrm>
+            <a:off x="1835696" y="1844824"/>
+            <a:ext cx="306494" cy="369332"/>
+          </a:xfrm>
+          <a:prstGeom prst="rect">
+            <a:avLst/>
+          </a:prstGeom>
+          <a:noFill/>
+        </p:spPr>
+        <p:txBody>
+          <a:bodyPr wrap="none" rtlCol="0">
+            <a:spAutoFit/>
+          </a:bodyPr>
+          <a:lstStyle/>
+          <a:p>
+            <a:r>
+              <a:rPr kumimoji="1" lang="en-US" altLang="ja-JP" dirty="0"/>
+              <a:t>d</a:t>
+            </a:r>
+            <a:endParaRPr kumimoji="1" lang="ja-JP" altLang="en-US" dirty="0"/>
+          </a:p>
+        </p:txBody>
+      </p:sp>
+      <p:cxnSp>
+        <p:nvCxnSpPr>
+          <p:cNvPr id="8" name="直線コネクタ 7">
+            <a:extLst>
+              <a:ext uri="{FF2B5EF4-FFF2-40B4-BE49-F238E27FC236}">
+                <a16:creationId xmlns:a16="http://schemas.microsoft.com/office/drawing/2014/main" id="{11D15CA7-2071-F247-977D-3DDF5828D35B}"/>
+              </a:ext>
+            </a:extLst>
+          </p:cNvPr>
+          <p:cNvCxnSpPr>
+            <a:cxnSpLocks/>
+          </p:cNvCxnSpPr>
+          <p:nvPr/>
+        </p:nvCxnSpPr>
+        <p:spPr>
+          <a:xfrm flipV="1">
+            <a:off x="1475656" y="1484784"/>
+            <a:ext cx="0" cy="288032"/>
+          </a:xfrm>
+          <a:prstGeom prst="line">
+            <a:avLst/>
+          </a:prstGeom>
+          <a:ln w="12700">
+            <a:solidFill>
+              <a:schemeClr val="tx1"/>
+            </a:solidFill>
+          </a:ln>
+        </p:spPr>
+        <p:style>
+          <a:lnRef idx="1">
+            <a:schemeClr val="accent1"/>
+          </a:lnRef>
+          <a:fillRef idx="0">
+            <a:schemeClr val="accent1"/>
+          </a:fillRef>
+          <a:effectRef idx="0">
+            <a:schemeClr val="accent1"/>
+          </a:effectRef>
+          <a:fontRef idx="minor">
+            <a:schemeClr val="tx1"/>
+          </a:fontRef>
+        </p:style>
+      </p:cxnSp>
+      <p:cxnSp>
+        <p:nvCxnSpPr>
+          <p:cNvPr id="9" name="直線コネクタ 8">
+            <a:extLst>
+              <a:ext uri="{FF2B5EF4-FFF2-40B4-BE49-F238E27FC236}">
+                <a16:creationId xmlns:a16="http://schemas.microsoft.com/office/drawing/2014/main" id="{7E662097-1D0F-9A4B-9784-49BC97C8CB98}"/>
+              </a:ext>
+            </a:extLst>
+          </p:cNvPr>
+          <p:cNvCxnSpPr/>
+          <p:nvPr/>
+        </p:nvCxnSpPr>
+        <p:spPr>
+          <a:xfrm flipV="1">
+            <a:off x="1475656" y="2492896"/>
+            <a:ext cx="0" cy="288032"/>
+          </a:xfrm>
+          <a:prstGeom prst="line">
+            <a:avLst/>
+          </a:prstGeom>
+          <a:ln w="12700">
+            <a:solidFill>
+              <a:schemeClr val="tx1"/>
+            </a:solidFill>
+          </a:ln>
+        </p:spPr>
+        <p:style>
+          <a:lnRef idx="1">
+            <a:schemeClr val="accent1"/>
+          </a:lnRef>
+          <a:fillRef idx="0">
+            <a:schemeClr val="accent1"/>
+          </a:fillRef>
+          <a:effectRef idx="0">
+            <a:schemeClr val="accent1"/>
+          </a:effectRef>
+          <a:fontRef idx="minor">
+            <a:schemeClr val="tx1"/>
+          </a:fontRef>
+        </p:style>
+      </p:cxnSp>
+      <p:sp>
+        <p:nvSpPr>
+          <p:cNvPr id="10" name="テキスト ボックス 9">
+            <a:extLst>
+              <a:ext uri="{FF2B5EF4-FFF2-40B4-BE49-F238E27FC236}">
+                <a16:creationId xmlns:a16="http://schemas.microsoft.com/office/drawing/2014/main" id="{FCCEFFE9-FC65-9E4B-A8CF-C4C0155740F6}"/>
+              </a:ext>
+            </a:extLst>
+          </p:cNvPr>
+          <p:cNvSpPr txBox="1"/>
+          <p:nvPr/>
+        </p:nvSpPr>
+        <p:spPr>
+          <a:xfrm>
+            <a:off x="1457194" y="1412776"/>
+            <a:ext cx="306494" cy="369332"/>
+          </a:xfrm>
+          <a:prstGeom prst="rect">
+            <a:avLst/>
+          </a:prstGeom>
+          <a:noFill/>
+        </p:spPr>
+        <p:txBody>
+          <a:bodyPr wrap="none" rtlCol="0">
+            <a:spAutoFit/>
+          </a:bodyPr>
+          <a:lstStyle/>
+          <a:p>
+            <a:r>
+              <a:rPr kumimoji="1" lang="en-US" altLang="ja-JP" dirty="0"/>
+              <a:t>d</a:t>
+            </a:r>
+            <a:endParaRPr kumimoji="1" lang="ja-JP" altLang="en-US" dirty="0"/>
+          </a:p>
+        </p:txBody>
+      </p:sp>
+      <p:sp>
+        <p:nvSpPr>
+          <p:cNvPr id="11" name="テキスト ボックス 10">
+            <a:extLst>
+              <a:ext uri="{FF2B5EF4-FFF2-40B4-BE49-F238E27FC236}">
+                <a16:creationId xmlns:a16="http://schemas.microsoft.com/office/drawing/2014/main" id="{41455A39-E5CA-B440-A86A-1834B15E32BA}"/>
+              </a:ext>
+            </a:extLst>
+          </p:cNvPr>
+          <p:cNvSpPr txBox="1"/>
+          <p:nvPr/>
+        </p:nvSpPr>
+        <p:spPr>
+          <a:xfrm>
+            <a:off x="1457194" y="2492896"/>
+            <a:ext cx="306494" cy="369332"/>
+          </a:xfrm>
+          <a:prstGeom prst="rect">
+            <a:avLst/>
+          </a:prstGeom>
+          <a:noFill/>
+        </p:spPr>
+        <p:txBody>
+          <a:bodyPr wrap="none" rtlCol="0">
+            <a:spAutoFit/>
+          </a:bodyPr>
+          <a:lstStyle/>
+          <a:p>
+            <a:r>
+              <a:rPr kumimoji="1" lang="en-US" altLang="ja-JP" dirty="0"/>
+              <a:t>d</a:t>
+            </a:r>
+            <a:endParaRPr kumimoji="1" lang="ja-JP" altLang="en-US" dirty="0"/>
+          </a:p>
+        </p:txBody>
+      </p:sp>
+      <p:sp>
+        <p:nvSpPr>
+          <p:cNvPr id="12" name="テキスト ボックス 11">
+            <a:extLst>
+              <a:ext uri="{FF2B5EF4-FFF2-40B4-BE49-F238E27FC236}">
+                <a16:creationId xmlns:a16="http://schemas.microsoft.com/office/drawing/2014/main" id="{C40CC6C1-B6EB-A849-BF41-588928CB6DF5}"/>
+              </a:ext>
+            </a:extLst>
+          </p:cNvPr>
+          <p:cNvSpPr txBox="1"/>
+          <p:nvPr/>
+        </p:nvSpPr>
+        <p:spPr>
+          <a:xfrm>
+            <a:off x="2411760" y="1772816"/>
+            <a:ext cx="529312" cy="646331"/>
+          </a:xfrm>
+          <a:prstGeom prst="rect">
+            <a:avLst/>
+          </a:prstGeom>
+          <a:noFill/>
+        </p:spPr>
+        <p:txBody>
+          <a:bodyPr wrap="none" rtlCol="0">
+            <a:spAutoFit/>
+          </a:bodyPr>
+          <a:lstStyle/>
+          <a:p>
+            <a:r>
+              <a:rPr lang="en-US" altLang="ja-JP" sz="3600" dirty="0"/>
+              <a:t>≒</a:t>
+            </a:r>
+            <a:endParaRPr kumimoji="1" lang="ja-JP" altLang="en-US" sz="3600" dirty="0"/>
+          </a:p>
+        </p:txBody>
+      </p:sp>
+      <p:sp>
+        <p:nvSpPr>
+          <p:cNvPr id="14" name="正方形/長方形 13">
+            <a:extLst>
+              <a:ext uri="{FF2B5EF4-FFF2-40B4-BE49-F238E27FC236}">
+                <a16:creationId xmlns:a16="http://schemas.microsoft.com/office/drawing/2014/main" id="{F082B624-1A28-D540-AA43-F5EAA28ABD08}"/>
+              </a:ext>
+            </a:extLst>
+          </p:cNvPr>
+          <p:cNvSpPr/>
+          <p:nvPr/>
+        </p:nvSpPr>
+        <p:spPr>
+          <a:xfrm>
+            <a:off x="4499992" y="1772816"/>
+            <a:ext cx="720080" cy="720080"/>
+          </a:xfrm>
+          <a:prstGeom prst="rect">
+            <a:avLst/>
+          </a:prstGeom>
+          <a:solidFill>
+            <a:schemeClr val="accent6">
+              <a:lumMod val="20000"/>
+              <a:lumOff val="80000"/>
+            </a:schemeClr>
+          </a:solidFill>
+          <a:ln>
+            <a:solidFill>
+              <a:schemeClr val="tx1"/>
+            </a:solidFill>
+          </a:ln>
+        </p:spPr>
+        <p:style>
+          <a:lnRef idx="2">
+            <a:schemeClr val="accent1">
+              <a:shade val="50000"/>
+            </a:schemeClr>
+          </a:lnRef>
+          <a:fillRef idx="1">
+            <a:schemeClr val="accent1"/>
+          </a:fillRef>
+          <a:effectRef idx="0">
+            <a:schemeClr val="accent1"/>
+          </a:effectRef>
+          <a:fontRef idx="minor">
+            <a:schemeClr val="lt1"/>
+          </a:fontRef>
+        </p:style>
+        <p:txBody>
+          <a:bodyPr rtlCol="0" anchor="ctr"/>
+          <a:lstStyle/>
+          <a:p>
+            <a:pPr algn="ctr"/>
+            <a:r>
+              <a:rPr kumimoji="1" lang="en-US" altLang="ja-JP" sz="3600" dirty="0">
+                <a:solidFill>
+                  <a:schemeClr val="tx1"/>
+                </a:solidFill>
+              </a:rPr>
+              <a:t>X</a:t>
+            </a:r>
+            <a:endParaRPr kumimoji="1" lang="ja-JP" altLang="en-US" sz="3600" dirty="0">
+              <a:solidFill>
+                <a:schemeClr val="tx1"/>
+              </a:solidFill>
+            </a:endParaRPr>
+          </a:p>
+        </p:txBody>
+      </p:sp>
+      <p:cxnSp>
+        <p:nvCxnSpPr>
+          <p:cNvPr id="15" name="直線コネクタ 14">
+            <a:extLst>
+              <a:ext uri="{FF2B5EF4-FFF2-40B4-BE49-F238E27FC236}">
+                <a16:creationId xmlns:a16="http://schemas.microsoft.com/office/drawing/2014/main" id="{E3873B1B-13CD-E846-A795-FB423731CDE3}"/>
+              </a:ext>
+            </a:extLst>
+          </p:cNvPr>
+          <p:cNvCxnSpPr>
+            <a:cxnSpLocks/>
+          </p:cNvCxnSpPr>
+          <p:nvPr/>
+        </p:nvCxnSpPr>
+        <p:spPr>
+          <a:xfrm flipH="1">
+            <a:off x="4139952" y="2132856"/>
+            <a:ext cx="360040" cy="0"/>
+          </a:xfrm>
+          <a:prstGeom prst="line">
+            <a:avLst/>
+          </a:prstGeom>
+          <a:ln w="12700">
+            <a:solidFill>
+              <a:schemeClr val="tx1"/>
+            </a:solidFill>
+          </a:ln>
+        </p:spPr>
+        <p:style>
+          <a:lnRef idx="1">
+            <a:schemeClr val="accent1"/>
+          </a:lnRef>
+          <a:fillRef idx="0">
+            <a:schemeClr val="accent1"/>
+          </a:fillRef>
+          <a:effectRef idx="0">
+            <a:schemeClr val="accent1"/>
+          </a:effectRef>
+          <a:fontRef idx="minor">
+            <a:schemeClr val="tx1"/>
+          </a:fontRef>
+        </p:style>
+      </p:cxnSp>
+      <p:cxnSp>
+        <p:nvCxnSpPr>
+          <p:cNvPr id="16" name="直線コネクタ 15">
+            <a:extLst>
+              <a:ext uri="{FF2B5EF4-FFF2-40B4-BE49-F238E27FC236}">
+                <a16:creationId xmlns:a16="http://schemas.microsoft.com/office/drawing/2014/main" id="{25441D05-DD12-FB46-9270-D499B6B286A8}"/>
+              </a:ext>
+            </a:extLst>
+          </p:cNvPr>
+          <p:cNvCxnSpPr>
+            <a:cxnSpLocks/>
+          </p:cNvCxnSpPr>
+          <p:nvPr/>
+        </p:nvCxnSpPr>
+        <p:spPr>
+          <a:xfrm>
+            <a:off x="5220072" y="2132856"/>
+            <a:ext cx="360040" cy="0"/>
+          </a:xfrm>
+          <a:prstGeom prst="line">
+            <a:avLst/>
+          </a:prstGeom>
+          <a:ln w="12700">
+            <a:solidFill>
+              <a:schemeClr val="tx1"/>
+            </a:solidFill>
+          </a:ln>
+        </p:spPr>
+        <p:style>
+          <a:lnRef idx="1">
+            <a:schemeClr val="accent1"/>
+          </a:lnRef>
+          <a:fillRef idx="0">
+            <a:schemeClr val="accent1"/>
+          </a:fillRef>
+          <a:effectRef idx="0">
+            <a:schemeClr val="accent1"/>
+          </a:effectRef>
+          <a:fontRef idx="minor">
+            <a:schemeClr val="tx1"/>
+          </a:fontRef>
+        </p:style>
+      </p:cxnSp>
+      <p:sp>
+        <p:nvSpPr>
+          <p:cNvPr id="17" name="テキスト ボックス 16">
+            <a:extLst>
+              <a:ext uri="{FF2B5EF4-FFF2-40B4-BE49-F238E27FC236}">
+                <a16:creationId xmlns:a16="http://schemas.microsoft.com/office/drawing/2014/main" id="{394A40EE-DFC9-DF41-A299-A7A942CE4519}"/>
+              </a:ext>
+            </a:extLst>
+          </p:cNvPr>
+          <p:cNvSpPr txBox="1"/>
+          <p:nvPr/>
+        </p:nvSpPr>
+        <p:spPr>
+          <a:xfrm>
+            <a:off x="4130980" y="1835532"/>
+            <a:ext cx="264816" cy="369332"/>
+          </a:xfrm>
+          <a:prstGeom prst="rect">
+            <a:avLst/>
+          </a:prstGeom>
+          <a:noFill/>
+        </p:spPr>
+        <p:txBody>
+          <a:bodyPr wrap="none" rtlCol="0">
+            <a:spAutoFit/>
+          </a:bodyPr>
+          <a:lstStyle/>
+          <a:p>
+            <a:r>
+              <a:rPr kumimoji="1" lang="en-US" altLang="ja-JP" dirty="0"/>
+              <a:t>r</a:t>
+            </a:r>
+            <a:endParaRPr kumimoji="1" lang="ja-JP" altLang="en-US" dirty="0"/>
+          </a:p>
+        </p:txBody>
+      </p:sp>
+      <p:sp>
+        <p:nvSpPr>
+          <p:cNvPr id="18" name="テキスト ボックス 17">
+            <a:extLst>
+              <a:ext uri="{FF2B5EF4-FFF2-40B4-BE49-F238E27FC236}">
+                <a16:creationId xmlns:a16="http://schemas.microsoft.com/office/drawing/2014/main" id="{2913DAD2-5A34-0647-BA1E-7839F9D06F40}"/>
+              </a:ext>
+            </a:extLst>
+          </p:cNvPr>
+          <p:cNvSpPr txBox="1"/>
+          <p:nvPr/>
+        </p:nvSpPr>
+        <p:spPr>
+          <a:xfrm>
+            <a:off x="5220072" y="1844824"/>
+            <a:ext cx="264816" cy="369332"/>
+          </a:xfrm>
+          <a:prstGeom prst="rect">
+            <a:avLst/>
+          </a:prstGeom>
+          <a:noFill/>
+        </p:spPr>
+        <p:txBody>
+          <a:bodyPr wrap="none" rtlCol="0">
+            <a:spAutoFit/>
+          </a:bodyPr>
+          <a:lstStyle/>
+          <a:p>
+            <a:r>
+              <a:rPr kumimoji="1" lang="en-US" altLang="ja-JP" dirty="0"/>
+              <a:t>r</a:t>
+            </a:r>
+            <a:endParaRPr kumimoji="1" lang="ja-JP" altLang="en-US" dirty="0"/>
+          </a:p>
+        </p:txBody>
+      </p:sp>
+      <p:cxnSp>
+        <p:nvCxnSpPr>
+          <p:cNvPr id="19" name="直線コネクタ 18">
+            <a:extLst>
+              <a:ext uri="{FF2B5EF4-FFF2-40B4-BE49-F238E27FC236}">
+                <a16:creationId xmlns:a16="http://schemas.microsoft.com/office/drawing/2014/main" id="{8C73BA1F-5D9D-0E48-94EB-3D8876129270}"/>
+              </a:ext>
+            </a:extLst>
+          </p:cNvPr>
+          <p:cNvCxnSpPr>
+            <a:cxnSpLocks/>
+          </p:cNvCxnSpPr>
+          <p:nvPr/>
+        </p:nvCxnSpPr>
+        <p:spPr>
+          <a:xfrm flipV="1">
+            <a:off x="4860032" y="1484784"/>
+            <a:ext cx="0" cy="288032"/>
+          </a:xfrm>
+          <a:prstGeom prst="line">
+            <a:avLst/>
+          </a:prstGeom>
+          <a:ln w="12700">
+            <a:solidFill>
+              <a:schemeClr val="tx1"/>
+            </a:solidFill>
+          </a:ln>
+        </p:spPr>
+        <p:style>
+          <a:lnRef idx="1">
+            <a:schemeClr val="accent1"/>
+          </a:lnRef>
+          <a:fillRef idx="0">
+            <a:schemeClr val="accent1"/>
+          </a:fillRef>
+          <a:effectRef idx="0">
+            <a:schemeClr val="accent1"/>
+          </a:effectRef>
+          <a:fontRef idx="minor">
+            <a:schemeClr val="tx1"/>
+          </a:fontRef>
+        </p:style>
+      </p:cxnSp>
+      <p:cxnSp>
+        <p:nvCxnSpPr>
+          <p:cNvPr id="20" name="直線コネクタ 19">
+            <a:extLst>
+              <a:ext uri="{FF2B5EF4-FFF2-40B4-BE49-F238E27FC236}">
+                <a16:creationId xmlns:a16="http://schemas.microsoft.com/office/drawing/2014/main" id="{590F00E9-B5E2-8B4E-8AF3-9983ADF5B3AA}"/>
+              </a:ext>
+            </a:extLst>
+          </p:cNvPr>
+          <p:cNvCxnSpPr/>
+          <p:nvPr/>
+        </p:nvCxnSpPr>
+        <p:spPr>
+          <a:xfrm flipV="1">
+            <a:off x="4860032" y="2492896"/>
+            <a:ext cx="0" cy="288032"/>
+          </a:xfrm>
+          <a:prstGeom prst="line">
+            <a:avLst/>
+          </a:prstGeom>
+          <a:ln w="12700">
+            <a:solidFill>
+              <a:schemeClr val="tx1"/>
+            </a:solidFill>
+          </a:ln>
+        </p:spPr>
+        <p:style>
+          <a:lnRef idx="1">
+            <a:schemeClr val="accent1"/>
+          </a:lnRef>
+          <a:fillRef idx="0">
+            <a:schemeClr val="accent1"/>
+          </a:fillRef>
+          <a:effectRef idx="0">
+            <a:schemeClr val="accent1"/>
+          </a:effectRef>
+          <a:fontRef idx="minor">
+            <a:schemeClr val="tx1"/>
+          </a:fontRef>
+        </p:style>
+      </p:cxnSp>
+      <p:sp>
+        <p:nvSpPr>
+          <p:cNvPr id="21" name="テキスト ボックス 20">
+            <a:extLst>
+              <a:ext uri="{FF2B5EF4-FFF2-40B4-BE49-F238E27FC236}">
+                <a16:creationId xmlns:a16="http://schemas.microsoft.com/office/drawing/2014/main" id="{B92AF1D0-19C8-3843-9DF1-8B1AE5DEC000}"/>
+              </a:ext>
+            </a:extLst>
+          </p:cNvPr>
+          <p:cNvSpPr txBox="1"/>
+          <p:nvPr/>
+        </p:nvSpPr>
+        <p:spPr>
+          <a:xfrm>
+            <a:off x="4841570" y="1412776"/>
+            <a:ext cx="264816" cy="369332"/>
+          </a:xfrm>
+          <a:prstGeom prst="rect">
+            <a:avLst/>
+          </a:prstGeom>
+          <a:noFill/>
+        </p:spPr>
+        <p:txBody>
+          <a:bodyPr wrap="none" rtlCol="0">
+            <a:spAutoFit/>
+          </a:bodyPr>
+          <a:lstStyle/>
+          <a:p>
+            <a:r>
+              <a:rPr kumimoji="1" lang="en-US" altLang="ja-JP" dirty="0"/>
+              <a:t>r</a:t>
+            </a:r>
+            <a:endParaRPr kumimoji="1" lang="ja-JP" altLang="en-US" dirty="0"/>
+          </a:p>
+        </p:txBody>
+      </p:sp>
+      <p:sp>
+        <p:nvSpPr>
+          <p:cNvPr id="22" name="テキスト ボックス 21">
+            <a:extLst>
+              <a:ext uri="{FF2B5EF4-FFF2-40B4-BE49-F238E27FC236}">
+                <a16:creationId xmlns:a16="http://schemas.microsoft.com/office/drawing/2014/main" id="{AB88B9D1-7F1D-C24C-81E0-E200E2DC280D}"/>
+              </a:ext>
+            </a:extLst>
+          </p:cNvPr>
+          <p:cNvSpPr txBox="1"/>
+          <p:nvPr/>
+        </p:nvSpPr>
+        <p:spPr>
+          <a:xfrm>
+            <a:off x="4841570" y="2492896"/>
+            <a:ext cx="264816" cy="369332"/>
+          </a:xfrm>
+          <a:prstGeom prst="rect">
+            <a:avLst/>
+          </a:prstGeom>
+          <a:noFill/>
+        </p:spPr>
+        <p:txBody>
+          <a:bodyPr wrap="none" rtlCol="0">
+            <a:spAutoFit/>
+          </a:bodyPr>
+          <a:lstStyle/>
+          <a:p>
+            <a:r>
+              <a:rPr kumimoji="1" lang="en-US" altLang="ja-JP" dirty="0"/>
+              <a:t>r</a:t>
+            </a:r>
+            <a:endParaRPr kumimoji="1" lang="ja-JP" altLang="en-US" dirty="0"/>
+          </a:p>
+        </p:txBody>
+      </p:sp>
+      <p:sp>
+        <p:nvSpPr>
+          <p:cNvPr id="23" name="正方形/長方形 22">
+            <a:extLst>
+              <a:ext uri="{FF2B5EF4-FFF2-40B4-BE49-F238E27FC236}">
+                <a16:creationId xmlns:a16="http://schemas.microsoft.com/office/drawing/2014/main" id="{DD9103B5-9DB4-DD44-B06B-5AE9F4B73C0E}"/>
+              </a:ext>
+            </a:extLst>
+          </p:cNvPr>
+          <p:cNvSpPr/>
+          <p:nvPr/>
+        </p:nvSpPr>
+        <p:spPr>
+          <a:xfrm>
+            <a:off x="4499992" y="764704"/>
+            <a:ext cx="720080" cy="720080"/>
+          </a:xfrm>
+          <a:prstGeom prst="rect">
+            <a:avLst/>
+          </a:prstGeom>
+          <a:solidFill>
+            <a:schemeClr val="accent2">
+              <a:lumMod val="20000"/>
+              <a:lumOff val="80000"/>
+            </a:schemeClr>
+          </a:solidFill>
+          <a:ln>
+            <a:solidFill>
+              <a:schemeClr val="tx1"/>
+            </a:solidFill>
+          </a:ln>
+        </p:spPr>
+        <p:style>
+          <a:lnRef idx="2">
+            <a:schemeClr val="accent1">
+              <a:shade val="50000"/>
+            </a:schemeClr>
+          </a:lnRef>
+          <a:fillRef idx="1">
+            <a:schemeClr val="accent1"/>
+          </a:fillRef>
+          <a:effectRef idx="0">
+            <a:schemeClr val="accent1"/>
+          </a:effectRef>
+          <a:fontRef idx="minor">
+            <a:schemeClr val="lt1"/>
+          </a:fontRef>
+        </p:style>
+        <p:txBody>
+          <a:bodyPr rtlCol="0" anchor="ctr"/>
+          <a:lstStyle/>
+          <a:p>
+            <a:pPr algn="ctr"/>
+            <a:r>
+              <a:rPr kumimoji="1" lang="en-US" altLang="ja-JP" sz="3600" dirty="0">
+                <a:solidFill>
+                  <a:schemeClr val="tx1"/>
+                </a:solidFill>
+              </a:rPr>
+              <a:t>B</a:t>
+            </a:r>
+            <a:endParaRPr kumimoji="1" lang="ja-JP" altLang="en-US" sz="3600" dirty="0">
+              <a:solidFill>
+                <a:schemeClr val="tx1"/>
+              </a:solidFill>
+            </a:endParaRPr>
+          </a:p>
+        </p:txBody>
+      </p:sp>
+      <p:sp>
+        <p:nvSpPr>
+          <p:cNvPr id="24" name="正方形/長方形 23">
+            <a:extLst>
+              <a:ext uri="{FF2B5EF4-FFF2-40B4-BE49-F238E27FC236}">
+                <a16:creationId xmlns:a16="http://schemas.microsoft.com/office/drawing/2014/main" id="{12BD658B-C87E-614A-8412-EE65BC98B971}"/>
+              </a:ext>
+            </a:extLst>
+          </p:cNvPr>
+          <p:cNvSpPr/>
+          <p:nvPr/>
+        </p:nvSpPr>
+        <p:spPr>
+          <a:xfrm>
+            <a:off x="5580112" y="1772816"/>
+            <a:ext cx="720080" cy="720080"/>
+          </a:xfrm>
+          <a:prstGeom prst="rect">
+            <a:avLst/>
+          </a:prstGeom>
+          <a:solidFill>
+            <a:schemeClr val="accent2">
+              <a:lumMod val="20000"/>
+              <a:lumOff val="80000"/>
+            </a:schemeClr>
+          </a:solidFill>
+          <a:ln>
+            <a:solidFill>
+              <a:schemeClr val="tx1"/>
+            </a:solidFill>
+          </a:ln>
+        </p:spPr>
+        <p:style>
+          <a:lnRef idx="2">
+            <a:schemeClr val="accent1">
+              <a:shade val="50000"/>
+            </a:schemeClr>
+          </a:lnRef>
+          <a:fillRef idx="1">
+            <a:schemeClr val="accent1"/>
+          </a:fillRef>
+          <a:effectRef idx="0">
+            <a:schemeClr val="accent1"/>
+          </a:effectRef>
+          <a:fontRef idx="minor">
+            <a:schemeClr val="lt1"/>
+          </a:fontRef>
+        </p:style>
+        <p:txBody>
+          <a:bodyPr rtlCol="0" anchor="ctr"/>
+          <a:lstStyle/>
+          <a:p>
+            <a:pPr algn="ctr"/>
+            <a:r>
+              <a:rPr kumimoji="1" lang="en-US" altLang="ja-JP" sz="3600" dirty="0">
+                <a:solidFill>
+                  <a:schemeClr val="tx1"/>
+                </a:solidFill>
+              </a:rPr>
+              <a:t>C</a:t>
+            </a:r>
+            <a:endParaRPr kumimoji="1" lang="ja-JP" altLang="en-US" sz="3600" dirty="0">
+              <a:solidFill>
+                <a:schemeClr val="tx1"/>
+              </a:solidFill>
+            </a:endParaRPr>
+          </a:p>
+        </p:txBody>
+      </p:sp>
+      <p:sp>
+        <p:nvSpPr>
+          <p:cNvPr id="25" name="正方形/長方形 24">
+            <a:extLst>
+              <a:ext uri="{FF2B5EF4-FFF2-40B4-BE49-F238E27FC236}">
+                <a16:creationId xmlns:a16="http://schemas.microsoft.com/office/drawing/2014/main" id="{5BC95FA4-AD2D-3641-ABF7-84F6FBD3622F}"/>
+              </a:ext>
+            </a:extLst>
+          </p:cNvPr>
+          <p:cNvSpPr/>
+          <p:nvPr/>
+        </p:nvSpPr>
+        <p:spPr>
+          <a:xfrm>
+            <a:off x="4499992" y="2780928"/>
+            <a:ext cx="720080" cy="720080"/>
+          </a:xfrm>
+          <a:prstGeom prst="rect">
+            <a:avLst/>
+          </a:prstGeom>
+          <a:solidFill>
+            <a:schemeClr val="accent2">
+              <a:lumMod val="20000"/>
+              <a:lumOff val="80000"/>
+            </a:schemeClr>
+          </a:solidFill>
+          <a:ln>
+            <a:solidFill>
+              <a:schemeClr val="tx1"/>
+            </a:solidFill>
+          </a:ln>
+        </p:spPr>
+        <p:style>
+          <a:lnRef idx="2">
+            <a:schemeClr val="accent1">
+              <a:shade val="50000"/>
+            </a:schemeClr>
+          </a:lnRef>
+          <a:fillRef idx="1">
+            <a:schemeClr val="accent1"/>
+          </a:fillRef>
+          <a:effectRef idx="0">
+            <a:schemeClr val="accent1"/>
+          </a:effectRef>
+          <a:fontRef idx="minor">
+            <a:schemeClr val="lt1"/>
+          </a:fontRef>
+        </p:style>
+        <p:txBody>
+          <a:bodyPr rtlCol="0" anchor="ctr"/>
+          <a:lstStyle/>
+          <a:p>
+            <a:pPr algn="ctr"/>
+            <a:r>
+              <a:rPr kumimoji="1" lang="en-US" altLang="ja-JP" sz="3600" dirty="0">
+                <a:solidFill>
+                  <a:schemeClr val="tx1"/>
+                </a:solidFill>
+              </a:rPr>
+              <a:t>D</a:t>
+            </a:r>
+            <a:endParaRPr kumimoji="1" lang="ja-JP" altLang="en-US" sz="3600" dirty="0">
+              <a:solidFill>
+                <a:schemeClr val="tx1"/>
+              </a:solidFill>
+            </a:endParaRPr>
+          </a:p>
+        </p:txBody>
+      </p:sp>
+      <p:sp>
+        <p:nvSpPr>
+          <p:cNvPr id="26" name="正方形/長方形 25">
+            <a:extLst>
+              <a:ext uri="{FF2B5EF4-FFF2-40B4-BE49-F238E27FC236}">
+                <a16:creationId xmlns:a16="http://schemas.microsoft.com/office/drawing/2014/main" id="{BAE85A82-A2D7-B74F-AFC6-9BBD665DF1D3}"/>
+              </a:ext>
+            </a:extLst>
+          </p:cNvPr>
+          <p:cNvSpPr/>
+          <p:nvPr/>
+        </p:nvSpPr>
+        <p:spPr>
+          <a:xfrm>
+            <a:off x="3419872" y="1772816"/>
+            <a:ext cx="720080" cy="720080"/>
+          </a:xfrm>
+          <a:prstGeom prst="rect">
+            <a:avLst/>
+          </a:prstGeom>
+          <a:solidFill>
+            <a:schemeClr val="accent2">
+              <a:lumMod val="20000"/>
+              <a:lumOff val="80000"/>
+            </a:schemeClr>
+          </a:solidFill>
+          <a:ln>
+            <a:solidFill>
+              <a:schemeClr val="tx1"/>
+            </a:solidFill>
+          </a:ln>
+        </p:spPr>
+        <p:style>
+          <a:lnRef idx="2">
+            <a:schemeClr val="accent1">
+              <a:shade val="50000"/>
+            </a:schemeClr>
+          </a:lnRef>
+          <a:fillRef idx="1">
+            <a:schemeClr val="accent1"/>
+          </a:fillRef>
+          <a:effectRef idx="0">
+            <a:schemeClr val="accent1"/>
+          </a:effectRef>
+          <a:fontRef idx="minor">
+            <a:schemeClr val="lt1"/>
+          </a:fontRef>
+        </p:style>
+        <p:txBody>
+          <a:bodyPr rtlCol="0" anchor="ctr"/>
+          <a:lstStyle/>
+          <a:p>
+            <a:pPr algn="ctr"/>
+            <a:r>
+              <a:rPr kumimoji="1" lang="en-US" altLang="ja-JP" sz="3600" dirty="0">
+                <a:solidFill>
+                  <a:schemeClr val="tx1"/>
+                </a:solidFill>
+              </a:rPr>
+              <a:t>A</a:t>
+            </a:r>
+            <a:endParaRPr kumimoji="1" lang="ja-JP" altLang="en-US" sz="3600" dirty="0">
+              <a:solidFill>
+                <a:schemeClr val="tx1"/>
+              </a:solidFill>
+            </a:endParaRPr>
+          </a:p>
+        </p:txBody>
+      </p:sp>
+      <p:cxnSp>
+        <p:nvCxnSpPr>
+          <p:cNvPr id="28" name="直線コネクタ 27">
+            <a:extLst>
+              <a:ext uri="{FF2B5EF4-FFF2-40B4-BE49-F238E27FC236}">
+                <a16:creationId xmlns:a16="http://schemas.microsoft.com/office/drawing/2014/main" id="{1534F466-CA76-B044-920D-AEB58194E04F}"/>
+              </a:ext>
+            </a:extLst>
+          </p:cNvPr>
+          <p:cNvCxnSpPr/>
+          <p:nvPr/>
+        </p:nvCxnSpPr>
+        <p:spPr>
+          <a:xfrm flipH="1">
+            <a:off x="3059832" y="2132856"/>
+            <a:ext cx="360040" cy="0"/>
+          </a:xfrm>
+          <a:prstGeom prst="line">
+            <a:avLst/>
+          </a:prstGeom>
+          <a:ln w="12700">
+            <a:solidFill>
+              <a:schemeClr val="tx1"/>
+            </a:solidFill>
+          </a:ln>
+        </p:spPr>
+        <p:style>
+          <a:lnRef idx="1">
+            <a:schemeClr val="accent1"/>
+          </a:lnRef>
+          <a:fillRef idx="0">
+            <a:schemeClr val="accent1"/>
+          </a:fillRef>
+          <a:effectRef idx="0">
+            <a:schemeClr val="accent1"/>
+          </a:effectRef>
+          <a:fontRef idx="minor">
+            <a:schemeClr val="tx1"/>
+          </a:fontRef>
+        </p:style>
+      </p:cxnSp>
+      <p:cxnSp>
+        <p:nvCxnSpPr>
+          <p:cNvPr id="29" name="直線コネクタ 28">
+            <a:extLst>
+              <a:ext uri="{FF2B5EF4-FFF2-40B4-BE49-F238E27FC236}">
+                <a16:creationId xmlns:a16="http://schemas.microsoft.com/office/drawing/2014/main" id="{FE6B23F5-F97B-194E-982B-031AEB28C6B0}"/>
+              </a:ext>
+            </a:extLst>
+          </p:cNvPr>
+          <p:cNvCxnSpPr/>
+          <p:nvPr/>
+        </p:nvCxnSpPr>
+        <p:spPr>
+          <a:xfrm flipH="1">
+            <a:off x="6300192" y="2132856"/>
+            <a:ext cx="360040" cy="0"/>
+          </a:xfrm>
+          <a:prstGeom prst="line">
+            <a:avLst/>
+          </a:prstGeom>
+          <a:ln w="12700">
+            <a:solidFill>
+              <a:schemeClr val="tx1"/>
+            </a:solidFill>
+          </a:ln>
+        </p:spPr>
+        <p:style>
+          <a:lnRef idx="1">
+            <a:schemeClr val="accent1"/>
+          </a:lnRef>
+          <a:fillRef idx="0">
+            <a:schemeClr val="accent1"/>
+          </a:fillRef>
+          <a:effectRef idx="0">
+            <a:schemeClr val="accent1"/>
+          </a:effectRef>
+          <a:fontRef idx="minor">
+            <a:schemeClr val="tx1"/>
+          </a:fontRef>
+        </p:style>
+      </p:cxnSp>
+      <p:cxnSp>
+        <p:nvCxnSpPr>
+          <p:cNvPr id="31" name="直線コネクタ 30">
+            <a:extLst>
+              <a:ext uri="{FF2B5EF4-FFF2-40B4-BE49-F238E27FC236}">
+                <a16:creationId xmlns:a16="http://schemas.microsoft.com/office/drawing/2014/main" id="{B0854DFF-E957-E442-AD18-4A5677F98B42}"/>
+              </a:ext>
+            </a:extLst>
+          </p:cNvPr>
+          <p:cNvCxnSpPr>
+            <a:stCxn id="23" idx="0"/>
+          </p:cNvCxnSpPr>
+          <p:nvPr/>
+        </p:nvCxnSpPr>
+        <p:spPr>
+          <a:xfrm flipV="1">
+            <a:off x="4860032" y="404664"/>
+            <a:ext cx="0" cy="360040"/>
+          </a:xfrm>
+          <a:prstGeom prst="line">
+            <a:avLst/>
+          </a:prstGeom>
+          <a:ln w="12700">
+            <a:solidFill>
+              <a:schemeClr val="tx1"/>
+            </a:solidFill>
+          </a:ln>
+        </p:spPr>
+        <p:style>
+          <a:lnRef idx="1">
+            <a:schemeClr val="accent1"/>
+          </a:lnRef>
+          <a:fillRef idx="0">
+            <a:schemeClr val="accent1"/>
+          </a:fillRef>
+          <a:effectRef idx="0">
+            <a:schemeClr val="accent1"/>
+          </a:effectRef>
+          <a:fontRef idx="minor">
+            <a:schemeClr val="tx1"/>
+          </a:fontRef>
+        </p:style>
+      </p:cxnSp>
+      <p:cxnSp>
+        <p:nvCxnSpPr>
+          <p:cNvPr id="32" name="直線コネクタ 31">
+            <a:extLst>
+              <a:ext uri="{FF2B5EF4-FFF2-40B4-BE49-F238E27FC236}">
+                <a16:creationId xmlns:a16="http://schemas.microsoft.com/office/drawing/2014/main" id="{E78B3D79-1D99-3547-9FBD-FD98EB9F7532}"/>
+              </a:ext>
+            </a:extLst>
+          </p:cNvPr>
+          <p:cNvCxnSpPr/>
+          <p:nvPr/>
+        </p:nvCxnSpPr>
+        <p:spPr>
+          <a:xfrm flipV="1">
+            <a:off x="4860032" y="3501008"/>
+            <a:ext cx="0" cy="360040"/>
+          </a:xfrm>
+          <a:prstGeom prst="line">
+            <a:avLst/>
+          </a:prstGeom>
+          <a:ln w="12700">
+            <a:solidFill>
+              <a:schemeClr val="tx1"/>
+            </a:solidFill>
+          </a:ln>
+        </p:spPr>
+        <p:style>
+          <a:lnRef idx="1">
+            <a:schemeClr val="accent1"/>
+          </a:lnRef>
+          <a:fillRef idx="0">
+            <a:schemeClr val="accent1"/>
+          </a:fillRef>
+          <a:effectRef idx="0">
+            <a:schemeClr val="accent1"/>
+          </a:effectRef>
+          <a:fontRef idx="minor">
+            <a:schemeClr val="tx1"/>
+          </a:fontRef>
+        </p:style>
+      </p:cxnSp>
+      <p:sp>
+        <p:nvSpPr>
+          <p:cNvPr id="33" name="テキスト ボックス 32">
+            <a:extLst>
+              <a:ext uri="{FF2B5EF4-FFF2-40B4-BE49-F238E27FC236}">
+                <a16:creationId xmlns:a16="http://schemas.microsoft.com/office/drawing/2014/main" id="{5EB2C34C-373C-034B-A8C8-D9467D3BC4DD}"/>
+              </a:ext>
+            </a:extLst>
+          </p:cNvPr>
+          <p:cNvSpPr txBox="1"/>
+          <p:nvPr/>
+        </p:nvSpPr>
+        <p:spPr>
+          <a:xfrm>
+            <a:off x="6372200" y="1844824"/>
+            <a:ext cx="306494" cy="369332"/>
+          </a:xfrm>
+          <a:prstGeom prst="rect">
+            <a:avLst/>
+          </a:prstGeom>
+          <a:noFill/>
+        </p:spPr>
+        <p:txBody>
+          <a:bodyPr wrap="none" rtlCol="0">
+            <a:spAutoFit/>
+          </a:bodyPr>
+          <a:lstStyle/>
+          <a:p>
+            <a:r>
+              <a:rPr kumimoji="1" lang="en-US" altLang="ja-JP" dirty="0"/>
+              <a:t>d</a:t>
+            </a:r>
+            <a:endParaRPr kumimoji="1" lang="ja-JP" altLang="en-US" dirty="0"/>
+          </a:p>
+        </p:txBody>
+      </p:sp>
+      <p:sp>
+        <p:nvSpPr>
+          <p:cNvPr id="34" name="テキスト ボックス 33">
+            <a:extLst>
+              <a:ext uri="{FF2B5EF4-FFF2-40B4-BE49-F238E27FC236}">
+                <a16:creationId xmlns:a16="http://schemas.microsoft.com/office/drawing/2014/main" id="{23F80BCD-0277-EB41-92D5-31152C63EBA1}"/>
+              </a:ext>
+            </a:extLst>
+          </p:cNvPr>
+          <p:cNvSpPr txBox="1"/>
+          <p:nvPr/>
+        </p:nvSpPr>
+        <p:spPr>
+          <a:xfrm>
+            <a:off x="4860032" y="404664"/>
+            <a:ext cx="306494" cy="369332"/>
+          </a:xfrm>
+          <a:prstGeom prst="rect">
+            <a:avLst/>
+          </a:prstGeom>
+          <a:noFill/>
+        </p:spPr>
+        <p:txBody>
+          <a:bodyPr wrap="none" rtlCol="0">
+            <a:spAutoFit/>
+          </a:bodyPr>
+          <a:lstStyle/>
+          <a:p>
+            <a:r>
+              <a:rPr kumimoji="1" lang="en-US" altLang="ja-JP" dirty="0"/>
+              <a:t>d</a:t>
+            </a:r>
+            <a:endParaRPr kumimoji="1" lang="ja-JP" altLang="en-US" dirty="0"/>
+          </a:p>
+        </p:txBody>
+      </p:sp>
+      <p:sp>
+        <p:nvSpPr>
+          <p:cNvPr id="35" name="テキスト ボックス 34">
+            <a:extLst>
+              <a:ext uri="{FF2B5EF4-FFF2-40B4-BE49-F238E27FC236}">
+                <a16:creationId xmlns:a16="http://schemas.microsoft.com/office/drawing/2014/main" id="{5A3C15FE-C16F-0940-B950-98D11BC9246B}"/>
+              </a:ext>
+            </a:extLst>
+          </p:cNvPr>
+          <p:cNvSpPr txBox="1"/>
+          <p:nvPr/>
+        </p:nvSpPr>
+        <p:spPr>
+          <a:xfrm>
+            <a:off x="3059832" y="1772816"/>
+            <a:ext cx="306494" cy="369332"/>
+          </a:xfrm>
+          <a:prstGeom prst="rect">
+            <a:avLst/>
+          </a:prstGeom>
+          <a:noFill/>
+        </p:spPr>
+        <p:txBody>
+          <a:bodyPr wrap="none" rtlCol="0">
+            <a:spAutoFit/>
+          </a:bodyPr>
+          <a:lstStyle/>
+          <a:p>
+            <a:r>
+              <a:rPr kumimoji="1" lang="en-US" altLang="ja-JP" dirty="0"/>
+              <a:t>d</a:t>
+            </a:r>
+            <a:endParaRPr kumimoji="1" lang="ja-JP" altLang="en-US" dirty="0"/>
+          </a:p>
+        </p:txBody>
+      </p:sp>
+      <p:sp>
+        <p:nvSpPr>
+          <p:cNvPr id="36" name="テキスト ボックス 35">
+            <a:extLst>
+              <a:ext uri="{FF2B5EF4-FFF2-40B4-BE49-F238E27FC236}">
+                <a16:creationId xmlns:a16="http://schemas.microsoft.com/office/drawing/2014/main" id="{70416002-EAE7-7845-8E08-4429FF6CE7CD}"/>
+              </a:ext>
+            </a:extLst>
+          </p:cNvPr>
+          <p:cNvSpPr txBox="1"/>
+          <p:nvPr/>
+        </p:nvSpPr>
+        <p:spPr>
+          <a:xfrm>
+            <a:off x="4788024" y="3573016"/>
+            <a:ext cx="306494" cy="369332"/>
+          </a:xfrm>
+          <a:prstGeom prst="rect">
+            <a:avLst/>
+          </a:prstGeom>
+          <a:noFill/>
+        </p:spPr>
+        <p:txBody>
+          <a:bodyPr wrap="none" rtlCol="0">
+            <a:spAutoFit/>
+          </a:bodyPr>
+          <a:lstStyle/>
+          <a:p>
+            <a:r>
+              <a:rPr kumimoji="1" lang="en-US" altLang="ja-JP" dirty="0"/>
+              <a:t>d</a:t>
+            </a:r>
+            <a:endParaRPr kumimoji="1" lang="ja-JP" altLang="en-US" dirty="0"/>
+          </a:p>
+        </p:txBody>
+      </p:sp>
+    </p:spTree>
+    <p:extLst>
+      <p:ext uri="{BB962C8B-B14F-4D97-AF65-F5344CB8AC3E}">
+        <p14:creationId xmlns:p14="http://schemas.microsoft.com/office/powerpoint/2010/main" val="285493703"/>
       </p:ext>
     </p:extLst>
   </p:cSld>

--- a/daimyo_tucker/fig.pptx
+++ b/daimyo_tucker/fig.pptx
@@ -2975,8 +2975,8 @@
           </a:p>
         </p:txBody>
       </p:sp>
-      <mc:AlternateContent xmlns:mc="http://schemas.openxmlformats.org/markup-compatibility/2006">
-        <mc:Choice xmlns:a14="http://schemas.microsoft.com/office/drawing/2010/main" Requires="a14">
+      <mc:AlternateContent xmlns:mc="http://schemas.openxmlformats.org/markup-compatibility/2006" xmlns:a14="http://schemas.microsoft.com/office/drawing/2010/main">
+        <mc:Choice Requires="a14">
           <p:sp>
             <p:nvSpPr>
               <p:cNvPr id="37" name="テキスト ボックス 36">
@@ -3027,7 +3027,7 @@
             </p:txBody>
           </p:sp>
         </mc:Choice>
-        <mc:Fallback>
+        <mc:Fallback xmlns="">
           <p:sp>
             <p:nvSpPr>
               <p:cNvPr id="37" name="テキスト ボックス 36">
@@ -5004,8 +5004,8 @@
           </a:p>
         </p:txBody>
       </p:sp>
-      <mc:AlternateContent xmlns:mc="http://schemas.openxmlformats.org/markup-compatibility/2006">
-        <mc:Choice xmlns:a14="http://schemas.microsoft.com/office/drawing/2010/main" Requires="a14">
+      <mc:AlternateContent xmlns:mc="http://schemas.openxmlformats.org/markup-compatibility/2006" xmlns:a14="http://schemas.microsoft.com/office/drawing/2010/main">
+        <mc:Choice Requires="a14">
           <p:sp>
             <p:nvSpPr>
               <p:cNvPr id="3" name="テキスト ボックス 2"/>
@@ -5049,7 +5049,7 @@
             </p:txBody>
           </p:sp>
         </mc:Choice>
-        <mc:Fallback>
+        <mc:Fallback xmlns="">
           <p:sp>
             <p:nvSpPr>
               <p:cNvPr id="3" name="テキスト ボックス 2"/>
@@ -5167,8 +5167,8 @@
           </a:p>
         </p:txBody>
       </p:sp>
-      <mc:AlternateContent xmlns:mc="http://schemas.openxmlformats.org/markup-compatibility/2006">
-        <mc:Choice xmlns:a14="http://schemas.microsoft.com/office/drawing/2010/main" Requires="a14">
+      <mc:AlternateContent xmlns:mc="http://schemas.openxmlformats.org/markup-compatibility/2006" xmlns:a14="http://schemas.microsoft.com/office/drawing/2010/main">
+        <mc:Choice Requires="a14">
           <p:sp>
             <p:nvSpPr>
               <p:cNvPr id="6" name="テキスト ボックス 5"/>
@@ -5224,7 +5224,7 @@
             </p:txBody>
           </p:sp>
         </mc:Choice>
-        <mc:Fallback>
+        <mc:Fallback xmlns="">
           <p:sp>
             <p:nvSpPr>
               <p:cNvPr id="6" name="テキスト ボックス 5"/>
@@ -5342,8 +5342,8 @@
           </a:p>
         </p:txBody>
       </p:sp>
-      <mc:AlternateContent xmlns:mc="http://schemas.openxmlformats.org/markup-compatibility/2006">
-        <mc:Choice xmlns:a14="http://schemas.microsoft.com/office/drawing/2010/main" Requires="a14">
+      <mc:AlternateContent xmlns:mc="http://schemas.openxmlformats.org/markup-compatibility/2006" xmlns:a14="http://schemas.microsoft.com/office/drawing/2010/main">
+        <mc:Choice Requires="a14">
           <p:sp>
             <p:nvSpPr>
               <p:cNvPr id="9" name="テキスト ボックス 8"/>
@@ -5399,7 +5399,7 @@
             </p:txBody>
           </p:sp>
         </mc:Choice>
-        <mc:Fallback>
+        <mc:Fallback xmlns="">
           <p:sp>
             <p:nvSpPr>
               <p:cNvPr id="9" name="テキスト ボックス 8"/>
@@ -5700,8 +5700,8 @@
           </a:p>
         </p:txBody>
       </p:sp>
-      <mc:AlternateContent xmlns:mc="http://schemas.openxmlformats.org/markup-compatibility/2006">
-        <mc:Choice xmlns:a14="http://schemas.microsoft.com/office/drawing/2010/main" Requires="a14">
+      <mc:AlternateContent xmlns:mc="http://schemas.openxmlformats.org/markup-compatibility/2006" xmlns:a14="http://schemas.microsoft.com/office/drawing/2010/main">
+        <mc:Choice Requires="a14">
           <p:sp>
             <p:nvSpPr>
               <p:cNvPr id="18" name="テキスト ボックス 17"/>
@@ -5745,7 +5745,7 @@
             </p:txBody>
           </p:sp>
         </mc:Choice>
-        <mc:Fallback>
+        <mc:Fallback xmlns="">
           <p:sp>
             <p:nvSpPr>
               <p:cNvPr id="18" name="テキスト ボックス 17"/>
@@ -5865,8 +5865,8 @@
           </a:p>
         </p:txBody>
       </p:sp>
-      <mc:AlternateContent xmlns:mc="http://schemas.openxmlformats.org/markup-compatibility/2006">
-        <mc:Choice xmlns:a14="http://schemas.microsoft.com/office/drawing/2010/main" Requires="a14">
+      <mc:AlternateContent xmlns:mc="http://schemas.openxmlformats.org/markup-compatibility/2006" xmlns:a14="http://schemas.microsoft.com/office/drawing/2010/main">
+        <mc:Choice Requires="a14">
           <p:sp>
             <p:nvSpPr>
               <p:cNvPr id="21" name="テキスト ボックス 20"/>
@@ -5910,7 +5910,7 @@
             </p:txBody>
           </p:sp>
         </mc:Choice>
-        <mc:Fallback>
+        <mc:Fallback xmlns="">
           <p:sp>
             <p:nvSpPr>
               <p:cNvPr id="21" name="テキスト ボックス 20"/>
@@ -6030,8 +6030,8 @@
           </a:p>
         </p:txBody>
       </p:sp>
-      <mc:AlternateContent xmlns:mc="http://schemas.openxmlformats.org/markup-compatibility/2006">
-        <mc:Choice xmlns:a14="http://schemas.microsoft.com/office/drawing/2010/main" Requires="a14">
+      <mc:AlternateContent xmlns:mc="http://schemas.openxmlformats.org/markup-compatibility/2006" xmlns:a14="http://schemas.microsoft.com/office/drawing/2010/main">
+        <mc:Choice Requires="a14">
           <p:sp>
             <p:nvSpPr>
               <p:cNvPr id="24" name="テキスト ボックス 23"/>
@@ -6075,7 +6075,7 @@
             </p:txBody>
           </p:sp>
         </mc:Choice>
-        <mc:Fallback>
+        <mc:Fallback xmlns="">
           <p:sp>
             <p:nvSpPr>
               <p:cNvPr id="24" name="テキスト ボックス 23"/>
@@ -6211,8 +6211,8 @@
           <a:chExt cx="0" cy="0"/>
         </a:xfrm>
       </p:grpSpPr>
-      <mc:AlternateContent xmlns:mc="http://schemas.openxmlformats.org/markup-compatibility/2006">
-        <mc:Choice xmlns:a14="http://schemas.microsoft.com/office/drawing/2010/main" Requires="a14">
+      <mc:AlternateContent xmlns:mc="http://schemas.openxmlformats.org/markup-compatibility/2006" xmlns:a14="http://schemas.microsoft.com/office/drawing/2010/main">
+        <mc:Choice Requires="a14">
           <p:sp>
             <p:nvSpPr>
               <p:cNvPr id="2" name="正方形/長方形 1">
@@ -6293,7 +6293,7 @@
             </p:txBody>
           </p:sp>
         </mc:Choice>
-        <mc:Fallback>
+        <mc:Fallback xmlns="">
           <p:sp>
             <p:nvSpPr>
               <p:cNvPr id="2" name="正方形/長方形 1">
@@ -6343,8 +6343,8 @@
           </p:sp>
         </mc:Fallback>
       </mc:AlternateContent>
-      <mc:AlternateContent xmlns:mc="http://schemas.openxmlformats.org/markup-compatibility/2006">
-        <mc:Choice xmlns:a14="http://schemas.microsoft.com/office/drawing/2010/main" Requires="a14">
+      <mc:AlternateContent xmlns:mc="http://schemas.openxmlformats.org/markup-compatibility/2006" xmlns:a14="http://schemas.microsoft.com/office/drawing/2010/main">
+        <mc:Choice Requires="a14">
           <p:sp>
             <p:nvSpPr>
               <p:cNvPr id="3" name="正方形/長方形 2">
@@ -6453,7 +6453,7 @@
             </p:txBody>
           </p:sp>
         </mc:Choice>
-        <mc:Fallback>
+        <mc:Fallback xmlns="">
           <p:sp>
             <p:nvSpPr>
               <p:cNvPr id="3" name="正方形/長方形 2">
@@ -6547,8 +6547,8 @@
           </a:fontRef>
         </p:style>
       </p:cxnSp>
-      <mc:AlternateContent xmlns:mc="http://schemas.openxmlformats.org/markup-compatibility/2006">
-        <mc:Choice xmlns:a14="http://schemas.microsoft.com/office/drawing/2010/main" Requires="a14">
+      <mc:AlternateContent xmlns:mc="http://schemas.openxmlformats.org/markup-compatibility/2006" xmlns:a14="http://schemas.microsoft.com/office/drawing/2010/main">
+        <mc:Choice Requires="a14">
           <p:sp>
             <p:nvSpPr>
               <p:cNvPr id="5" name="正方形/長方形 4">
@@ -6629,7 +6629,7 @@
             </p:txBody>
           </p:sp>
         </mc:Choice>
-        <mc:Fallback>
+        <mc:Fallback xmlns="">
           <p:sp>
             <p:nvSpPr>
               <p:cNvPr id="5" name="正方形/長方形 4">
@@ -7031,8 +7031,8 @@
           </a:p>
         </p:txBody>
       </p:sp>
-      <mc:AlternateContent xmlns:mc="http://schemas.openxmlformats.org/markup-compatibility/2006">
-        <mc:Choice xmlns:a14="http://schemas.microsoft.com/office/drawing/2010/main" Requires="a14">
+      <mc:AlternateContent xmlns:mc="http://schemas.openxmlformats.org/markup-compatibility/2006" xmlns:a14="http://schemas.microsoft.com/office/drawing/2010/main">
+        <mc:Choice Requires="a14">
           <p:sp>
             <p:nvSpPr>
               <p:cNvPr id="15" name="テキスト ボックス 14">
@@ -7083,7 +7083,7 @@
             </p:txBody>
           </p:sp>
         </mc:Choice>
-        <mc:Fallback>
+        <mc:Fallback xmlns="">
           <p:sp>
             <p:nvSpPr>
               <p:cNvPr id="15" name="テキスト ボックス 14">
@@ -7128,8 +7128,8 @@
           </p:sp>
         </mc:Fallback>
       </mc:AlternateContent>
-      <mc:AlternateContent xmlns:mc="http://schemas.openxmlformats.org/markup-compatibility/2006">
-        <mc:Choice xmlns:a14="http://schemas.microsoft.com/office/drawing/2010/main" Requires="a14">
+      <mc:AlternateContent xmlns:mc="http://schemas.openxmlformats.org/markup-compatibility/2006" xmlns:a14="http://schemas.microsoft.com/office/drawing/2010/main">
+        <mc:Choice Requires="a14">
           <p:sp>
             <p:nvSpPr>
               <p:cNvPr id="16" name="正方形/長方形 15">
@@ -7225,7 +7225,7 @@
             </p:txBody>
           </p:sp>
         </mc:Choice>
-        <mc:Fallback>
+        <mc:Fallback xmlns="">
           <p:sp>
             <p:nvSpPr>
               <p:cNvPr id="16" name="正方形/長方形 15">
@@ -7275,8 +7275,8 @@
           </p:sp>
         </mc:Fallback>
       </mc:AlternateContent>
-      <mc:AlternateContent xmlns:mc="http://schemas.openxmlformats.org/markup-compatibility/2006">
-        <mc:Choice xmlns:a14="http://schemas.microsoft.com/office/drawing/2010/main" Requires="a14">
+      <mc:AlternateContent xmlns:mc="http://schemas.openxmlformats.org/markup-compatibility/2006" xmlns:a14="http://schemas.microsoft.com/office/drawing/2010/main">
+        <mc:Choice Requires="a14">
           <p:sp>
             <p:nvSpPr>
               <p:cNvPr id="17" name="正方形/長方形 16">
@@ -7401,7 +7401,7 @@
             </p:txBody>
           </p:sp>
         </mc:Choice>
-        <mc:Fallback>
+        <mc:Fallback xmlns="">
           <p:sp>
             <p:nvSpPr>
               <p:cNvPr id="17" name="正方形/長方形 16">
@@ -7495,8 +7495,8 @@
           </a:fontRef>
         </p:style>
       </p:cxnSp>
-      <mc:AlternateContent xmlns:mc="http://schemas.openxmlformats.org/markup-compatibility/2006">
-        <mc:Choice xmlns:a14="http://schemas.microsoft.com/office/drawing/2010/main" Requires="a14">
+      <mc:AlternateContent xmlns:mc="http://schemas.openxmlformats.org/markup-compatibility/2006" xmlns:a14="http://schemas.microsoft.com/office/drawing/2010/main">
+        <mc:Choice Requires="a14">
           <p:sp>
             <p:nvSpPr>
               <p:cNvPr id="19" name="正方形/長方形 18">
@@ -7592,7 +7592,7 @@
             </p:txBody>
           </p:sp>
         </mc:Choice>
-        <mc:Fallback>
+        <mc:Fallback xmlns="">
           <p:sp>
             <p:nvSpPr>
               <p:cNvPr id="19" name="正方形/長方形 18">
@@ -7994,8 +7994,8 @@
           </a:p>
         </p:txBody>
       </p:sp>
-      <mc:AlternateContent xmlns:mc="http://schemas.openxmlformats.org/markup-compatibility/2006">
-        <mc:Choice xmlns:a14="http://schemas.microsoft.com/office/drawing/2010/main" Requires="a14">
+      <mc:AlternateContent xmlns:mc="http://schemas.openxmlformats.org/markup-compatibility/2006" xmlns:a14="http://schemas.microsoft.com/office/drawing/2010/main">
+        <mc:Choice Requires="a14">
           <p:sp>
             <p:nvSpPr>
               <p:cNvPr id="29" name="テキスト ボックス 28">
@@ -8046,7 +8046,7 @@
             </p:txBody>
           </p:sp>
         </mc:Choice>
-        <mc:Fallback>
+        <mc:Fallback xmlns="">
           <p:sp>
             <p:nvSpPr>
               <p:cNvPr id="29" name="テキスト ボックス 28">
@@ -8091,8 +8091,8 @@
           </p:sp>
         </mc:Fallback>
       </mc:AlternateContent>
-      <mc:AlternateContent xmlns:mc="http://schemas.openxmlformats.org/markup-compatibility/2006">
-        <mc:Choice xmlns:a14="http://schemas.microsoft.com/office/drawing/2010/main" Requires="a14">
+      <mc:AlternateContent xmlns:mc="http://schemas.openxmlformats.org/markup-compatibility/2006" xmlns:a14="http://schemas.microsoft.com/office/drawing/2010/main">
+        <mc:Choice Requires="a14">
           <p:sp>
             <p:nvSpPr>
               <p:cNvPr id="31" name="テキスト ボックス 30">
@@ -8143,7 +8143,7 @@
             </p:txBody>
           </p:sp>
         </mc:Choice>
-        <mc:Fallback>
+        <mc:Fallback xmlns="">
           <p:sp>
             <p:nvSpPr>
               <p:cNvPr id="31" name="テキスト ボックス 30">
@@ -8188,8 +8188,8 @@
           </p:sp>
         </mc:Fallback>
       </mc:AlternateContent>
-      <mc:AlternateContent xmlns:mc="http://schemas.openxmlformats.org/markup-compatibility/2006">
-        <mc:Choice xmlns:a14="http://schemas.microsoft.com/office/drawing/2010/main" Requires="a14">
+      <mc:AlternateContent xmlns:mc="http://schemas.openxmlformats.org/markup-compatibility/2006" xmlns:a14="http://schemas.microsoft.com/office/drawing/2010/main">
+        <mc:Choice Requires="a14">
           <p:sp>
             <p:nvSpPr>
               <p:cNvPr id="41" name="正方形/長方形 40">
@@ -8314,7 +8314,7 @@
             </p:txBody>
           </p:sp>
         </mc:Choice>
-        <mc:Fallback>
+        <mc:Fallback xmlns="">
           <p:sp>
             <p:nvSpPr>
               <p:cNvPr id="41" name="正方形/長方形 40">
@@ -8522,8 +8522,8 @@
           </a:p>
         </p:txBody>
       </p:sp>
-      <mc:AlternateContent xmlns:mc="http://schemas.openxmlformats.org/markup-compatibility/2006">
-        <mc:Choice xmlns:a14="http://schemas.microsoft.com/office/drawing/2010/main" Requires="a14">
+      <mc:AlternateContent xmlns:mc="http://schemas.openxmlformats.org/markup-compatibility/2006" xmlns:a14="http://schemas.microsoft.com/office/drawing/2010/main">
+        <mc:Choice Requires="a14">
           <p:sp>
             <p:nvSpPr>
               <p:cNvPr id="53" name="正方形/長方形 52">
@@ -8604,7 +8604,7 @@
             </p:txBody>
           </p:sp>
         </mc:Choice>
-        <mc:Fallback>
+        <mc:Fallback xmlns="">
           <p:sp>
             <p:nvSpPr>
               <p:cNvPr id="53" name="正方形/長方形 52">
@@ -8812,8 +8812,8 @@
           </a:p>
         </p:txBody>
       </p:sp>
-      <mc:AlternateContent xmlns:mc="http://schemas.openxmlformats.org/markup-compatibility/2006">
-        <mc:Choice xmlns:a14="http://schemas.microsoft.com/office/drawing/2010/main" Requires="a14">
+      <mc:AlternateContent xmlns:mc="http://schemas.openxmlformats.org/markup-compatibility/2006" xmlns:a14="http://schemas.microsoft.com/office/drawing/2010/main">
+        <mc:Choice Requires="a14">
           <p:sp>
             <p:nvSpPr>
               <p:cNvPr id="64" name="正方形/長方形 63">
@@ -8909,7 +8909,7 @@
             </p:txBody>
           </p:sp>
         </mc:Choice>
-        <mc:Fallback>
+        <mc:Fallback xmlns="">
           <p:sp>
             <p:nvSpPr>
               <p:cNvPr id="64" name="正方形/長方形 63">
@@ -9135,8 +9135,8 @@
           <a:chExt cx="0" cy="0"/>
         </a:xfrm>
       </p:grpSpPr>
-      <mc:AlternateContent xmlns:mc="http://schemas.openxmlformats.org/markup-compatibility/2006">
-        <mc:Choice xmlns:a14="http://schemas.microsoft.com/office/drawing/2010/main" Requires="a14">
+      <mc:AlternateContent xmlns:mc="http://schemas.openxmlformats.org/markup-compatibility/2006" xmlns:a14="http://schemas.microsoft.com/office/drawing/2010/main">
+        <mc:Choice Requires="a14">
           <p:sp>
             <p:nvSpPr>
               <p:cNvPr id="2" name="正方形/長方形 1"/>
@@ -9207,7 +9207,7 @@
             </p:txBody>
           </p:sp>
         </mc:Choice>
-        <mc:Fallback>
+        <mc:Fallback xmlns="">
           <p:sp>
             <p:nvSpPr>
               <p:cNvPr id="2" name="正方形/長方形 1"/>
@@ -9482,8 +9482,8 @@
           </a:p>
         </p:txBody>
       </p:sp>
-      <mc:AlternateContent xmlns:mc="http://schemas.openxmlformats.org/markup-compatibility/2006">
-        <mc:Choice xmlns:a14="http://schemas.microsoft.com/office/drawing/2010/main" Requires="a14">
+      <mc:AlternateContent xmlns:mc="http://schemas.openxmlformats.org/markup-compatibility/2006" xmlns:a14="http://schemas.microsoft.com/office/drawing/2010/main">
+        <mc:Choice Requires="a14">
           <p:sp>
             <p:nvSpPr>
               <p:cNvPr id="11" name="テキスト ボックス 10">
@@ -9534,7 +9534,7 @@
             </p:txBody>
           </p:sp>
         </mc:Choice>
-        <mc:Fallback>
+        <mc:Fallback xmlns="">
           <p:sp>
             <p:nvSpPr>
               <p:cNvPr id="11" name="テキスト ボックス 10">
@@ -9579,8 +9579,8 @@
           </p:sp>
         </mc:Fallback>
       </mc:AlternateContent>
-      <mc:AlternateContent xmlns:mc="http://schemas.openxmlformats.org/markup-compatibility/2006">
-        <mc:Choice xmlns:a14="http://schemas.microsoft.com/office/drawing/2010/main" Requires="a14">
+      <mc:AlternateContent xmlns:mc="http://schemas.openxmlformats.org/markup-compatibility/2006" xmlns:a14="http://schemas.microsoft.com/office/drawing/2010/main">
+        <mc:Choice Requires="a14">
           <p:sp>
             <p:nvSpPr>
               <p:cNvPr id="19" name="正方形/長方形 18"/>
@@ -9651,7 +9651,7 @@
             </p:txBody>
           </p:sp>
         </mc:Choice>
-        <mc:Fallback>
+        <mc:Fallback xmlns="">
           <p:sp>
             <p:nvSpPr>
               <p:cNvPr id="19" name="正方形/長方形 18"/>
@@ -9853,8 +9853,8 @@
           </a:p>
         </p:txBody>
       </p:sp>
-      <mc:AlternateContent xmlns:mc="http://schemas.openxmlformats.org/markup-compatibility/2006">
-        <mc:Choice xmlns:a14="http://schemas.microsoft.com/office/drawing/2010/main" Requires="a14">
+      <mc:AlternateContent xmlns:mc="http://schemas.openxmlformats.org/markup-compatibility/2006" xmlns:a14="http://schemas.microsoft.com/office/drawing/2010/main">
+        <mc:Choice Requires="a14">
           <p:sp>
             <p:nvSpPr>
               <p:cNvPr id="26" name="正方形/長方形 25"/>
@@ -9925,7 +9925,7 @@
             </p:txBody>
           </p:sp>
         </mc:Choice>
-        <mc:Fallback>
+        <mc:Fallback xmlns="">
           <p:sp>
             <p:nvSpPr>
               <p:cNvPr id="26" name="正方形/長方形 25"/>
@@ -10127,8 +10127,8 @@
           </a:p>
         </p:txBody>
       </p:sp>
-      <mc:AlternateContent xmlns:mc="http://schemas.openxmlformats.org/markup-compatibility/2006">
-        <mc:Choice xmlns:a14="http://schemas.microsoft.com/office/drawing/2010/main" Requires="a14">
+      <mc:AlternateContent xmlns:mc="http://schemas.openxmlformats.org/markup-compatibility/2006" xmlns:a14="http://schemas.microsoft.com/office/drawing/2010/main">
+        <mc:Choice Requires="a14">
           <p:sp>
             <p:nvSpPr>
               <p:cNvPr id="31" name="正方形/長方形 30">
@@ -10209,7 +10209,7 @@
             </p:txBody>
           </p:sp>
         </mc:Choice>
-        <mc:Fallback>
+        <mc:Fallback xmlns="">
           <p:sp>
             <p:nvSpPr>
               <p:cNvPr id="31" name="正方形/長方形 30">
@@ -10302,8 +10302,8 @@
           </a:fontRef>
         </p:style>
       </p:cxnSp>
-      <mc:AlternateContent xmlns:mc="http://schemas.openxmlformats.org/markup-compatibility/2006">
-        <mc:Choice xmlns:a14="http://schemas.microsoft.com/office/drawing/2010/main" Requires="a14">
+      <mc:AlternateContent xmlns:mc="http://schemas.openxmlformats.org/markup-compatibility/2006" xmlns:a14="http://schemas.microsoft.com/office/drawing/2010/main">
+        <mc:Choice Requires="a14">
           <p:sp>
             <p:nvSpPr>
               <p:cNvPr id="33" name="正方形/長方形 32">
@@ -10409,7 +10409,7 @@
             </p:txBody>
           </p:sp>
         </mc:Choice>
-        <mc:Fallback>
+        <mc:Fallback xmlns="">
           <p:sp>
             <p:nvSpPr>
               <p:cNvPr id="33" name="正方形/長方形 32">
@@ -10617,8 +10617,8 @@
           </a:p>
         </p:txBody>
       </p:sp>
-      <mc:AlternateContent xmlns:mc="http://schemas.openxmlformats.org/markup-compatibility/2006">
-        <mc:Choice xmlns:a14="http://schemas.microsoft.com/office/drawing/2010/main" Requires="a14">
+      <mc:AlternateContent xmlns:mc="http://schemas.openxmlformats.org/markup-compatibility/2006" xmlns:a14="http://schemas.microsoft.com/office/drawing/2010/main">
+        <mc:Choice Requires="a14">
           <p:sp>
             <p:nvSpPr>
               <p:cNvPr id="40" name="テキスト ボックス 39">
@@ -10669,7 +10669,7 @@
             </p:txBody>
           </p:sp>
         </mc:Choice>
-        <mc:Fallback>
+        <mc:Fallback xmlns="">
           <p:sp>
             <p:nvSpPr>
               <p:cNvPr id="40" name="テキスト ボックス 39">
@@ -10714,8 +10714,8 @@
           </p:sp>
         </mc:Fallback>
       </mc:AlternateContent>
-      <mc:AlternateContent xmlns:mc="http://schemas.openxmlformats.org/markup-compatibility/2006">
-        <mc:Choice xmlns:a14="http://schemas.microsoft.com/office/drawing/2010/main" Requires="a14">
+      <mc:AlternateContent xmlns:mc="http://schemas.openxmlformats.org/markup-compatibility/2006" xmlns:a14="http://schemas.microsoft.com/office/drawing/2010/main">
+        <mc:Choice Requires="a14">
           <p:sp>
             <p:nvSpPr>
               <p:cNvPr id="42" name="正方形/長方形 41"/>
@@ -10786,7 +10786,7 @@
             </p:txBody>
           </p:sp>
         </mc:Choice>
-        <mc:Fallback>
+        <mc:Fallback xmlns="">
           <p:sp>
             <p:nvSpPr>
               <p:cNvPr id="42" name="正方形/長方形 41"/>
@@ -10988,8 +10988,8 @@
           </a:p>
         </p:txBody>
       </p:sp>
-      <mc:AlternateContent xmlns:mc="http://schemas.openxmlformats.org/markup-compatibility/2006">
-        <mc:Choice xmlns:a14="http://schemas.microsoft.com/office/drawing/2010/main" Requires="a14">
+      <mc:AlternateContent xmlns:mc="http://schemas.openxmlformats.org/markup-compatibility/2006" xmlns:a14="http://schemas.microsoft.com/office/drawing/2010/main">
+        <mc:Choice Requires="a14">
           <p:sp>
             <p:nvSpPr>
               <p:cNvPr id="47" name="正方形/長方形 46">
@@ -11085,7 +11085,7 @@
             </p:txBody>
           </p:sp>
         </mc:Choice>
-        <mc:Fallback>
+        <mc:Fallback xmlns="">
           <p:sp>
             <p:nvSpPr>
               <p:cNvPr id="47" name="正方形/長方形 46">
@@ -11178,8 +11178,8 @@
           </a:fontRef>
         </p:style>
       </p:cxnSp>
-      <mc:AlternateContent xmlns:mc="http://schemas.openxmlformats.org/markup-compatibility/2006">
-        <mc:Choice xmlns:a14="http://schemas.microsoft.com/office/drawing/2010/main" Requires="a14">
+      <mc:AlternateContent xmlns:mc="http://schemas.openxmlformats.org/markup-compatibility/2006" xmlns:a14="http://schemas.microsoft.com/office/drawing/2010/main">
+        <mc:Choice Requires="a14">
           <p:sp>
             <p:nvSpPr>
               <p:cNvPr id="49" name="正方形/長方形 48">
@@ -11300,7 +11300,7 @@
             </p:txBody>
           </p:sp>
         </mc:Choice>
-        <mc:Fallback>
+        <mc:Fallback xmlns="">
           <p:sp>
             <p:nvSpPr>
               <p:cNvPr id="49" name="正方形/長方形 48">
@@ -11508,8 +11508,8 @@
           </a:p>
         </p:txBody>
       </p:sp>
-      <mc:AlternateContent xmlns:mc="http://schemas.openxmlformats.org/markup-compatibility/2006">
-        <mc:Choice xmlns:a14="http://schemas.microsoft.com/office/drawing/2010/main" Requires="a14">
+      <mc:AlternateContent xmlns:mc="http://schemas.openxmlformats.org/markup-compatibility/2006" xmlns:a14="http://schemas.microsoft.com/office/drawing/2010/main">
+        <mc:Choice Requires="a14">
           <p:sp>
             <p:nvSpPr>
               <p:cNvPr id="54" name="テキスト ボックス 53">
@@ -11560,7 +11560,7 @@
             </p:txBody>
           </p:sp>
         </mc:Choice>
-        <mc:Fallback>
+        <mc:Fallback xmlns="">
           <p:sp>
             <p:nvSpPr>
               <p:cNvPr id="54" name="テキスト ボックス 53">
@@ -11605,8 +11605,8 @@
           </p:sp>
         </mc:Fallback>
       </mc:AlternateContent>
-      <mc:AlternateContent xmlns:mc="http://schemas.openxmlformats.org/markup-compatibility/2006">
-        <mc:Choice xmlns:a14="http://schemas.microsoft.com/office/drawing/2010/main" Requires="a14">
+      <mc:AlternateContent xmlns:mc="http://schemas.openxmlformats.org/markup-compatibility/2006" xmlns:a14="http://schemas.microsoft.com/office/drawing/2010/main">
+        <mc:Choice Requires="a14">
           <p:sp>
             <p:nvSpPr>
               <p:cNvPr id="56" name="正方形/長方形 55"/>
@@ -11677,7 +11677,7 @@
             </p:txBody>
           </p:sp>
         </mc:Choice>
-        <mc:Fallback>
+        <mc:Fallback xmlns="">
           <p:sp>
             <p:nvSpPr>
               <p:cNvPr id="56" name="正方形/長方形 55"/>
@@ -11879,8 +11879,8 @@
           </a:p>
         </p:txBody>
       </p:sp>
-      <mc:AlternateContent xmlns:mc="http://schemas.openxmlformats.org/markup-compatibility/2006">
-        <mc:Choice xmlns:a14="http://schemas.microsoft.com/office/drawing/2010/main" Requires="a14">
+      <mc:AlternateContent xmlns:mc="http://schemas.openxmlformats.org/markup-compatibility/2006" xmlns:a14="http://schemas.microsoft.com/office/drawing/2010/main">
+        <mc:Choice Requires="a14">
           <p:sp>
             <p:nvSpPr>
               <p:cNvPr id="63" name="正方形/長方形 62">
@@ -11986,7 +11986,7 @@
             </p:txBody>
           </p:sp>
         </mc:Choice>
-        <mc:Fallback>
+        <mc:Fallback xmlns="">
           <p:sp>
             <p:nvSpPr>
               <p:cNvPr id="63" name="正方形/長方形 62">
@@ -12115,8 +12115,8 @@
           </a:p>
         </p:txBody>
       </p:sp>
-      <mc:AlternateContent xmlns:mc="http://schemas.openxmlformats.org/markup-compatibility/2006">
-        <mc:Choice xmlns:a14="http://schemas.microsoft.com/office/drawing/2010/main" Requires="a14">
+      <mc:AlternateContent xmlns:mc="http://schemas.openxmlformats.org/markup-compatibility/2006" xmlns:a14="http://schemas.microsoft.com/office/drawing/2010/main">
+        <mc:Choice Requires="a14">
           <p:sp>
             <p:nvSpPr>
               <p:cNvPr id="68" name="テキスト ボックス 67">
@@ -12167,7 +12167,7 @@
             </p:txBody>
           </p:sp>
         </mc:Choice>
-        <mc:Fallback>
+        <mc:Fallback xmlns="">
           <p:sp>
             <p:nvSpPr>
               <p:cNvPr id="68" name="テキスト ボックス 67">
@@ -12242,8 +12242,8 @@
           <a:chExt cx="0" cy="0"/>
         </a:xfrm>
       </p:grpSpPr>
-      <mc:AlternateContent xmlns:mc="http://schemas.openxmlformats.org/markup-compatibility/2006">
-        <mc:Choice xmlns:a14="http://schemas.microsoft.com/office/drawing/2010/main" Requires="a14">
+      <mc:AlternateContent xmlns:mc="http://schemas.openxmlformats.org/markup-compatibility/2006" xmlns:a14="http://schemas.microsoft.com/office/drawing/2010/main">
+        <mc:Choice Requires="a14">
           <p:sp>
             <p:nvSpPr>
               <p:cNvPr id="2" name="正方形/長方形 1"/>
@@ -12314,7 +12314,7 @@
             </p:txBody>
           </p:sp>
         </mc:Choice>
-        <mc:Fallback>
+        <mc:Fallback xmlns="">
           <p:sp>
             <p:nvSpPr>
               <p:cNvPr id="2" name="正方形/長方形 1"/>
@@ -12589,8 +12589,8 @@
           </a:p>
         </p:txBody>
       </p:sp>
-      <mc:AlternateContent xmlns:mc="http://schemas.openxmlformats.org/markup-compatibility/2006">
-        <mc:Choice xmlns:a14="http://schemas.microsoft.com/office/drawing/2010/main" Requires="a14">
+      <mc:AlternateContent xmlns:mc="http://schemas.openxmlformats.org/markup-compatibility/2006" xmlns:a14="http://schemas.microsoft.com/office/drawing/2010/main">
+        <mc:Choice Requires="a14">
           <p:sp>
             <p:nvSpPr>
               <p:cNvPr id="9" name="テキスト ボックス 8">
@@ -12641,7 +12641,7 @@
             </p:txBody>
           </p:sp>
         </mc:Choice>
-        <mc:Fallback>
+        <mc:Fallback xmlns="">
           <p:sp>
             <p:nvSpPr>
               <p:cNvPr id="9" name="テキスト ボックス 8">
@@ -12686,8 +12686,8 @@
           </p:sp>
         </mc:Fallback>
       </mc:AlternateContent>
-      <mc:AlternateContent xmlns:mc="http://schemas.openxmlformats.org/markup-compatibility/2006">
-        <mc:Choice xmlns:a14="http://schemas.microsoft.com/office/drawing/2010/main" Requires="a14">
+      <mc:AlternateContent xmlns:mc="http://schemas.openxmlformats.org/markup-compatibility/2006" xmlns:a14="http://schemas.microsoft.com/office/drawing/2010/main">
+        <mc:Choice Requires="a14">
           <p:sp>
             <p:nvSpPr>
               <p:cNvPr id="10" name="正方形/長方形 9"/>
@@ -12758,7 +12758,7 @@
             </p:txBody>
           </p:sp>
         </mc:Choice>
-        <mc:Fallback>
+        <mc:Fallback xmlns="">
           <p:sp>
             <p:nvSpPr>
               <p:cNvPr id="10" name="正方形/長方形 9"/>
@@ -13033,8 +13033,8 @@
           </a:p>
         </p:txBody>
       </p:sp>
-      <mc:AlternateContent xmlns:mc="http://schemas.openxmlformats.org/markup-compatibility/2006">
-        <mc:Choice xmlns:a14="http://schemas.microsoft.com/office/drawing/2010/main" Requires="a14">
+      <mc:AlternateContent xmlns:mc="http://schemas.openxmlformats.org/markup-compatibility/2006" xmlns:a14="http://schemas.microsoft.com/office/drawing/2010/main">
+        <mc:Choice Requires="a14">
           <p:sp>
             <p:nvSpPr>
               <p:cNvPr id="19" name="正方形/長方形 18">
@@ -13130,7 +13130,7 @@
             </p:txBody>
           </p:sp>
         </mc:Choice>
-        <mc:Fallback>
+        <mc:Fallback xmlns="">
           <p:sp>
             <p:nvSpPr>
               <p:cNvPr id="19" name="正方形/長方形 18">
@@ -13484,14 +13484,14 @@
                         </m:e>
                         <m:sup>
                           <m:r>
-                            <a:rPr lang="el-GR" altLang="ja-JP" sz="3600" i="1">
+                            <a:rPr lang="en-US" altLang="ja-JP" sz="3600" b="0" i="1" smtClean="0">
                               <a:solidFill>
                                 <a:schemeClr val="tx1"/>
                               </a:solidFill>
                               <a:latin typeface="Cambria Math" panose="02040503050406030204" pitchFamily="18" charset="0"/>
                               <a:ea typeface="Cambria Math" panose="02040503050406030204" pitchFamily="18" charset="0"/>
                             </a:rPr>
-                            <m:t>†</m:t>
+                            <m:t>𝑡</m:t>
                           </m:r>
                         </m:sup>
                       </m:sSup>
@@ -13557,8 +13557,8 @@
           </p:sp>
         </mc:Fallback>
       </mc:AlternateContent>
-      <mc:AlternateContent xmlns:mc="http://schemas.openxmlformats.org/markup-compatibility/2006">
-        <mc:Choice xmlns:a14="http://schemas.microsoft.com/office/drawing/2010/main" Requires="a14">
+      <mc:AlternateContent xmlns:mc="http://schemas.openxmlformats.org/markup-compatibility/2006" xmlns:a14="http://schemas.microsoft.com/office/drawing/2010/main">
+        <mc:Choice Requires="a14">
           <p:sp>
             <p:nvSpPr>
               <p:cNvPr id="26" name="正方形/長方形 25"/>
@@ -13644,7 +13644,7 @@
             </p:txBody>
           </p:sp>
         </mc:Choice>
-        <mc:Fallback>
+        <mc:Fallback xmlns="">
           <p:sp>
             <p:nvSpPr>
               <p:cNvPr id="26" name="正方形/長方形 25"/>
@@ -13919,8 +13919,8 @@
           </a:p>
         </p:txBody>
       </p:sp>
-      <mc:AlternateContent xmlns:mc="http://schemas.openxmlformats.org/markup-compatibility/2006">
-        <mc:Choice xmlns:a14="http://schemas.microsoft.com/office/drawing/2010/main" Requires="a14">
+      <mc:AlternateContent xmlns:mc="http://schemas.openxmlformats.org/markup-compatibility/2006" xmlns:a14="http://schemas.microsoft.com/office/drawing/2010/main">
+        <mc:Choice Requires="a14">
           <p:sp>
             <p:nvSpPr>
               <p:cNvPr id="33" name="テキスト ボックス 32">
@@ -13971,7 +13971,7 @@
             </p:txBody>
           </p:sp>
         </mc:Choice>
-        <mc:Fallback>
+        <mc:Fallback xmlns="">
           <p:sp>
             <p:nvSpPr>
               <p:cNvPr id="33" name="テキスト ボックス 32">
@@ -14016,8 +14016,8 @@
           </p:sp>
         </mc:Fallback>
       </mc:AlternateContent>
-      <mc:AlternateContent xmlns:mc="http://schemas.openxmlformats.org/markup-compatibility/2006">
-        <mc:Choice xmlns:a14="http://schemas.microsoft.com/office/drawing/2010/main" Requires="a14">
+      <mc:AlternateContent xmlns:mc="http://schemas.openxmlformats.org/markup-compatibility/2006" xmlns:a14="http://schemas.microsoft.com/office/drawing/2010/main">
+        <mc:Choice Requires="a14">
           <p:sp>
             <p:nvSpPr>
               <p:cNvPr id="34" name="正方形/長方形 33"/>
@@ -14088,7 +14088,7 @@
             </p:txBody>
           </p:sp>
         </mc:Choice>
-        <mc:Fallback>
+        <mc:Fallback xmlns="">
           <p:sp>
             <p:nvSpPr>
               <p:cNvPr id="34" name="正方形/長方形 33"/>
@@ -14466,14 +14466,14 @@
                         </m:e>
                         <m:sup>
                           <m:r>
-                            <a:rPr lang="el-GR" altLang="ja-JP" sz="3600" i="1">
+                            <a:rPr lang="en-US" altLang="ja-JP" sz="3600" b="0" i="1" smtClean="0">
                               <a:solidFill>
                                 <a:schemeClr val="tx1"/>
                               </a:solidFill>
                               <a:latin typeface="Cambria Math" panose="02040503050406030204" pitchFamily="18" charset="0"/>
                               <a:ea typeface="Cambria Math" panose="02040503050406030204" pitchFamily="18" charset="0"/>
                             </a:rPr>
-                            <m:t>†</m:t>
+                            <m:t>𝑡</m:t>
                           </m:r>
                         </m:sup>
                       </m:sSup>
@@ -14515,7 +14515,7 @@
               <a:blipFill>
                 <a:blip r:embed="rId10"/>
                 <a:stretch>
-                  <a:fillRect r="-833"/>
+                  <a:fillRect/>
                 </a:stretch>
               </a:blipFill>
               <a:ln>
@@ -14640,7 +14640,7 @@
         <p:spPr>
           <a:xfrm>
             <a:off x="6714296" y="1988840"/>
-            <a:ext cx="264816" cy="369332"/>
+            <a:ext cx="349776" cy="369332"/>
           </a:xfrm>
           <a:prstGeom prst="rect">
             <a:avLst/>
@@ -14655,7 +14655,7 @@
           <a:p>
             <a:r>
               <a:rPr lang="en-US" altLang="ja-JP" dirty="0" smtClean="0"/>
-              <a:t>r</a:t>
+              <a:t>w</a:t>
             </a:r>
             <a:endParaRPr kumimoji="1" lang="ja-JP" altLang="en-US" dirty="0"/>
           </a:p>
@@ -14740,8 +14740,8 @@
           </a:p>
         </p:txBody>
       </p:sp>
-      <mc:AlternateContent xmlns:mc="http://schemas.openxmlformats.org/markup-compatibility/2006">
-        <mc:Choice xmlns:a14="http://schemas.microsoft.com/office/drawing/2010/main" Requires="a14">
+      <mc:AlternateContent xmlns:mc="http://schemas.openxmlformats.org/markup-compatibility/2006" xmlns:a14="http://schemas.microsoft.com/office/drawing/2010/main">
+        <mc:Choice Requires="a14">
           <p:sp>
             <p:nvSpPr>
               <p:cNvPr id="47" name="正方形/長方形 46">
@@ -14837,7 +14837,7 @@
             </p:txBody>
           </p:sp>
         </mc:Choice>
-        <mc:Fallback>
+        <mc:Fallback xmlns="">
           <p:sp>
             <p:nvSpPr>
               <p:cNvPr id="47" name="正方形/長方形 46">
@@ -21712,8 +21712,8 @@
           <a:chExt cx="0" cy="0"/>
         </a:xfrm>
       </p:grpSpPr>
-      <mc:AlternateContent xmlns:mc="http://schemas.openxmlformats.org/markup-compatibility/2006">
-        <mc:Choice xmlns:a14="http://schemas.microsoft.com/office/drawing/2010/main" Requires="a14">
+      <mc:AlternateContent xmlns:mc="http://schemas.openxmlformats.org/markup-compatibility/2006" xmlns:a14="http://schemas.microsoft.com/office/drawing/2010/main">
+        <mc:Choice Requires="a14">
           <p:sp>
             <p:nvSpPr>
               <p:cNvPr id="2" name="正方形/長方形 1">
@@ -21809,7 +21809,7 @@
             </p:txBody>
           </p:sp>
         </mc:Choice>
-        <mc:Fallback>
+        <mc:Fallback xmlns="">
           <p:sp>
             <p:nvSpPr>
               <p:cNvPr id="2" name="正方形/長方形 1">
@@ -21859,8 +21859,8 @@
           </p:sp>
         </mc:Fallback>
       </mc:AlternateContent>
-      <mc:AlternateContent xmlns:mc="http://schemas.openxmlformats.org/markup-compatibility/2006">
-        <mc:Choice xmlns:a14="http://schemas.microsoft.com/office/drawing/2010/main" Requires="a14">
+      <mc:AlternateContent xmlns:mc="http://schemas.openxmlformats.org/markup-compatibility/2006" xmlns:a14="http://schemas.microsoft.com/office/drawing/2010/main">
+        <mc:Choice Requires="a14">
           <p:sp>
             <p:nvSpPr>
               <p:cNvPr id="3" name="正方形/長方形 2">
@@ -21956,7 +21956,7 @@
             </p:txBody>
           </p:sp>
         </mc:Choice>
-        <mc:Fallback>
+        <mc:Fallback xmlns="">
           <p:sp>
             <p:nvSpPr>
               <p:cNvPr id="3" name="正方形/長方形 2">
@@ -22471,8 +22471,8 @@
           </a:p>
         </p:txBody>
       </p:sp>
-      <mc:AlternateContent xmlns:mc="http://schemas.openxmlformats.org/markup-compatibility/2006">
-        <mc:Choice xmlns:a14="http://schemas.microsoft.com/office/drawing/2010/main" Requires="a14">
+      <mc:AlternateContent xmlns:mc="http://schemas.openxmlformats.org/markup-compatibility/2006" xmlns:a14="http://schemas.microsoft.com/office/drawing/2010/main">
+        <mc:Choice Requires="a14">
           <p:sp>
             <p:nvSpPr>
               <p:cNvPr id="15" name="テキスト ボックス 14">
@@ -22523,7 +22523,7 @@
             </p:txBody>
           </p:sp>
         </mc:Choice>
-        <mc:Fallback>
+        <mc:Fallback xmlns="">
           <p:sp>
             <p:nvSpPr>
               <p:cNvPr id="15" name="テキスト ボックス 14">
@@ -23875,8 +23875,8 @@
           </a:p>
         </p:txBody>
       </p:sp>
-      <mc:AlternateContent xmlns:mc="http://schemas.openxmlformats.org/markup-compatibility/2006">
-        <mc:Choice xmlns:a14="http://schemas.microsoft.com/office/drawing/2010/main" Requires="a14">
+      <mc:AlternateContent xmlns:mc="http://schemas.openxmlformats.org/markup-compatibility/2006" xmlns:a14="http://schemas.microsoft.com/office/drawing/2010/main">
+        <mc:Choice Requires="a14">
           <p:sp>
             <p:nvSpPr>
               <p:cNvPr id="36" name="テキスト ボックス 35"/>
@@ -23920,7 +23920,7 @@
             </p:txBody>
           </p:sp>
         </mc:Choice>
-        <mc:Fallback>
+        <mc:Fallback xmlns="">
           <p:sp>
             <p:nvSpPr>
               <p:cNvPr id="36" name="テキスト ボックス 35"/>
@@ -24243,8 +24243,8 @@
           </a:p>
         </p:txBody>
       </p:sp>
-      <mc:AlternateContent xmlns:mc="http://schemas.openxmlformats.org/markup-compatibility/2006">
-        <mc:Choice xmlns:a14="http://schemas.microsoft.com/office/drawing/2010/main" Requires="a14">
+      <mc:AlternateContent xmlns:mc="http://schemas.openxmlformats.org/markup-compatibility/2006" xmlns:a14="http://schemas.microsoft.com/office/drawing/2010/main">
+        <mc:Choice Requires="a14">
           <p:sp>
             <p:nvSpPr>
               <p:cNvPr id="44" name="テキスト ボックス 43"/>
@@ -24288,7 +24288,7 @@
             </p:txBody>
           </p:sp>
         </mc:Choice>
-        <mc:Fallback>
+        <mc:Fallback xmlns="">
           <p:sp>
             <p:nvSpPr>
               <p:cNvPr id="44" name="テキスト ボックス 43"/>
@@ -24327,8 +24327,8 @@
           </p:sp>
         </mc:Fallback>
       </mc:AlternateContent>
-      <mc:AlternateContent xmlns:mc="http://schemas.openxmlformats.org/markup-compatibility/2006">
-        <mc:Choice xmlns:a14="http://schemas.microsoft.com/office/drawing/2010/main" Requires="a14">
+      <mc:AlternateContent xmlns:mc="http://schemas.openxmlformats.org/markup-compatibility/2006" xmlns:a14="http://schemas.microsoft.com/office/drawing/2010/main">
+        <mc:Choice Requires="a14">
           <p:sp>
             <p:nvSpPr>
               <p:cNvPr id="45" name="テキスト ボックス 44"/>
@@ -24394,7 +24394,7 @@
             </p:txBody>
           </p:sp>
         </mc:Choice>
-        <mc:Fallback>
+        <mc:Fallback xmlns="">
           <p:sp>
             <p:nvSpPr>
               <p:cNvPr id="45" name="テキスト ボックス 44"/>
@@ -24433,8 +24433,8 @@
           </p:sp>
         </mc:Fallback>
       </mc:AlternateContent>
-      <mc:AlternateContent xmlns:mc="http://schemas.openxmlformats.org/markup-compatibility/2006">
-        <mc:Choice xmlns:a14="http://schemas.microsoft.com/office/drawing/2010/main" Requires="a14">
+      <mc:AlternateContent xmlns:mc="http://schemas.openxmlformats.org/markup-compatibility/2006" xmlns:a14="http://schemas.microsoft.com/office/drawing/2010/main">
+        <mc:Choice Requires="a14">
           <p:sp>
             <p:nvSpPr>
               <p:cNvPr id="46" name="テキスト ボックス 45"/>
@@ -24478,7 +24478,7 @@
             </p:txBody>
           </p:sp>
         </mc:Choice>
-        <mc:Fallback>
+        <mc:Fallback xmlns="">
           <p:sp>
             <p:nvSpPr>
               <p:cNvPr id="46" name="テキスト ボックス 45"/>
@@ -24517,8 +24517,8 @@
           </p:sp>
         </mc:Fallback>
       </mc:AlternateContent>
-      <mc:AlternateContent xmlns:mc="http://schemas.openxmlformats.org/markup-compatibility/2006">
-        <mc:Choice xmlns:a14="http://schemas.microsoft.com/office/drawing/2010/main" Requires="a14">
+      <mc:AlternateContent xmlns:mc="http://schemas.openxmlformats.org/markup-compatibility/2006" xmlns:a14="http://schemas.microsoft.com/office/drawing/2010/main">
+        <mc:Choice Requires="a14">
           <p:sp>
             <p:nvSpPr>
               <p:cNvPr id="47" name="テキスト ボックス 46"/>
@@ -24584,7 +24584,7 @@
             </p:txBody>
           </p:sp>
         </mc:Choice>
-        <mc:Fallback>
+        <mc:Fallback xmlns="">
           <p:sp>
             <p:nvSpPr>
               <p:cNvPr id="47" name="テキスト ボックス 46"/>
@@ -24623,8 +24623,8 @@
           </p:sp>
         </mc:Fallback>
       </mc:AlternateContent>
-      <mc:AlternateContent xmlns:mc="http://schemas.openxmlformats.org/markup-compatibility/2006">
-        <mc:Choice xmlns:a14="http://schemas.microsoft.com/office/drawing/2010/main" Requires="a14">
+      <mc:AlternateContent xmlns:mc="http://schemas.openxmlformats.org/markup-compatibility/2006" xmlns:a14="http://schemas.microsoft.com/office/drawing/2010/main">
+        <mc:Choice Requires="a14">
           <p:sp>
             <p:nvSpPr>
               <p:cNvPr id="48" name="テキスト ボックス 47"/>
@@ -24668,7 +24668,7 @@
             </p:txBody>
           </p:sp>
         </mc:Choice>
-        <mc:Fallback>
+        <mc:Fallback xmlns="">
           <p:sp>
             <p:nvSpPr>
               <p:cNvPr id="48" name="テキスト ボックス 47"/>
@@ -25261,8 +25261,8 @@
           </a:p>
         </p:txBody>
       </p:sp>
-      <mc:AlternateContent xmlns:mc="http://schemas.openxmlformats.org/markup-compatibility/2006">
-        <mc:Choice xmlns:a14="http://schemas.microsoft.com/office/drawing/2010/main" Requires="a14">
+      <mc:AlternateContent xmlns:mc="http://schemas.openxmlformats.org/markup-compatibility/2006" xmlns:a14="http://schemas.microsoft.com/office/drawing/2010/main">
+        <mc:Choice Requires="a14">
           <p:sp>
             <p:nvSpPr>
               <p:cNvPr id="95" name="テキスト ボックス 94"/>
@@ -25306,7 +25306,7 @@
             </p:txBody>
           </p:sp>
         </mc:Choice>
-        <mc:Fallback>
+        <mc:Fallback xmlns="">
           <p:sp>
             <p:nvSpPr>
               <p:cNvPr id="95" name="テキスト ボックス 94"/>
@@ -25629,8 +25629,8 @@
           </a:p>
         </p:txBody>
       </p:sp>
-      <mc:AlternateContent xmlns:mc="http://schemas.openxmlformats.org/markup-compatibility/2006">
-        <mc:Choice xmlns:a14="http://schemas.microsoft.com/office/drawing/2010/main" Requires="a14">
+      <mc:AlternateContent xmlns:mc="http://schemas.openxmlformats.org/markup-compatibility/2006" xmlns:a14="http://schemas.microsoft.com/office/drawing/2010/main">
+        <mc:Choice Requires="a14">
           <p:sp>
             <p:nvSpPr>
               <p:cNvPr id="103" name="テキスト ボックス 102"/>
@@ -25686,7 +25686,7 @@
             </p:txBody>
           </p:sp>
         </mc:Choice>
-        <mc:Fallback>
+        <mc:Fallback xmlns="">
           <p:sp>
             <p:nvSpPr>
               <p:cNvPr id="103" name="テキスト ボックス 102"/>
@@ -25725,8 +25725,8 @@
           </p:sp>
         </mc:Fallback>
       </mc:AlternateContent>
-      <mc:AlternateContent xmlns:mc="http://schemas.openxmlformats.org/markup-compatibility/2006">
-        <mc:Choice xmlns:a14="http://schemas.microsoft.com/office/drawing/2010/main" Requires="a14">
+      <mc:AlternateContent xmlns:mc="http://schemas.openxmlformats.org/markup-compatibility/2006" xmlns:a14="http://schemas.microsoft.com/office/drawing/2010/main">
+        <mc:Choice Requires="a14">
           <p:sp>
             <p:nvSpPr>
               <p:cNvPr id="104" name="テキスト ボックス 103"/>
@@ -25792,7 +25792,7 @@
             </p:txBody>
           </p:sp>
         </mc:Choice>
-        <mc:Fallback>
+        <mc:Fallback xmlns="">
           <p:sp>
             <p:nvSpPr>
               <p:cNvPr id="104" name="テキスト ボックス 103"/>
@@ -25831,8 +25831,8 @@
           </p:sp>
         </mc:Fallback>
       </mc:AlternateContent>
-      <mc:AlternateContent xmlns:mc="http://schemas.openxmlformats.org/markup-compatibility/2006">
-        <mc:Choice xmlns:a14="http://schemas.microsoft.com/office/drawing/2010/main" Requires="a14">
+      <mc:AlternateContent xmlns:mc="http://schemas.openxmlformats.org/markup-compatibility/2006" xmlns:a14="http://schemas.microsoft.com/office/drawing/2010/main">
+        <mc:Choice Requires="a14">
           <p:sp>
             <p:nvSpPr>
               <p:cNvPr id="105" name="テキスト ボックス 104"/>
@@ -25888,7 +25888,7 @@
             </p:txBody>
           </p:sp>
         </mc:Choice>
-        <mc:Fallback>
+        <mc:Fallback xmlns="">
           <p:sp>
             <p:nvSpPr>
               <p:cNvPr id="105" name="テキスト ボックス 104"/>
@@ -25927,8 +25927,8 @@
           </p:sp>
         </mc:Fallback>
       </mc:AlternateContent>
-      <mc:AlternateContent xmlns:mc="http://schemas.openxmlformats.org/markup-compatibility/2006">
-        <mc:Choice xmlns:a14="http://schemas.microsoft.com/office/drawing/2010/main" Requires="a14">
+      <mc:AlternateContent xmlns:mc="http://schemas.openxmlformats.org/markup-compatibility/2006" xmlns:a14="http://schemas.microsoft.com/office/drawing/2010/main">
+        <mc:Choice Requires="a14">
           <p:sp>
             <p:nvSpPr>
               <p:cNvPr id="106" name="テキスト ボックス 105"/>
@@ -26007,7 +26007,7 @@
             </p:txBody>
           </p:sp>
         </mc:Choice>
-        <mc:Fallback>
+        <mc:Fallback xmlns="">
           <p:sp>
             <p:nvSpPr>
               <p:cNvPr id="106" name="テキスト ボックス 105"/>
@@ -26046,8 +26046,8 @@
           </p:sp>
         </mc:Fallback>
       </mc:AlternateContent>
-      <mc:AlternateContent xmlns:mc="http://schemas.openxmlformats.org/markup-compatibility/2006">
-        <mc:Choice xmlns:a14="http://schemas.microsoft.com/office/drawing/2010/main" Requires="a14">
+      <mc:AlternateContent xmlns:mc="http://schemas.openxmlformats.org/markup-compatibility/2006" xmlns:a14="http://schemas.microsoft.com/office/drawing/2010/main">
+        <mc:Choice Requires="a14">
           <p:sp>
             <p:nvSpPr>
               <p:cNvPr id="107" name="テキスト ボックス 106"/>
@@ -26103,7 +26103,7 @@
             </p:txBody>
           </p:sp>
         </mc:Choice>
-        <mc:Fallback>
+        <mc:Fallback xmlns="">
           <p:sp>
             <p:nvSpPr>
               <p:cNvPr id="107" name="テキスト ボックス 106"/>
@@ -26514,8 +26514,8 @@
           </a:p>
         </p:txBody>
       </p:sp>
-      <mc:AlternateContent xmlns:mc="http://schemas.openxmlformats.org/markup-compatibility/2006">
-        <mc:Choice xmlns:a14="http://schemas.microsoft.com/office/drawing/2010/main" Requires="a14">
+      <mc:AlternateContent xmlns:mc="http://schemas.openxmlformats.org/markup-compatibility/2006" xmlns:a14="http://schemas.microsoft.com/office/drawing/2010/main">
+        <mc:Choice Requires="a14">
           <p:sp>
             <p:nvSpPr>
               <p:cNvPr id="120" name="テキスト ボックス 119"/>
@@ -26559,7 +26559,7 @@
             </p:txBody>
           </p:sp>
         </mc:Choice>
-        <mc:Fallback>
+        <mc:Fallback xmlns="">
           <p:sp>
             <p:nvSpPr>
               <p:cNvPr id="120" name="テキスト ボックス 119"/>
@@ -26641,8 +26641,8 @@
           </a:p>
         </p:txBody>
       </p:sp>
-      <mc:AlternateContent xmlns:mc="http://schemas.openxmlformats.org/markup-compatibility/2006">
-        <mc:Choice xmlns:a14="http://schemas.microsoft.com/office/drawing/2010/main" Requires="a14">
+      <mc:AlternateContent xmlns:mc="http://schemas.openxmlformats.org/markup-compatibility/2006" xmlns:a14="http://schemas.microsoft.com/office/drawing/2010/main">
+        <mc:Choice Requires="a14">
           <p:sp>
             <p:nvSpPr>
               <p:cNvPr id="122" name="テキスト ボックス 121"/>
@@ -26686,7 +26686,7 @@
             </p:txBody>
           </p:sp>
         </mc:Choice>
-        <mc:Fallback>
+        <mc:Fallback xmlns="">
           <p:sp>
             <p:nvSpPr>
               <p:cNvPr id="122" name="テキスト ボックス 121"/>
@@ -26873,8 +26873,8 @@
           </a:fontRef>
         </p:style>
       </p:cxnSp>
-      <mc:AlternateContent xmlns:mc="http://schemas.openxmlformats.org/markup-compatibility/2006">
-        <mc:Choice xmlns:a14="http://schemas.microsoft.com/office/drawing/2010/main" Requires="a14">
+      <mc:AlternateContent xmlns:mc="http://schemas.openxmlformats.org/markup-compatibility/2006" xmlns:a14="http://schemas.microsoft.com/office/drawing/2010/main">
+        <mc:Choice Requires="a14">
           <p:sp>
             <p:nvSpPr>
               <p:cNvPr id="134" name="テキスト ボックス 133"/>
@@ -26930,7 +26930,7 @@
             </p:txBody>
           </p:sp>
         </mc:Choice>
-        <mc:Fallback>
+        <mc:Fallback xmlns="">
           <p:sp>
             <p:nvSpPr>
               <p:cNvPr id="134" name="テキスト ボックス 133"/>
@@ -27085,8 +27085,8 @@
           </a:p>
         </p:txBody>
       </p:sp>
-      <mc:AlternateContent xmlns:mc="http://schemas.openxmlformats.org/markup-compatibility/2006">
-        <mc:Choice xmlns:a14="http://schemas.microsoft.com/office/drawing/2010/main" Requires="a14">
+      <mc:AlternateContent xmlns:mc="http://schemas.openxmlformats.org/markup-compatibility/2006" xmlns:a14="http://schemas.microsoft.com/office/drawing/2010/main">
+        <mc:Choice Requires="a14">
           <p:sp>
             <p:nvSpPr>
               <p:cNvPr id="138" name="テキスト ボックス 137"/>
@@ -27130,7 +27130,7 @@
             </p:txBody>
           </p:sp>
         </mc:Choice>
-        <mc:Fallback>
+        <mc:Fallback xmlns="">
           <p:sp>
             <p:nvSpPr>
               <p:cNvPr id="138" name="テキスト ボックス 137"/>
@@ -27252,8 +27252,8 @@
           </a:p>
         </p:txBody>
       </p:sp>
-      <mc:AlternateContent xmlns:mc="http://schemas.openxmlformats.org/markup-compatibility/2006">
-        <mc:Choice xmlns:a14="http://schemas.microsoft.com/office/drawing/2010/main" Requires="a14">
+      <mc:AlternateContent xmlns:mc="http://schemas.openxmlformats.org/markup-compatibility/2006" xmlns:a14="http://schemas.microsoft.com/office/drawing/2010/main">
+        <mc:Choice Requires="a14">
           <p:sp>
             <p:nvSpPr>
               <p:cNvPr id="141" name="テキスト ボックス 140"/>
@@ -27319,7 +27319,7 @@
             </p:txBody>
           </p:sp>
         </mc:Choice>
-        <mc:Fallback>
+        <mc:Fallback xmlns="">
           <p:sp>
             <p:nvSpPr>
               <p:cNvPr id="141" name="テキスト ボックス 140"/>
@@ -27900,8 +27900,8 @@
           </a:p>
         </p:txBody>
       </p:sp>
-      <mc:AlternateContent xmlns:mc="http://schemas.openxmlformats.org/markup-compatibility/2006">
-        <mc:Choice xmlns:a14="http://schemas.microsoft.com/office/drawing/2010/main" Requires="a14">
+      <mc:AlternateContent xmlns:mc="http://schemas.openxmlformats.org/markup-compatibility/2006" xmlns:a14="http://schemas.microsoft.com/office/drawing/2010/main">
+        <mc:Choice Requires="a14">
           <p:sp>
             <p:nvSpPr>
               <p:cNvPr id="11" name="テキスト ボックス 10">
@@ -28057,7 +28057,7 @@
             </p:txBody>
           </p:sp>
         </mc:Choice>
-        <mc:Fallback>
+        <mc:Fallback xmlns="">
           <p:sp>
             <p:nvSpPr>
               <p:cNvPr id="11" name="テキスト ボックス 10">
@@ -28296,8 +28296,8 @@
           </a:p>
         </p:txBody>
       </p:sp>
-      <mc:AlternateContent xmlns:mc="http://schemas.openxmlformats.org/markup-compatibility/2006">
-        <mc:Choice xmlns:a14="http://schemas.microsoft.com/office/drawing/2010/main" Requires="a14">
+      <mc:AlternateContent xmlns:mc="http://schemas.openxmlformats.org/markup-compatibility/2006" xmlns:a14="http://schemas.microsoft.com/office/drawing/2010/main">
+        <mc:Choice Requires="a14">
           <p:sp>
             <p:nvSpPr>
               <p:cNvPr id="17" name="テキスト ボックス 16">
@@ -28348,7 +28348,7 @@
             </p:txBody>
           </p:sp>
         </mc:Choice>
-        <mc:Fallback>
+        <mc:Fallback xmlns="">
           <p:sp>
             <p:nvSpPr>
               <p:cNvPr id="17" name="テキスト ボックス 16">
@@ -28423,8 +28423,8 @@
           <a:chExt cx="0" cy="0"/>
         </a:xfrm>
       </p:grpSpPr>
-      <mc:AlternateContent xmlns:mc="http://schemas.openxmlformats.org/markup-compatibility/2006">
-        <mc:Choice xmlns:a14="http://schemas.microsoft.com/office/drawing/2010/main" Requires="a14">
+      <mc:AlternateContent xmlns:mc="http://schemas.openxmlformats.org/markup-compatibility/2006" xmlns:a14="http://schemas.microsoft.com/office/drawing/2010/main">
+        <mc:Choice Requires="a14">
           <p:sp>
             <p:nvSpPr>
               <p:cNvPr id="2" name="正方形/長方形 1">
@@ -28520,7 +28520,7 @@
             </p:txBody>
           </p:sp>
         </mc:Choice>
-        <mc:Fallback>
+        <mc:Fallback xmlns="">
           <p:sp>
             <p:nvSpPr>
               <p:cNvPr id="2" name="正方形/長方形 1">
@@ -28570,8 +28570,8 @@
           </p:sp>
         </mc:Fallback>
       </mc:AlternateContent>
-      <mc:AlternateContent xmlns:mc="http://schemas.openxmlformats.org/markup-compatibility/2006">
-        <mc:Choice xmlns:a14="http://schemas.microsoft.com/office/drawing/2010/main" Requires="a14">
+      <mc:AlternateContent xmlns:mc="http://schemas.openxmlformats.org/markup-compatibility/2006" xmlns:a14="http://schemas.microsoft.com/office/drawing/2010/main">
+        <mc:Choice Requires="a14">
           <p:sp>
             <p:nvSpPr>
               <p:cNvPr id="3" name="正方形/長方形 2">
@@ -28667,7 +28667,7 @@
             </p:txBody>
           </p:sp>
         </mc:Choice>
-        <mc:Fallback>
+        <mc:Fallback xmlns="">
           <p:sp>
             <p:nvSpPr>
               <p:cNvPr id="3" name="正方形/長方形 2">
@@ -28988,8 +28988,8 @@
           </a:p>
         </p:txBody>
       </p:sp>
-      <mc:AlternateContent xmlns:mc="http://schemas.openxmlformats.org/markup-compatibility/2006">
-        <mc:Choice xmlns:a14="http://schemas.microsoft.com/office/drawing/2010/main" Requires="a14">
+      <mc:AlternateContent xmlns:mc="http://schemas.openxmlformats.org/markup-compatibility/2006" xmlns:a14="http://schemas.microsoft.com/office/drawing/2010/main">
+        <mc:Choice Requires="a14">
           <p:sp>
             <p:nvSpPr>
               <p:cNvPr id="15" name="テキスト ボックス 14">
@@ -29181,7 +29181,7 @@
             </p:txBody>
           </p:sp>
         </mc:Choice>
-        <mc:Fallback>
+        <mc:Fallback xmlns="">
           <p:sp>
             <p:nvSpPr>
               <p:cNvPr id="15" name="テキスト ボックス 14">
@@ -30170,8 +30170,8 @@
           </a:p>
         </p:txBody>
       </p:sp>
-      <mc:AlternateContent xmlns:mc="http://schemas.openxmlformats.org/markup-compatibility/2006">
-        <mc:Choice xmlns:a14="http://schemas.microsoft.com/office/drawing/2010/main" Requires="a14">
+      <mc:AlternateContent xmlns:mc="http://schemas.openxmlformats.org/markup-compatibility/2006" xmlns:a14="http://schemas.microsoft.com/office/drawing/2010/main">
+        <mc:Choice Requires="a14">
           <p:sp>
             <p:nvSpPr>
               <p:cNvPr id="37" name="テキスト ボックス 36">
@@ -30222,7 +30222,7 @@
             </p:txBody>
           </p:sp>
         </mc:Choice>
-        <mc:Fallback>
+        <mc:Fallback xmlns="">
           <p:sp>
             <p:nvSpPr>
               <p:cNvPr id="37" name="テキスト ボックス 36">
@@ -30267,8 +30267,8 @@
           </p:sp>
         </mc:Fallback>
       </mc:AlternateContent>
-      <mc:AlternateContent xmlns:mc="http://schemas.openxmlformats.org/markup-compatibility/2006">
-        <mc:Choice xmlns:a14="http://schemas.microsoft.com/office/drawing/2010/main" Requires="a14">
+      <mc:AlternateContent xmlns:mc="http://schemas.openxmlformats.org/markup-compatibility/2006" xmlns:a14="http://schemas.microsoft.com/office/drawing/2010/main">
+        <mc:Choice Requires="a14">
           <p:sp>
             <p:nvSpPr>
               <p:cNvPr id="38" name="テキスト ボックス 37">
@@ -30319,7 +30319,7 @@
             </p:txBody>
           </p:sp>
         </mc:Choice>
-        <mc:Fallback>
+        <mc:Fallback xmlns="">
           <p:sp>
             <p:nvSpPr>
               <p:cNvPr id="38" name="テキスト ボックス 37">
